--- a/RefactoringToCleanerCode.pptx
+++ b/RefactoringToCleanerCode.pptx
@@ -5,12 +5,16 @@
     <p:sldMasterId id="2147483658" r:id="rId1"/>
   </p:sldMasterIdLst>
   <p:notesMasterIdLst>
-    <p:notesMasterId r:id="rId5"/>
+    <p:notesMasterId r:id="rId9"/>
   </p:notesMasterIdLst>
   <p:sldIdLst>
     <p:sldId id="256" r:id="rId2"/>
-    <p:sldId id="288" r:id="rId3"/>
-    <p:sldId id="278" r:id="rId4"/>
+    <p:sldId id="262" r:id="rId3"/>
+    <p:sldId id="263" r:id="rId4"/>
+    <p:sldId id="260" r:id="rId5"/>
+    <p:sldId id="289" r:id="rId6"/>
+    <p:sldId id="288" r:id="rId7"/>
+    <p:sldId id="278" r:id="rId8"/>
   </p:sldIdLst>
   <p:sldSz cx="9144000" cy="5143500" type="screen16x9"/>
   <p:notesSz cx="6858000" cy="9144000"/>
@@ -801,6 +805,333 @@
   <p:cSld>
     <p:spTree>
       <p:nvGrpSpPr>
+        <p:cNvPr id="1" name="Shape 90"/>
+        <p:cNvGrpSpPr/>
+        <p:nvPr/>
+      </p:nvGrpSpPr>
+      <p:grpSpPr>
+        <a:xfrm>
+          <a:off x="0" y="0"/>
+          <a:ext cx="0" cy="0"/>
+          <a:chOff x="0" y="0"/>
+          <a:chExt cx="0" cy="0"/>
+        </a:xfrm>
+      </p:grpSpPr>
+      <p:sp>
+        <p:nvSpPr>
+          <p:cNvPr id="91" name="Google Shape;91;g35ed75ccf_015:notes"/>
+          <p:cNvSpPr>
+            <a:spLocks noGrp="1" noRot="1" noChangeAspect="1"/>
+          </p:cNvSpPr>
+          <p:nvPr>
+            <p:ph type="sldImg" idx="2"/>
+          </p:nvPr>
+        </p:nvSpPr>
+        <p:spPr>
+          <a:xfrm>
+            <a:off x="381000" y="685800"/>
+            <a:ext cx="6096000" cy="3429000"/>
+          </a:xfrm>
+          <a:custGeom>
+            <a:avLst/>
+            <a:gdLst/>
+            <a:ahLst/>
+            <a:cxnLst/>
+            <a:rect l="l" t="t" r="r" b="b"/>
+            <a:pathLst>
+              <a:path w="120000" h="120000" extrusionOk="0">
+                <a:moveTo>
+                  <a:pt x="0" y="0"/>
+                </a:moveTo>
+                <a:lnTo>
+                  <a:pt x="120000" y="0"/>
+                </a:lnTo>
+                <a:lnTo>
+                  <a:pt x="120000" y="120000"/>
+                </a:lnTo>
+                <a:lnTo>
+                  <a:pt x="0" y="120000"/>
+                </a:lnTo>
+                <a:close/>
+              </a:path>
+            </a:pathLst>
+          </a:custGeom>
+        </p:spPr>
+      </p:sp>
+      <p:sp>
+        <p:nvSpPr>
+          <p:cNvPr id="92" name="Google Shape;92;g35ed75ccf_015:notes"/>
+          <p:cNvSpPr txBox="1">
+            <a:spLocks noGrp="1"/>
+          </p:cNvSpPr>
+          <p:nvPr>
+            <p:ph type="body" idx="1"/>
+          </p:nvPr>
+        </p:nvSpPr>
+        <p:spPr>
+          <a:xfrm>
+            <a:off x="685800" y="4343400"/>
+            <a:ext cx="5486400" cy="4114800"/>
+          </a:xfrm>
+          <a:prstGeom prst="rect">
+            <a:avLst/>
+          </a:prstGeom>
+        </p:spPr>
+        <p:txBody>
+          <a:bodyPr spcFirstLastPara="1" wrap="square" lIns="91425" tIns="91425" rIns="91425" bIns="91425" anchor="t" anchorCtr="0">
+            <a:noAutofit/>
+          </a:bodyPr>
+          <a:lstStyle/>
+          <a:p>
+            <a:pPr marL="0" lvl="0" indent="0" algn="l" rtl="0">
+              <a:spcBef>
+                <a:spcPts val="0"/>
+              </a:spcBef>
+              <a:spcAft>
+                <a:spcPts val="0"/>
+              </a:spcAft>
+              <a:buNone/>
+            </a:pPr>
+            <a:endParaRPr/>
+          </a:p>
+        </p:txBody>
+      </p:sp>
+    </p:spTree>
+    <p:extLst>
+      <p:ext uri="{BB962C8B-B14F-4D97-AF65-F5344CB8AC3E}">
+        <p14:creationId xmlns:p14="http://schemas.microsoft.com/office/powerpoint/2010/main" val="2829314234"/>
+      </p:ext>
+    </p:extLst>
+  </p:cSld>
+  <p:clrMapOvr>
+    <a:masterClrMapping/>
+  </p:clrMapOvr>
+</p:notes>
+</file>
+
+<file path=ppt/notesSlides/notesSlide3.xml><?xml version="1.0" encoding="utf-8"?>
+<p:notes xmlns:a="http://schemas.openxmlformats.org/drawingml/2006/main" xmlns:r="http://schemas.openxmlformats.org/officeDocument/2006/relationships" xmlns:p="http://schemas.openxmlformats.org/presentationml/2006/main" showMasterSp="0" showMasterPhAnim="0">
+  <p:cSld>
+    <p:spTree>
+      <p:nvGrpSpPr>
+        <p:cNvPr id="1" name="Shape 105"/>
+        <p:cNvGrpSpPr/>
+        <p:nvPr/>
+      </p:nvGrpSpPr>
+      <p:grpSpPr>
+        <a:xfrm>
+          <a:off x="0" y="0"/>
+          <a:ext cx="0" cy="0"/>
+          <a:chOff x="0" y="0"/>
+          <a:chExt cx="0" cy="0"/>
+        </a:xfrm>
+      </p:grpSpPr>
+      <p:sp>
+        <p:nvSpPr>
+          <p:cNvPr id="106" name="Google Shape;106;g35f391192_017:notes"/>
+          <p:cNvSpPr>
+            <a:spLocks noGrp="1" noRot="1" noChangeAspect="1"/>
+          </p:cNvSpPr>
+          <p:nvPr>
+            <p:ph type="sldImg" idx="2"/>
+          </p:nvPr>
+        </p:nvSpPr>
+        <p:spPr>
+          <a:xfrm>
+            <a:off x="381000" y="685800"/>
+            <a:ext cx="6096000" cy="3429000"/>
+          </a:xfrm>
+          <a:custGeom>
+            <a:avLst/>
+            <a:gdLst/>
+            <a:ahLst/>
+            <a:cxnLst/>
+            <a:rect l="l" t="t" r="r" b="b"/>
+            <a:pathLst>
+              <a:path w="120000" h="120000" extrusionOk="0">
+                <a:moveTo>
+                  <a:pt x="0" y="0"/>
+                </a:moveTo>
+                <a:lnTo>
+                  <a:pt x="120000" y="0"/>
+                </a:lnTo>
+                <a:lnTo>
+                  <a:pt x="120000" y="120000"/>
+                </a:lnTo>
+                <a:lnTo>
+                  <a:pt x="0" y="120000"/>
+                </a:lnTo>
+                <a:close/>
+              </a:path>
+            </a:pathLst>
+          </a:custGeom>
+        </p:spPr>
+      </p:sp>
+      <p:sp>
+        <p:nvSpPr>
+          <p:cNvPr id="107" name="Google Shape;107;g35f391192_017:notes"/>
+          <p:cNvSpPr txBox="1">
+            <a:spLocks noGrp="1"/>
+          </p:cNvSpPr>
+          <p:nvPr>
+            <p:ph type="body" idx="1"/>
+          </p:nvPr>
+        </p:nvSpPr>
+        <p:spPr>
+          <a:xfrm>
+            <a:off x="685800" y="4343400"/>
+            <a:ext cx="5486400" cy="4114800"/>
+          </a:xfrm>
+          <a:prstGeom prst="rect">
+            <a:avLst/>
+          </a:prstGeom>
+        </p:spPr>
+        <p:txBody>
+          <a:bodyPr spcFirstLastPara="1" wrap="square" lIns="91425" tIns="91425" rIns="91425" bIns="91425" anchor="t" anchorCtr="0">
+            <a:noAutofit/>
+          </a:bodyPr>
+          <a:lstStyle/>
+          <a:p>
+            <a:pPr marL="0" lvl="0" indent="0" algn="l" rtl="0">
+              <a:spcBef>
+                <a:spcPts val="0"/>
+              </a:spcBef>
+              <a:spcAft>
+                <a:spcPts val="0"/>
+              </a:spcAft>
+              <a:buNone/>
+            </a:pPr>
+            <a:endParaRPr/>
+          </a:p>
+        </p:txBody>
+      </p:sp>
+    </p:spTree>
+    <p:extLst>
+      <p:ext uri="{BB962C8B-B14F-4D97-AF65-F5344CB8AC3E}">
+        <p14:creationId xmlns:p14="http://schemas.microsoft.com/office/powerpoint/2010/main" val="3783233666"/>
+      </p:ext>
+    </p:extLst>
+  </p:cSld>
+  <p:clrMapOvr>
+    <a:masterClrMapping/>
+  </p:clrMapOvr>
+</p:notes>
+</file>
+
+<file path=ppt/notesSlides/notesSlide4.xml><?xml version="1.0" encoding="utf-8"?>
+<p:notes xmlns:a="http://schemas.openxmlformats.org/drawingml/2006/main" xmlns:r="http://schemas.openxmlformats.org/officeDocument/2006/relationships" xmlns:p="http://schemas.openxmlformats.org/presentationml/2006/main" showMasterSp="0" showMasterPhAnim="0">
+  <p:cSld>
+    <p:spTree>
+      <p:nvGrpSpPr>
+        <p:cNvPr id="1" name="Shape 77"/>
+        <p:cNvGrpSpPr/>
+        <p:nvPr/>
+      </p:nvGrpSpPr>
+      <p:grpSpPr>
+        <a:xfrm>
+          <a:off x="0" y="0"/>
+          <a:ext cx="0" cy="0"/>
+          <a:chOff x="0" y="0"/>
+          <a:chExt cx="0" cy="0"/>
+        </a:xfrm>
+      </p:grpSpPr>
+      <p:sp>
+        <p:nvSpPr>
+          <p:cNvPr id="78" name="Google Shape;78;g35f391192_09:notes"/>
+          <p:cNvSpPr>
+            <a:spLocks noGrp="1" noRot="1" noChangeAspect="1"/>
+          </p:cNvSpPr>
+          <p:nvPr>
+            <p:ph type="sldImg" idx="2"/>
+          </p:nvPr>
+        </p:nvSpPr>
+        <p:spPr>
+          <a:xfrm>
+            <a:off x="381000" y="685800"/>
+            <a:ext cx="6096000" cy="3429000"/>
+          </a:xfrm>
+          <a:custGeom>
+            <a:avLst/>
+            <a:gdLst/>
+            <a:ahLst/>
+            <a:cxnLst/>
+            <a:rect l="l" t="t" r="r" b="b"/>
+            <a:pathLst>
+              <a:path w="120000" h="120000" extrusionOk="0">
+                <a:moveTo>
+                  <a:pt x="0" y="0"/>
+                </a:moveTo>
+                <a:lnTo>
+                  <a:pt x="120000" y="0"/>
+                </a:lnTo>
+                <a:lnTo>
+                  <a:pt x="120000" y="120000"/>
+                </a:lnTo>
+                <a:lnTo>
+                  <a:pt x="0" y="120000"/>
+                </a:lnTo>
+                <a:close/>
+              </a:path>
+            </a:pathLst>
+          </a:custGeom>
+        </p:spPr>
+      </p:sp>
+      <p:sp>
+        <p:nvSpPr>
+          <p:cNvPr id="79" name="Google Shape;79;g35f391192_09:notes"/>
+          <p:cNvSpPr txBox="1">
+            <a:spLocks noGrp="1"/>
+          </p:cNvSpPr>
+          <p:nvPr>
+            <p:ph type="body" idx="1"/>
+          </p:nvPr>
+        </p:nvSpPr>
+        <p:spPr>
+          <a:xfrm>
+            <a:off x="685800" y="4343400"/>
+            <a:ext cx="5486400" cy="4114800"/>
+          </a:xfrm>
+          <a:prstGeom prst="rect">
+            <a:avLst/>
+          </a:prstGeom>
+        </p:spPr>
+        <p:txBody>
+          <a:bodyPr spcFirstLastPara="1" wrap="square" lIns="91425" tIns="91425" rIns="91425" bIns="91425" anchor="t" anchorCtr="0">
+            <a:noAutofit/>
+          </a:bodyPr>
+          <a:lstStyle/>
+          <a:p>
+            <a:pPr marL="0" lvl="0" indent="0" algn="l" rtl="0">
+              <a:spcBef>
+                <a:spcPts val="0"/>
+              </a:spcBef>
+              <a:spcAft>
+                <a:spcPts val="0"/>
+              </a:spcAft>
+              <a:buNone/>
+            </a:pPr>
+            <a:endParaRPr/>
+          </a:p>
+        </p:txBody>
+      </p:sp>
+    </p:spTree>
+    <p:extLst>
+      <p:ext uri="{BB962C8B-B14F-4D97-AF65-F5344CB8AC3E}">
+        <p14:creationId xmlns:p14="http://schemas.microsoft.com/office/powerpoint/2010/main" val="3538297406"/>
+      </p:ext>
+    </p:extLst>
+  </p:cSld>
+  <p:clrMapOvr>
+    <a:masterClrMapping/>
+  </p:clrMapOvr>
+</p:notes>
+</file>
+
+<file path=ppt/notesSlides/notesSlide5.xml><?xml version="1.0" encoding="utf-8"?>
+<p:notes xmlns:a="http://schemas.openxmlformats.org/drawingml/2006/main" xmlns:r="http://schemas.openxmlformats.org/officeDocument/2006/relationships" xmlns:p="http://schemas.openxmlformats.org/presentationml/2006/main" showMasterSp="0" showMasterPhAnim="0">
+  <p:cSld>
+    <p:spTree>
+      <p:nvGrpSpPr>
         <p:cNvPr id="1" name="Shape 274"/>
         <p:cNvGrpSpPr/>
         <p:nvPr/>
@@ -1663,6 +1994,959 @@
         </p:txBody>
       </p:sp>
     </p:spTree>
+  </p:cSld>
+  <p:clrMapOvr>
+    <a:masterClrMapping/>
+  </p:clrMapOvr>
+</p:sldLayout>
+</file>
+
+<file path=ppt/slideLayouts/slideLayout4.xml><?xml version="1.0" encoding="utf-8"?>
+<p:sldLayout xmlns:a="http://schemas.openxmlformats.org/drawingml/2006/main" xmlns:r="http://schemas.openxmlformats.org/officeDocument/2006/relationships" xmlns:p="http://schemas.openxmlformats.org/presentationml/2006/main" matchingName="Quote">
+  <p:cSld name="Quote">
+    <p:spTree>
+      <p:nvGrpSpPr>
+        <p:cNvPr id="1" name="Shape 17"/>
+        <p:cNvGrpSpPr/>
+        <p:nvPr/>
+      </p:nvGrpSpPr>
+      <p:grpSpPr>
+        <a:xfrm>
+          <a:off x="0" y="0"/>
+          <a:ext cx="0" cy="0"/>
+          <a:chOff x="0" y="0"/>
+          <a:chExt cx="0" cy="0"/>
+        </a:xfrm>
+      </p:grpSpPr>
+      <p:sp>
+        <p:nvSpPr>
+          <p:cNvPr id="18" name="Google Shape;18;p4"/>
+          <p:cNvSpPr/>
+          <p:nvPr/>
+        </p:nvSpPr>
+        <p:spPr>
+          <a:xfrm>
+            <a:off x="4136250" y="1321393"/>
+            <a:ext cx="871500" cy="868800"/>
+          </a:xfrm>
+          <a:prstGeom prst="ellipse">
+            <a:avLst/>
+          </a:prstGeom>
+          <a:solidFill>
+            <a:srgbClr val="EFEFEF"/>
+          </a:solidFill>
+          <a:ln>
+            <a:noFill/>
+          </a:ln>
+        </p:spPr>
+        <p:txBody>
+          <a:bodyPr spcFirstLastPara="1" wrap="square" lIns="91425" tIns="91425" rIns="91425" bIns="91425" anchor="ctr" anchorCtr="0">
+            <a:noAutofit/>
+          </a:bodyPr>
+          <a:lstStyle/>
+          <a:p>
+            <a:pPr marL="0" lvl="0" indent="0" algn="l" rtl="0">
+              <a:spcBef>
+                <a:spcPts val="0"/>
+              </a:spcBef>
+              <a:spcAft>
+                <a:spcPts val="0"/>
+              </a:spcAft>
+              <a:buNone/>
+            </a:pPr>
+            <a:endParaRPr/>
+          </a:p>
+        </p:txBody>
+      </p:sp>
+      <p:sp>
+        <p:nvSpPr>
+          <p:cNvPr id="19" name="Google Shape;19;p4"/>
+          <p:cNvSpPr txBox="1">
+            <a:spLocks noGrp="1"/>
+          </p:cNvSpPr>
+          <p:nvPr>
+            <p:ph type="body" idx="1"/>
+          </p:nvPr>
+        </p:nvSpPr>
+        <p:spPr>
+          <a:xfrm>
+            <a:off x="1659150" y="2161800"/>
+            <a:ext cx="5825700" cy="819900"/>
+          </a:xfrm>
+          <a:prstGeom prst="rect">
+            <a:avLst/>
+          </a:prstGeom>
+        </p:spPr>
+        <p:txBody>
+          <a:bodyPr spcFirstLastPara="1" wrap="square" lIns="91425" tIns="91425" rIns="91425" bIns="91425" anchor="t" anchorCtr="0">
+            <a:noAutofit/>
+          </a:bodyPr>
+          <a:lstStyle>
+            <a:lvl1pPr marL="457200" lvl="0" indent="-355600" algn="ctr" rtl="0">
+              <a:spcBef>
+                <a:spcPts val="600"/>
+              </a:spcBef>
+              <a:spcAft>
+                <a:spcPts val="0"/>
+              </a:spcAft>
+              <a:buSzPts val="2000"/>
+              <a:buChar char="▣"/>
+              <a:defRPr i="1"/>
+            </a:lvl1pPr>
+            <a:lvl2pPr marL="914400" lvl="1" indent="-355600" algn="ctr" rtl="0">
+              <a:spcBef>
+                <a:spcPts val="0"/>
+              </a:spcBef>
+              <a:spcAft>
+                <a:spcPts val="0"/>
+              </a:spcAft>
+              <a:buSzPts val="2000"/>
+              <a:buChar char="○"/>
+              <a:defRPr i="1"/>
+            </a:lvl2pPr>
+            <a:lvl3pPr marL="1371600" lvl="2" indent="-355600" algn="ctr" rtl="0">
+              <a:spcBef>
+                <a:spcPts val="0"/>
+              </a:spcBef>
+              <a:spcAft>
+                <a:spcPts val="0"/>
+              </a:spcAft>
+              <a:buSzPts val="2000"/>
+              <a:buChar char="■"/>
+              <a:defRPr i="1"/>
+            </a:lvl3pPr>
+            <a:lvl4pPr marL="1828800" lvl="3" indent="-355600" algn="ctr" rtl="0">
+              <a:spcBef>
+                <a:spcPts val="0"/>
+              </a:spcBef>
+              <a:spcAft>
+                <a:spcPts val="0"/>
+              </a:spcAft>
+              <a:buSzPts val="2000"/>
+              <a:buChar char="●"/>
+              <a:defRPr i="1"/>
+            </a:lvl4pPr>
+            <a:lvl5pPr marL="2286000" lvl="4" indent="-355600" algn="ctr" rtl="0">
+              <a:spcBef>
+                <a:spcPts val="0"/>
+              </a:spcBef>
+              <a:spcAft>
+                <a:spcPts val="0"/>
+              </a:spcAft>
+              <a:buSzPts val="2000"/>
+              <a:buChar char="○"/>
+              <a:defRPr i="1"/>
+            </a:lvl5pPr>
+            <a:lvl6pPr marL="2743200" lvl="5" indent="-355600" algn="ctr" rtl="0">
+              <a:spcBef>
+                <a:spcPts val="0"/>
+              </a:spcBef>
+              <a:spcAft>
+                <a:spcPts val="0"/>
+              </a:spcAft>
+              <a:buSzPts val="2000"/>
+              <a:buChar char="■"/>
+              <a:defRPr i="1"/>
+            </a:lvl6pPr>
+            <a:lvl7pPr marL="3200400" lvl="6" indent="-355600" algn="ctr" rtl="0">
+              <a:spcBef>
+                <a:spcPts val="0"/>
+              </a:spcBef>
+              <a:spcAft>
+                <a:spcPts val="0"/>
+              </a:spcAft>
+              <a:buSzPts val="2000"/>
+              <a:buChar char="●"/>
+              <a:defRPr i="1"/>
+            </a:lvl7pPr>
+            <a:lvl8pPr marL="3657600" lvl="7" indent="-355600" algn="ctr" rtl="0">
+              <a:spcBef>
+                <a:spcPts val="0"/>
+              </a:spcBef>
+              <a:spcAft>
+                <a:spcPts val="0"/>
+              </a:spcAft>
+              <a:buSzPts val="2000"/>
+              <a:buChar char="○"/>
+              <a:defRPr i="1"/>
+            </a:lvl8pPr>
+            <a:lvl9pPr marL="4114800" lvl="8" indent="-355600" algn="ctr">
+              <a:spcBef>
+                <a:spcPts val="0"/>
+              </a:spcBef>
+              <a:spcAft>
+                <a:spcPts val="0"/>
+              </a:spcAft>
+              <a:buSzPts val="2000"/>
+              <a:buChar char="■"/>
+              <a:defRPr i="1"/>
+            </a:lvl9pPr>
+          </a:lstStyle>
+          <a:p>
+            <a:endParaRPr/>
+          </a:p>
+        </p:txBody>
+      </p:sp>
+      <p:sp>
+        <p:nvSpPr>
+          <p:cNvPr id="20" name="Google Shape;20;p4"/>
+          <p:cNvSpPr txBox="1"/>
+          <p:nvPr/>
+        </p:nvSpPr>
+        <p:spPr>
+          <a:xfrm>
+            <a:off x="3593400" y="1391925"/>
+            <a:ext cx="1957200" cy="538200"/>
+          </a:xfrm>
+          <a:prstGeom prst="rect">
+            <a:avLst/>
+          </a:prstGeom>
+          <a:noFill/>
+          <a:ln>
+            <a:noFill/>
+          </a:ln>
+        </p:spPr>
+        <p:txBody>
+          <a:bodyPr spcFirstLastPara="1" wrap="square" lIns="91425" tIns="91425" rIns="91425" bIns="91425" anchor="t" anchorCtr="0">
+            <a:noAutofit/>
+          </a:bodyPr>
+          <a:lstStyle/>
+          <a:p>
+            <a:pPr marL="0" lvl="0" indent="0" algn="ctr" rtl="0">
+              <a:spcBef>
+                <a:spcPts val="0"/>
+              </a:spcBef>
+              <a:spcAft>
+                <a:spcPts val="0"/>
+              </a:spcAft>
+              <a:buNone/>
+            </a:pPr>
+            <a:r>
+              <a:rPr lang="en" sz="6000">
+                <a:solidFill>
+                  <a:srgbClr val="B7B7B7"/>
+                </a:solidFill>
+                <a:latin typeface="Playfair Display"/>
+                <a:ea typeface="Playfair Display"/>
+                <a:cs typeface="Playfair Display"/>
+                <a:sym typeface="Playfair Display"/>
+              </a:rPr>
+              <a:t>“</a:t>
+            </a:r>
+            <a:endParaRPr sz="6000">
+              <a:solidFill>
+                <a:srgbClr val="B7B7B7"/>
+              </a:solidFill>
+              <a:latin typeface="Playfair Display"/>
+              <a:ea typeface="Playfair Display"/>
+              <a:cs typeface="Playfair Display"/>
+              <a:sym typeface="Playfair Display"/>
+            </a:endParaRPr>
+          </a:p>
+        </p:txBody>
+      </p:sp>
+      <p:sp>
+        <p:nvSpPr>
+          <p:cNvPr id="21" name="Google Shape;21;p4"/>
+          <p:cNvSpPr txBox="1">
+            <a:spLocks noGrp="1"/>
+          </p:cNvSpPr>
+          <p:nvPr>
+            <p:ph type="sldNum" idx="12"/>
+          </p:nvPr>
+        </p:nvSpPr>
+        <p:spPr>
+          <a:xfrm>
+            <a:off x="4297650" y="4419838"/>
+            <a:ext cx="548700" cy="393600"/>
+          </a:xfrm>
+          <a:prstGeom prst="rect">
+            <a:avLst/>
+          </a:prstGeom>
+        </p:spPr>
+        <p:txBody>
+          <a:bodyPr spcFirstLastPara="1" wrap="square" lIns="91425" tIns="91425" rIns="91425" bIns="91425" anchor="b" anchorCtr="0">
+            <a:noAutofit/>
+          </a:bodyPr>
+          <a:lstStyle>
+            <a:lvl1pPr lvl="0">
+              <a:buNone/>
+              <a:defRPr/>
+            </a:lvl1pPr>
+            <a:lvl2pPr lvl="1">
+              <a:buNone/>
+              <a:defRPr/>
+            </a:lvl2pPr>
+            <a:lvl3pPr lvl="2">
+              <a:buNone/>
+              <a:defRPr/>
+            </a:lvl3pPr>
+            <a:lvl4pPr lvl="3">
+              <a:buNone/>
+              <a:defRPr/>
+            </a:lvl4pPr>
+            <a:lvl5pPr lvl="4">
+              <a:buNone/>
+              <a:defRPr/>
+            </a:lvl5pPr>
+            <a:lvl6pPr lvl="5">
+              <a:buNone/>
+              <a:defRPr/>
+            </a:lvl6pPr>
+            <a:lvl7pPr lvl="6">
+              <a:buNone/>
+              <a:defRPr/>
+            </a:lvl7pPr>
+            <a:lvl8pPr lvl="7">
+              <a:buNone/>
+              <a:defRPr/>
+            </a:lvl8pPr>
+            <a:lvl9pPr lvl="8">
+              <a:buNone/>
+              <a:defRPr/>
+            </a:lvl9pPr>
+          </a:lstStyle>
+          <a:p>
+            <a:pPr marL="0" lvl="0" indent="0" algn="ctr" rtl="0">
+              <a:spcBef>
+                <a:spcPts val="0"/>
+              </a:spcBef>
+              <a:spcAft>
+                <a:spcPts val="0"/>
+              </a:spcAft>
+              <a:buNone/>
+            </a:pPr>
+            <a:fld id="{00000000-1234-1234-1234-123412341234}" type="slidenum">
+              <a:rPr lang="en"/>
+              <a:t>‹#›</a:t>
+            </a:fld>
+            <a:endParaRPr/>
+          </a:p>
+        </p:txBody>
+      </p:sp>
+    </p:spTree>
+    <p:extLst>
+      <p:ext uri="{BB962C8B-B14F-4D97-AF65-F5344CB8AC3E}">
+        <p14:creationId xmlns:p14="http://schemas.microsoft.com/office/powerpoint/2010/main" val="2103749545"/>
+      </p:ext>
+    </p:extLst>
+  </p:cSld>
+  <p:clrMapOvr>
+    <a:masterClrMapping/>
+  </p:clrMapOvr>
+</p:sldLayout>
+</file>
+
+<file path=ppt/slideLayouts/slideLayout5.xml><?xml version="1.0" encoding="utf-8"?>
+<p:sldLayout xmlns:a="http://schemas.openxmlformats.org/drawingml/2006/main" xmlns:r="http://schemas.openxmlformats.org/officeDocument/2006/relationships" xmlns:p="http://schemas.openxmlformats.org/presentationml/2006/main" matchingName="Blank black">
+  <p:cSld name="Blank black">
+    <p:bg>
+      <p:bgPr>
+        <a:solidFill>
+          <a:srgbClr val="000000"/>
+        </a:solidFill>
+        <a:effectLst/>
+      </p:bgPr>
+    </p:bg>
+    <p:spTree>
+      <p:nvGrpSpPr>
+        <p:cNvPr id="1" name="Shape 45"/>
+        <p:cNvGrpSpPr/>
+        <p:nvPr/>
+      </p:nvGrpSpPr>
+      <p:grpSpPr>
+        <a:xfrm>
+          <a:off x="0" y="0"/>
+          <a:ext cx="0" cy="0"/>
+          <a:chOff x="0" y="0"/>
+          <a:chExt cx="0" cy="0"/>
+        </a:xfrm>
+      </p:grpSpPr>
+      <p:sp>
+        <p:nvSpPr>
+          <p:cNvPr id="46" name="Google Shape;46;p11"/>
+          <p:cNvSpPr txBox="1">
+            <a:spLocks noGrp="1"/>
+          </p:cNvSpPr>
+          <p:nvPr>
+            <p:ph type="sldNum" idx="12"/>
+          </p:nvPr>
+        </p:nvSpPr>
+        <p:spPr>
+          <a:xfrm>
+            <a:off x="4297650" y="4419838"/>
+            <a:ext cx="548700" cy="393600"/>
+          </a:xfrm>
+          <a:prstGeom prst="rect">
+            <a:avLst/>
+          </a:prstGeom>
+        </p:spPr>
+        <p:txBody>
+          <a:bodyPr spcFirstLastPara="1" wrap="square" lIns="91425" tIns="91425" rIns="91425" bIns="91425" anchor="b" anchorCtr="0">
+            <a:noAutofit/>
+          </a:bodyPr>
+          <a:lstStyle>
+            <a:lvl1pPr lvl="0" rtl="0">
+              <a:buNone/>
+              <a:defRPr/>
+            </a:lvl1pPr>
+            <a:lvl2pPr lvl="1" rtl="0">
+              <a:buNone/>
+              <a:defRPr/>
+            </a:lvl2pPr>
+            <a:lvl3pPr lvl="2" rtl="0">
+              <a:buNone/>
+              <a:defRPr/>
+            </a:lvl3pPr>
+            <a:lvl4pPr lvl="3" rtl="0">
+              <a:buNone/>
+              <a:defRPr/>
+            </a:lvl4pPr>
+            <a:lvl5pPr lvl="4" rtl="0">
+              <a:buNone/>
+              <a:defRPr/>
+            </a:lvl5pPr>
+            <a:lvl6pPr lvl="5" rtl="0">
+              <a:buNone/>
+              <a:defRPr/>
+            </a:lvl6pPr>
+            <a:lvl7pPr lvl="6" rtl="0">
+              <a:buNone/>
+              <a:defRPr/>
+            </a:lvl7pPr>
+            <a:lvl8pPr lvl="7" rtl="0">
+              <a:buNone/>
+              <a:defRPr/>
+            </a:lvl8pPr>
+            <a:lvl9pPr lvl="8" rtl="0">
+              <a:buNone/>
+              <a:defRPr/>
+            </a:lvl9pPr>
+          </a:lstStyle>
+          <a:p>
+            <a:pPr marL="0" lvl="0" indent="0" algn="ctr" rtl="0">
+              <a:spcBef>
+                <a:spcPts val="0"/>
+              </a:spcBef>
+              <a:spcAft>
+                <a:spcPts val="0"/>
+              </a:spcAft>
+              <a:buNone/>
+            </a:pPr>
+            <a:fld id="{00000000-1234-1234-1234-123412341234}" type="slidenum">
+              <a:rPr lang="en"/>
+              <a:t>‹#›</a:t>
+            </a:fld>
+            <a:endParaRPr/>
+          </a:p>
+        </p:txBody>
+      </p:sp>
+    </p:spTree>
+    <p:extLst>
+      <p:ext uri="{BB962C8B-B14F-4D97-AF65-F5344CB8AC3E}">
+        <p14:creationId xmlns:p14="http://schemas.microsoft.com/office/powerpoint/2010/main" val="272328088"/>
+      </p:ext>
+    </p:extLst>
+  </p:cSld>
+  <p:clrMapOvr>
+    <a:masterClrMapping/>
+  </p:clrMapOvr>
+</p:sldLayout>
+</file>
+
+<file path=ppt/slideLayouts/slideLayout6.xml><?xml version="1.0" encoding="utf-8"?>
+<p:sldLayout xmlns:a="http://schemas.openxmlformats.org/drawingml/2006/main" xmlns:r="http://schemas.openxmlformats.org/officeDocument/2006/relationships" xmlns:p="http://schemas.openxmlformats.org/presentationml/2006/main" matchingName="Title + 2 columns" type="twoColTx">
+  <p:cSld name="Title + 2 columns">
+    <p:spTree>
+      <p:nvGrpSpPr>
+        <p:cNvPr id="1" name="Shape 26"/>
+        <p:cNvGrpSpPr/>
+        <p:nvPr/>
+      </p:nvGrpSpPr>
+      <p:grpSpPr>
+        <a:xfrm>
+          <a:off x="0" y="0"/>
+          <a:ext cx="0" cy="0"/>
+          <a:chOff x="0" y="0"/>
+          <a:chExt cx="0" cy="0"/>
+        </a:xfrm>
+      </p:grpSpPr>
+      <p:sp>
+        <p:nvSpPr>
+          <p:cNvPr id="27" name="Google Shape;27;p6"/>
+          <p:cNvSpPr txBox="1">
+            <a:spLocks noGrp="1"/>
+          </p:cNvSpPr>
+          <p:nvPr>
+            <p:ph type="title"/>
+          </p:nvPr>
+        </p:nvSpPr>
+        <p:spPr>
+          <a:xfrm>
+            <a:off x="388955" y="338306"/>
+            <a:ext cx="8366100" cy="762600"/>
+          </a:xfrm>
+          <a:prstGeom prst="rect">
+            <a:avLst/>
+          </a:prstGeom>
+        </p:spPr>
+        <p:txBody>
+          <a:bodyPr spcFirstLastPara="1" wrap="square" lIns="91425" tIns="91425" rIns="91425" bIns="91425" anchor="ctr" anchorCtr="0">
+            <a:noAutofit/>
+          </a:bodyPr>
+          <a:lstStyle>
+            <a:lvl1pPr lvl="0">
+              <a:spcBef>
+                <a:spcPts val="0"/>
+              </a:spcBef>
+              <a:spcAft>
+                <a:spcPts val="0"/>
+              </a:spcAft>
+              <a:buSzPts val="1600"/>
+              <a:buNone/>
+              <a:defRPr>
+                <a:highlight>
+                  <a:srgbClr val="F3F3F3"/>
+                </a:highlight>
+              </a:defRPr>
+            </a:lvl1pPr>
+            <a:lvl2pPr lvl="1">
+              <a:spcBef>
+                <a:spcPts val="0"/>
+              </a:spcBef>
+              <a:spcAft>
+                <a:spcPts val="0"/>
+              </a:spcAft>
+              <a:buSzPts val="1600"/>
+              <a:buNone/>
+              <a:defRPr/>
+            </a:lvl2pPr>
+            <a:lvl3pPr lvl="2">
+              <a:spcBef>
+                <a:spcPts val="0"/>
+              </a:spcBef>
+              <a:spcAft>
+                <a:spcPts val="0"/>
+              </a:spcAft>
+              <a:buSzPts val="1600"/>
+              <a:buNone/>
+              <a:defRPr/>
+            </a:lvl3pPr>
+            <a:lvl4pPr lvl="3">
+              <a:spcBef>
+                <a:spcPts val="0"/>
+              </a:spcBef>
+              <a:spcAft>
+                <a:spcPts val="0"/>
+              </a:spcAft>
+              <a:buSzPts val="1600"/>
+              <a:buNone/>
+              <a:defRPr/>
+            </a:lvl4pPr>
+            <a:lvl5pPr lvl="4">
+              <a:spcBef>
+                <a:spcPts val="0"/>
+              </a:spcBef>
+              <a:spcAft>
+                <a:spcPts val="0"/>
+              </a:spcAft>
+              <a:buSzPts val="1600"/>
+              <a:buNone/>
+              <a:defRPr/>
+            </a:lvl5pPr>
+            <a:lvl6pPr lvl="5">
+              <a:spcBef>
+                <a:spcPts val="0"/>
+              </a:spcBef>
+              <a:spcAft>
+                <a:spcPts val="0"/>
+              </a:spcAft>
+              <a:buSzPts val="1600"/>
+              <a:buNone/>
+              <a:defRPr/>
+            </a:lvl6pPr>
+            <a:lvl7pPr lvl="6">
+              <a:spcBef>
+                <a:spcPts val="0"/>
+              </a:spcBef>
+              <a:spcAft>
+                <a:spcPts val="0"/>
+              </a:spcAft>
+              <a:buSzPts val="1600"/>
+              <a:buNone/>
+              <a:defRPr/>
+            </a:lvl7pPr>
+            <a:lvl8pPr lvl="7">
+              <a:spcBef>
+                <a:spcPts val="0"/>
+              </a:spcBef>
+              <a:spcAft>
+                <a:spcPts val="0"/>
+              </a:spcAft>
+              <a:buSzPts val="1600"/>
+              <a:buNone/>
+              <a:defRPr/>
+            </a:lvl8pPr>
+            <a:lvl9pPr lvl="8">
+              <a:spcBef>
+                <a:spcPts val="0"/>
+              </a:spcBef>
+              <a:spcAft>
+                <a:spcPts val="0"/>
+              </a:spcAft>
+              <a:buSzPts val="1600"/>
+              <a:buNone/>
+              <a:defRPr/>
+            </a:lvl9pPr>
+          </a:lstStyle>
+          <a:p>
+            <a:endParaRPr/>
+          </a:p>
+        </p:txBody>
+      </p:sp>
+      <p:sp>
+        <p:nvSpPr>
+          <p:cNvPr id="28" name="Google Shape;28;p6"/>
+          <p:cNvSpPr txBox="1">
+            <a:spLocks noGrp="1"/>
+          </p:cNvSpPr>
+          <p:nvPr>
+            <p:ph type="body" idx="1"/>
+          </p:nvPr>
+        </p:nvSpPr>
+        <p:spPr>
+          <a:xfrm>
+            <a:off x="970212" y="1200150"/>
+            <a:ext cx="3496500" cy="2945700"/>
+          </a:xfrm>
+          <a:prstGeom prst="rect">
+            <a:avLst/>
+          </a:prstGeom>
+        </p:spPr>
+        <p:txBody>
+          <a:bodyPr spcFirstLastPara="1" wrap="square" lIns="91425" tIns="91425" rIns="91425" bIns="91425" anchor="t" anchorCtr="0">
+            <a:noAutofit/>
+          </a:bodyPr>
+          <a:lstStyle>
+            <a:lvl1pPr marL="457200" lvl="0" indent="-342900">
+              <a:spcBef>
+                <a:spcPts val="600"/>
+              </a:spcBef>
+              <a:spcAft>
+                <a:spcPts val="0"/>
+              </a:spcAft>
+              <a:buSzPts val="1800"/>
+              <a:buChar char="▣"/>
+              <a:defRPr sz="1800"/>
+            </a:lvl1pPr>
+            <a:lvl2pPr marL="914400" lvl="1" indent="-342900">
+              <a:spcBef>
+                <a:spcPts val="0"/>
+              </a:spcBef>
+              <a:spcAft>
+                <a:spcPts val="0"/>
+              </a:spcAft>
+              <a:buSzPts val="1800"/>
+              <a:buChar char="○"/>
+              <a:defRPr sz="1800"/>
+            </a:lvl2pPr>
+            <a:lvl3pPr marL="1371600" lvl="2" indent="-342900">
+              <a:spcBef>
+                <a:spcPts val="0"/>
+              </a:spcBef>
+              <a:spcAft>
+                <a:spcPts val="0"/>
+              </a:spcAft>
+              <a:buSzPts val="1800"/>
+              <a:buChar char="■"/>
+              <a:defRPr sz="1800"/>
+            </a:lvl3pPr>
+            <a:lvl4pPr marL="1828800" lvl="3" indent="-342900">
+              <a:spcBef>
+                <a:spcPts val="0"/>
+              </a:spcBef>
+              <a:spcAft>
+                <a:spcPts val="0"/>
+              </a:spcAft>
+              <a:buSzPts val="1800"/>
+              <a:buChar char="●"/>
+              <a:defRPr sz="1800"/>
+            </a:lvl4pPr>
+            <a:lvl5pPr marL="2286000" lvl="4" indent="-342900">
+              <a:spcBef>
+                <a:spcPts val="0"/>
+              </a:spcBef>
+              <a:spcAft>
+                <a:spcPts val="0"/>
+              </a:spcAft>
+              <a:buSzPts val="1800"/>
+              <a:buChar char="○"/>
+              <a:defRPr sz="1800"/>
+            </a:lvl5pPr>
+            <a:lvl6pPr marL="2743200" lvl="5" indent="-342900">
+              <a:spcBef>
+                <a:spcPts val="0"/>
+              </a:spcBef>
+              <a:spcAft>
+                <a:spcPts val="0"/>
+              </a:spcAft>
+              <a:buSzPts val="1800"/>
+              <a:buChar char="■"/>
+              <a:defRPr sz="1800"/>
+            </a:lvl6pPr>
+            <a:lvl7pPr marL="3200400" lvl="6" indent="-342900">
+              <a:spcBef>
+                <a:spcPts val="0"/>
+              </a:spcBef>
+              <a:spcAft>
+                <a:spcPts val="0"/>
+              </a:spcAft>
+              <a:buSzPts val="1800"/>
+              <a:buChar char="●"/>
+              <a:defRPr sz="1800"/>
+            </a:lvl7pPr>
+            <a:lvl8pPr marL="3657600" lvl="7" indent="-342900">
+              <a:spcBef>
+                <a:spcPts val="0"/>
+              </a:spcBef>
+              <a:spcAft>
+                <a:spcPts val="0"/>
+              </a:spcAft>
+              <a:buSzPts val="1800"/>
+              <a:buChar char="○"/>
+              <a:defRPr sz="1800"/>
+            </a:lvl8pPr>
+            <a:lvl9pPr marL="4114800" lvl="8" indent="-342900">
+              <a:spcBef>
+                <a:spcPts val="0"/>
+              </a:spcBef>
+              <a:spcAft>
+                <a:spcPts val="0"/>
+              </a:spcAft>
+              <a:buSzPts val="1800"/>
+              <a:buChar char="■"/>
+              <a:defRPr sz="1800"/>
+            </a:lvl9pPr>
+          </a:lstStyle>
+          <a:p>
+            <a:endParaRPr/>
+          </a:p>
+        </p:txBody>
+      </p:sp>
+      <p:sp>
+        <p:nvSpPr>
+          <p:cNvPr id="29" name="Google Shape;29;p6"/>
+          <p:cNvSpPr txBox="1">
+            <a:spLocks noGrp="1"/>
+          </p:cNvSpPr>
+          <p:nvPr>
+            <p:ph type="body" idx="2"/>
+          </p:nvPr>
+        </p:nvSpPr>
+        <p:spPr>
+          <a:xfrm>
+            <a:off x="4677288" y="1200150"/>
+            <a:ext cx="3496500" cy="2945700"/>
+          </a:xfrm>
+          <a:prstGeom prst="rect">
+            <a:avLst/>
+          </a:prstGeom>
+        </p:spPr>
+        <p:txBody>
+          <a:bodyPr spcFirstLastPara="1" wrap="square" lIns="91425" tIns="91425" rIns="91425" bIns="91425" anchor="t" anchorCtr="0">
+            <a:noAutofit/>
+          </a:bodyPr>
+          <a:lstStyle>
+            <a:lvl1pPr marL="457200" lvl="0" indent="-342900">
+              <a:spcBef>
+                <a:spcPts val="600"/>
+              </a:spcBef>
+              <a:spcAft>
+                <a:spcPts val="0"/>
+              </a:spcAft>
+              <a:buSzPts val="1800"/>
+              <a:buChar char="▣"/>
+              <a:defRPr sz="1800"/>
+            </a:lvl1pPr>
+            <a:lvl2pPr marL="914400" lvl="1" indent="-342900">
+              <a:spcBef>
+                <a:spcPts val="0"/>
+              </a:spcBef>
+              <a:spcAft>
+                <a:spcPts val="0"/>
+              </a:spcAft>
+              <a:buSzPts val="1800"/>
+              <a:buChar char="○"/>
+              <a:defRPr sz="1800"/>
+            </a:lvl2pPr>
+            <a:lvl3pPr marL="1371600" lvl="2" indent="-342900">
+              <a:spcBef>
+                <a:spcPts val="0"/>
+              </a:spcBef>
+              <a:spcAft>
+                <a:spcPts val="0"/>
+              </a:spcAft>
+              <a:buSzPts val="1800"/>
+              <a:buChar char="■"/>
+              <a:defRPr sz="1800"/>
+            </a:lvl3pPr>
+            <a:lvl4pPr marL="1828800" lvl="3" indent="-342900">
+              <a:spcBef>
+                <a:spcPts val="0"/>
+              </a:spcBef>
+              <a:spcAft>
+                <a:spcPts val="0"/>
+              </a:spcAft>
+              <a:buSzPts val="1800"/>
+              <a:buChar char="●"/>
+              <a:defRPr sz="1800"/>
+            </a:lvl4pPr>
+            <a:lvl5pPr marL="2286000" lvl="4" indent="-342900">
+              <a:spcBef>
+                <a:spcPts val="0"/>
+              </a:spcBef>
+              <a:spcAft>
+                <a:spcPts val="0"/>
+              </a:spcAft>
+              <a:buSzPts val="1800"/>
+              <a:buChar char="○"/>
+              <a:defRPr sz="1800"/>
+            </a:lvl5pPr>
+            <a:lvl6pPr marL="2743200" lvl="5" indent="-342900">
+              <a:spcBef>
+                <a:spcPts val="0"/>
+              </a:spcBef>
+              <a:spcAft>
+                <a:spcPts val="0"/>
+              </a:spcAft>
+              <a:buSzPts val="1800"/>
+              <a:buChar char="■"/>
+              <a:defRPr sz="1800"/>
+            </a:lvl6pPr>
+            <a:lvl7pPr marL="3200400" lvl="6" indent="-342900">
+              <a:spcBef>
+                <a:spcPts val="0"/>
+              </a:spcBef>
+              <a:spcAft>
+                <a:spcPts val="0"/>
+              </a:spcAft>
+              <a:buSzPts val="1800"/>
+              <a:buChar char="●"/>
+              <a:defRPr sz="1800"/>
+            </a:lvl7pPr>
+            <a:lvl8pPr marL="3657600" lvl="7" indent="-342900">
+              <a:spcBef>
+                <a:spcPts val="0"/>
+              </a:spcBef>
+              <a:spcAft>
+                <a:spcPts val="0"/>
+              </a:spcAft>
+              <a:buSzPts val="1800"/>
+              <a:buChar char="○"/>
+              <a:defRPr sz="1800"/>
+            </a:lvl8pPr>
+            <a:lvl9pPr marL="4114800" lvl="8" indent="-342900">
+              <a:spcBef>
+                <a:spcPts val="0"/>
+              </a:spcBef>
+              <a:spcAft>
+                <a:spcPts val="0"/>
+              </a:spcAft>
+              <a:buSzPts val="1800"/>
+              <a:buChar char="■"/>
+              <a:defRPr sz="1800"/>
+            </a:lvl9pPr>
+          </a:lstStyle>
+          <a:p>
+            <a:endParaRPr/>
+          </a:p>
+        </p:txBody>
+      </p:sp>
+      <p:sp>
+        <p:nvSpPr>
+          <p:cNvPr id="30" name="Google Shape;30;p6"/>
+          <p:cNvSpPr txBox="1">
+            <a:spLocks noGrp="1"/>
+          </p:cNvSpPr>
+          <p:nvPr>
+            <p:ph type="sldNum" idx="12"/>
+          </p:nvPr>
+        </p:nvSpPr>
+        <p:spPr>
+          <a:xfrm>
+            <a:off x="4297650" y="4419838"/>
+            <a:ext cx="548700" cy="393600"/>
+          </a:xfrm>
+          <a:prstGeom prst="rect">
+            <a:avLst/>
+          </a:prstGeom>
+        </p:spPr>
+        <p:txBody>
+          <a:bodyPr spcFirstLastPara="1" wrap="square" lIns="91425" tIns="91425" rIns="91425" bIns="91425" anchor="b" anchorCtr="0">
+            <a:noAutofit/>
+          </a:bodyPr>
+          <a:lstStyle>
+            <a:lvl1pPr lvl="0" rtl="0">
+              <a:buNone/>
+              <a:defRPr/>
+            </a:lvl1pPr>
+            <a:lvl2pPr lvl="1" rtl="0">
+              <a:buNone/>
+              <a:defRPr/>
+            </a:lvl2pPr>
+            <a:lvl3pPr lvl="2" rtl="0">
+              <a:buNone/>
+              <a:defRPr/>
+            </a:lvl3pPr>
+            <a:lvl4pPr lvl="3" rtl="0">
+              <a:buNone/>
+              <a:defRPr/>
+            </a:lvl4pPr>
+            <a:lvl5pPr lvl="4" rtl="0">
+              <a:buNone/>
+              <a:defRPr/>
+            </a:lvl5pPr>
+            <a:lvl6pPr lvl="5" rtl="0">
+              <a:buNone/>
+              <a:defRPr/>
+            </a:lvl6pPr>
+            <a:lvl7pPr lvl="6" rtl="0">
+              <a:buNone/>
+              <a:defRPr/>
+            </a:lvl7pPr>
+            <a:lvl8pPr lvl="7" rtl="0">
+              <a:buNone/>
+              <a:defRPr/>
+            </a:lvl8pPr>
+            <a:lvl9pPr lvl="8" rtl="0">
+              <a:buNone/>
+              <a:defRPr/>
+            </a:lvl9pPr>
+          </a:lstStyle>
+          <a:p>
+            <a:pPr marL="0" lvl="0" indent="0" algn="ctr" rtl="0">
+              <a:spcBef>
+                <a:spcPts val="0"/>
+              </a:spcBef>
+              <a:spcAft>
+                <a:spcPts val="0"/>
+              </a:spcAft>
+              <a:buNone/>
+            </a:pPr>
+            <a:fld id="{00000000-1234-1234-1234-123412341234}" type="slidenum">
+              <a:rPr lang="en"/>
+              <a:t>‹#›</a:t>
+            </a:fld>
+            <a:endParaRPr/>
+          </a:p>
+        </p:txBody>
+      </p:sp>
+    </p:spTree>
+    <p:extLst>
+      <p:ext uri="{BB962C8B-B14F-4D97-AF65-F5344CB8AC3E}">
+        <p14:creationId xmlns:p14="http://schemas.microsoft.com/office/powerpoint/2010/main" val="1082107648"/>
+      </p:ext>
+    </p:extLst>
   </p:cSld>
   <p:clrMapOvr>
     <a:masterClrMapping/>
@@ -2427,6 +3711,9 @@
     <p:sldLayoutId id="2147483648" r:id="rId1"/>
     <p:sldLayoutId id="2147483649" r:id="rId2"/>
     <p:sldLayoutId id="2147483656" r:id="rId3"/>
+    <p:sldLayoutId id="2147483659" r:id="rId4"/>
+    <p:sldLayoutId id="2147483660" r:id="rId5"/>
+    <p:sldLayoutId id="2147483662" r:id="rId6"/>
   </p:sldLayoutIdLst>
   <p:hf hdr="0" ftr="0" dt="0"/>
   <p:txStyles>
@@ -3535,6 +4822,2467 @@
   <p:cSld>
     <p:spTree>
       <p:nvGrpSpPr>
+        <p:cNvPr id="1" name="Shape 93"/>
+        <p:cNvGrpSpPr/>
+        <p:nvPr/>
+      </p:nvGrpSpPr>
+      <p:grpSpPr>
+        <a:xfrm>
+          <a:off x="0" y="0"/>
+          <a:ext cx="0" cy="0"/>
+          <a:chOff x="0" y="0"/>
+          <a:chExt cx="0" cy="0"/>
+        </a:xfrm>
+      </p:grpSpPr>
+      <p:sp>
+        <p:nvSpPr>
+          <p:cNvPr id="94" name="Google Shape;94;p18"/>
+          <p:cNvSpPr txBox="1">
+            <a:spLocks noGrp="1"/>
+          </p:cNvSpPr>
+          <p:nvPr>
+            <p:ph type="ctrTitle" idx="4294967295"/>
+          </p:nvPr>
+        </p:nvSpPr>
+        <p:spPr>
+          <a:xfrm>
+            <a:off x="1620900" y="2199075"/>
+            <a:ext cx="5902200" cy="1159800"/>
+          </a:xfrm>
+          <a:prstGeom prst="rect">
+            <a:avLst/>
+          </a:prstGeom>
+        </p:spPr>
+        <p:txBody>
+          <a:bodyPr spcFirstLastPara="1" wrap="square" lIns="91425" tIns="91425" rIns="91425" bIns="91425" anchor="ctr" anchorCtr="0">
+            <a:noAutofit/>
+          </a:bodyPr>
+          <a:lstStyle/>
+          <a:p>
+            <a:pPr marL="0" lvl="0" indent="0" algn="ctr" rtl="0">
+              <a:spcBef>
+                <a:spcPts val="0"/>
+              </a:spcBef>
+              <a:spcAft>
+                <a:spcPts val="0"/>
+              </a:spcAft>
+              <a:buNone/>
+            </a:pPr>
+            <a:r>
+              <a:rPr lang="en" sz="6000" i="1" dirty="0">
+                <a:solidFill>
+                  <a:srgbClr val="FFFFFF"/>
+                </a:solidFill>
+              </a:rPr>
+              <a:t>Better Games</a:t>
+            </a:r>
+            <a:endParaRPr sz="6000" i="1" dirty="0">
+              <a:solidFill>
+                <a:srgbClr val="FFFFFF"/>
+              </a:solidFill>
+            </a:endParaRPr>
+          </a:p>
+        </p:txBody>
+      </p:sp>
+      <p:sp>
+        <p:nvSpPr>
+          <p:cNvPr id="95" name="Google Shape;95;p18"/>
+          <p:cNvSpPr txBox="1">
+            <a:spLocks noGrp="1"/>
+          </p:cNvSpPr>
+          <p:nvPr>
+            <p:ph type="subTitle" idx="4294967295"/>
+          </p:nvPr>
+        </p:nvSpPr>
+        <p:spPr>
+          <a:xfrm>
+            <a:off x="1620900" y="3284340"/>
+            <a:ext cx="5902200" cy="784800"/>
+          </a:xfrm>
+          <a:prstGeom prst="rect">
+            <a:avLst/>
+          </a:prstGeom>
+        </p:spPr>
+        <p:txBody>
+          <a:bodyPr spcFirstLastPara="1" wrap="square" lIns="91425" tIns="91425" rIns="91425" bIns="91425" anchor="t" anchorCtr="0">
+            <a:noAutofit/>
+          </a:bodyPr>
+          <a:lstStyle/>
+          <a:p>
+            <a:pPr marL="0" lvl="0" indent="0" algn="ctr">
+              <a:buNone/>
+            </a:pPr>
+            <a:r>
+              <a:rPr lang="en" dirty="0">
+                <a:solidFill>
+                  <a:srgbClr val="FFFFFF"/>
+                </a:solidFill>
+              </a:rPr>
+              <a:t>We work at an online game company that wants to improve the </a:t>
+            </a:r>
+            <a:r>
+              <a:rPr lang="en-US" dirty="0">
+                <a:solidFill>
+                  <a:srgbClr val="FFFFFF"/>
+                </a:solidFill>
+              </a:rPr>
+              <a:t>yatzy experience.</a:t>
+            </a:r>
+          </a:p>
+          <a:p>
+            <a:pPr marL="0" lvl="0" indent="0" algn="ctr">
+              <a:buNone/>
+            </a:pPr>
+            <a:r>
+              <a:rPr lang="en-US" dirty="0">
+                <a:solidFill>
+                  <a:srgbClr val="FFFFFF"/>
+                </a:solidFill>
+              </a:rPr>
+              <a:t>Our product owner </a:t>
+            </a:r>
+            <a:r>
+              <a:rPr lang="en-US" b="1" dirty="0">
+                <a:solidFill>
+                  <a:srgbClr val="FFFFFF"/>
+                </a:solidFill>
+              </a:rPr>
+              <a:t>‘has a few ideas’ </a:t>
+            </a:r>
+            <a:r>
+              <a:rPr lang="en-US" dirty="0">
+                <a:solidFill>
+                  <a:srgbClr val="FFFFFF"/>
+                </a:solidFill>
+              </a:rPr>
+              <a:t>and we want to make the code flexible to try things out</a:t>
+            </a:r>
+          </a:p>
+          <a:p>
+            <a:pPr marL="0" lvl="0" indent="0" algn="ctr">
+              <a:buNone/>
+            </a:pPr>
+            <a:endParaRPr dirty="0">
+              <a:solidFill>
+                <a:srgbClr val="FFFFFF"/>
+              </a:solidFill>
+            </a:endParaRPr>
+          </a:p>
+        </p:txBody>
+      </p:sp>
+      <p:sp>
+        <p:nvSpPr>
+          <p:cNvPr id="96" name="Google Shape;96;p18"/>
+          <p:cNvSpPr/>
+          <p:nvPr/>
+        </p:nvSpPr>
+        <p:spPr>
+          <a:xfrm>
+            <a:off x="3935896" y="922408"/>
+            <a:ext cx="1272208" cy="1273222"/>
+          </a:xfrm>
+          <a:prstGeom prst="ellipse">
+            <a:avLst/>
+          </a:prstGeom>
+          <a:solidFill>
+            <a:srgbClr val="FFFFFF"/>
+          </a:solidFill>
+          <a:ln>
+            <a:noFill/>
+          </a:ln>
+        </p:spPr>
+        <p:txBody>
+          <a:bodyPr spcFirstLastPara="1" wrap="square" lIns="91425" tIns="91425" rIns="91425" bIns="91425" anchor="ctr" anchorCtr="0">
+            <a:noAutofit/>
+          </a:bodyPr>
+          <a:lstStyle/>
+          <a:p>
+            <a:pPr marL="0" lvl="0" indent="0" algn="l" rtl="0">
+              <a:spcBef>
+                <a:spcPts val="0"/>
+              </a:spcBef>
+              <a:spcAft>
+                <a:spcPts val="0"/>
+              </a:spcAft>
+              <a:buNone/>
+            </a:pPr>
+            <a:endParaRPr/>
+          </a:p>
+        </p:txBody>
+      </p:sp>
+      <p:sp>
+        <p:nvSpPr>
+          <p:cNvPr id="13" name="Google Shape;390;p37">
+            <a:extLst>
+              <a:ext uri="{FF2B5EF4-FFF2-40B4-BE49-F238E27FC236}">
+                <a16:creationId xmlns:a16="http://schemas.microsoft.com/office/drawing/2014/main" id="{BF657C25-24DB-D44A-9D1C-8CD51D24D7D6}"/>
+              </a:ext>
+            </a:extLst>
+          </p:cNvPr>
+          <p:cNvSpPr/>
+          <p:nvPr/>
+        </p:nvSpPr>
+        <p:spPr>
+          <a:xfrm>
+            <a:off x="4112094" y="1099113"/>
+            <a:ext cx="919812" cy="919812"/>
+          </a:xfrm>
+          <a:custGeom>
+            <a:avLst/>
+            <a:gdLst/>
+            <a:ahLst/>
+            <a:cxnLst/>
+            <a:rect l="l" t="t" r="r" b="b"/>
+            <a:pathLst>
+              <a:path w="16027" h="16027" fill="none" extrusionOk="0">
+                <a:moveTo>
+                  <a:pt x="14029" y="4019"/>
+                </a:moveTo>
+                <a:lnTo>
+                  <a:pt x="14029" y="4019"/>
+                </a:lnTo>
+                <a:lnTo>
+                  <a:pt x="14200" y="3849"/>
+                </a:lnTo>
+                <a:lnTo>
+                  <a:pt x="14395" y="3752"/>
+                </a:lnTo>
+                <a:lnTo>
+                  <a:pt x="14614" y="3678"/>
+                </a:lnTo>
+                <a:lnTo>
+                  <a:pt x="14809" y="3630"/>
+                </a:lnTo>
+                <a:lnTo>
+                  <a:pt x="15028" y="3581"/>
+                </a:lnTo>
+                <a:lnTo>
+                  <a:pt x="15247" y="3484"/>
+                </a:lnTo>
+                <a:lnTo>
+                  <a:pt x="15442" y="3362"/>
+                </a:lnTo>
+                <a:lnTo>
+                  <a:pt x="15661" y="3191"/>
+                </a:lnTo>
+                <a:lnTo>
+                  <a:pt x="15661" y="3191"/>
+                </a:lnTo>
+                <a:lnTo>
+                  <a:pt x="15832" y="2997"/>
+                </a:lnTo>
+                <a:lnTo>
+                  <a:pt x="15929" y="2777"/>
+                </a:lnTo>
+                <a:lnTo>
+                  <a:pt x="16002" y="2534"/>
+                </a:lnTo>
+                <a:lnTo>
+                  <a:pt x="16026" y="2266"/>
+                </a:lnTo>
+                <a:lnTo>
+                  <a:pt x="16026" y="2266"/>
+                </a:lnTo>
+                <a:lnTo>
+                  <a:pt x="16002" y="2047"/>
+                </a:lnTo>
+                <a:lnTo>
+                  <a:pt x="15978" y="1827"/>
+                </a:lnTo>
+                <a:lnTo>
+                  <a:pt x="15905" y="1633"/>
+                </a:lnTo>
+                <a:lnTo>
+                  <a:pt x="15807" y="1413"/>
+                </a:lnTo>
+                <a:lnTo>
+                  <a:pt x="15710" y="1243"/>
+                </a:lnTo>
+                <a:lnTo>
+                  <a:pt x="15588" y="1048"/>
+                </a:lnTo>
+                <a:lnTo>
+                  <a:pt x="15466" y="878"/>
+                </a:lnTo>
+                <a:lnTo>
+                  <a:pt x="15320" y="707"/>
+                </a:lnTo>
+                <a:lnTo>
+                  <a:pt x="15320" y="707"/>
+                </a:lnTo>
+                <a:lnTo>
+                  <a:pt x="15150" y="561"/>
+                </a:lnTo>
+                <a:lnTo>
+                  <a:pt x="14979" y="439"/>
+                </a:lnTo>
+                <a:lnTo>
+                  <a:pt x="14784" y="317"/>
+                </a:lnTo>
+                <a:lnTo>
+                  <a:pt x="14590" y="196"/>
+                </a:lnTo>
+                <a:lnTo>
+                  <a:pt x="14395" y="123"/>
+                </a:lnTo>
+                <a:lnTo>
+                  <a:pt x="14175" y="50"/>
+                </a:lnTo>
+                <a:lnTo>
+                  <a:pt x="13981" y="25"/>
+                </a:lnTo>
+                <a:lnTo>
+                  <a:pt x="13761" y="1"/>
+                </a:lnTo>
+                <a:lnTo>
+                  <a:pt x="13761" y="1"/>
+                </a:lnTo>
+                <a:lnTo>
+                  <a:pt x="13494" y="25"/>
+                </a:lnTo>
+                <a:lnTo>
+                  <a:pt x="13250" y="98"/>
+                </a:lnTo>
+                <a:lnTo>
+                  <a:pt x="13031" y="196"/>
+                </a:lnTo>
+                <a:lnTo>
+                  <a:pt x="12836" y="366"/>
+                </a:lnTo>
+                <a:lnTo>
+                  <a:pt x="12836" y="366"/>
+                </a:lnTo>
+                <a:lnTo>
+                  <a:pt x="12665" y="561"/>
+                </a:lnTo>
+                <a:lnTo>
+                  <a:pt x="12544" y="780"/>
+                </a:lnTo>
+                <a:lnTo>
+                  <a:pt x="12471" y="975"/>
+                </a:lnTo>
+                <a:lnTo>
+                  <a:pt x="12422" y="1194"/>
+                </a:lnTo>
+                <a:lnTo>
+                  <a:pt x="12349" y="1413"/>
+                </a:lnTo>
+                <a:lnTo>
+                  <a:pt x="12276" y="1608"/>
+                </a:lnTo>
+                <a:lnTo>
+                  <a:pt x="12178" y="1827"/>
+                </a:lnTo>
+                <a:lnTo>
+                  <a:pt x="12008" y="1998"/>
+                </a:lnTo>
+                <a:lnTo>
+                  <a:pt x="12008" y="1998"/>
+                </a:lnTo>
+                <a:lnTo>
+                  <a:pt x="11740" y="2266"/>
+                </a:lnTo>
+                <a:lnTo>
+                  <a:pt x="11496" y="2436"/>
+                </a:lnTo>
+                <a:lnTo>
+                  <a:pt x="11277" y="2534"/>
+                </a:lnTo>
+                <a:lnTo>
+                  <a:pt x="11082" y="2582"/>
+                </a:lnTo>
+                <a:lnTo>
+                  <a:pt x="10888" y="2582"/>
+                </a:lnTo>
+                <a:lnTo>
+                  <a:pt x="10717" y="2534"/>
+                </a:lnTo>
+                <a:lnTo>
+                  <a:pt x="10547" y="2412"/>
+                </a:lnTo>
+                <a:lnTo>
+                  <a:pt x="10376" y="2290"/>
+                </a:lnTo>
+                <a:lnTo>
+                  <a:pt x="10206" y="2095"/>
+                </a:lnTo>
+                <a:lnTo>
+                  <a:pt x="10035" y="1901"/>
+                </a:lnTo>
+                <a:lnTo>
+                  <a:pt x="9670" y="1413"/>
+                </a:lnTo>
+                <a:lnTo>
+                  <a:pt x="9231" y="878"/>
+                </a:lnTo>
+                <a:lnTo>
+                  <a:pt x="8988" y="585"/>
+                </a:lnTo>
+                <a:lnTo>
+                  <a:pt x="8720" y="293"/>
+                </a:lnTo>
+                <a:lnTo>
+                  <a:pt x="8720" y="293"/>
+                </a:lnTo>
+                <a:lnTo>
+                  <a:pt x="8574" y="171"/>
+                </a:lnTo>
+                <a:lnTo>
+                  <a:pt x="8379" y="74"/>
+                </a:lnTo>
+                <a:lnTo>
+                  <a:pt x="8209" y="25"/>
+                </a:lnTo>
+                <a:lnTo>
+                  <a:pt x="8014" y="1"/>
+                </a:lnTo>
+                <a:lnTo>
+                  <a:pt x="8014" y="1"/>
+                </a:lnTo>
+                <a:lnTo>
+                  <a:pt x="7916" y="25"/>
+                </a:lnTo>
+                <a:lnTo>
+                  <a:pt x="7770" y="98"/>
+                </a:lnTo>
+                <a:lnTo>
+                  <a:pt x="7307" y="366"/>
+                </a:lnTo>
+                <a:lnTo>
+                  <a:pt x="7039" y="537"/>
+                </a:lnTo>
+                <a:lnTo>
+                  <a:pt x="6747" y="756"/>
+                </a:lnTo>
+                <a:lnTo>
+                  <a:pt x="6431" y="975"/>
+                </a:lnTo>
+                <a:lnTo>
+                  <a:pt x="6138" y="1243"/>
+                </a:lnTo>
+                <a:lnTo>
+                  <a:pt x="5870" y="1511"/>
+                </a:lnTo>
+                <a:lnTo>
+                  <a:pt x="5627" y="1803"/>
+                </a:lnTo>
+                <a:lnTo>
+                  <a:pt x="5432" y="2095"/>
+                </a:lnTo>
+                <a:lnTo>
+                  <a:pt x="5359" y="2242"/>
+                </a:lnTo>
+                <a:lnTo>
+                  <a:pt x="5310" y="2412"/>
+                </a:lnTo>
+                <a:lnTo>
+                  <a:pt x="5262" y="2558"/>
+                </a:lnTo>
+                <a:lnTo>
+                  <a:pt x="5237" y="2704"/>
+                </a:lnTo>
+                <a:lnTo>
+                  <a:pt x="5237" y="2850"/>
+                </a:lnTo>
+                <a:lnTo>
+                  <a:pt x="5262" y="3021"/>
+                </a:lnTo>
+                <a:lnTo>
+                  <a:pt x="5310" y="3167"/>
+                </a:lnTo>
+                <a:lnTo>
+                  <a:pt x="5383" y="3313"/>
+                </a:lnTo>
+                <a:lnTo>
+                  <a:pt x="5481" y="3459"/>
+                </a:lnTo>
+                <a:lnTo>
+                  <a:pt x="5603" y="3605"/>
+                </a:lnTo>
+                <a:lnTo>
+                  <a:pt x="5603" y="3605"/>
+                </a:lnTo>
+                <a:lnTo>
+                  <a:pt x="5797" y="3752"/>
+                </a:lnTo>
+                <a:lnTo>
+                  <a:pt x="5992" y="3849"/>
+                </a:lnTo>
+                <a:lnTo>
+                  <a:pt x="6187" y="3946"/>
+                </a:lnTo>
+                <a:lnTo>
+                  <a:pt x="6406" y="3995"/>
+                </a:lnTo>
+                <a:lnTo>
+                  <a:pt x="6625" y="4044"/>
+                </a:lnTo>
+                <a:lnTo>
+                  <a:pt x="6845" y="4141"/>
+                </a:lnTo>
+                <a:lnTo>
+                  <a:pt x="7039" y="4239"/>
+                </a:lnTo>
+                <a:lnTo>
+                  <a:pt x="7234" y="4409"/>
+                </a:lnTo>
+                <a:lnTo>
+                  <a:pt x="7234" y="4409"/>
+                </a:lnTo>
+                <a:lnTo>
+                  <a:pt x="7405" y="4604"/>
+                </a:lnTo>
+                <a:lnTo>
+                  <a:pt x="7502" y="4823"/>
+                </a:lnTo>
+                <a:lnTo>
+                  <a:pt x="7575" y="5067"/>
+                </a:lnTo>
+                <a:lnTo>
+                  <a:pt x="7600" y="5359"/>
+                </a:lnTo>
+                <a:lnTo>
+                  <a:pt x="7600" y="5359"/>
+                </a:lnTo>
+                <a:lnTo>
+                  <a:pt x="7575" y="5554"/>
+                </a:lnTo>
+                <a:lnTo>
+                  <a:pt x="7551" y="5773"/>
+                </a:lnTo>
+                <a:lnTo>
+                  <a:pt x="7478" y="5968"/>
+                </a:lnTo>
+                <a:lnTo>
+                  <a:pt x="7405" y="6163"/>
+                </a:lnTo>
+                <a:lnTo>
+                  <a:pt x="7307" y="6357"/>
+                </a:lnTo>
+                <a:lnTo>
+                  <a:pt x="7186" y="6552"/>
+                </a:lnTo>
+                <a:lnTo>
+                  <a:pt x="7039" y="6723"/>
+                </a:lnTo>
+                <a:lnTo>
+                  <a:pt x="6893" y="6893"/>
+                </a:lnTo>
+                <a:lnTo>
+                  <a:pt x="6893" y="6893"/>
+                </a:lnTo>
+                <a:lnTo>
+                  <a:pt x="6723" y="7039"/>
+                </a:lnTo>
+                <a:lnTo>
+                  <a:pt x="6552" y="7186"/>
+                </a:lnTo>
+                <a:lnTo>
+                  <a:pt x="6382" y="7283"/>
+                </a:lnTo>
+                <a:lnTo>
+                  <a:pt x="6187" y="7405"/>
+                </a:lnTo>
+                <a:lnTo>
+                  <a:pt x="5992" y="7478"/>
+                </a:lnTo>
+                <a:lnTo>
+                  <a:pt x="5773" y="7551"/>
+                </a:lnTo>
+                <a:lnTo>
+                  <a:pt x="5554" y="7575"/>
+                </a:lnTo>
+                <a:lnTo>
+                  <a:pt x="5359" y="7600"/>
+                </a:lnTo>
+                <a:lnTo>
+                  <a:pt x="5359" y="7600"/>
+                </a:lnTo>
+                <a:lnTo>
+                  <a:pt x="5091" y="7575"/>
+                </a:lnTo>
+                <a:lnTo>
+                  <a:pt x="4848" y="7502"/>
+                </a:lnTo>
+                <a:lnTo>
+                  <a:pt x="4604" y="7405"/>
+                </a:lnTo>
+                <a:lnTo>
+                  <a:pt x="4409" y="7234"/>
+                </a:lnTo>
+                <a:lnTo>
+                  <a:pt x="4409" y="7234"/>
+                </a:lnTo>
+                <a:lnTo>
+                  <a:pt x="4239" y="7039"/>
+                </a:lnTo>
+                <a:lnTo>
+                  <a:pt x="4117" y="6820"/>
+                </a:lnTo>
+                <a:lnTo>
+                  <a:pt x="4044" y="6601"/>
+                </a:lnTo>
+                <a:lnTo>
+                  <a:pt x="3971" y="6382"/>
+                </a:lnTo>
+                <a:lnTo>
+                  <a:pt x="3922" y="6187"/>
+                </a:lnTo>
+                <a:lnTo>
+                  <a:pt x="3849" y="5992"/>
+                </a:lnTo>
+                <a:lnTo>
+                  <a:pt x="3752" y="5797"/>
+                </a:lnTo>
+                <a:lnTo>
+                  <a:pt x="3605" y="5602"/>
+                </a:lnTo>
+                <a:lnTo>
+                  <a:pt x="3605" y="5602"/>
+                </a:lnTo>
+                <a:lnTo>
+                  <a:pt x="3459" y="5481"/>
+                </a:lnTo>
+                <a:lnTo>
+                  <a:pt x="3313" y="5383"/>
+                </a:lnTo>
+                <a:lnTo>
+                  <a:pt x="3167" y="5310"/>
+                </a:lnTo>
+                <a:lnTo>
+                  <a:pt x="3021" y="5262"/>
+                </a:lnTo>
+                <a:lnTo>
+                  <a:pt x="2850" y="5237"/>
+                </a:lnTo>
+                <a:lnTo>
+                  <a:pt x="2704" y="5237"/>
+                </a:lnTo>
+                <a:lnTo>
+                  <a:pt x="2558" y="5262"/>
+                </a:lnTo>
+                <a:lnTo>
+                  <a:pt x="2412" y="5310"/>
+                </a:lnTo>
+                <a:lnTo>
+                  <a:pt x="2242" y="5359"/>
+                </a:lnTo>
+                <a:lnTo>
+                  <a:pt x="2095" y="5432"/>
+                </a:lnTo>
+                <a:lnTo>
+                  <a:pt x="1803" y="5627"/>
+                </a:lnTo>
+                <a:lnTo>
+                  <a:pt x="1511" y="5870"/>
+                </a:lnTo>
+                <a:lnTo>
+                  <a:pt x="1243" y="6138"/>
+                </a:lnTo>
+                <a:lnTo>
+                  <a:pt x="975" y="6431"/>
+                </a:lnTo>
+                <a:lnTo>
+                  <a:pt x="756" y="6747"/>
+                </a:lnTo>
+                <a:lnTo>
+                  <a:pt x="537" y="7039"/>
+                </a:lnTo>
+                <a:lnTo>
+                  <a:pt x="366" y="7307"/>
+                </a:lnTo>
+                <a:lnTo>
+                  <a:pt x="98" y="7770"/>
+                </a:lnTo>
+                <a:lnTo>
+                  <a:pt x="25" y="7916"/>
+                </a:lnTo>
+                <a:lnTo>
+                  <a:pt x="1" y="8014"/>
+                </a:lnTo>
+                <a:lnTo>
+                  <a:pt x="1" y="8014"/>
+                </a:lnTo>
+                <a:lnTo>
+                  <a:pt x="25" y="8208"/>
+                </a:lnTo>
+                <a:lnTo>
+                  <a:pt x="74" y="8379"/>
+                </a:lnTo>
+                <a:lnTo>
+                  <a:pt x="171" y="8574"/>
+                </a:lnTo>
+                <a:lnTo>
+                  <a:pt x="293" y="8720"/>
+                </a:lnTo>
+                <a:lnTo>
+                  <a:pt x="293" y="8720"/>
+                </a:lnTo>
+                <a:lnTo>
+                  <a:pt x="585" y="8988"/>
+                </a:lnTo>
+                <a:lnTo>
+                  <a:pt x="878" y="9231"/>
+                </a:lnTo>
+                <a:lnTo>
+                  <a:pt x="1413" y="9670"/>
+                </a:lnTo>
+                <a:lnTo>
+                  <a:pt x="1901" y="10035"/>
+                </a:lnTo>
+                <a:lnTo>
+                  <a:pt x="2095" y="10206"/>
+                </a:lnTo>
+                <a:lnTo>
+                  <a:pt x="2290" y="10376"/>
+                </a:lnTo>
+                <a:lnTo>
+                  <a:pt x="2412" y="10547"/>
+                </a:lnTo>
+                <a:lnTo>
+                  <a:pt x="2534" y="10717"/>
+                </a:lnTo>
+                <a:lnTo>
+                  <a:pt x="2583" y="10888"/>
+                </a:lnTo>
+                <a:lnTo>
+                  <a:pt x="2583" y="11082"/>
+                </a:lnTo>
+                <a:lnTo>
+                  <a:pt x="2534" y="11277"/>
+                </a:lnTo>
+                <a:lnTo>
+                  <a:pt x="2436" y="11496"/>
+                </a:lnTo>
+                <a:lnTo>
+                  <a:pt x="2266" y="11740"/>
+                </a:lnTo>
+                <a:lnTo>
+                  <a:pt x="1998" y="12008"/>
+                </a:lnTo>
+                <a:lnTo>
+                  <a:pt x="1998" y="12008"/>
+                </a:lnTo>
+                <a:lnTo>
+                  <a:pt x="1828" y="12178"/>
+                </a:lnTo>
+                <a:lnTo>
+                  <a:pt x="1633" y="12276"/>
+                </a:lnTo>
+                <a:lnTo>
+                  <a:pt x="1413" y="12349"/>
+                </a:lnTo>
+                <a:lnTo>
+                  <a:pt x="1219" y="12398"/>
+                </a:lnTo>
+                <a:lnTo>
+                  <a:pt x="999" y="12446"/>
+                </a:lnTo>
+                <a:lnTo>
+                  <a:pt x="780" y="12544"/>
+                </a:lnTo>
+                <a:lnTo>
+                  <a:pt x="585" y="12665"/>
+                </a:lnTo>
+                <a:lnTo>
+                  <a:pt x="366" y="12836"/>
+                </a:lnTo>
+                <a:lnTo>
+                  <a:pt x="366" y="12836"/>
+                </a:lnTo>
+                <a:lnTo>
+                  <a:pt x="196" y="13031"/>
+                </a:lnTo>
+                <a:lnTo>
+                  <a:pt x="98" y="13250"/>
+                </a:lnTo>
+                <a:lnTo>
+                  <a:pt x="25" y="13493"/>
+                </a:lnTo>
+                <a:lnTo>
+                  <a:pt x="1" y="13761"/>
+                </a:lnTo>
+                <a:lnTo>
+                  <a:pt x="1" y="13761"/>
+                </a:lnTo>
+                <a:lnTo>
+                  <a:pt x="25" y="13981"/>
+                </a:lnTo>
+                <a:lnTo>
+                  <a:pt x="50" y="14200"/>
+                </a:lnTo>
+                <a:lnTo>
+                  <a:pt x="123" y="14395"/>
+                </a:lnTo>
+                <a:lnTo>
+                  <a:pt x="220" y="14614"/>
+                </a:lnTo>
+                <a:lnTo>
+                  <a:pt x="318" y="14784"/>
+                </a:lnTo>
+                <a:lnTo>
+                  <a:pt x="439" y="14979"/>
+                </a:lnTo>
+                <a:lnTo>
+                  <a:pt x="561" y="15150"/>
+                </a:lnTo>
+                <a:lnTo>
+                  <a:pt x="707" y="15320"/>
+                </a:lnTo>
+                <a:lnTo>
+                  <a:pt x="707" y="15320"/>
+                </a:lnTo>
+                <a:lnTo>
+                  <a:pt x="878" y="15466"/>
+                </a:lnTo>
+                <a:lnTo>
+                  <a:pt x="1048" y="15588"/>
+                </a:lnTo>
+                <a:lnTo>
+                  <a:pt x="1243" y="15710"/>
+                </a:lnTo>
+                <a:lnTo>
+                  <a:pt x="1438" y="15832"/>
+                </a:lnTo>
+                <a:lnTo>
+                  <a:pt x="1633" y="15905"/>
+                </a:lnTo>
+                <a:lnTo>
+                  <a:pt x="1852" y="15978"/>
+                </a:lnTo>
+                <a:lnTo>
+                  <a:pt x="2047" y="16002"/>
+                </a:lnTo>
+                <a:lnTo>
+                  <a:pt x="2266" y="16026"/>
+                </a:lnTo>
+                <a:lnTo>
+                  <a:pt x="2266" y="16026"/>
+                </a:lnTo>
+                <a:lnTo>
+                  <a:pt x="2534" y="16002"/>
+                </a:lnTo>
+                <a:lnTo>
+                  <a:pt x="2777" y="15929"/>
+                </a:lnTo>
+                <a:lnTo>
+                  <a:pt x="2997" y="15832"/>
+                </a:lnTo>
+                <a:lnTo>
+                  <a:pt x="3191" y="15661"/>
+                </a:lnTo>
+                <a:lnTo>
+                  <a:pt x="3191" y="15661"/>
+                </a:lnTo>
+                <a:lnTo>
+                  <a:pt x="3362" y="15466"/>
+                </a:lnTo>
+                <a:lnTo>
+                  <a:pt x="3484" y="15247"/>
+                </a:lnTo>
+                <a:lnTo>
+                  <a:pt x="3557" y="15052"/>
+                </a:lnTo>
+                <a:lnTo>
+                  <a:pt x="3605" y="14833"/>
+                </a:lnTo>
+                <a:lnTo>
+                  <a:pt x="3679" y="14614"/>
+                </a:lnTo>
+                <a:lnTo>
+                  <a:pt x="3752" y="14419"/>
+                </a:lnTo>
+                <a:lnTo>
+                  <a:pt x="3849" y="14200"/>
+                </a:lnTo>
+                <a:lnTo>
+                  <a:pt x="4019" y="14029"/>
+                </a:lnTo>
+                <a:lnTo>
+                  <a:pt x="4019" y="14029"/>
+                </a:lnTo>
+                <a:lnTo>
+                  <a:pt x="4287" y="13786"/>
+                </a:lnTo>
+                <a:lnTo>
+                  <a:pt x="4531" y="13591"/>
+                </a:lnTo>
+                <a:lnTo>
+                  <a:pt x="4750" y="13493"/>
+                </a:lnTo>
+                <a:lnTo>
+                  <a:pt x="4945" y="13445"/>
+                </a:lnTo>
+                <a:lnTo>
+                  <a:pt x="5140" y="13445"/>
+                </a:lnTo>
+                <a:lnTo>
+                  <a:pt x="5310" y="13493"/>
+                </a:lnTo>
+                <a:lnTo>
+                  <a:pt x="5481" y="13615"/>
+                </a:lnTo>
+                <a:lnTo>
+                  <a:pt x="5651" y="13737"/>
+                </a:lnTo>
+                <a:lnTo>
+                  <a:pt x="5822" y="13932"/>
+                </a:lnTo>
+                <a:lnTo>
+                  <a:pt x="5992" y="14127"/>
+                </a:lnTo>
+                <a:lnTo>
+                  <a:pt x="6358" y="14614"/>
+                </a:lnTo>
+                <a:lnTo>
+                  <a:pt x="6796" y="15150"/>
+                </a:lnTo>
+                <a:lnTo>
+                  <a:pt x="7039" y="15442"/>
+                </a:lnTo>
+                <a:lnTo>
+                  <a:pt x="7307" y="15734"/>
+                </a:lnTo>
+                <a:lnTo>
+                  <a:pt x="7307" y="15734"/>
+                </a:lnTo>
+                <a:lnTo>
+                  <a:pt x="7454" y="15856"/>
+                </a:lnTo>
+                <a:lnTo>
+                  <a:pt x="7648" y="15953"/>
+                </a:lnTo>
+                <a:lnTo>
+                  <a:pt x="7819" y="16002"/>
+                </a:lnTo>
+                <a:lnTo>
+                  <a:pt x="8014" y="16026"/>
+                </a:lnTo>
+                <a:lnTo>
+                  <a:pt x="8014" y="16026"/>
+                </a:lnTo>
+                <a:lnTo>
+                  <a:pt x="8111" y="16002"/>
+                </a:lnTo>
+                <a:lnTo>
+                  <a:pt x="8257" y="15929"/>
+                </a:lnTo>
+                <a:lnTo>
+                  <a:pt x="8720" y="15661"/>
+                </a:lnTo>
+                <a:lnTo>
+                  <a:pt x="8988" y="15491"/>
+                </a:lnTo>
+                <a:lnTo>
+                  <a:pt x="9280" y="15271"/>
+                </a:lnTo>
+                <a:lnTo>
+                  <a:pt x="9597" y="15052"/>
+                </a:lnTo>
+                <a:lnTo>
+                  <a:pt x="9889" y="14784"/>
+                </a:lnTo>
+                <a:lnTo>
+                  <a:pt x="10157" y="14516"/>
+                </a:lnTo>
+                <a:lnTo>
+                  <a:pt x="10400" y="14224"/>
+                </a:lnTo>
+                <a:lnTo>
+                  <a:pt x="10595" y="13932"/>
+                </a:lnTo>
+                <a:lnTo>
+                  <a:pt x="10668" y="13786"/>
+                </a:lnTo>
+                <a:lnTo>
+                  <a:pt x="10717" y="13615"/>
+                </a:lnTo>
+                <a:lnTo>
+                  <a:pt x="10766" y="13469"/>
+                </a:lnTo>
+                <a:lnTo>
+                  <a:pt x="10790" y="13323"/>
+                </a:lnTo>
+                <a:lnTo>
+                  <a:pt x="10790" y="13177"/>
+                </a:lnTo>
+                <a:lnTo>
+                  <a:pt x="10766" y="13006"/>
+                </a:lnTo>
+                <a:lnTo>
+                  <a:pt x="10717" y="12860"/>
+                </a:lnTo>
+                <a:lnTo>
+                  <a:pt x="10644" y="12714"/>
+                </a:lnTo>
+                <a:lnTo>
+                  <a:pt x="10547" y="12568"/>
+                </a:lnTo>
+                <a:lnTo>
+                  <a:pt x="10425" y="12422"/>
+                </a:lnTo>
+                <a:lnTo>
+                  <a:pt x="10425" y="12422"/>
+                </a:lnTo>
+                <a:lnTo>
+                  <a:pt x="10230" y="12276"/>
+                </a:lnTo>
+                <a:lnTo>
+                  <a:pt x="10035" y="12178"/>
+                </a:lnTo>
+                <a:lnTo>
+                  <a:pt x="9840" y="12105"/>
+                </a:lnTo>
+                <a:lnTo>
+                  <a:pt x="9621" y="12032"/>
+                </a:lnTo>
+                <a:lnTo>
+                  <a:pt x="9402" y="11983"/>
+                </a:lnTo>
+                <a:lnTo>
+                  <a:pt x="9183" y="11886"/>
+                </a:lnTo>
+                <a:lnTo>
+                  <a:pt x="8988" y="11789"/>
+                </a:lnTo>
+                <a:lnTo>
+                  <a:pt x="8793" y="11618"/>
+                </a:lnTo>
+                <a:lnTo>
+                  <a:pt x="8793" y="11618"/>
+                </a:lnTo>
+                <a:lnTo>
+                  <a:pt x="8623" y="11423"/>
+                </a:lnTo>
+                <a:lnTo>
+                  <a:pt x="8525" y="11204"/>
+                </a:lnTo>
+                <a:lnTo>
+                  <a:pt x="8452" y="10961"/>
+                </a:lnTo>
+                <a:lnTo>
+                  <a:pt x="8428" y="10668"/>
+                </a:lnTo>
+                <a:lnTo>
+                  <a:pt x="8428" y="10668"/>
+                </a:lnTo>
+                <a:lnTo>
+                  <a:pt x="8452" y="10473"/>
+                </a:lnTo>
+                <a:lnTo>
+                  <a:pt x="8476" y="10254"/>
+                </a:lnTo>
+                <a:lnTo>
+                  <a:pt x="8549" y="10059"/>
+                </a:lnTo>
+                <a:lnTo>
+                  <a:pt x="8623" y="9865"/>
+                </a:lnTo>
+                <a:lnTo>
+                  <a:pt x="8720" y="9670"/>
+                </a:lnTo>
+                <a:lnTo>
+                  <a:pt x="8842" y="9475"/>
+                </a:lnTo>
+                <a:lnTo>
+                  <a:pt x="8988" y="9304"/>
+                </a:lnTo>
+                <a:lnTo>
+                  <a:pt x="9134" y="9134"/>
+                </a:lnTo>
+                <a:lnTo>
+                  <a:pt x="9134" y="9134"/>
+                </a:lnTo>
+                <a:lnTo>
+                  <a:pt x="9304" y="8988"/>
+                </a:lnTo>
+                <a:lnTo>
+                  <a:pt x="9475" y="8866"/>
+                </a:lnTo>
+                <a:lnTo>
+                  <a:pt x="9645" y="8744"/>
+                </a:lnTo>
+                <a:lnTo>
+                  <a:pt x="9840" y="8622"/>
+                </a:lnTo>
+                <a:lnTo>
+                  <a:pt x="10035" y="8549"/>
+                </a:lnTo>
+                <a:lnTo>
+                  <a:pt x="10254" y="8476"/>
+                </a:lnTo>
+                <a:lnTo>
+                  <a:pt x="10474" y="8452"/>
+                </a:lnTo>
+                <a:lnTo>
+                  <a:pt x="10668" y="8428"/>
+                </a:lnTo>
+                <a:lnTo>
+                  <a:pt x="10668" y="8428"/>
+                </a:lnTo>
+                <a:lnTo>
+                  <a:pt x="10936" y="8452"/>
+                </a:lnTo>
+                <a:lnTo>
+                  <a:pt x="11180" y="8525"/>
+                </a:lnTo>
+                <a:lnTo>
+                  <a:pt x="11423" y="8622"/>
+                </a:lnTo>
+                <a:lnTo>
+                  <a:pt x="11618" y="8793"/>
+                </a:lnTo>
+                <a:lnTo>
+                  <a:pt x="11618" y="8793"/>
+                </a:lnTo>
+                <a:lnTo>
+                  <a:pt x="11789" y="8988"/>
+                </a:lnTo>
+                <a:lnTo>
+                  <a:pt x="11910" y="9207"/>
+                </a:lnTo>
+                <a:lnTo>
+                  <a:pt x="11984" y="9426"/>
+                </a:lnTo>
+                <a:lnTo>
+                  <a:pt x="12057" y="9645"/>
+                </a:lnTo>
+                <a:lnTo>
+                  <a:pt x="12105" y="9840"/>
+                </a:lnTo>
+                <a:lnTo>
+                  <a:pt x="12178" y="10035"/>
+                </a:lnTo>
+                <a:lnTo>
+                  <a:pt x="12276" y="10230"/>
+                </a:lnTo>
+                <a:lnTo>
+                  <a:pt x="12422" y="10425"/>
+                </a:lnTo>
+                <a:lnTo>
+                  <a:pt x="12422" y="10425"/>
+                </a:lnTo>
+                <a:lnTo>
+                  <a:pt x="12568" y="10547"/>
+                </a:lnTo>
+                <a:lnTo>
+                  <a:pt x="12714" y="10644"/>
+                </a:lnTo>
+                <a:lnTo>
+                  <a:pt x="12860" y="10717"/>
+                </a:lnTo>
+                <a:lnTo>
+                  <a:pt x="13006" y="10766"/>
+                </a:lnTo>
+                <a:lnTo>
+                  <a:pt x="13177" y="10790"/>
+                </a:lnTo>
+                <a:lnTo>
+                  <a:pt x="13323" y="10790"/>
+                </a:lnTo>
+                <a:lnTo>
+                  <a:pt x="13469" y="10766"/>
+                </a:lnTo>
+                <a:lnTo>
+                  <a:pt x="13615" y="10717"/>
+                </a:lnTo>
+                <a:lnTo>
+                  <a:pt x="13786" y="10668"/>
+                </a:lnTo>
+                <a:lnTo>
+                  <a:pt x="13932" y="10595"/>
+                </a:lnTo>
+                <a:lnTo>
+                  <a:pt x="14224" y="10400"/>
+                </a:lnTo>
+                <a:lnTo>
+                  <a:pt x="14516" y="10157"/>
+                </a:lnTo>
+                <a:lnTo>
+                  <a:pt x="14784" y="9889"/>
+                </a:lnTo>
+                <a:lnTo>
+                  <a:pt x="15052" y="9597"/>
+                </a:lnTo>
+                <a:lnTo>
+                  <a:pt x="15271" y="9280"/>
+                </a:lnTo>
+                <a:lnTo>
+                  <a:pt x="15491" y="8988"/>
+                </a:lnTo>
+                <a:lnTo>
+                  <a:pt x="15661" y="8720"/>
+                </a:lnTo>
+                <a:lnTo>
+                  <a:pt x="15929" y="8257"/>
+                </a:lnTo>
+                <a:lnTo>
+                  <a:pt x="16002" y="8111"/>
+                </a:lnTo>
+                <a:lnTo>
+                  <a:pt x="16026" y="8014"/>
+                </a:lnTo>
+                <a:lnTo>
+                  <a:pt x="16026" y="8014"/>
+                </a:lnTo>
+                <a:lnTo>
+                  <a:pt x="16002" y="7819"/>
+                </a:lnTo>
+                <a:lnTo>
+                  <a:pt x="15953" y="7648"/>
+                </a:lnTo>
+                <a:lnTo>
+                  <a:pt x="15856" y="7453"/>
+                </a:lnTo>
+                <a:lnTo>
+                  <a:pt x="15734" y="7307"/>
+                </a:lnTo>
+                <a:lnTo>
+                  <a:pt x="15734" y="7307"/>
+                </a:lnTo>
+                <a:lnTo>
+                  <a:pt x="15442" y="7039"/>
+                </a:lnTo>
+                <a:lnTo>
+                  <a:pt x="15150" y="6796"/>
+                </a:lnTo>
+                <a:lnTo>
+                  <a:pt x="14614" y="6357"/>
+                </a:lnTo>
+                <a:lnTo>
+                  <a:pt x="14127" y="5992"/>
+                </a:lnTo>
+                <a:lnTo>
+                  <a:pt x="13932" y="5822"/>
+                </a:lnTo>
+                <a:lnTo>
+                  <a:pt x="13737" y="5651"/>
+                </a:lnTo>
+                <a:lnTo>
+                  <a:pt x="13615" y="5481"/>
+                </a:lnTo>
+                <a:lnTo>
+                  <a:pt x="13494" y="5310"/>
+                </a:lnTo>
+                <a:lnTo>
+                  <a:pt x="13445" y="5140"/>
+                </a:lnTo>
+                <a:lnTo>
+                  <a:pt x="13445" y="4945"/>
+                </a:lnTo>
+                <a:lnTo>
+                  <a:pt x="13494" y="4750"/>
+                </a:lnTo>
+                <a:lnTo>
+                  <a:pt x="13591" y="4531"/>
+                </a:lnTo>
+                <a:lnTo>
+                  <a:pt x="13761" y="4287"/>
+                </a:lnTo>
+                <a:lnTo>
+                  <a:pt x="14029" y="4019"/>
+                </a:lnTo>
+                <a:lnTo>
+                  <a:pt x="14029" y="4019"/>
+                </a:lnTo>
+                <a:close/>
+              </a:path>
+            </a:pathLst>
+          </a:custGeom>
+          <a:noFill/>
+          <a:ln w="12175" cap="rnd" cmpd="sng">
+            <a:solidFill>
+              <a:schemeClr val="accent1"/>
+            </a:solidFill>
+            <a:prstDash val="solid"/>
+            <a:round/>
+            <a:headEnd type="none" w="sm" len="sm"/>
+            <a:tailEnd type="none" w="sm" len="sm"/>
+          </a:ln>
+        </p:spPr>
+        <p:txBody>
+          <a:bodyPr spcFirstLastPara="1" wrap="square" lIns="91425" tIns="91425" rIns="91425" bIns="91425" anchor="ctr" anchorCtr="0">
+            <a:noAutofit/>
+          </a:bodyPr>
+          <a:lstStyle/>
+          <a:p>
+            <a:pPr marL="0" lvl="0" indent="0" algn="l" rtl="0">
+              <a:spcBef>
+                <a:spcPts val="0"/>
+              </a:spcBef>
+              <a:spcAft>
+                <a:spcPts val="0"/>
+              </a:spcAft>
+              <a:buNone/>
+            </a:pPr>
+            <a:endParaRPr/>
+          </a:p>
+        </p:txBody>
+      </p:sp>
+    </p:spTree>
+    <p:extLst>
+      <p:ext uri="{BB962C8B-B14F-4D97-AF65-F5344CB8AC3E}">
+        <p14:creationId xmlns:p14="http://schemas.microsoft.com/office/powerpoint/2010/main" val="3491490913"/>
+      </p:ext>
+    </p:extLst>
+  </p:cSld>
+  <p:clrMapOvr>
+    <a:masterClrMapping/>
+  </p:clrMapOvr>
+</p:sld>
+</file>
+
+<file path=ppt/slides/slide3.xml><?xml version="1.0" encoding="utf-8"?>
+<p:sld xmlns:a="http://schemas.openxmlformats.org/drawingml/2006/main" xmlns:r="http://schemas.openxmlformats.org/officeDocument/2006/relationships" xmlns:p="http://schemas.openxmlformats.org/presentationml/2006/main">
+  <p:cSld>
+    <p:spTree>
+      <p:nvGrpSpPr>
+        <p:cNvPr id="1" name="Shape 108"/>
+        <p:cNvGrpSpPr/>
+        <p:nvPr/>
+      </p:nvGrpSpPr>
+      <p:grpSpPr>
+        <a:xfrm>
+          <a:off x="0" y="0"/>
+          <a:ext cx="0" cy="0"/>
+          <a:chOff x="0" y="0"/>
+          <a:chExt cx="0" cy="0"/>
+        </a:xfrm>
+      </p:grpSpPr>
+      <p:sp>
+        <p:nvSpPr>
+          <p:cNvPr id="111" name="Google Shape;111;p19"/>
+          <p:cNvSpPr txBox="1">
+            <a:spLocks noGrp="1"/>
+          </p:cNvSpPr>
+          <p:nvPr>
+            <p:ph type="body" idx="2"/>
+          </p:nvPr>
+        </p:nvSpPr>
+        <p:spPr>
+          <a:xfrm>
+            <a:off x="4677289" y="1733383"/>
+            <a:ext cx="3496500" cy="1953000"/>
+          </a:xfrm>
+          <a:prstGeom prst="rect">
+            <a:avLst/>
+          </a:prstGeom>
+        </p:spPr>
+        <p:txBody>
+          <a:bodyPr spcFirstLastPara="1" wrap="square" lIns="91425" tIns="91425" rIns="91425" bIns="91425" anchor="t" anchorCtr="0">
+            <a:noAutofit/>
+          </a:bodyPr>
+          <a:lstStyle/>
+          <a:p>
+            <a:pPr marL="0" lvl="0" indent="0" algn="ctr" rtl="0">
+              <a:spcBef>
+                <a:spcPts val="600"/>
+              </a:spcBef>
+              <a:spcAft>
+                <a:spcPts val="0"/>
+              </a:spcAft>
+              <a:buNone/>
+            </a:pPr>
+            <a:r>
+              <a:rPr lang="en" sz="2400" b="1" i="1" dirty="0">
+                <a:latin typeface="Playfair Display"/>
+                <a:ea typeface="Playfair Display"/>
+                <a:cs typeface="Playfair Display"/>
+                <a:sym typeface="Playfair Display"/>
+              </a:rPr>
+              <a:t>Change</a:t>
+            </a:r>
+            <a:endParaRPr b="1" dirty="0"/>
+          </a:p>
+          <a:p>
+            <a:pPr marL="0" lvl="0" indent="0" algn="ctr" rtl="0">
+              <a:spcBef>
+                <a:spcPts val="600"/>
+              </a:spcBef>
+              <a:spcAft>
+                <a:spcPts val="0"/>
+              </a:spcAft>
+              <a:buNone/>
+            </a:pPr>
+            <a:endParaRPr lang="en" b="1" dirty="0"/>
+          </a:p>
+          <a:p>
+            <a:pPr marL="0" lvl="0" indent="0" algn="ctr" rtl="0">
+              <a:spcBef>
+                <a:spcPts val="600"/>
+              </a:spcBef>
+              <a:spcAft>
+                <a:spcPts val="0"/>
+              </a:spcAft>
+              <a:buNone/>
+            </a:pPr>
+            <a:r>
+              <a:rPr lang="en" dirty="0"/>
+              <a:t>Change how you use code</a:t>
+            </a:r>
+          </a:p>
+          <a:p>
+            <a:pPr marL="0" lvl="0" indent="0" algn="ctr" rtl="0">
+              <a:spcBef>
+                <a:spcPts val="600"/>
+              </a:spcBef>
+              <a:spcAft>
+                <a:spcPts val="0"/>
+              </a:spcAft>
+              <a:buNone/>
+            </a:pPr>
+            <a:endParaRPr lang="en" dirty="0"/>
+          </a:p>
+          <a:p>
+            <a:pPr marL="0" lvl="0" indent="0" algn="ctr" rtl="0">
+              <a:spcBef>
+                <a:spcPts val="600"/>
+              </a:spcBef>
+              <a:spcAft>
+                <a:spcPts val="0"/>
+              </a:spcAft>
+              <a:buNone/>
+            </a:pPr>
+            <a:r>
+              <a:rPr lang="en" dirty="0"/>
+              <a:t>Change what the code does</a:t>
+            </a:r>
+          </a:p>
+        </p:txBody>
+      </p:sp>
+      <p:sp>
+        <p:nvSpPr>
+          <p:cNvPr id="112" name="Google Shape;112;p19"/>
+          <p:cNvSpPr txBox="1">
+            <a:spLocks noGrp="1"/>
+          </p:cNvSpPr>
+          <p:nvPr>
+            <p:ph type="sldNum" idx="12"/>
+          </p:nvPr>
+        </p:nvSpPr>
+        <p:spPr>
+          <a:xfrm>
+            <a:off x="4297650" y="4419838"/>
+            <a:ext cx="548700" cy="393600"/>
+          </a:xfrm>
+          <a:prstGeom prst="rect">
+            <a:avLst/>
+          </a:prstGeom>
+        </p:spPr>
+        <p:txBody>
+          <a:bodyPr spcFirstLastPara="1" wrap="square" lIns="91425" tIns="91425" rIns="91425" bIns="91425" anchor="b" anchorCtr="0">
+            <a:noAutofit/>
+          </a:bodyPr>
+          <a:lstStyle/>
+          <a:p>
+            <a:pPr marL="0" lvl="0" indent="0" algn="ctr" rtl="0">
+              <a:spcBef>
+                <a:spcPts val="0"/>
+              </a:spcBef>
+              <a:spcAft>
+                <a:spcPts val="0"/>
+              </a:spcAft>
+              <a:buNone/>
+            </a:pPr>
+            <a:fld id="{00000000-1234-1234-1234-123412341234}" type="slidenum">
+              <a:rPr lang="en"/>
+              <a:t>3</a:t>
+            </a:fld>
+            <a:endParaRPr/>
+          </a:p>
+        </p:txBody>
+      </p:sp>
+      <p:sp>
+        <p:nvSpPr>
+          <p:cNvPr id="110" name="Google Shape;110;p19"/>
+          <p:cNvSpPr txBox="1">
+            <a:spLocks noGrp="1"/>
+          </p:cNvSpPr>
+          <p:nvPr>
+            <p:ph type="title"/>
+          </p:nvPr>
+        </p:nvSpPr>
+        <p:spPr>
+          <a:xfrm>
+            <a:off x="388955" y="338306"/>
+            <a:ext cx="8366100" cy="762600"/>
+          </a:xfrm>
+          <a:prstGeom prst="rect">
+            <a:avLst/>
+          </a:prstGeom>
+        </p:spPr>
+        <p:txBody>
+          <a:bodyPr spcFirstLastPara="1" wrap="square" lIns="91425" tIns="91425" rIns="91425" bIns="91425" anchor="ctr" anchorCtr="0">
+            <a:noAutofit/>
+          </a:bodyPr>
+          <a:lstStyle/>
+          <a:p>
+            <a:pPr lvl="0"/>
+            <a:r>
+              <a:rPr lang="en" dirty="0"/>
+              <a:t>Why we Refactor?</a:t>
+            </a:r>
+            <a:endParaRPr dirty="0"/>
+          </a:p>
+        </p:txBody>
+      </p:sp>
+      <p:sp>
+        <p:nvSpPr>
+          <p:cNvPr id="109" name="Google Shape;109;p19"/>
+          <p:cNvSpPr txBox="1">
+            <a:spLocks noGrp="1"/>
+          </p:cNvSpPr>
+          <p:nvPr>
+            <p:ph type="body" idx="1"/>
+          </p:nvPr>
+        </p:nvSpPr>
+        <p:spPr>
+          <a:xfrm>
+            <a:off x="801150" y="1733383"/>
+            <a:ext cx="3496500" cy="1953000"/>
+          </a:xfrm>
+          <a:prstGeom prst="rect">
+            <a:avLst/>
+          </a:prstGeom>
+        </p:spPr>
+        <p:txBody>
+          <a:bodyPr spcFirstLastPara="1" wrap="square" lIns="91425" tIns="91425" rIns="91425" bIns="91425" anchor="t" anchorCtr="0">
+            <a:noAutofit/>
+          </a:bodyPr>
+          <a:lstStyle/>
+          <a:p>
+            <a:pPr marL="0" lvl="0" indent="0" algn="ctr" rtl="0">
+              <a:spcBef>
+                <a:spcPts val="600"/>
+              </a:spcBef>
+              <a:spcAft>
+                <a:spcPts val="0"/>
+              </a:spcAft>
+              <a:buNone/>
+            </a:pPr>
+            <a:r>
+              <a:rPr lang="en" sz="2400" b="1" i="1" dirty="0">
+                <a:latin typeface="Playfair Display"/>
+                <a:ea typeface="Playfair Display"/>
+                <a:cs typeface="Playfair Display"/>
+                <a:sym typeface="Playfair Display"/>
+              </a:rPr>
+              <a:t>Insights</a:t>
+            </a:r>
+            <a:endParaRPr sz="2400" b="1" i="1" dirty="0">
+              <a:latin typeface="Playfair Display"/>
+              <a:ea typeface="Playfair Display"/>
+              <a:cs typeface="Playfair Display"/>
+              <a:sym typeface="Playfair Display"/>
+            </a:endParaRPr>
+          </a:p>
+          <a:p>
+            <a:pPr marL="0" lvl="0" indent="0" algn="ctr" rtl="0">
+              <a:spcBef>
+                <a:spcPts val="600"/>
+              </a:spcBef>
+              <a:spcAft>
+                <a:spcPts val="0"/>
+              </a:spcAft>
+              <a:buNone/>
+            </a:pPr>
+            <a:endParaRPr lang="en" dirty="0"/>
+          </a:p>
+          <a:p>
+            <a:pPr marL="0" lvl="0" indent="0" algn="ctr" rtl="0">
+              <a:spcBef>
+                <a:spcPts val="600"/>
+              </a:spcBef>
+              <a:spcAft>
+                <a:spcPts val="0"/>
+              </a:spcAft>
+              <a:buNone/>
+            </a:pPr>
+            <a:r>
+              <a:rPr lang="en" dirty="0"/>
+              <a:t>Gain an insight</a:t>
+            </a:r>
+          </a:p>
+          <a:p>
+            <a:pPr marL="0" lvl="0" indent="0" algn="ctr" rtl="0">
+              <a:spcBef>
+                <a:spcPts val="600"/>
+              </a:spcBef>
+              <a:spcAft>
+                <a:spcPts val="0"/>
+              </a:spcAft>
+              <a:buNone/>
+            </a:pPr>
+            <a:endParaRPr lang="en" dirty="0"/>
+          </a:p>
+          <a:p>
+            <a:pPr marL="0" lvl="0" indent="0" algn="ctr" rtl="0">
+              <a:spcBef>
+                <a:spcPts val="600"/>
+              </a:spcBef>
+              <a:spcAft>
+                <a:spcPts val="0"/>
+              </a:spcAft>
+              <a:buNone/>
+            </a:pPr>
+            <a:r>
+              <a:rPr lang="en" dirty="0"/>
+              <a:t>Record an insight</a:t>
+            </a:r>
+            <a:endParaRPr dirty="0"/>
+          </a:p>
+        </p:txBody>
+      </p:sp>
+      <p:cxnSp>
+        <p:nvCxnSpPr>
+          <p:cNvPr id="3" name="Straight Connector 2">
+            <a:extLst>
+              <a:ext uri="{FF2B5EF4-FFF2-40B4-BE49-F238E27FC236}">
+                <a16:creationId xmlns:a16="http://schemas.microsoft.com/office/drawing/2014/main" id="{75A3AAC8-D2C8-2147-8E05-86D74E562804}"/>
+              </a:ext>
+            </a:extLst>
+          </p:cNvPr>
+          <p:cNvCxnSpPr>
+            <a:cxnSpLocks/>
+          </p:cNvCxnSpPr>
+          <p:nvPr/>
+        </p:nvCxnSpPr>
+        <p:spPr>
+          <a:xfrm>
+            <a:off x="4572000" y="946205"/>
+            <a:ext cx="0" cy="3705308"/>
+          </a:xfrm>
+          <a:prstGeom prst="line">
+            <a:avLst/>
+          </a:prstGeom>
+        </p:spPr>
+        <p:style>
+          <a:lnRef idx="1">
+            <a:schemeClr val="accent1"/>
+          </a:lnRef>
+          <a:fillRef idx="0">
+            <a:schemeClr val="accent1"/>
+          </a:fillRef>
+          <a:effectRef idx="0">
+            <a:schemeClr val="accent1"/>
+          </a:effectRef>
+          <a:fontRef idx="minor">
+            <a:schemeClr val="tx1"/>
+          </a:fontRef>
+        </p:style>
+      </p:cxnSp>
+      <p:grpSp>
+        <p:nvGrpSpPr>
+          <p:cNvPr id="10" name="Google Shape;378;p37">
+            <a:extLst>
+              <a:ext uri="{FF2B5EF4-FFF2-40B4-BE49-F238E27FC236}">
+                <a16:creationId xmlns:a16="http://schemas.microsoft.com/office/drawing/2014/main" id="{F75B2BDF-0577-0047-8271-5962DE0F624C}"/>
+              </a:ext>
+            </a:extLst>
+          </p:cNvPr>
+          <p:cNvGrpSpPr/>
+          <p:nvPr/>
+        </p:nvGrpSpPr>
+        <p:grpSpPr>
+          <a:xfrm rot="1160667">
+            <a:off x="7926046" y="3269596"/>
+            <a:ext cx="366458" cy="366437"/>
+            <a:chOff x="1923675" y="1633650"/>
+            <a:chExt cx="436000" cy="435975"/>
+          </a:xfrm>
+        </p:grpSpPr>
+        <p:sp>
+          <p:nvSpPr>
+            <p:cNvPr id="11" name="Google Shape;379;p37">
+              <a:extLst>
+                <a:ext uri="{FF2B5EF4-FFF2-40B4-BE49-F238E27FC236}">
+                  <a16:creationId xmlns:a16="http://schemas.microsoft.com/office/drawing/2014/main" id="{AA8E83A7-674F-2F43-9BFD-2DA9DB6C4FE3}"/>
+                </a:ext>
+              </a:extLst>
+            </p:cNvPr>
+            <p:cNvSpPr/>
+            <p:nvPr/>
+          </p:nvSpPr>
+          <p:spPr>
+            <a:xfrm>
+              <a:off x="2209250" y="1633650"/>
+              <a:ext cx="150425" cy="150425"/>
+            </a:xfrm>
+            <a:custGeom>
+              <a:avLst/>
+              <a:gdLst/>
+              <a:ahLst/>
+              <a:cxnLst/>
+              <a:rect l="l" t="t" r="r" b="b"/>
+              <a:pathLst>
+                <a:path w="6017" h="6017" fill="none" extrusionOk="0">
+                  <a:moveTo>
+                    <a:pt x="5846" y="3605"/>
+                  </a:moveTo>
+                  <a:lnTo>
+                    <a:pt x="2412" y="171"/>
+                  </a:lnTo>
+                  <a:lnTo>
+                    <a:pt x="2412" y="171"/>
+                  </a:lnTo>
+                  <a:lnTo>
+                    <a:pt x="2314" y="98"/>
+                  </a:lnTo>
+                  <a:lnTo>
+                    <a:pt x="2217" y="49"/>
+                  </a:lnTo>
+                  <a:lnTo>
+                    <a:pt x="2095" y="25"/>
+                  </a:lnTo>
+                  <a:lnTo>
+                    <a:pt x="1997" y="1"/>
+                  </a:lnTo>
+                  <a:lnTo>
+                    <a:pt x="1876" y="25"/>
+                  </a:lnTo>
+                  <a:lnTo>
+                    <a:pt x="1778" y="49"/>
+                  </a:lnTo>
+                  <a:lnTo>
+                    <a:pt x="1681" y="98"/>
+                  </a:lnTo>
+                  <a:lnTo>
+                    <a:pt x="1583" y="171"/>
+                  </a:lnTo>
+                  <a:lnTo>
+                    <a:pt x="0" y="1778"/>
+                  </a:lnTo>
+                  <a:lnTo>
+                    <a:pt x="4238" y="6016"/>
+                  </a:lnTo>
+                  <a:lnTo>
+                    <a:pt x="5846" y="4433"/>
+                  </a:lnTo>
+                  <a:lnTo>
+                    <a:pt x="5846" y="4433"/>
+                  </a:lnTo>
+                  <a:lnTo>
+                    <a:pt x="5919" y="4336"/>
+                  </a:lnTo>
+                  <a:lnTo>
+                    <a:pt x="5967" y="4238"/>
+                  </a:lnTo>
+                  <a:lnTo>
+                    <a:pt x="5992" y="4141"/>
+                  </a:lnTo>
+                  <a:lnTo>
+                    <a:pt x="6016" y="4019"/>
+                  </a:lnTo>
+                  <a:lnTo>
+                    <a:pt x="5992" y="3922"/>
+                  </a:lnTo>
+                  <a:lnTo>
+                    <a:pt x="5967" y="3800"/>
+                  </a:lnTo>
+                  <a:lnTo>
+                    <a:pt x="5919" y="3703"/>
+                  </a:lnTo>
+                  <a:lnTo>
+                    <a:pt x="5846" y="3605"/>
+                  </a:lnTo>
+                  <a:lnTo>
+                    <a:pt x="5846" y="3605"/>
+                  </a:lnTo>
+                  <a:close/>
+                </a:path>
+              </a:pathLst>
+            </a:custGeom>
+            <a:noFill/>
+            <a:ln w="12175" cap="rnd" cmpd="sng">
+              <a:solidFill>
+                <a:schemeClr val="accent1"/>
+              </a:solidFill>
+              <a:prstDash val="solid"/>
+              <a:round/>
+              <a:headEnd type="none" w="sm" len="sm"/>
+              <a:tailEnd type="none" w="sm" len="sm"/>
+            </a:ln>
+          </p:spPr>
+          <p:txBody>
+            <a:bodyPr spcFirstLastPara="1" wrap="square" lIns="91425" tIns="91425" rIns="91425" bIns="91425" anchor="ctr" anchorCtr="0">
+              <a:noAutofit/>
+            </a:bodyPr>
+            <a:lstStyle/>
+            <a:p>
+              <a:pPr marL="0" lvl="0" indent="0" algn="l" rtl="0">
+                <a:spcBef>
+                  <a:spcPts val="0"/>
+                </a:spcBef>
+                <a:spcAft>
+                  <a:spcPts val="0"/>
+                </a:spcAft>
+                <a:buNone/>
+              </a:pPr>
+              <a:endParaRPr/>
+            </a:p>
+          </p:txBody>
+        </p:sp>
+        <p:sp>
+          <p:nvSpPr>
+            <p:cNvPr id="12" name="Google Shape;380;p37">
+              <a:extLst>
+                <a:ext uri="{FF2B5EF4-FFF2-40B4-BE49-F238E27FC236}">
+                  <a16:creationId xmlns:a16="http://schemas.microsoft.com/office/drawing/2014/main" id="{68F6B620-CDD9-0F4D-A5C6-2AD855AE3C4F}"/>
+                </a:ext>
+              </a:extLst>
+            </p:cNvPr>
+            <p:cNvSpPr/>
+            <p:nvPr/>
+          </p:nvSpPr>
+          <p:spPr>
+            <a:xfrm>
+              <a:off x="2019900" y="1757250"/>
+              <a:ext cx="261825" cy="261850"/>
+            </a:xfrm>
+            <a:custGeom>
+              <a:avLst/>
+              <a:gdLst/>
+              <a:ahLst/>
+              <a:cxnLst/>
+              <a:rect l="l" t="t" r="r" b="b"/>
+              <a:pathLst>
+                <a:path w="10473" h="10474" fill="none" extrusionOk="0">
+                  <a:moveTo>
+                    <a:pt x="10473" y="1"/>
+                  </a:moveTo>
+                  <a:lnTo>
+                    <a:pt x="0" y="10473"/>
+                  </a:lnTo>
+                </a:path>
+              </a:pathLst>
+            </a:custGeom>
+            <a:noFill/>
+            <a:ln w="12175" cap="rnd" cmpd="sng">
+              <a:solidFill>
+                <a:schemeClr val="accent1"/>
+              </a:solidFill>
+              <a:prstDash val="solid"/>
+              <a:round/>
+              <a:headEnd type="none" w="sm" len="sm"/>
+              <a:tailEnd type="none" w="sm" len="sm"/>
+            </a:ln>
+          </p:spPr>
+          <p:txBody>
+            <a:bodyPr spcFirstLastPara="1" wrap="square" lIns="91425" tIns="91425" rIns="91425" bIns="91425" anchor="ctr" anchorCtr="0">
+              <a:noAutofit/>
+            </a:bodyPr>
+            <a:lstStyle/>
+            <a:p>
+              <a:pPr marL="0" lvl="0" indent="0" algn="l" rtl="0">
+                <a:spcBef>
+                  <a:spcPts val="0"/>
+                </a:spcBef>
+                <a:spcAft>
+                  <a:spcPts val="0"/>
+                </a:spcAft>
+                <a:buNone/>
+              </a:pPr>
+              <a:endParaRPr/>
+            </a:p>
+          </p:txBody>
+        </p:sp>
+        <p:sp>
+          <p:nvSpPr>
+            <p:cNvPr id="13" name="Google Shape;381;p37">
+              <a:extLst>
+                <a:ext uri="{FF2B5EF4-FFF2-40B4-BE49-F238E27FC236}">
+                  <a16:creationId xmlns:a16="http://schemas.microsoft.com/office/drawing/2014/main" id="{4066391E-F8B1-544B-9DC8-D48769E98CCD}"/>
+                </a:ext>
+              </a:extLst>
+            </p:cNvPr>
+            <p:cNvSpPr/>
+            <p:nvPr/>
+          </p:nvSpPr>
+          <p:spPr>
+            <a:xfrm>
+              <a:off x="1923675" y="1681150"/>
+              <a:ext cx="388500" cy="388475"/>
+            </a:xfrm>
+            <a:custGeom>
+              <a:avLst/>
+              <a:gdLst/>
+              <a:ahLst/>
+              <a:cxnLst/>
+              <a:rect l="l" t="t" r="r" b="b"/>
+              <a:pathLst>
+                <a:path w="15540" h="15539" fill="none" extrusionOk="0">
+                  <a:moveTo>
+                    <a:pt x="11277" y="0"/>
+                  </a:moveTo>
+                  <a:lnTo>
+                    <a:pt x="756" y="10546"/>
+                  </a:lnTo>
+                  <a:lnTo>
+                    <a:pt x="756" y="10546"/>
+                  </a:lnTo>
+                  <a:lnTo>
+                    <a:pt x="683" y="10619"/>
+                  </a:lnTo>
+                  <a:lnTo>
+                    <a:pt x="634" y="10692"/>
+                  </a:lnTo>
+                  <a:lnTo>
+                    <a:pt x="610" y="10765"/>
+                  </a:lnTo>
+                  <a:lnTo>
+                    <a:pt x="585" y="10863"/>
+                  </a:lnTo>
+                  <a:lnTo>
+                    <a:pt x="1" y="14881"/>
+                  </a:lnTo>
+                  <a:lnTo>
+                    <a:pt x="1" y="14881"/>
+                  </a:lnTo>
+                  <a:lnTo>
+                    <a:pt x="1" y="15003"/>
+                  </a:lnTo>
+                  <a:lnTo>
+                    <a:pt x="25" y="15149"/>
+                  </a:lnTo>
+                  <a:lnTo>
+                    <a:pt x="98" y="15271"/>
+                  </a:lnTo>
+                  <a:lnTo>
+                    <a:pt x="171" y="15368"/>
+                  </a:lnTo>
+                  <a:lnTo>
+                    <a:pt x="171" y="15368"/>
+                  </a:lnTo>
+                  <a:lnTo>
+                    <a:pt x="269" y="15441"/>
+                  </a:lnTo>
+                  <a:lnTo>
+                    <a:pt x="366" y="15490"/>
+                  </a:lnTo>
+                  <a:lnTo>
+                    <a:pt x="464" y="15514"/>
+                  </a:lnTo>
+                  <a:lnTo>
+                    <a:pt x="585" y="15539"/>
+                  </a:lnTo>
+                  <a:lnTo>
+                    <a:pt x="585" y="15539"/>
+                  </a:lnTo>
+                  <a:lnTo>
+                    <a:pt x="659" y="15539"/>
+                  </a:lnTo>
+                  <a:lnTo>
+                    <a:pt x="4677" y="14954"/>
+                  </a:lnTo>
+                  <a:lnTo>
+                    <a:pt x="4677" y="14954"/>
+                  </a:lnTo>
+                  <a:lnTo>
+                    <a:pt x="4848" y="14905"/>
+                  </a:lnTo>
+                  <a:lnTo>
+                    <a:pt x="4921" y="14857"/>
+                  </a:lnTo>
+                  <a:lnTo>
+                    <a:pt x="4994" y="14784"/>
+                  </a:lnTo>
+                  <a:lnTo>
+                    <a:pt x="15539" y="4262"/>
+                  </a:lnTo>
+                </a:path>
+              </a:pathLst>
+            </a:custGeom>
+            <a:noFill/>
+            <a:ln w="12175" cap="rnd" cmpd="sng">
+              <a:solidFill>
+                <a:schemeClr val="accent1"/>
+              </a:solidFill>
+              <a:prstDash val="solid"/>
+              <a:round/>
+              <a:headEnd type="none" w="sm" len="sm"/>
+              <a:tailEnd type="none" w="sm" len="sm"/>
+            </a:ln>
+          </p:spPr>
+          <p:txBody>
+            <a:bodyPr spcFirstLastPara="1" wrap="square" lIns="91425" tIns="91425" rIns="91425" bIns="91425" anchor="ctr" anchorCtr="0">
+              <a:noAutofit/>
+            </a:bodyPr>
+            <a:lstStyle/>
+            <a:p>
+              <a:pPr marL="0" lvl="0" indent="0" algn="l" rtl="0">
+                <a:spcBef>
+                  <a:spcPts val="0"/>
+                </a:spcBef>
+                <a:spcAft>
+                  <a:spcPts val="0"/>
+                </a:spcAft>
+                <a:buNone/>
+              </a:pPr>
+              <a:endParaRPr/>
+            </a:p>
+          </p:txBody>
+        </p:sp>
+        <p:sp>
+          <p:nvSpPr>
+            <p:cNvPr id="14" name="Google Shape;382;p37">
+              <a:extLst>
+                <a:ext uri="{FF2B5EF4-FFF2-40B4-BE49-F238E27FC236}">
+                  <a16:creationId xmlns:a16="http://schemas.microsoft.com/office/drawing/2014/main" id="{50E7A8CA-E64E-5341-8526-F29EA298609D}"/>
+                </a:ext>
+              </a:extLst>
+            </p:cNvPr>
+            <p:cNvSpPr/>
+            <p:nvPr/>
+          </p:nvSpPr>
+          <p:spPr>
+            <a:xfrm>
+              <a:off x="1974225" y="1711575"/>
+              <a:ext cx="261825" cy="261850"/>
+            </a:xfrm>
+            <a:custGeom>
+              <a:avLst/>
+              <a:gdLst/>
+              <a:ahLst/>
+              <a:cxnLst/>
+              <a:rect l="l" t="t" r="r" b="b"/>
+              <a:pathLst>
+                <a:path w="10473" h="10474" fill="none" extrusionOk="0">
+                  <a:moveTo>
+                    <a:pt x="0" y="10474"/>
+                  </a:moveTo>
+                  <a:lnTo>
+                    <a:pt x="10473" y="1"/>
+                  </a:lnTo>
+                </a:path>
+              </a:pathLst>
+            </a:custGeom>
+            <a:noFill/>
+            <a:ln w="12175" cap="rnd" cmpd="sng">
+              <a:solidFill>
+                <a:schemeClr val="accent1"/>
+              </a:solidFill>
+              <a:prstDash val="solid"/>
+              <a:round/>
+              <a:headEnd type="none" w="sm" len="sm"/>
+              <a:tailEnd type="none" w="sm" len="sm"/>
+            </a:ln>
+          </p:spPr>
+          <p:txBody>
+            <a:bodyPr spcFirstLastPara="1" wrap="square" lIns="91425" tIns="91425" rIns="91425" bIns="91425" anchor="ctr" anchorCtr="0">
+              <a:noAutofit/>
+            </a:bodyPr>
+            <a:lstStyle/>
+            <a:p>
+              <a:pPr marL="0" lvl="0" indent="0" algn="l" rtl="0">
+                <a:spcBef>
+                  <a:spcPts val="0"/>
+                </a:spcBef>
+                <a:spcAft>
+                  <a:spcPts val="0"/>
+                </a:spcAft>
+                <a:buNone/>
+              </a:pPr>
+              <a:endParaRPr/>
+            </a:p>
+          </p:txBody>
+        </p:sp>
+        <p:sp>
+          <p:nvSpPr>
+            <p:cNvPr id="15" name="Google Shape;383;p37">
+              <a:extLst>
+                <a:ext uri="{FF2B5EF4-FFF2-40B4-BE49-F238E27FC236}">
+                  <a16:creationId xmlns:a16="http://schemas.microsoft.com/office/drawing/2014/main" id="{1B2C0EE8-AE4A-ED42-9CE4-A0F3F0186893}"/>
+                </a:ext>
+              </a:extLst>
+            </p:cNvPr>
+            <p:cNvSpPr/>
+            <p:nvPr/>
+          </p:nvSpPr>
+          <p:spPr>
+            <a:xfrm>
+              <a:off x="1934650" y="2014200"/>
+              <a:ext cx="44475" cy="44475"/>
+            </a:xfrm>
+            <a:custGeom>
+              <a:avLst/>
+              <a:gdLst/>
+              <a:ahLst/>
+              <a:cxnLst/>
+              <a:rect l="l" t="t" r="r" b="b"/>
+              <a:pathLst>
+                <a:path w="1779" h="1779" fill="none" extrusionOk="0">
+                  <a:moveTo>
+                    <a:pt x="1778" y="1778"/>
+                  </a:moveTo>
+                  <a:lnTo>
+                    <a:pt x="0" y="0"/>
+                  </a:lnTo>
+                </a:path>
+              </a:pathLst>
+            </a:custGeom>
+            <a:noFill/>
+            <a:ln w="12175" cap="rnd" cmpd="sng">
+              <a:solidFill>
+                <a:schemeClr val="accent1"/>
+              </a:solidFill>
+              <a:prstDash val="solid"/>
+              <a:round/>
+              <a:headEnd type="none" w="sm" len="sm"/>
+              <a:tailEnd type="none" w="sm" len="sm"/>
+            </a:ln>
+          </p:spPr>
+          <p:txBody>
+            <a:bodyPr spcFirstLastPara="1" wrap="square" lIns="91425" tIns="91425" rIns="91425" bIns="91425" anchor="ctr" anchorCtr="0">
+              <a:noAutofit/>
+            </a:bodyPr>
+            <a:lstStyle/>
+            <a:p>
+              <a:pPr marL="0" lvl="0" indent="0" algn="l" rtl="0">
+                <a:spcBef>
+                  <a:spcPts val="0"/>
+                </a:spcBef>
+                <a:spcAft>
+                  <a:spcPts val="0"/>
+                </a:spcAft>
+                <a:buNone/>
+              </a:pPr>
+              <a:endParaRPr/>
+            </a:p>
+          </p:txBody>
+        </p:sp>
+        <p:sp>
+          <p:nvSpPr>
+            <p:cNvPr id="16" name="Google Shape;384;p37">
+              <a:extLst>
+                <a:ext uri="{FF2B5EF4-FFF2-40B4-BE49-F238E27FC236}">
+                  <a16:creationId xmlns:a16="http://schemas.microsoft.com/office/drawing/2014/main" id="{25E0074C-6C1B-1843-BB47-5AD0C85CAE4C}"/>
+                </a:ext>
+              </a:extLst>
+            </p:cNvPr>
+            <p:cNvSpPr/>
+            <p:nvPr/>
+          </p:nvSpPr>
+          <p:spPr>
+            <a:xfrm>
+              <a:off x="1944375" y="1947225"/>
+              <a:ext cx="101725" cy="101700"/>
+            </a:xfrm>
+            <a:custGeom>
+              <a:avLst/>
+              <a:gdLst/>
+              <a:ahLst/>
+              <a:cxnLst/>
+              <a:rect l="l" t="t" r="r" b="b"/>
+              <a:pathLst>
+                <a:path w="4069" h="4068" fill="none" extrusionOk="0">
+                  <a:moveTo>
+                    <a:pt x="1" y="49"/>
+                  </a:moveTo>
+                  <a:lnTo>
+                    <a:pt x="1" y="49"/>
+                  </a:lnTo>
+                  <a:lnTo>
+                    <a:pt x="25" y="0"/>
+                  </a:lnTo>
+                  <a:lnTo>
+                    <a:pt x="25" y="0"/>
+                  </a:lnTo>
+                  <a:lnTo>
+                    <a:pt x="4068" y="4043"/>
+                  </a:lnTo>
+                  <a:lnTo>
+                    <a:pt x="4068" y="4043"/>
+                  </a:lnTo>
+                  <a:lnTo>
+                    <a:pt x="4068" y="4043"/>
+                  </a:lnTo>
+                  <a:lnTo>
+                    <a:pt x="4020" y="4068"/>
+                  </a:lnTo>
+                </a:path>
+              </a:pathLst>
+            </a:custGeom>
+            <a:noFill/>
+            <a:ln w="12175" cap="rnd" cmpd="sng">
+              <a:solidFill>
+                <a:schemeClr val="accent1"/>
+              </a:solidFill>
+              <a:prstDash val="solid"/>
+              <a:round/>
+              <a:headEnd type="none" w="sm" len="sm"/>
+              <a:tailEnd type="none" w="sm" len="sm"/>
+            </a:ln>
+          </p:spPr>
+          <p:txBody>
+            <a:bodyPr spcFirstLastPara="1" wrap="square" lIns="91425" tIns="91425" rIns="91425" bIns="91425" anchor="ctr" anchorCtr="0">
+              <a:noAutofit/>
+            </a:bodyPr>
+            <a:lstStyle/>
+            <a:p>
+              <a:pPr marL="0" lvl="0" indent="0" algn="l" rtl="0">
+                <a:spcBef>
+                  <a:spcPts val="0"/>
+                </a:spcBef>
+                <a:spcAft>
+                  <a:spcPts val="0"/>
+                </a:spcAft>
+                <a:buNone/>
+              </a:pPr>
+              <a:endParaRPr/>
+            </a:p>
+          </p:txBody>
+        </p:sp>
+      </p:grpSp>
+    </p:spTree>
+    <p:extLst>
+      <p:ext uri="{BB962C8B-B14F-4D97-AF65-F5344CB8AC3E}">
+        <p14:creationId xmlns:p14="http://schemas.microsoft.com/office/powerpoint/2010/main" val="734602564"/>
+      </p:ext>
+    </p:extLst>
+  </p:cSld>
+  <p:clrMapOvr>
+    <a:masterClrMapping/>
+  </p:clrMapOvr>
+</p:sld>
+</file>
+
+<file path=ppt/slides/slide4.xml><?xml version="1.0" encoding="utf-8"?>
+<p:sld xmlns:a="http://schemas.openxmlformats.org/drawingml/2006/main" xmlns:r="http://schemas.openxmlformats.org/officeDocument/2006/relationships" xmlns:p="http://schemas.openxmlformats.org/presentationml/2006/main">
+  <p:cSld>
+    <p:spTree>
+      <p:nvGrpSpPr>
+        <p:cNvPr id="1" name="Shape 80"/>
+        <p:cNvGrpSpPr/>
+        <p:nvPr/>
+      </p:nvGrpSpPr>
+      <p:grpSpPr>
+        <a:xfrm>
+          <a:off x="0" y="0"/>
+          <a:ext cx="0" cy="0"/>
+          <a:chOff x="0" y="0"/>
+          <a:chExt cx="0" cy="0"/>
+        </a:xfrm>
+      </p:grpSpPr>
+      <p:sp>
+        <p:nvSpPr>
+          <p:cNvPr id="81" name="Google Shape;81;p16"/>
+          <p:cNvSpPr txBox="1">
+            <a:spLocks noGrp="1"/>
+          </p:cNvSpPr>
+          <p:nvPr>
+            <p:ph type="body" idx="1"/>
+          </p:nvPr>
+        </p:nvSpPr>
+        <p:spPr>
+          <a:xfrm>
+            <a:off x="1659150" y="2161800"/>
+            <a:ext cx="5825700" cy="819900"/>
+          </a:xfrm>
+          <a:prstGeom prst="rect">
+            <a:avLst/>
+          </a:prstGeom>
+        </p:spPr>
+        <p:txBody>
+          <a:bodyPr spcFirstLastPara="1" wrap="square" lIns="91425" tIns="91425" rIns="91425" bIns="91425" anchor="t" anchorCtr="0">
+            <a:noAutofit/>
+          </a:bodyPr>
+          <a:lstStyle/>
+          <a:p>
+            <a:pPr marL="0" lvl="0" indent="0" algn="ctr" rtl="0">
+              <a:spcBef>
+                <a:spcPts val="600"/>
+              </a:spcBef>
+              <a:spcAft>
+                <a:spcPts val="0"/>
+              </a:spcAft>
+              <a:buNone/>
+            </a:pPr>
+            <a:r>
+              <a:rPr lang="en"/>
+              <a:t>Quotations are commonly printed as a means of inspiration and to invoke philosophical thoughts from the reader.</a:t>
+            </a:r>
+            <a:endParaRPr/>
+          </a:p>
+        </p:txBody>
+      </p:sp>
+      <p:sp>
+        <p:nvSpPr>
+          <p:cNvPr id="82" name="Google Shape;82;p16"/>
+          <p:cNvSpPr txBox="1">
+            <a:spLocks noGrp="1"/>
+          </p:cNvSpPr>
+          <p:nvPr>
+            <p:ph type="sldNum" idx="12"/>
+          </p:nvPr>
+        </p:nvSpPr>
+        <p:spPr>
+          <a:xfrm>
+            <a:off x="4297650" y="4419838"/>
+            <a:ext cx="548700" cy="393600"/>
+          </a:xfrm>
+          <a:prstGeom prst="rect">
+            <a:avLst/>
+          </a:prstGeom>
+        </p:spPr>
+        <p:txBody>
+          <a:bodyPr spcFirstLastPara="1" wrap="square" lIns="91425" tIns="91425" rIns="91425" bIns="91425" anchor="b" anchorCtr="0">
+            <a:noAutofit/>
+          </a:bodyPr>
+          <a:lstStyle/>
+          <a:p>
+            <a:pPr marL="0" lvl="0" indent="0" algn="ctr" rtl="0">
+              <a:spcBef>
+                <a:spcPts val="0"/>
+              </a:spcBef>
+              <a:spcAft>
+                <a:spcPts val="0"/>
+              </a:spcAft>
+              <a:buNone/>
+            </a:pPr>
+            <a:fld id="{00000000-1234-1234-1234-123412341234}" type="slidenum">
+              <a:rPr lang="en"/>
+              <a:t>4</a:t>
+            </a:fld>
+            <a:endParaRPr/>
+          </a:p>
+        </p:txBody>
+      </p:sp>
+    </p:spTree>
+    <p:extLst>
+      <p:ext uri="{BB962C8B-B14F-4D97-AF65-F5344CB8AC3E}">
+        <p14:creationId xmlns:p14="http://schemas.microsoft.com/office/powerpoint/2010/main" val="3396184922"/>
+      </p:ext>
+    </p:extLst>
+  </p:cSld>
+  <p:clrMapOvr>
+    <a:masterClrMapping/>
+  </p:clrMapOvr>
+</p:sld>
+</file>
+
+<file path=ppt/slides/slide5.xml><?xml version="1.0" encoding="utf-8"?>
+<p:sld xmlns:a="http://schemas.openxmlformats.org/drawingml/2006/main" xmlns:r="http://schemas.openxmlformats.org/officeDocument/2006/relationships" xmlns:p="http://schemas.openxmlformats.org/presentationml/2006/main">
+  <p:cSld>
+    <p:spTree>
+      <p:nvGrpSpPr>
+        <p:cNvPr id="1" name=""/>
+        <p:cNvGrpSpPr/>
+        <p:nvPr/>
+      </p:nvGrpSpPr>
+      <p:grpSpPr>
+        <a:xfrm>
+          <a:off x="0" y="0"/>
+          <a:ext cx="0" cy="0"/>
+          <a:chOff x="0" y="0"/>
+          <a:chExt cx="0" cy="0"/>
+        </a:xfrm>
+      </p:grpSpPr>
+      <p:sp>
+        <p:nvSpPr>
+          <p:cNvPr id="2" name="Title 1">
+            <a:extLst>
+              <a:ext uri="{FF2B5EF4-FFF2-40B4-BE49-F238E27FC236}">
+                <a16:creationId xmlns:a16="http://schemas.microsoft.com/office/drawing/2014/main" id="{19365887-7EDE-BF42-81E2-5014E71EDE5C}"/>
+              </a:ext>
+            </a:extLst>
+          </p:cNvPr>
+          <p:cNvSpPr>
+            <a:spLocks noGrp="1"/>
+          </p:cNvSpPr>
+          <p:nvPr>
+            <p:ph type="ctrTitle"/>
+          </p:nvPr>
+        </p:nvSpPr>
+        <p:spPr/>
+        <p:txBody>
+          <a:bodyPr/>
+          <a:lstStyle/>
+          <a:p>
+            <a:endParaRPr lang="en-US"/>
+          </a:p>
+        </p:txBody>
+      </p:sp>
+      <p:sp>
+        <p:nvSpPr>
+          <p:cNvPr id="3" name="Subtitle 2">
+            <a:extLst>
+              <a:ext uri="{FF2B5EF4-FFF2-40B4-BE49-F238E27FC236}">
+                <a16:creationId xmlns:a16="http://schemas.microsoft.com/office/drawing/2014/main" id="{4462B44D-FD64-7B45-B51F-433173CCF161}"/>
+              </a:ext>
+            </a:extLst>
+          </p:cNvPr>
+          <p:cNvSpPr>
+            <a:spLocks noGrp="1"/>
+          </p:cNvSpPr>
+          <p:nvPr>
+            <p:ph type="subTitle" idx="1"/>
+          </p:nvPr>
+        </p:nvSpPr>
+        <p:spPr/>
+        <p:txBody>
+          <a:bodyPr/>
+          <a:lstStyle/>
+          <a:p>
+            <a:endParaRPr lang="en-US"/>
+          </a:p>
+        </p:txBody>
+      </p:sp>
+      <p:sp>
+        <p:nvSpPr>
+          <p:cNvPr id="4" name="Slide Number Placeholder 3">
+            <a:extLst>
+              <a:ext uri="{FF2B5EF4-FFF2-40B4-BE49-F238E27FC236}">
+                <a16:creationId xmlns:a16="http://schemas.microsoft.com/office/drawing/2014/main" id="{18B41BA1-CC34-CC4F-8534-0C378614DC61}"/>
+              </a:ext>
+            </a:extLst>
+          </p:cNvPr>
+          <p:cNvSpPr>
+            <a:spLocks noGrp="1"/>
+          </p:cNvSpPr>
+          <p:nvPr>
+            <p:ph type="sldNum" idx="12"/>
+          </p:nvPr>
+        </p:nvSpPr>
+        <p:spPr/>
+        <p:txBody>
+          <a:bodyPr/>
+          <a:lstStyle/>
+          <a:p>
+            <a:pPr marL="0" lvl="0" indent="0" algn="ctr" rtl="0">
+              <a:spcBef>
+                <a:spcPts val="0"/>
+              </a:spcBef>
+              <a:spcAft>
+                <a:spcPts val="0"/>
+              </a:spcAft>
+              <a:buNone/>
+            </a:pPr>
+            <a:fld id="{00000000-1234-1234-1234-123412341234}" type="slidenum">
+              <a:rPr lang="en" smtClean="0"/>
+              <a:t>5</a:t>
+            </a:fld>
+            <a:endParaRPr lang="en"/>
+          </a:p>
+        </p:txBody>
+      </p:sp>
+    </p:spTree>
+    <p:extLst>
+      <p:ext uri="{BB962C8B-B14F-4D97-AF65-F5344CB8AC3E}">
+        <p14:creationId xmlns:p14="http://schemas.microsoft.com/office/powerpoint/2010/main" val="4159804167"/>
+      </p:ext>
+    </p:extLst>
+  </p:cSld>
+  <p:clrMapOvr>
+    <a:masterClrMapping/>
+  </p:clrMapOvr>
+</p:sld>
+</file>
+
+<file path=ppt/slides/slide6.xml><?xml version="1.0" encoding="utf-8"?>
+<p:sld xmlns:a="http://schemas.openxmlformats.org/drawingml/2006/main" xmlns:r="http://schemas.openxmlformats.org/officeDocument/2006/relationships" xmlns:p="http://schemas.openxmlformats.org/presentationml/2006/main">
+  <p:cSld>
+    <p:spTree>
+      <p:nvGrpSpPr>
         <p:cNvPr id="1" name=""/>
         <p:cNvGrpSpPr/>
         <p:nvPr/>
@@ -3676,7 +7424,7 @@
             </a:pPr>
             <a:fld id="{00000000-1234-1234-1234-123412341234}" type="slidenum">
               <a:rPr lang="en" smtClean="0"/>
-              <a:t>2</a:t>
+              <a:t>6</a:t>
             </a:fld>
             <a:endParaRPr lang="en"/>
           </a:p>
@@ -3695,7 +7443,7 @@
 </p:sld>
 </file>
 
-<file path=ppt/slides/slide3.xml><?xml version="1.0" encoding="utf-8"?>
+<file path=ppt/slides/slide7.xml><?xml version="1.0" encoding="utf-8"?>
 <p:sld xmlns:a="http://schemas.openxmlformats.org/drawingml/2006/main" xmlns:r="http://schemas.openxmlformats.org/officeDocument/2006/relationships" xmlns:p="http://schemas.openxmlformats.org/presentationml/2006/main">
   <p:cSld>
     <p:spTree>
@@ -3899,7 +7647,7 @@
             </a:pPr>
             <a:fld id="{00000000-1234-1234-1234-123412341234}" type="slidenum">
               <a:rPr lang="en"/>
-              <a:t>3</a:t>
+              <a:t>7</a:t>
             </a:fld>
             <a:endParaRPr/>
           </a:p>

--- a/RefactoringToCleanerCode.pptx
+++ b/RefactoringToCleanerCode.pptx
@@ -5,16 +5,19 @@
     <p:sldMasterId id="2147483658" r:id="rId1"/>
   </p:sldMasterIdLst>
   <p:notesMasterIdLst>
-    <p:notesMasterId r:id="rId9"/>
+    <p:notesMasterId r:id="rId12"/>
   </p:notesMasterIdLst>
   <p:sldIdLst>
     <p:sldId id="256" r:id="rId2"/>
-    <p:sldId id="262" r:id="rId3"/>
-    <p:sldId id="263" r:id="rId4"/>
-    <p:sldId id="260" r:id="rId5"/>
-    <p:sldId id="289" r:id="rId6"/>
-    <p:sldId id="288" r:id="rId7"/>
-    <p:sldId id="278" r:id="rId8"/>
+    <p:sldId id="292" r:id="rId3"/>
+    <p:sldId id="290" r:id="rId4"/>
+    <p:sldId id="291" r:id="rId5"/>
+    <p:sldId id="262" r:id="rId6"/>
+    <p:sldId id="263" r:id="rId7"/>
+    <p:sldId id="260" r:id="rId8"/>
+    <p:sldId id="289" r:id="rId9"/>
+    <p:sldId id="288" r:id="rId10"/>
+    <p:sldId id="278" r:id="rId11"/>
   </p:sldIdLst>
   <p:sldSz cx="9144000" cy="5143500" type="screen16x9"/>
   <p:notesSz cx="6858000" cy="9144000"/>
@@ -899,6 +902,333 @@
     </p:spTree>
     <p:extLst>
       <p:ext uri="{BB962C8B-B14F-4D97-AF65-F5344CB8AC3E}">
+        <p14:creationId xmlns:p14="http://schemas.microsoft.com/office/powerpoint/2010/main" val="1116915397"/>
+      </p:ext>
+    </p:extLst>
+  </p:cSld>
+  <p:clrMapOvr>
+    <a:masterClrMapping/>
+  </p:clrMapOvr>
+</p:notes>
+</file>
+
+<file path=ppt/notesSlides/notesSlide3.xml><?xml version="1.0" encoding="utf-8"?>
+<p:notes xmlns:a="http://schemas.openxmlformats.org/drawingml/2006/main" xmlns:r="http://schemas.openxmlformats.org/officeDocument/2006/relationships" xmlns:p="http://schemas.openxmlformats.org/presentationml/2006/main" showMasterSp="0" showMasterPhAnim="0">
+  <p:cSld>
+    <p:spTree>
+      <p:nvGrpSpPr>
+        <p:cNvPr id="1" name="Shape 90"/>
+        <p:cNvGrpSpPr/>
+        <p:nvPr/>
+      </p:nvGrpSpPr>
+      <p:grpSpPr>
+        <a:xfrm>
+          <a:off x="0" y="0"/>
+          <a:ext cx="0" cy="0"/>
+          <a:chOff x="0" y="0"/>
+          <a:chExt cx="0" cy="0"/>
+        </a:xfrm>
+      </p:grpSpPr>
+      <p:sp>
+        <p:nvSpPr>
+          <p:cNvPr id="91" name="Google Shape;91;g35ed75ccf_015:notes"/>
+          <p:cNvSpPr>
+            <a:spLocks noGrp="1" noRot="1" noChangeAspect="1"/>
+          </p:cNvSpPr>
+          <p:nvPr>
+            <p:ph type="sldImg" idx="2"/>
+          </p:nvPr>
+        </p:nvSpPr>
+        <p:spPr>
+          <a:xfrm>
+            <a:off x="381000" y="685800"/>
+            <a:ext cx="6096000" cy="3429000"/>
+          </a:xfrm>
+          <a:custGeom>
+            <a:avLst/>
+            <a:gdLst/>
+            <a:ahLst/>
+            <a:cxnLst/>
+            <a:rect l="l" t="t" r="r" b="b"/>
+            <a:pathLst>
+              <a:path w="120000" h="120000" extrusionOk="0">
+                <a:moveTo>
+                  <a:pt x="0" y="0"/>
+                </a:moveTo>
+                <a:lnTo>
+                  <a:pt x="120000" y="0"/>
+                </a:lnTo>
+                <a:lnTo>
+                  <a:pt x="120000" y="120000"/>
+                </a:lnTo>
+                <a:lnTo>
+                  <a:pt x="0" y="120000"/>
+                </a:lnTo>
+                <a:close/>
+              </a:path>
+            </a:pathLst>
+          </a:custGeom>
+        </p:spPr>
+      </p:sp>
+      <p:sp>
+        <p:nvSpPr>
+          <p:cNvPr id="92" name="Google Shape;92;g35ed75ccf_015:notes"/>
+          <p:cNvSpPr txBox="1">
+            <a:spLocks noGrp="1"/>
+          </p:cNvSpPr>
+          <p:nvPr>
+            <p:ph type="body" idx="1"/>
+          </p:nvPr>
+        </p:nvSpPr>
+        <p:spPr>
+          <a:xfrm>
+            <a:off x="685800" y="4343400"/>
+            <a:ext cx="5486400" cy="4114800"/>
+          </a:xfrm>
+          <a:prstGeom prst="rect">
+            <a:avLst/>
+          </a:prstGeom>
+        </p:spPr>
+        <p:txBody>
+          <a:bodyPr spcFirstLastPara="1" wrap="square" lIns="91425" tIns="91425" rIns="91425" bIns="91425" anchor="t" anchorCtr="0">
+            <a:noAutofit/>
+          </a:bodyPr>
+          <a:lstStyle/>
+          <a:p>
+            <a:pPr marL="0" lvl="0" indent="0" algn="l" rtl="0">
+              <a:spcBef>
+                <a:spcPts val="0"/>
+              </a:spcBef>
+              <a:spcAft>
+                <a:spcPts val="0"/>
+              </a:spcAft>
+              <a:buNone/>
+            </a:pPr>
+            <a:endParaRPr/>
+          </a:p>
+        </p:txBody>
+      </p:sp>
+    </p:spTree>
+    <p:extLst>
+      <p:ext uri="{BB962C8B-B14F-4D97-AF65-F5344CB8AC3E}">
+        <p14:creationId xmlns:p14="http://schemas.microsoft.com/office/powerpoint/2010/main" val="1586276866"/>
+      </p:ext>
+    </p:extLst>
+  </p:cSld>
+  <p:clrMapOvr>
+    <a:masterClrMapping/>
+  </p:clrMapOvr>
+</p:notes>
+</file>
+
+<file path=ppt/notesSlides/notesSlide4.xml><?xml version="1.0" encoding="utf-8"?>
+<p:notes xmlns:a="http://schemas.openxmlformats.org/drawingml/2006/main" xmlns:r="http://schemas.openxmlformats.org/officeDocument/2006/relationships" xmlns:p="http://schemas.openxmlformats.org/presentationml/2006/main" showMasterSp="0" showMasterPhAnim="0">
+  <p:cSld>
+    <p:spTree>
+      <p:nvGrpSpPr>
+        <p:cNvPr id="1" name="Shape 90"/>
+        <p:cNvGrpSpPr/>
+        <p:nvPr/>
+      </p:nvGrpSpPr>
+      <p:grpSpPr>
+        <a:xfrm>
+          <a:off x="0" y="0"/>
+          <a:ext cx="0" cy="0"/>
+          <a:chOff x="0" y="0"/>
+          <a:chExt cx="0" cy="0"/>
+        </a:xfrm>
+      </p:grpSpPr>
+      <p:sp>
+        <p:nvSpPr>
+          <p:cNvPr id="91" name="Google Shape;91;g35ed75ccf_015:notes"/>
+          <p:cNvSpPr>
+            <a:spLocks noGrp="1" noRot="1" noChangeAspect="1"/>
+          </p:cNvSpPr>
+          <p:nvPr>
+            <p:ph type="sldImg" idx="2"/>
+          </p:nvPr>
+        </p:nvSpPr>
+        <p:spPr>
+          <a:xfrm>
+            <a:off x="381000" y="685800"/>
+            <a:ext cx="6096000" cy="3429000"/>
+          </a:xfrm>
+          <a:custGeom>
+            <a:avLst/>
+            <a:gdLst/>
+            <a:ahLst/>
+            <a:cxnLst/>
+            <a:rect l="l" t="t" r="r" b="b"/>
+            <a:pathLst>
+              <a:path w="120000" h="120000" extrusionOk="0">
+                <a:moveTo>
+                  <a:pt x="0" y="0"/>
+                </a:moveTo>
+                <a:lnTo>
+                  <a:pt x="120000" y="0"/>
+                </a:lnTo>
+                <a:lnTo>
+                  <a:pt x="120000" y="120000"/>
+                </a:lnTo>
+                <a:lnTo>
+                  <a:pt x="0" y="120000"/>
+                </a:lnTo>
+                <a:close/>
+              </a:path>
+            </a:pathLst>
+          </a:custGeom>
+        </p:spPr>
+      </p:sp>
+      <p:sp>
+        <p:nvSpPr>
+          <p:cNvPr id="92" name="Google Shape;92;g35ed75ccf_015:notes"/>
+          <p:cNvSpPr txBox="1">
+            <a:spLocks noGrp="1"/>
+          </p:cNvSpPr>
+          <p:nvPr>
+            <p:ph type="body" idx="1"/>
+          </p:nvPr>
+        </p:nvSpPr>
+        <p:spPr>
+          <a:xfrm>
+            <a:off x="685800" y="4343400"/>
+            <a:ext cx="5486400" cy="4114800"/>
+          </a:xfrm>
+          <a:prstGeom prst="rect">
+            <a:avLst/>
+          </a:prstGeom>
+        </p:spPr>
+        <p:txBody>
+          <a:bodyPr spcFirstLastPara="1" wrap="square" lIns="91425" tIns="91425" rIns="91425" bIns="91425" anchor="t" anchorCtr="0">
+            <a:noAutofit/>
+          </a:bodyPr>
+          <a:lstStyle/>
+          <a:p>
+            <a:pPr marL="0" lvl="0" indent="0" algn="l" rtl="0">
+              <a:spcBef>
+                <a:spcPts val="0"/>
+              </a:spcBef>
+              <a:spcAft>
+                <a:spcPts val="0"/>
+              </a:spcAft>
+              <a:buNone/>
+            </a:pPr>
+            <a:endParaRPr/>
+          </a:p>
+        </p:txBody>
+      </p:sp>
+    </p:spTree>
+    <p:extLst>
+      <p:ext uri="{BB962C8B-B14F-4D97-AF65-F5344CB8AC3E}">
+        <p14:creationId xmlns:p14="http://schemas.microsoft.com/office/powerpoint/2010/main" val="3369425858"/>
+      </p:ext>
+    </p:extLst>
+  </p:cSld>
+  <p:clrMapOvr>
+    <a:masterClrMapping/>
+  </p:clrMapOvr>
+</p:notes>
+</file>
+
+<file path=ppt/notesSlides/notesSlide5.xml><?xml version="1.0" encoding="utf-8"?>
+<p:notes xmlns:a="http://schemas.openxmlformats.org/drawingml/2006/main" xmlns:r="http://schemas.openxmlformats.org/officeDocument/2006/relationships" xmlns:p="http://schemas.openxmlformats.org/presentationml/2006/main" showMasterSp="0" showMasterPhAnim="0">
+  <p:cSld>
+    <p:spTree>
+      <p:nvGrpSpPr>
+        <p:cNvPr id="1" name="Shape 90"/>
+        <p:cNvGrpSpPr/>
+        <p:nvPr/>
+      </p:nvGrpSpPr>
+      <p:grpSpPr>
+        <a:xfrm>
+          <a:off x="0" y="0"/>
+          <a:ext cx="0" cy="0"/>
+          <a:chOff x="0" y="0"/>
+          <a:chExt cx="0" cy="0"/>
+        </a:xfrm>
+      </p:grpSpPr>
+      <p:sp>
+        <p:nvSpPr>
+          <p:cNvPr id="91" name="Google Shape;91;g35ed75ccf_015:notes"/>
+          <p:cNvSpPr>
+            <a:spLocks noGrp="1" noRot="1" noChangeAspect="1"/>
+          </p:cNvSpPr>
+          <p:nvPr>
+            <p:ph type="sldImg" idx="2"/>
+          </p:nvPr>
+        </p:nvSpPr>
+        <p:spPr>
+          <a:xfrm>
+            <a:off x="381000" y="685800"/>
+            <a:ext cx="6096000" cy="3429000"/>
+          </a:xfrm>
+          <a:custGeom>
+            <a:avLst/>
+            <a:gdLst/>
+            <a:ahLst/>
+            <a:cxnLst/>
+            <a:rect l="l" t="t" r="r" b="b"/>
+            <a:pathLst>
+              <a:path w="120000" h="120000" extrusionOk="0">
+                <a:moveTo>
+                  <a:pt x="0" y="0"/>
+                </a:moveTo>
+                <a:lnTo>
+                  <a:pt x="120000" y="0"/>
+                </a:lnTo>
+                <a:lnTo>
+                  <a:pt x="120000" y="120000"/>
+                </a:lnTo>
+                <a:lnTo>
+                  <a:pt x="0" y="120000"/>
+                </a:lnTo>
+                <a:close/>
+              </a:path>
+            </a:pathLst>
+          </a:custGeom>
+        </p:spPr>
+      </p:sp>
+      <p:sp>
+        <p:nvSpPr>
+          <p:cNvPr id="92" name="Google Shape;92;g35ed75ccf_015:notes"/>
+          <p:cNvSpPr txBox="1">
+            <a:spLocks noGrp="1"/>
+          </p:cNvSpPr>
+          <p:nvPr>
+            <p:ph type="body" idx="1"/>
+          </p:nvPr>
+        </p:nvSpPr>
+        <p:spPr>
+          <a:xfrm>
+            <a:off x="685800" y="4343400"/>
+            <a:ext cx="5486400" cy="4114800"/>
+          </a:xfrm>
+          <a:prstGeom prst="rect">
+            <a:avLst/>
+          </a:prstGeom>
+        </p:spPr>
+        <p:txBody>
+          <a:bodyPr spcFirstLastPara="1" wrap="square" lIns="91425" tIns="91425" rIns="91425" bIns="91425" anchor="t" anchorCtr="0">
+            <a:noAutofit/>
+          </a:bodyPr>
+          <a:lstStyle/>
+          <a:p>
+            <a:pPr marL="0" lvl="0" indent="0" algn="l" rtl="0">
+              <a:spcBef>
+                <a:spcPts val="0"/>
+              </a:spcBef>
+              <a:spcAft>
+                <a:spcPts val="0"/>
+              </a:spcAft>
+              <a:buNone/>
+            </a:pPr>
+            <a:endParaRPr/>
+          </a:p>
+        </p:txBody>
+      </p:sp>
+    </p:spTree>
+    <p:extLst>
+      <p:ext uri="{BB962C8B-B14F-4D97-AF65-F5344CB8AC3E}">
         <p14:creationId xmlns:p14="http://schemas.microsoft.com/office/powerpoint/2010/main" val="2829314234"/>
       </p:ext>
     </p:extLst>
@@ -909,7 +1239,7 @@
 </p:notes>
 </file>
 
-<file path=ppt/notesSlides/notesSlide3.xml><?xml version="1.0" encoding="utf-8"?>
+<file path=ppt/notesSlides/notesSlide6.xml><?xml version="1.0" encoding="utf-8"?>
 <p:notes xmlns:a="http://schemas.openxmlformats.org/drawingml/2006/main" xmlns:r="http://schemas.openxmlformats.org/officeDocument/2006/relationships" xmlns:p="http://schemas.openxmlformats.org/presentationml/2006/main" showMasterSp="0" showMasterPhAnim="0">
   <p:cSld>
     <p:spTree>
@@ -1018,7 +1348,7 @@
 </p:notes>
 </file>
 
-<file path=ppt/notesSlides/notesSlide4.xml><?xml version="1.0" encoding="utf-8"?>
+<file path=ppt/notesSlides/notesSlide7.xml><?xml version="1.0" encoding="utf-8"?>
 <p:notes xmlns:a="http://schemas.openxmlformats.org/drawingml/2006/main" xmlns:r="http://schemas.openxmlformats.org/officeDocument/2006/relationships" xmlns:p="http://schemas.openxmlformats.org/presentationml/2006/main" showMasterSp="0" showMasterPhAnim="0">
   <p:cSld>
     <p:spTree>
@@ -1127,7 +1457,7 @@
 </p:notes>
 </file>
 
-<file path=ppt/notesSlides/notesSlide5.xml><?xml version="1.0" encoding="utf-8"?>
+<file path=ppt/notesSlides/notesSlide8.xml><?xml version="1.0" encoding="utf-8"?>
 <p:notes xmlns:a="http://schemas.openxmlformats.org/drawingml/2006/main" xmlns:r="http://schemas.openxmlformats.org/officeDocument/2006/relationships" xmlns:p="http://schemas.openxmlformats.org/presentationml/2006/main" showMasterSp="0" showMasterPhAnim="0">
   <p:cSld>
     <p:spTree>
@@ -4817,2633 +5147,7 @@
 </p:sld>
 </file>
 
-<file path=ppt/slides/slide2.xml><?xml version="1.0" encoding="utf-8"?>
-<p:sld xmlns:a="http://schemas.openxmlformats.org/drawingml/2006/main" xmlns:r="http://schemas.openxmlformats.org/officeDocument/2006/relationships" xmlns:p="http://schemas.openxmlformats.org/presentationml/2006/main">
-  <p:cSld>
-    <p:spTree>
-      <p:nvGrpSpPr>
-        <p:cNvPr id="1" name="Shape 93"/>
-        <p:cNvGrpSpPr/>
-        <p:nvPr/>
-      </p:nvGrpSpPr>
-      <p:grpSpPr>
-        <a:xfrm>
-          <a:off x="0" y="0"/>
-          <a:ext cx="0" cy="0"/>
-          <a:chOff x="0" y="0"/>
-          <a:chExt cx="0" cy="0"/>
-        </a:xfrm>
-      </p:grpSpPr>
-      <p:sp>
-        <p:nvSpPr>
-          <p:cNvPr id="94" name="Google Shape;94;p18"/>
-          <p:cNvSpPr txBox="1">
-            <a:spLocks noGrp="1"/>
-          </p:cNvSpPr>
-          <p:nvPr>
-            <p:ph type="ctrTitle" idx="4294967295"/>
-          </p:nvPr>
-        </p:nvSpPr>
-        <p:spPr>
-          <a:xfrm>
-            <a:off x="1620900" y="2199075"/>
-            <a:ext cx="5902200" cy="1159800"/>
-          </a:xfrm>
-          <a:prstGeom prst="rect">
-            <a:avLst/>
-          </a:prstGeom>
-        </p:spPr>
-        <p:txBody>
-          <a:bodyPr spcFirstLastPara="1" wrap="square" lIns="91425" tIns="91425" rIns="91425" bIns="91425" anchor="ctr" anchorCtr="0">
-            <a:noAutofit/>
-          </a:bodyPr>
-          <a:lstStyle/>
-          <a:p>
-            <a:pPr marL="0" lvl="0" indent="0" algn="ctr" rtl="0">
-              <a:spcBef>
-                <a:spcPts val="0"/>
-              </a:spcBef>
-              <a:spcAft>
-                <a:spcPts val="0"/>
-              </a:spcAft>
-              <a:buNone/>
-            </a:pPr>
-            <a:r>
-              <a:rPr lang="en" sz="6000" i="1" dirty="0">
-                <a:solidFill>
-                  <a:srgbClr val="FFFFFF"/>
-                </a:solidFill>
-              </a:rPr>
-              <a:t>Better Games</a:t>
-            </a:r>
-            <a:endParaRPr sz="6000" i="1" dirty="0">
-              <a:solidFill>
-                <a:srgbClr val="FFFFFF"/>
-              </a:solidFill>
-            </a:endParaRPr>
-          </a:p>
-        </p:txBody>
-      </p:sp>
-      <p:sp>
-        <p:nvSpPr>
-          <p:cNvPr id="95" name="Google Shape;95;p18"/>
-          <p:cNvSpPr txBox="1">
-            <a:spLocks noGrp="1"/>
-          </p:cNvSpPr>
-          <p:nvPr>
-            <p:ph type="subTitle" idx="4294967295"/>
-          </p:nvPr>
-        </p:nvSpPr>
-        <p:spPr>
-          <a:xfrm>
-            <a:off x="1620900" y="3284340"/>
-            <a:ext cx="5902200" cy="784800"/>
-          </a:xfrm>
-          <a:prstGeom prst="rect">
-            <a:avLst/>
-          </a:prstGeom>
-        </p:spPr>
-        <p:txBody>
-          <a:bodyPr spcFirstLastPara="1" wrap="square" lIns="91425" tIns="91425" rIns="91425" bIns="91425" anchor="t" anchorCtr="0">
-            <a:noAutofit/>
-          </a:bodyPr>
-          <a:lstStyle/>
-          <a:p>
-            <a:pPr marL="0" lvl="0" indent="0" algn="ctr">
-              <a:buNone/>
-            </a:pPr>
-            <a:r>
-              <a:rPr lang="en" dirty="0">
-                <a:solidFill>
-                  <a:srgbClr val="FFFFFF"/>
-                </a:solidFill>
-              </a:rPr>
-              <a:t>We work at an online game company that wants to improve the </a:t>
-            </a:r>
-            <a:r>
-              <a:rPr lang="en-US" dirty="0">
-                <a:solidFill>
-                  <a:srgbClr val="FFFFFF"/>
-                </a:solidFill>
-              </a:rPr>
-              <a:t>yatzy experience.</a:t>
-            </a:r>
-          </a:p>
-          <a:p>
-            <a:pPr marL="0" lvl="0" indent="0" algn="ctr">
-              <a:buNone/>
-            </a:pPr>
-            <a:r>
-              <a:rPr lang="en-US" dirty="0">
-                <a:solidFill>
-                  <a:srgbClr val="FFFFFF"/>
-                </a:solidFill>
-              </a:rPr>
-              <a:t>Our product owner </a:t>
-            </a:r>
-            <a:r>
-              <a:rPr lang="en-US" b="1" dirty="0">
-                <a:solidFill>
-                  <a:srgbClr val="FFFFFF"/>
-                </a:solidFill>
-              </a:rPr>
-              <a:t>‘has a few ideas’ </a:t>
-            </a:r>
-            <a:r>
-              <a:rPr lang="en-US" dirty="0">
-                <a:solidFill>
-                  <a:srgbClr val="FFFFFF"/>
-                </a:solidFill>
-              </a:rPr>
-              <a:t>and we want to make the code flexible to try things out</a:t>
-            </a:r>
-          </a:p>
-          <a:p>
-            <a:pPr marL="0" lvl="0" indent="0" algn="ctr">
-              <a:buNone/>
-            </a:pPr>
-            <a:endParaRPr dirty="0">
-              <a:solidFill>
-                <a:srgbClr val="FFFFFF"/>
-              </a:solidFill>
-            </a:endParaRPr>
-          </a:p>
-        </p:txBody>
-      </p:sp>
-      <p:sp>
-        <p:nvSpPr>
-          <p:cNvPr id="96" name="Google Shape;96;p18"/>
-          <p:cNvSpPr/>
-          <p:nvPr/>
-        </p:nvSpPr>
-        <p:spPr>
-          <a:xfrm>
-            <a:off x="3935896" y="922408"/>
-            <a:ext cx="1272208" cy="1273222"/>
-          </a:xfrm>
-          <a:prstGeom prst="ellipse">
-            <a:avLst/>
-          </a:prstGeom>
-          <a:solidFill>
-            <a:srgbClr val="FFFFFF"/>
-          </a:solidFill>
-          <a:ln>
-            <a:noFill/>
-          </a:ln>
-        </p:spPr>
-        <p:txBody>
-          <a:bodyPr spcFirstLastPara="1" wrap="square" lIns="91425" tIns="91425" rIns="91425" bIns="91425" anchor="ctr" anchorCtr="0">
-            <a:noAutofit/>
-          </a:bodyPr>
-          <a:lstStyle/>
-          <a:p>
-            <a:pPr marL="0" lvl="0" indent="0" algn="l" rtl="0">
-              <a:spcBef>
-                <a:spcPts val="0"/>
-              </a:spcBef>
-              <a:spcAft>
-                <a:spcPts val="0"/>
-              </a:spcAft>
-              <a:buNone/>
-            </a:pPr>
-            <a:endParaRPr/>
-          </a:p>
-        </p:txBody>
-      </p:sp>
-      <p:sp>
-        <p:nvSpPr>
-          <p:cNvPr id="13" name="Google Shape;390;p37">
-            <a:extLst>
-              <a:ext uri="{FF2B5EF4-FFF2-40B4-BE49-F238E27FC236}">
-                <a16:creationId xmlns:a16="http://schemas.microsoft.com/office/drawing/2014/main" id="{BF657C25-24DB-D44A-9D1C-8CD51D24D7D6}"/>
-              </a:ext>
-            </a:extLst>
-          </p:cNvPr>
-          <p:cNvSpPr/>
-          <p:nvPr/>
-        </p:nvSpPr>
-        <p:spPr>
-          <a:xfrm>
-            <a:off x="4112094" y="1099113"/>
-            <a:ext cx="919812" cy="919812"/>
-          </a:xfrm>
-          <a:custGeom>
-            <a:avLst/>
-            <a:gdLst/>
-            <a:ahLst/>
-            <a:cxnLst/>
-            <a:rect l="l" t="t" r="r" b="b"/>
-            <a:pathLst>
-              <a:path w="16027" h="16027" fill="none" extrusionOk="0">
-                <a:moveTo>
-                  <a:pt x="14029" y="4019"/>
-                </a:moveTo>
-                <a:lnTo>
-                  <a:pt x="14029" y="4019"/>
-                </a:lnTo>
-                <a:lnTo>
-                  <a:pt x="14200" y="3849"/>
-                </a:lnTo>
-                <a:lnTo>
-                  <a:pt x="14395" y="3752"/>
-                </a:lnTo>
-                <a:lnTo>
-                  <a:pt x="14614" y="3678"/>
-                </a:lnTo>
-                <a:lnTo>
-                  <a:pt x="14809" y="3630"/>
-                </a:lnTo>
-                <a:lnTo>
-                  <a:pt x="15028" y="3581"/>
-                </a:lnTo>
-                <a:lnTo>
-                  <a:pt x="15247" y="3484"/>
-                </a:lnTo>
-                <a:lnTo>
-                  <a:pt x="15442" y="3362"/>
-                </a:lnTo>
-                <a:lnTo>
-                  <a:pt x="15661" y="3191"/>
-                </a:lnTo>
-                <a:lnTo>
-                  <a:pt x="15661" y="3191"/>
-                </a:lnTo>
-                <a:lnTo>
-                  <a:pt x="15832" y="2997"/>
-                </a:lnTo>
-                <a:lnTo>
-                  <a:pt x="15929" y="2777"/>
-                </a:lnTo>
-                <a:lnTo>
-                  <a:pt x="16002" y="2534"/>
-                </a:lnTo>
-                <a:lnTo>
-                  <a:pt x="16026" y="2266"/>
-                </a:lnTo>
-                <a:lnTo>
-                  <a:pt x="16026" y="2266"/>
-                </a:lnTo>
-                <a:lnTo>
-                  <a:pt x="16002" y="2047"/>
-                </a:lnTo>
-                <a:lnTo>
-                  <a:pt x="15978" y="1827"/>
-                </a:lnTo>
-                <a:lnTo>
-                  <a:pt x="15905" y="1633"/>
-                </a:lnTo>
-                <a:lnTo>
-                  <a:pt x="15807" y="1413"/>
-                </a:lnTo>
-                <a:lnTo>
-                  <a:pt x="15710" y="1243"/>
-                </a:lnTo>
-                <a:lnTo>
-                  <a:pt x="15588" y="1048"/>
-                </a:lnTo>
-                <a:lnTo>
-                  <a:pt x="15466" y="878"/>
-                </a:lnTo>
-                <a:lnTo>
-                  <a:pt x="15320" y="707"/>
-                </a:lnTo>
-                <a:lnTo>
-                  <a:pt x="15320" y="707"/>
-                </a:lnTo>
-                <a:lnTo>
-                  <a:pt x="15150" y="561"/>
-                </a:lnTo>
-                <a:lnTo>
-                  <a:pt x="14979" y="439"/>
-                </a:lnTo>
-                <a:lnTo>
-                  <a:pt x="14784" y="317"/>
-                </a:lnTo>
-                <a:lnTo>
-                  <a:pt x="14590" y="196"/>
-                </a:lnTo>
-                <a:lnTo>
-                  <a:pt x="14395" y="123"/>
-                </a:lnTo>
-                <a:lnTo>
-                  <a:pt x="14175" y="50"/>
-                </a:lnTo>
-                <a:lnTo>
-                  <a:pt x="13981" y="25"/>
-                </a:lnTo>
-                <a:lnTo>
-                  <a:pt x="13761" y="1"/>
-                </a:lnTo>
-                <a:lnTo>
-                  <a:pt x="13761" y="1"/>
-                </a:lnTo>
-                <a:lnTo>
-                  <a:pt x="13494" y="25"/>
-                </a:lnTo>
-                <a:lnTo>
-                  <a:pt x="13250" y="98"/>
-                </a:lnTo>
-                <a:lnTo>
-                  <a:pt x="13031" y="196"/>
-                </a:lnTo>
-                <a:lnTo>
-                  <a:pt x="12836" y="366"/>
-                </a:lnTo>
-                <a:lnTo>
-                  <a:pt x="12836" y="366"/>
-                </a:lnTo>
-                <a:lnTo>
-                  <a:pt x="12665" y="561"/>
-                </a:lnTo>
-                <a:lnTo>
-                  <a:pt x="12544" y="780"/>
-                </a:lnTo>
-                <a:lnTo>
-                  <a:pt x="12471" y="975"/>
-                </a:lnTo>
-                <a:lnTo>
-                  <a:pt x="12422" y="1194"/>
-                </a:lnTo>
-                <a:lnTo>
-                  <a:pt x="12349" y="1413"/>
-                </a:lnTo>
-                <a:lnTo>
-                  <a:pt x="12276" y="1608"/>
-                </a:lnTo>
-                <a:lnTo>
-                  <a:pt x="12178" y="1827"/>
-                </a:lnTo>
-                <a:lnTo>
-                  <a:pt x="12008" y="1998"/>
-                </a:lnTo>
-                <a:lnTo>
-                  <a:pt x="12008" y="1998"/>
-                </a:lnTo>
-                <a:lnTo>
-                  <a:pt x="11740" y="2266"/>
-                </a:lnTo>
-                <a:lnTo>
-                  <a:pt x="11496" y="2436"/>
-                </a:lnTo>
-                <a:lnTo>
-                  <a:pt x="11277" y="2534"/>
-                </a:lnTo>
-                <a:lnTo>
-                  <a:pt x="11082" y="2582"/>
-                </a:lnTo>
-                <a:lnTo>
-                  <a:pt x="10888" y="2582"/>
-                </a:lnTo>
-                <a:lnTo>
-                  <a:pt x="10717" y="2534"/>
-                </a:lnTo>
-                <a:lnTo>
-                  <a:pt x="10547" y="2412"/>
-                </a:lnTo>
-                <a:lnTo>
-                  <a:pt x="10376" y="2290"/>
-                </a:lnTo>
-                <a:lnTo>
-                  <a:pt x="10206" y="2095"/>
-                </a:lnTo>
-                <a:lnTo>
-                  <a:pt x="10035" y="1901"/>
-                </a:lnTo>
-                <a:lnTo>
-                  <a:pt x="9670" y="1413"/>
-                </a:lnTo>
-                <a:lnTo>
-                  <a:pt x="9231" y="878"/>
-                </a:lnTo>
-                <a:lnTo>
-                  <a:pt x="8988" y="585"/>
-                </a:lnTo>
-                <a:lnTo>
-                  <a:pt x="8720" y="293"/>
-                </a:lnTo>
-                <a:lnTo>
-                  <a:pt x="8720" y="293"/>
-                </a:lnTo>
-                <a:lnTo>
-                  <a:pt x="8574" y="171"/>
-                </a:lnTo>
-                <a:lnTo>
-                  <a:pt x="8379" y="74"/>
-                </a:lnTo>
-                <a:lnTo>
-                  <a:pt x="8209" y="25"/>
-                </a:lnTo>
-                <a:lnTo>
-                  <a:pt x="8014" y="1"/>
-                </a:lnTo>
-                <a:lnTo>
-                  <a:pt x="8014" y="1"/>
-                </a:lnTo>
-                <a:lnTo>
-                  <a:pt x="7916" y="25"/>
-                </a:lnTo>
-                <a:lnTo>
-                  <a:pt x="7770" y="98"/>
-                </a:lnTo>
-                <a:lnTo>
-                  <a:pt x="7307" y="366"/>
-                </a:lnTo>
-                <a:lnTo>
-                  <a:pt x="7039" y="537"/>
-                </a:lnTo>
-                <a:lnTo>
-                  <a:pt x="6747" y="756"/>
-                </a:lnTo>
-                <a:lnTo>
-                  <a:pt x="6431" y="975"/>
-                </a:lnTo>
-                <a:lnTo>
-                  <a:pt x="6138" y="1243"/>
-                </a:lnTo>
-                <a:lnTo>
-                  <a:pt x="5870" y="1511"/>
-                </a:lnTo>
-                <a:lnTo>
-                  <a:pt x="5627" y="1803"/>
-                </a:lnTo>
-                <a:lnTo>
-                  <a:pt x="5432" y="2095"/>
-                </a:lnTo>
-                <a:lnTo>
-                  <a:pt x="5359" y="2242"/>
-                </a:lnTo>
-                <a:lnTo>
-                  <a:pt x="5310" y="2412"/>
-                </a:lnTo>
-                <a:lnTo>
-                  <a:pt x="5262" y="2558"/>
-                </a:lnTo>
-                <a:lnTo>
-                  <a:pt x="5237" y="2704"/>
-                </a:lnTo>
-                <a:lnTo>
-                  <a:pt x="5237" y="2850"/>
-                </a:lnTo>
-                <a:lnTo>
-                  <a:pt x="5262" y="3021"/>
-                </a:lnTo>
-                <a:lnTo>
-                  <a:pt x="5310" y="3167"/>
-                </a:lnTo>
-                <a:lnTo>
-                  <a:pt x="5383" y="3313"/>
-                </a:lnTo>
-                <a:lnTo>
-                  <a:pt x="5481" y="3459"/>
-                </a:lnTo>
-                <a:lnTo>
-                  <a:pt x="5603" y="3605"/>
-                </a:lnTo>
-                <a:lnTo>
-                  <a:pt x="5603" y="3605"/>
-                </a:lnTo>
-                <a:lnTo>
-                  <a:pt x="5797" y="3752"/>
-                </a:lnTo>
-                <a:lnTo>
-                  <a:pt x="5992" y="3849"/>
-                </a:lnTo>
-                <a:lnTo>
-                  <a:pt x="6187" y="3946"/>
-                </a:lnTo>
-                <a:lnTo>
-                  <a:pt x="6406" y="3995"/>
-                </a:lnTo>
-                <a:lnTo>
-                  <a:pt x="6625" y="4044"/>
-                </a:lnTo>
-                <a:lnTo>
-                  <a:pt x="6845" y="4141"/>
-                </a:lnTo>
-                <a:lnTo>
-                  <a:pt x="7039" y="4239"/>
-                </a:lnTo>
-                <a:lnTo>
-                  <a:pt x="7234" y="4409"/>
-                </a:lnTo>
-                <a:lnTo>
-                  <a:pt x="7234" y="4409"/>
-                </a:lnTo>
-                <a:lnTo>
-                  <a:pt x="7405" y="4604"/>
-                </a:lnTo>
-                <a:lnTo>
-                  <a:pt x="7502" y="4823"/>
-                </a:lnTo>
-                <a:lnTo>
-                  <a:pt x="7575" y="5067"/>
-                </a:lnTo>
-                <a:lnTo>
-                  <a:pt x="7600" y="5359"/>
-                </a:lnTo>
-                <a:lnTo>
-                  <a:pt x="7600" y="5359"/>
-                </a:lnTo>
-                <a:lnTo>
-                  <a:pt x="7575" y="5554"/>
-                </a:lnTo>
-                <a:lnTo>
-                  <a:pt x="7551" y="5773"/>
-                </a:lnTo>
-                <a:lnTo>
-                  <a:pt x="7478" y="5968"/>
-                </a:lnTo>
-                <a:lnTo>
-                  <a:pt x="7405" y="6163"/>
-                </a:lnTo>
-                <a:lnTo>
-                  <a:pt x="7307" y="6357"/>
-                </a:lnTo>
-                <a:lnTo>
-                  <a:pt x="7186" y="6552"/>
-                </a:lnTo>
-                <a:lnTo>
-                  <a:pt x="7039" y="6723"/>
-                </a:lnTo>
-                <a:lnTo>
-                  <a:pt x="6893" y="6893"/>
-                </a:lnTo>
-                <a:lnTo>
-                  <a:pt x="6893" y="6893"/>
-                </a:lnTo>
-                <a:lnTo>
-                  <a:pt x="6723" y="7039"/>
-                </a:lnTo>
-                <a:lnTo>
-                  <a:pt x="6552" y="7186"/>
-                </a:lnTo>
-                <a:lnTo>
-                  <a:pt x="6382" y="7283"/>
-                </a:lnTo>
-                <a:lnTo>
-                  <a:pt x="6187" y="7405"/>
-                </a:lnTo>
-                <a:lnTo>
-                  <a:pt x="5992" y="7478"/>
-                </a:lnTo>
-                <a:lnTo>
-                  <a:pt x="5773" y="7551"/>
-                </a:lnTo>
-                <a:lnTo>
-                  <a:pt x="5554" y="7575"/>
-                </a:lnTo>
-                <a:lnTo>
-                  <a:pt x="5359" y="7600"/>
-                </a:lnTo>
-                <a:lnTo>
-                  <a:pt x="5359" y="7600"/>
-                </a:lnTo>
-                <a:lnTo>
-                  <a:pt x="5091" y="7575"/>
-                </a:lnTo>
-                <a:lnTo>
-                  <a:pt x="4848" y="7502"/>
-                </a:lnTo>
-                <a:lnTo>
-                  <a:pt x="4604" y="7405"/>
-                </a:lnTo>
-                <a:lnTo>
-                  <a:pt x="4409" y="7234"/>
-                </a:lnTo>
-                <a:lnTo>
-                  <a:pt x="4409" y="7234"/>
-                </a:lnTo>
-                <a:lnTo>
-                  <a:pt x="4239" y="7039"/>
-                </a:lnTo>
-                <a:lnTo>
-                  <a:pt x="4117" y="6820"/>
-                </a:lnTo>
-                <a:lnTo>
-                  <a:pt x="4044" y="6601"/>
-                </a:lnTo>
-                <a:lnTo>
-                  <a:pt x="3971" y="6382"/>
-                </a:lnTo>
-                <a:lnTo>
-                  <a:pt x="3922" y="6187"/>
-                </a:lnTo>
-                <a:lnTo>
-                  <a:pt x="3849" y="5992"/>
-                </a:lnTo>
-                <a:lnTo>
-                  <a:pt x="3752" y="5797"/>
-                </a:lnTo>
-                <a:lnTo>
-                  <a:pt x="3605" y="5602"/>
-                </a:lnTo>
-                <a:lnTo>
-                  <a:pt x="3605" y="5602"/>
-                </a:lnTo>
-                <a:lnTo>
-                  <a:pt x="3459" y="5481"/>
-                </a:lnTo>
-                <a:lnTo>
-                  <a:pt x="3313" y="5383"/>
-                </a:lnTo>
-                <a:lnTo>
-                  <a:pt x="3167" y="5310"/>
-                </a:lnTo>
-                <a:lnTo>
-                  <a:pt x="3021" y="5262"/>
-                </a:lnTo>
-                <a:lnTo>
-                  <a:pt x="2850" y="5237"/>
-                </a:lnTo>
-                <a:lnTo>
-                  <a:pt x="2704" y="5237"/>
-                </a:lnTo>
-                <a:lnTo>
-                  <a:pt x="2558" y="5262"/>
-                </a:lnTo>
-                <a:lnTo>
-                  <a:pt x="2412" y="5310"/>
-                </a:lnTo>
-                <a:lnTo>
-                  <a:pt x="2242" y="5359"/>
-                </a:lnTo>
-                <a:lnTo>
-                  <a:pt x="2095" y="5432"/>
-                </a:lnTo>
-                <a:lnTo>
-                  <a:pt x="1803" y="5627"/>
-                </a:lnTo>
-                <a:lnTo>
-                  <a:pt x="1511" y="5870"/>
-                </a:lnTo>
-                <a:lnTo>
-                  <a:pt x="1243" y="6138"/>
-                </a:lnTo>
-                <a:lnTo>
-                  <a:pt x="975" y="6431"/>
-                </a:lnTo>
-                <a:lnTo>
-                  <a:pt x="756" y="6747"/>
-                </a:lnTo>
-                <a:lnTo>
-                  <a:pt x="537" y="7039"/>
-                </a:lnTo>
-                <a:lnTo>
-                  <a:pt x="366" y="7307"/>
-                </a:lnTo>
-                <a:lnTo>
-                  <a:pt x="98" y="7770"/>
-                </a:lnTo>
-                <a:lnTo>
-                  <a:pt x="25" y="7916"/>
-                </a:lnTo>
-                <a:lnTo>
-                  <a:pt x="1" y="8014"/>
-                </a:lnTo>
-                <a:lnTo>
-                  <a:pt x="1" y="8014"/>
-                </a:lnTo>
-                <a:lnTo>
-                  <a:pt x="25" y="8208"/>
-                </a:lnTo>
-                <a:lnTo>
-                  <a:pt x="74" y="8379"/>
-                </a:lnTo>
-                <a:lnTo>
-                  <a:pt x="171" y="8574"/>
-                </a:lnTo>
-                <a:lnTo>
-                  <a:pt x="293" y="8720"/>
-                </a:lnTo>
-                <a:lnTo>
-                  <a:pt x="293" y="8720"/>
-                </a:lnTo>
-                <a:lnTo>
-                  <a:pt x="585" y="8988"/>
-                </a:lnTo>
-                <a:lnTo>
-                  <a:pt x="878" y="9231"/>
-                </a:lnTo>
-                <a:lnTo>
-                  <a:pt x="1413" y="9670"/>
-                </a:lnTo>
-                <a:lnTo>
-                  <a:pt x="1901" y="10035"/>
-                </a:lnTo>
-                <a:lnTo>
-                  <a:pt x="2095" y="10206"/>
-                </a:lnTo>
-                <a:lnTo>
-                  <a:pt x="2290" y="10376"/>
-                </a:lnTo>
-                <a:lnTo>
-                  <a:pt x="2412" y="10547"/>
-                </a:lnTo>
-                <a:lnTo>
-                  <a:pt x="2534" y="10717"/>
-                </a:lnTo>
-                <a:lnTo>
-                  <a:pt x="2583" y="10888"/>
-                </a:lnTo>
-                <a:lnTo>
-                  <a:pt x="2583" y="11082"/>
-                </a:lnTo>
-                <a:lnTo>
-                  <a:pt x="2534" y="11277"/>
-                </a:lnTo>
-                <a:lnTo>
-                  <a:pt x="2436" y="11496"/>
-                </a:lnTo>
-                <a:lnTo>
-                  <a:pt x="2266" y="11740"/>
-                </a:lnTo>
-                <a:lnTo>
-                  <a:pt x="1998" y="12008"/>
-                </a:lnTo>
-                <a:lnTo>
-                  <a:pt x="1998" y="12008"/>
-                </a:lnTo>
-                <a:lnTo>
-                  <a:pt x="1828" y="12178"/>
-                </a:lnTo>
-                <a:lnTo>
-                  <a:pt x="1633" y="12276"/>
-                </a:lnTo>
-                <a:lnTo>
-                  <a:pt x="1413" y="12349"/>
-                </a:lnTo>
-                <a:lnTo>
-                  <a:pt x="1219" y="12398"/>
-                </a:lnTo>
-                <a:lnTo>
-                  <a:pt x="999" y="12446"/>
-                </a:lnTo>
-                <a:lnTo>
-                  <a:pt x="780" y="12544"/>
-                </a:lnTo>
-                <a:lnTo>
-                  <a:pt x="585" y="12665"/>
-                </a:lnTo>
-                <a:lnTo>
-                  <a:pt x="366" y="12836"/>
-                </a:lnTo>
-                <a:lnTo>
-                  <a:pt x="366" y="12836"/>
-                </a:lnTo>
-                <a:lnTo>
-                  <a:pt x="196" y="13031"/>
-                </a:lnTo>
-                <a:lnTo>
-                  <a:pt x="98" y="13250"/>
-                </a:lnTo>
-                <a:lnTo>
-                  <a:pt x="25" y="13493"/>
-                </a:lnTo>
-                <a:lnTo>
-                  <a:pt x="1" y="13761"/>
-                </a:lnTo>
-                <a:lnTo>
-                  <a:pt x="1" y="13761"/>
-                </a:lnTo>
-                <a:lnTo>
-                  <a:pt x="25" y="13981"/>
-                </a:lnTo>
-                <a:lnTo>
-                  <a:pt x="50" y="14200"/>
-                </a:lnTo>
-                <a:lnTo>
-                  <a:pt x="123" y="14395"/>
-                </a:lnTo>
-                <a:lnTo>
-                  <a:pt x="220" y="14614"/>
-                </a:lnTo>
-                <a:lnTo>
-                  <a:pt x="318" y="14784"/>
-                </a:lnTo>
-                <a:lnTo>
-                  <a:pt x="439" y="14979"/>
-                </a:lnTo>
-                <a:lnTo>
-                  <a:pt x="561" y="15150"/>
-                </a:lnTo>
-                <a:lnTo>
-                  <a:pt x="707" y="15320"/>
-                </a:lnTo>
-                <a:lnTo>
-                  <a:pt x="707" y="15320"/>
-                </a:lnTo>
-                <a:lnTo>
-                  <a:pt x="878" y="15466"/>
-                </a:lnTo>
-                <a:lnTo>
-                  <a:pt x="1048" y="15588"/>
-                </a:lnTo>
-                <a:lnTo>
-                  <a:pt x="1243" y="15710"/>
-                </a:lnTo>
-                <a:lnTo>
-                  <a:pt x="1438" y="15832"/>
-                </a:lnTo>
-                <a:lnTo>
-                  <a:pt x="1633" y="15905"/>
-                </a:lnTo>
-                <a:lnTo>
-                  <a:pt x="1852" y="15978"/>
-                </a:lnTo>
-                <a:lnTo>
-                  <a:pt x="2047" y="16002"/>
-                </a:lnTo>
-                <a:lnTo>
-                  <a:pt x="2266" y="16026"/>
-                </a:lnTo>
-                <a:lnTo>
-                  <a:pt x="2266" y="16026"/>
-                </a:lnTo>
-                <a:lnTo>
-                  <a:pt x="2534" y="16002"/>
-                </a:lnTo>
-                <a:lnTo>
-                  <a:pt x="2777" y="15929"/>
-                </a:lnTo>
-                <a:lnTo>
-                  <a:pt x="2997" y="15832"/>
-                </a:lnTo>
-                <a:lnTo>
-                  <a:pt x="3191" y="15661"/>
-                </a:lnTo>
-                <a:lnTo>
-                  <a:pt x="3191" y="15661"/>
-                </a:lnTo>
-                <a:lnTo>
-                  <a:pt x="3362" y="15466"/>
-                </a:lnTo>
-                <a:lnTo>
-                  <a:pt x="3484" y="15247"/>
-                </a:lnTo>
-                <a:lnTo>
-                  <a:pt x="3557" y="15052"/>
-                </a:lnTo>
-                <a:lnTo>
-                  <a:pt x="3605" y="14833"/>
-                </a:lnTo>
-                <a:lnTo>
-                  <a:pt x="3679" y="14614"/>
-                </a:lnTo>
-                <a:lnTo>
-                  <a:pt x="3752" y="14419"/>
-                </a:lnTo>
-                <a:lnTo>
-                  <a:pt x="3849" y="14200"/>
-                </a:lnTo>
-                <a:lnTo>
-                  <a:pt x="4019" y="14029"/>
-                </a:lnTo>
-                <a:lnTo>
-                  <a:pt x="4019" y="14029"/>
-                </a:lnTo>
-                <a:lnTo>
-                  <a:pt x="4287" y="13786"/>
-                </a:lnTo>
-                <a:lnTo>
-                  <a:pt x="4531" y="13591"/>
-                </a:lnTo>
-                <a:lnTo>
-                  <a:pt x="4750" y="13493"/>
-                </a:lnTo>
-                <a:lnTo>
-                  <a:pt x="4945" y="13445"/>
-                </a:lnTo>
-                <a:lnTo>
-                  <a:pt x="5140" y="13445"/>
-                </a:lnTo>
-                <a:lnTo>
-                  <a:pt x="5310" y="13493"/>
-                </a:lnTo>
-                <a:lnTo>
-                  <a:pt x="5481" y="13615"/>
-                </a:lnTo>
-                <a:lnTo>
-                  <a:pt x="5651" y="13737"/>
-                </a:lnTo>
-                <a:lnTo>
-                  <a:pt x="5822" y="13932"/>
-                </a:lnTo>
-                <a:lnTo>
-                  <a:pt x="5992" y="14127"/>
-                </a:lnTo>
-                <a:lnTo>
-                  <a:pt x="6358" y="14614"/>
-                </a:lnTo>
-                <a:lnTo>
-                  <a:pt x="6796" y="15150"/>
-                </a:lnTo>
-                <a:lnTo>
-                  <a:pt x="7039" y="15442"/>
-                </a:lnTo>
-                <a:lnTo>
-                  <a:pt x="7307" y="15734"/>
-                </a:lnTo>
-                <a:lnTo>
-                  <a:pt x="7307" y="15734"/>
-                </a:lnTo>
-                <a:lnTo>
-                  <a:pt x="7454" y="15856"/>
-                </a:lnTo>
-                <a:lnTo>
-                  <a:pt x="7648" y="15953"/>
-                </a:lnTo>
-                <a:lnTo>
-                  <a:pt x="7819" y="16002"/>
-                </a:lnTo>
-                <a:lnTo>
-                  <a:pt x="8014" y="16026"/>
-                </a:lnTo>
-                <a:lnTo>
-                  <a:pt x="8014" y="16026"/>
-                </a:lnTo>
-                <a:lnTo>
-                  <a:pt x="8111" y="16002"/>
-                </a:lnTo>
-                <a:lnTo>
-                  <a:pt x="8257" y="15929"/>
-                </a:lnTo>
-                <a:lnTo>
-                  <a:pt x="8720" y="15661"/>
-                </a:lnTo>
-                <a:lnTo>
-                  <a:pt x="8988" y="15491"/>
-                </a:lnTo>
-                <a:lnTo>
-                  <a:pt x="9280" y="15271"/>
-                </a:lnTo>
-                <a:lnTo>
-                  <a:pt x="9597" y="15052"/>
-                </a:lnTo>
-                <a:lnTo>
-                  <a:pt x="9889" y="14784"/>
-                </a:lnTo>
-                <a:lnTo>
-                  <a:pt x="10157" y="14516"/>
-                </a:lnTo>
-                <a:lnTo>
-                  <a:pt x="10400" y="14224"/>
-                </a:lnTo>
-                <a:lnTo>
-                  <a:pt x="10595" y="13932"/>
-                </a:lnTo>
-                <a:lnTo>
-                  <a:pt x="10668" y="13786"/>
-                </a:lnTo>
-                <a:lnTo>
-                  <a:pt x="10717" y="13615"/>
-                </a:lnTo>
-                <a:lnTo>
-                  <a:pt x="10766" y="13469"/>
-                </a:lnTo>
-                <a:lnTo>
-                  <a:pt x="10790" y="13323"/>
-                </a:lnTo>
-                <a:lnTo>
-                  <a:pt x="10790" y="13177"/>
-                </a:lnTo>
-                <a:lnTo>
-                  <a:pt x="10766" y="13006"/>
-                </a:lnTo>
-                <a:lnTo>
-                  <a:pt x="10717" y="12860"/>
-                </a:lnTo>
-                <a:lnTo>
-                  <a:pt x="10644" y="12714"/>
-                </a:lnTo>
-                <a:lnTo>
-                  <a:pt x="10547" y="12568"/>
-                </a:lnTo>
-                <a:lnTo>
-                  <a:pt x="10425" y="12422"/>
-                </a:lnTo>
-                <a:lnTo>
-                  <a:pt x="10425" y="12422"/>
-                </a:lnTo>
-                <a:lnTo>
-                  <a:pt x="10230" y="12276"/>
-                </a:lnTo>
-                <a:lnTo>
-                  <a:pt x="10035" y="12178"/>
-                </a:lnTo>
-                <a:lnTo>
-                  <a:pt x="9840" y="12105"/>
-                </a:lnTo>
-                <a:lnTo>
-                  <a:pt x="9621" y="12032"/>
-                </a:lnTo>
-                <a:lnTo>
-                  <a:pt x="9402" y="11983"/>
-                </a:lnTo>
-                <a:lnTo>
-                  <a:pt x="9183" y="11886"/>
-                </a:lnTo>
-                <a:lnTo>
-                  <a:pt x="8988" y="11789"/>
-                </a:lnTo>
-                <a:lnTo>
-                  <a:pt x="8793" y="11618"/>
-                </a:lnTo>
-                <a:lnTo>
-                  <a:pt x="8793" y="11618"/>
-                </a:lnTo>
-                <a:lnTo>
-                  <a:pt x="8623" y="11423"/>
-                </a:lnTo>
-                <a:lnTo>
-                  <a:pt x="8525" y="11204"/>
-                </a:lnTo>
-                <a:lnTo>
-                  <a:pt x="8452" y="10961"/>
-                </a:lnTo>
-                <a:lnTo>
-                  <a:pt x="8428" y="10668"/>
-                </a:lnTo>
-                <a:lnTo>
-                  <a:pt x="8428" y="10668"/>
-                </a:lnTo>
-                <a:lnTo>
-                  <a:pt x="8452" y="10473"/>
-                </a:lnTo>
-                <a:lnTo>
-                  <a:pt x="8476" y="10254"/>
-                </a:lnTo>
-                <a:lnTo>
-                  <a:pt x="8549" y="10059"/>
-                </a:lnTo>
-                <a:lnTo>
-                  <a:pt x="8623" y="9865"/>
-                </a:lnTo>
-                <a:lnTo>
-                  <a:pt x="8720" y="9670"/>
-                </a:lnTo>
-                <a:lnTo>
-                  <a:pt x="8842" y="9475"/>
-                </a:lnTo>
-                <a:lnTo>
-                  <a:pt x="8988" y="9304"/>
-                </a:lnTo>
-                <a:lnTo>
-                  <a:pt x="9134" y="9134"/>
-                </a:lnTo>
-                <a:lnTo>
-                  <a:pt x="9134" y="9134"/>
-                </a:lnTo>
-                <a:lnTo>
-                  <a:pt x="9304" y="8988"/>
-                </a:lnTo>
-                <a:lnTo>
-                  <a:pt x="9475" y="8866"/>
-                </a:lnTo>
-                <a:lnTo>
-                  <a:pt x="9645" y="8744"/>
-                </a:lnTo>
-                <a:lnTo>
-                  <a:pt x="9840" y="8622"/>
-                </a:lnTo>
-                <a:lnTo>
-                  <a:pt x="10035" y="8549"/>
-                </a:lnTo>
-                <a:lnTo>
-                  <a:pt x="10254" y="8476"/>
-                </a:lnTo>
-                <a:lnTo>
-                  <a:pt x="10474" y="8452"/>
-                </a:lnTo>
-                <a:lnTo>
-                  <a:pt x="10668" y="8428"/>
-                </a:lnTo>
-                <a:lnTo>
-                  <a:pt x="10668" y="8428"/>
-                </a:lnTo>
-                <a:lnTo>
-                  <a:pt x="10936" y="8452"/>
-                </a:lnTo>
-                <a:lnTo>
-                  <a:pt x="11180" y="8525"/>
-                </a:lnTo>
-                <a:lnTo>
-                  <a:pt x="11423" y="8622"/>
-                </a:lnTo>
-                <a:lnTo>
-                  <a:pt x="11618" y="8793"/>
-                </a:lnTo>
-                <a:lnTo>
-                  <a:pt x="11618" y="8793"/>
-                </a:lnTo>
-                <a:lnTo>
-                  <a:pt x="11789" y="8988"/>
-                </a:lnTo>
-                <a:lnTo>
-                  <a:pt x="11910" y="9207"/>
-                </a:lnTo>
-                <a:lnTo>
-                  <a:pt x="11984" y="9426"/>
-                </a:lnTo>
-                <a:lnTo>
-                  <a:pt x="12057" y="9645"/>
-                </a:lnTo>
-                <a:lnTo>
-                  <a:pt x="12105" y="9840"/>
-                </a:lnTo>
-                <a:lnTo>
-                  <a:pt x="12178" y="10035"/>
-                </a:lnTo>
-                <a:lnTo>
-                  <a:pt x="12276" y="10230"/>
-                </a:lnTo>
-                <a:lnTo>
-                  <a:pt x="12422" y="10425"/>
-                </a:lnTo>
-                <a:lnTo>
-                  <a:pt x="12422" y="10425"/>
-                </a:lnTo>
-                <a:lnTo>
-                  <a:pt x="12568" y="10547"/>
-                </a:lnTo>
-                <a:lnTo>
-                  <a:pt x="12714" y="10644"/>
-                </a:lnTo>
-                <a:lnTo>
-                  <a:pt x="12860" y="10717"/>
-                </a:lnTo>
-                <a:lnTo>
-                  <a:pt x="13006" y="10766"/>
-                </a:lnTo>
-                <a:lnTo>
-                  <a:pt x="13177" y="10790"/>
-                </a:lnTo>
-                <a:lnTo>
-                  <a:pt x="13323" y="10790"/>
-                </a:lnTo>
-                <a:lnTo>
-                  <a:pt x="13469" y="10766"/>
-                </a:lnTo>
-                <a:lnTo>
-                  <a:pt x="13615" y="10717"/>
-                </a:lnTo>
-                <a:lnTo>
-                  <a:pt x="13786" y="10668"/>
-                </a:lnTo>
-                <a:lnTo>
-                  <a:pt x="13932" y="10595"/>
-                </a:lnTo>
-                <a:lnTo>
-                  <a:pt x="14224" y="10400"/>
-                </a:lnTo>
-                <a:lnTo>
-                  <a:pt x="14516" y="10157"/>
-                </a:lnTo>
-                <a:lnTo>
-                  <a:pt x="14784" y="9889"/>
-                </a:lnTo>
-                <a:lnTo>
-                  <a:pt x="15052" y="9597"/>
-                </a:lnTo>
-                <a:lnTo>
-                  <a:pt x="15271" y="9280"/>
-                </a:lnTo>
-                <a:lnTo>
-                  <a:pt x="15491" y="8988"/>
-                </a:lnTo>
-                <a:lnTo>
-                  <a:pt x="15661" y="8720"/>
-                </a:lnTo>
-                <a:lnTo>
-                  <a:pt x="15929" y="8257"/>
-                </a:lnTo>
-                <a:lnTo>
-                  <a:pt x="16002" y="8111"/>
-                </a:lnTo>
-                <a:lnTo>
-                  <a:pt x="16026" y="8014"/>
-                </a:lnTo>
-                <a:lnTo>
-                  <a:pt x="16026" y="8014"/>
-                </a:lnTo>
-                <a:lnTo>
-                  <a:pt x="16002" y="7819"/>
-                </a:lnTo>
-                <a:lnTo>
-                  <a:pt x="15953" y="7648"/>
-                </a:lnTo>
-                <a:lnTo>
-                  <a:pt x="15856" y="7453"/>
-                </a:lnTo>
-                <a:lnTo>
-                  <a:pt x="15734" y="7307"/>
-                </a:lnTo>
-                <a:lnTo>
-                  <a:pt x="15734" y="7307"/>
-                </a:lnTo>
-                <a:lnTo>
-                  <a:pt x="15442" y="7039"/>
-                </a:lnTo>
-                <a:lnTo>
-                  <a:pt x="15150" y="6796"/>
-                </a:lnTo>
-                <a:lnTo>
-                  <a:pt x="14614" y="6357"/>
-                </a:lnTo>
-                <a:lnTo>
-                  <a:pt x="14127" y="5992"/>
-                </a:lnTo>
-                <a:lnTo>
-                  <a:pt x="13932" y="5822"/>
-                </a:lnTo>
-                <a:lnTo>
-                  <a:pt x="13737" y="5651"/>
-                </a:lnTo>
-                <a:lnTo>
-                  <a:pt x="13615" y="5481"/>
-                </a:lnTo>
-                <a:lnTo>
-                  <a:pt x="13494" y="5310"/>
-                </a:lnTo>
-                <a:lnTo>
-                  <a:pt x="13445" y="5140"/>
-                </a:lnTo>
-                <a:lnTo>
-                  <a:pt x="13445" y="4945"/>
-                </a:lnTo>
-                <a:lnTo>
-                  <a:pt x="13494" y="4750"/>
-                </a:lnTo>
-                <a:lnTo>
-                  <a:pt x="13591" y="4531"/>
-                </a:lnTo>
-                <a:lnTo>
-                  <a:pt x="13761" y="4287"/>
-                </a:lnTo>
-                <a:lnTo>
-                  <a:pt x="14029" y="4019"/>
-                </a:lnTo>
-                <a:lnTo>
-                  <a:pt x="14029" y="4019"/>
-                </a:lnTo>
-                <a:close/>
-              </a:path>
-            </a:pathLst>
-          </a:custGeom>
-          <a:noFill/>
-          <a:ln w="12175" cap="rnd" cmpd="sng">
-            <a:solidFill>
-              <a:schemeClr val="accent1"/>
-            </a:solidFill>
-            <a:prstDash val="solid"/>
-            <a:round/>
-            <a:headEnd type="none" w="sm" len="sm"/>
-            <a:tailEnd type="none" w="sm" len="sm"/>
-          </a:ln>
-        </p:spPr>
-        <p:txBody>
-          <a:bodyPr spcFirstLastPara="1" wrap="square" lIns="91425" tIns="91425" rIns="91425" bIns="91425" anchor="ctr" anchorCtr="0">
-            <a:noAutofit/>
-          </a:bodyPr>
-          <a:lstStyle/>
-          <a:p>
-            <a:pPr marL="0" lvl="0" indent="0" algn="l" rtl="0">
-              <a:spcBef>
-                <a:spcPts val="0"/>
-              </a:spcBef>
-              <a:spcAft>
-                <a:spcPts val="0"/>
-              </a:spcAft>
-              <a:buNone/>
-            </a:pPr>
-            <a:endParaRPr/>
-          </a:p>
-        </p:txBody>
-      </p:sp>
-    </p:spTree>
-    <p:extLst>
-      <p:ext uri="{BB962C8B-B14F-4D97-AF65-F5344CB8AC3E}">
-        <p14:creationId xmlns:p14="http://schemas.microsoft.com/office/powerpoint/2010/main" val="3491490913"/>
-      </p:ext>
-    </p:extLst>
-  </p:cSld>
-  <p:clrMapOvr>
-    <a:masterClrMapping/>
-  </p:clrMapOvr>
-</p:sld>
-</file>
-
-<file path=ppt/slides/slide3.xml><?xml version="1.0" encoding="utf-8"?>
-<p:sld xmlns:a="http://schemas.openxmlformats.org/drawingml/2006/main" xmlns:r="http://schemas.openxmlformats.org/officeDocument/2006/relationships" xmlns:p="http://schemas.openxmlformats.org/presentationml/2006/main">
-  <p:cSld>
-    <p:spTree>
-      <p:nvGrpSpPr>
-        <p:cNvPr id="1" name="Shape 108"/>
-        <p:cNvGrpSpPr/>
-        <p:nvPr/>
-      </p:nvGrpSpPr>
-      <p:grpSpPr>
-        <a:xfrm>
-          <a:off x="0" y="0"/>
-          <a:ext cx="0" cy="0"/>
-          <a:chOff x="0" y="0"/>
-          <a:chExt cx="0" cy="0"/>
-        </a:xfrm>
-      </p:grpSpPr>
-      <p:sp>
-        <p:nvSpPr>
-          <p:cNvPr id="111" name="Google Shape;111;p19"/>
-          <p:cNvSpPr txBox="1">
-            <a:spLocks noGrp="1"/>
-          </p:cNvSpPr>
-          <p:nvPr>
-            <p:ph type="body" idx="2"/>
-          </p:nvPr>
-        </p:nvSpPr>
-        <p:spPr>
-          <a:xfrm>
-            <a:off x="4677289" y="1733383"/>
-            <a:ext cx="3496500" cy="1953000"/>
-          </a:xfrm>
-          <a:prstGeom prst="rect">
-            <a:avLst/>
-          </a:prstGeom>
-        </p:spPr>
-        <p:txBody>
-          <a:bodyPr spcFirstLastPara="1" wrap="square" lIns="91425" tIns="91425" rIns="91425" bIns="91425" anchor="t" anchorCtr="0">
-            <a:noAutofit/>
-          </a:bodyPr>
-          <a:lstStyle/>
-          <a:p>
-            <a:pPr marL="0" lvl="0" indent="0" algn="ctr" rtl="0">
-              <a:spcBef>
-                <a:spcPts val="600"/>
-              </a:spcBef>
-              <a:spcAft>
-                <a:spcPts val="0"/>
-              </a:spcAft>
-              <a:buNone/>
-            </a:pPr>
-            <a:r>
-              <a:rPr lang="en" sz="2400" b="1" i="1" dirty="0">
-                <a:latin typeface="Playfair Display"/>
-                <a:ea typeface="Playfair Display"/>
-                <a:cs typeface="Playfair Display"/>
-                <a:sym typeface="Playfair Display"/>
-              </a:rPr>
-              <a:t>Change</a:t>
-            </a:r>
-            <a:endParaRPr b="1" dirty="0"/>
-          </a:p>
-          <a:p>
-            <a:pPr marL="0" lvl="0" indent="0" algn="ctr" rtl="0">
-              <a:spcBef>
-                <a:spcPts val="600"/>
-              </a:spcBef>
-              <a:spcAft>
-                <a:spcPts val="0"/>
-              </a:spcAft>
-              <a:buNone/>
-            </a:pPr>
-            <a:endParaRPr lang="en" b="1" dirty="0"/>
-          </a:p>
-          <a:p>
-            <a:pPr marL="0" lvl="0" indent="0" algn="ctr" rtl="0">
-              <a:spcBef>
-                <a:spcPts val="600"/>
-              </a:spcBef>
-              <a:spcAft>
-                <a:spcPts val="0"/>
-              </a:spcAft>
-              <a:buNone/>
-            </a:pPr>
-            <a:r>
-              <a:rPr lang="en" dirty="0"/>
-              <a:t>Change how you use code</a:t>
-            </a:r>
-          </a:p>
-          <a:p>
-            <a:pPr marL="0" lvl="0" indent="0" algn="ctr" rtl="0">
-              <a:spcBef>
-                <a:spcPts val="600"/>
-              </a:spcBef>
-              <a:spcAft>
-                <a:spcPts val="0"/>
-              </a:spcAft>
-              <a:buNone/>
-            </a:pPr>
-            <a:endParaRPr lang="en" dirty="0"/>
-          </a:p>
-          <a:p>
-            <a:pPr marL="0" lvl="0" indent="0" algn="ctr" rtl="0">
-              <a:spcBef>
-                <a:spcPts val="600"/>
-              </a:spcBef>
-              <a:spcAft>
-                <a:spcPts val="0"/>
-              </a:spcAft>
-              <a:buNone/>
-            </a:pPr>
-            <a:r>
-              <a:rPr lang="en" dirty="0"/>
-              <a:t>Change what the code does</a:t>
-            </a:r>
-          </a:p>
-        </p:txBody>
-      </p:sp>
-      <p:sp>
-        <p:nvSpPr>
-          <p:cNvPr id="112" name="Google Shape;112;p19"/>
-          <p:cNvSpPr txBox="1">
-            <a:spLocks noGrp="1"/>
-          </p:cNvSpPr>
-          <p:nvPr>
-            <p:ph type="sldNum" idx="12"/>
-          </p:nvPr>
-        </p:nvSpPr>
-        <p:spPr>
-          <a:xfrm>
-            <a:off x="4297650" y="4419838"/>
-            <a:ext cx="548700" cy="393600"/>
-          </a:xfrm>
-          <a:prstGeom prst="rect">
-            <a:avLst/>
-          </a:prstGeom>
-        </p:spPr>
-        <p:txBody>
-          <a:bodyPr spcFirstLastPara="1" wrap="square" lIns="91425" tIns="91425" rIns="91425" bIns="91425" anchor="b" anchorCtr="0">
-            <a:noAutofit/>
-          </a:bodyPr>
-          <a:lstStyle/>
-          <a:p>
-            <a:pPr marL="0" lvl="0" indent="0" algn="ctr" rtl="0">
-              <a:spcBef>
-                <a:spcPts val="0"/>
-              </a:spcBef>
-              <a:spcAft>
-                <a:spcPts val="0"/>
-              </a:spcAft>
-              <a:buNone/>
-            </a:pPr>
-            <a:fld id="{00000000-1234-1234-1234-123412341234}" type="slidenum">
-              <a:rPr lang="en"/>
-              <a:t>3</a:t>
-            </a:fld>
-            <a:endParaRPr/>
-          </a:p>
-        </p:txBody>
-      </p:sp>
-      <p:sp>
-        <p:nvSpPr>
-          <p:cNvPr id="110" name="Google Shape;110;p19"/>
-          <p:cNvSpPr txBox="1">
-            <a:spLocks noGrp="1"/>
-          </p:cNvSpPr>
-          <p:nvPr>
-            <p:ph type="title"/>
-          </p:nvPr>
-        </p:nvSpPr>
-        <p:spPr>
-          <a:xfrm>
-            <a:off x="388955" y="338306"/>
-            <a:ext cx="8366100" cy="762600"/>
-          </a:xfrm>
-          <a:prstGeom prst="rect">
-            <a:avLst/>
-          </a:prstGeom>
-        </p:spPr>
-        <p:txBody>
-          <a:bodyPr spcFirstLastPara="1" wrap="square" lIns="91425" tIns="91425" rIns="91425" bIns="91425" anchor="ctr" anchorCtr="0">
-            <a:noAutofit/>
-          </a:bodyPr>
-          <a:lstStyle/>
-          <a:p>
-            <a:pPr lvl="0"/>
-            <a:r>
-              <a:rPr lang="en" dirty="0"/>
-              <a:t>Why we Refactor?</a:t>
-            </a:r>
-            <a:endParaRPr dirty="0"/>
-          </a:p>
-        </p:txBody>
-      </p:sp>
-      <p:sp>
-        <p:nvSpPr>
-          <p:cNvPr id="109" name="Google Shape;109;p19"/>
-          <p:cNvSpPr txBox="1">
-            <a:spLocks noGrp="1"/>
-          </p:cNvSpPr>
-          <p:nvPr>
-            <p:ph type="body" idx="1"/>
-          </p:nvPr>
-        </p:nvSpPr>
-        <p:spPr>
-          <a:xfrm>
-            <a:off x="801150" y="1733383"/>
-            <a:ext cx="3496500" cy="1953000"/>
-          </a:xfrm>
-          <a:prstGeom prst="rect">
-            <a:avLst/>
-          </a:prstGeom>
-        </p:spPr>
-        <p:txBody>
-          <a:bodyPr spcFirstLastPara="1" wrap="square" lIns="91425" tIns="91425" rIns="91425" bIns="91425" anchor="t" anchorCtr="0">
-            <a:noAutofit/>
-          </a:bodyPr>
-          <a:lstStyle/>
-          <a:p>
-            <a:pPr marL="0" lvl="0" indent="0" algn="ctr" rtl="0">
-              <a:spcBef>
-                <a:spcPts val="600"/>
-              </a:spcBef>
-              <a:spcAft>
-                <a:spcPts val="0"/>
-              </a:spcAft>
-              <a:buNone/>
-            </a:pPr>
-            <a:r>
-              <a:rPr lang="en" sz="2400" b="1" i="1" dirty="0">
-                <a:latin typeface="Playfair Display"/>
-                <a:ea typeface="Playfair Display"/>
-                <a:cs typeface="Playfair Display"/>
-                <a:sym typeface="Playfair Display"/>
-              </a:rPr>
-              <a:t>Insights</a:t>
-            </a:r>
-            <a:endParaRPr sz="2400" b="1" i="1" dirty="0">
-              <a:latin typeface="Playfair Display"/>
-              <a:ea typeface="Playfair Display"/>
-              <a:cs typeface="Playfair Display"/>
-              <a:sym typeface="Playfair Display"/>
-            </a:endParaRPr>
-          </a:p>
-          <a:p>
-            <a:pPr marL="0" lvl="0" indent="0" algn="ctr" rtl="0">
-              <a:spcBef>
-                <a:spcPts val="600"/>
-              </a:spcBef>
-              <a:spcAft>
-                <a:spcPts val="0"/>
-              </a:spcAft>
-              <a:buNone/>
-            </a:pPr>
-            <a:endParaRPr lang="en" dirty="0"/>
-          </a:p>
-          <a:p>
-            <a:pPr marL="0" lvl="0" indent="0" algn="ctr" rtl="0">
-              <a:spcBef>
-                <a:spcPts val="600"/>
-              </a:spcBef>
-              <a:spcAft>
-                <a:spcPts val="0"/>
-              </a:spcAft>
-              <a:buNone/>
-            </a:pPr>
-            <a:r>
-              <a:rPr lang="en" dirty="0"/>
-              <a:t>Gain an insight</a:t>
-            </a:r>
-          </a:p>
-          <a:p>
-            <a:pPr marL="0" lvl="0" indent="0" algn="ctr" rtl="0">
-              <a:spcBef>
-                <a:spcPts val="600"/>
-              </a:spcBef>
-              <a:spcAft>
-                <a:spcPts val="0"/>
-              </a:spcAft>
-              <a:buNone/>
-            </a:pPr>
-            <a:endParaRPr lang="en" dirty="0"/>
-          </a:p>
-          <a:p>
-            <a:pPr marL="0" lvl="0" indent="0" algn="ctr" rtl="0">
-              <a:spcBef>
-                <a:spcPts val="600"/>
-              </a:spcBef>
-              <a:spcAft>
-                <a:spcPts val="0"/>
-              </a:spcAft>
-              <a:buNone/>
-            </a:pPr>
-            <a:r>
-              <a:rPr lang="en" dirty="0"/>
-              <a:t>Record an insight</a:t>
-            </a:r>
-            <a:endParaRPr dirty="0"/>
-          </a:p>
-        </p:txBody>
-      </p:sp>
-      <p:cxnSp>
-        <p:nvCxnSpPr>
-          <p:cNvPr id="3" name="Straight Connector 2">
-            <a:extLst>
-              <a:ext uri="{FF2B5EF4-FFF2-40B4-BE49-F238E27FC236}">
-                <a16:creationId xmlns:a16="http://schemas.microsoft.com/office/drawing/2014/main" id="{75A3AAC8-D2C8-2147-8E05-86D74E562804}"/>
-              </a:ext>
-            </a:extLst>
-          </p:cNvPr>
-          <p:cNvCxnSpPr>
-            <a:cxnSpLocks/>
-          </p:cNvCxnSpPr>
-          <p:nvPr/>
-        </p:nvCxnSpPr>
-        <p:spPr>
-          <a:xfrm>
-            <a:off x="4572000" y="946205"/>
-            <a:ext cx="0" cy="3705308"/>
-          </a:xfrm>
-          <a:prstGeom prst="line">
-            <a:avLst/>
-          </a:prstGeom>
-        </p:spPr>
-        <p:style>
-          <a:lnRef idx="1">
-            <a:schemeClr val="accent1"/>
-          </a:lnRef>
-          <a:fillRef idx="0">
-            <a:schemeClr val="accent1"/>
-          </a:fillRef>
-          <a:effectRef idx="0">
-            <a:schemeClr val="accent1"/>
-          </a:effectRef>
-          <a:fontRef idx="minor">
-            <a:schemeClr val="tx1"/>
-          </a:fontRef>
-        </p:style>
-      </p:cxnSp>
-      <p:grpSp>
-        <p:nvGrpSpPr>
-          <p:cNvPr id="10" name="Google Shape;378;p37">
-            <a:extLst>
-              <a:ext uri="{FF2B5EF4-FFF2-40B4-BE49-F238E27FC236}">
-                <a16:creationId xmlns:a16="http://schemas.microsoft.com/office/drawing/2014/main" id="{F75B2BDF-0577-0047-8271-5962DE0F624C}"/>
-              </a:ext>
-            </a:extLst>
-          </p:cNvPr>
-          <p:cNvGrpSpPr/>
-          <p:nvPr/>
-        </p:nvGrpSpPr>
-        <p:grpSpPr>
-          <a:xfrm rot="1160667">
-            <a:off x="7926046" y="3269596"/>
-            <a:ext cx="366458" cy="366437"/>
-            <a:chOff x="1923675" y="1633650"/>
-            <a:chExt cx="436000" cy="435975"/>
-          </a:xfrm>
-        </p:grpSpPr>
-        <p:sp>
-          <p:nvSpPr>
-            <p:cNvPr id="11" name="Google Shape;379;p37">
-              <a:extLst>
-                <a:ext uri="{FF2B5EF4-FFF2-40B4-BE49-F238E27FC236}">
-                  <a16:creationId xmlns:a16="http://schemas.microsoft.com/office/drawing/2014/main" id="{AA8E83A7-674F-2F43-9BFD-2DA9DB6C4FE3}"/>
-                </a:ext>
-              </a:extLst>
-            </p:cNvPr>
-            <p:cNvSpPr/>
-            <p:nvPr/>
-          </p:nvSpPr>
-          <p:spPr>
-            <a:xfrm>
-              <a:off x="2209250" y="1633650"/>
-              <a:ext cx="150425" cy="150425"/>
-            </a:xfrm>
-            <a:custGeom>
-              <a:avLst/>
-              <a:gdLst/>
-              <a:ahLst/>
-              <a:cxnLst/>
-              <a:rect l="l" t="t" r="r" b="b"/>
-              <a:pathLst>
-                <a:path w="6017" h="6017" fill="none" extrusionOk="0">
-                  <a:moveTo>
-                    <a:pt x="5846" y="3605"/>
-                  </a:moveTo>
-                  <a:lnTo>
-                    <a:pt x="2412" y="171"/>
-                  </a:lnTo>
-                  <a:lnTo>
-                    <a:pt x="2412" y="171"/>
-                  </a:lnTo>
-                  <a:lnTo>
-                    <a:pt x="2314" y="98"/>
-                  </a:lnTo>
-                  <a:lnTo>
-                    <a:pt x="2217" y="49"/>
-                  </a:lnTo>
-                  <a:lnTo>
-                    <a:pt x="2095" y="25"/>
-                  </a:lnTo>
-                  <a:lnTo>
-                    <a:pt x="1997" y="1"/>
-                  </a:lnTo>
-                  <a:lnTo>
-                    <a:pt x="1876" y="25"/>
-                  </a:lnTo>
-                  <a:lnTo>
-                    <a:pt x="1778" y="49"/>
-                  </a:lnTo>
-                  <a:lnTo>
-                    <a:pt x="1681" y="98"/>
-                  </a:lnTo>
-                  <a:lnTo>
-                    <a:pt x="1583" y="171"/>
-                  </a:lnTo>
-                  <a:lnTo>
-                    <a:pt x="0" y="1778"/>
-                  </a:lnTo>
-                  <a:lnTo>
-                    <a:pt x="4238" y="6016"/>
-                  </a:lnTo>
-                  <a:lnTo>
-                    <a:pt x="5846" y="4433"/>
-                  </a:lnTo>
-                  <a:lnTo>
-                    <a:pt x="5846" y="4433"/>
-                  </a:lnTo>
-                  <a:lnTo>
-                    <a:pt x="5919" y="4336"/>
-                  </a:lnTo>
-                  <a:lnTo>
-                    <a:pt x="5967" y="4238"/>
-                  </a:lnTo>
-                  <a:lnTo>
-                    <a:pt x="5992" y="4141"/>
-                  </a:lnTo>
-                  <a:lnTo>
-                    <a:pt x="6016" y="4019"/>
-                  </a:lnTo>
-                  <a:lnTo>
-                    <a:pt x="5992" y="3922"/>
-                  </a:lnTo>
-                  <a:lnTo>
-                    <a:pt x="5967" y="3800"/>
-                  </a:lnTo>
-                  <a:lnTo>
-                    <a:pt x="5919" y="3703"/>
-                  </a:lnTo>
-                  <a:lnTo>
-                    <a:pt x="5846" y="3605"/>
-                  </a:lnTo>
-                  <a:lnTo>
-                    <a:pt x="5846" y="3605"/>
-                  </a:lnTo>
-                  <a:close/>
-                </a:path>
-              </a:pathLst>
-            </a:custGeom>
-            <a:noFill/>
-            <a:ln w="12175" cap="rnd" cmpd="sng">
-              <a:solidFill>
-                <a:schemeClr val="accent1"/>
-              </a:solidFill>
-              <a:prstDash val="solid"/>
-              <a:round/>
-              <a:headEnd type="none" w="sm" len="sm"/>
-              <a:tailEnd type="none" w="sm" len="sm"/>
-            </a:ln>
-          </p:spPr>
-          <p:txBody>
-            <a:bodyPr spcFirstLastPara="1" wrap="square" lIns="91425" tIns="91425" rIns="91425" bIns="91425" anchor="ctr" anchorCtr="0">
-              <a:noAutofit/>
-            </a:bodyPr>
-            <a:lstStyle/>
-            <a:p>
-              <a:pPr marL="0" lvl="0" indent="0" algn="l" rtl="0">
-                <a:spcBef>
-                  <a:spcPts val="0"/>
-                </a:spcBef>
-                <a:spcAft>
-                  <a:spcPts val="0"/>
-                </a:spcAft>
-                <a:buNone/>
-              </a:pPr>
-              <a:endParaRPr/>
-            </a:p>
-          </p:txBody>
-        </p:sp>
-        <p:sp>
-          <p:nvSpPr>
-            <p:cNvPr id="12" name="Google Shape;380;p37">
-              <a:extLst>
-                <a:ext uri="{FF2B5EF4-FFF2-40B4-BE49-F238E27FC236}">
-                  <a16:creationId xmlns:a16="http://schemas.microsoft.com/office/drawing/2014/main" id="{68F6B620-CDD9-0F4D-A5C6-2AD855AE3C4F}"/>
-                </a:ext>
-              </a:extLst>
-            </p:cNvPr>
-            <p:cNvSpPr/>
-            <p:nvPr/>
-          </p:nvSpPr>
-          <p:spPr>
-            <a:xfrm>
-              <a:off x="2019900" y="1757250"/>
-              <a:ext cx="261825" cy="261850"/>
-            </a:xfrm>
-            <a:custGeom>
-              <a:avLst/>
-              <a:gdLst/>
-              <a:ahLst/>
-              <a:cxnLst/>
-              <a:rect l="l" t="t" r="r" b="b"/>
-              <a:pathLst>
-                <a:path w="10473" h="10474" fill="none" extrusionOk="0">
-                  <a:moveTo>
-                    <a:pt x="10473" y="1"/>
-                  </a:moveTo>
-                  <a:lnTo>
-                    <a:pt x="0" y="10473"/>
-                  </a:lnTo>
-                </a:path>
-              </a:pathLst>
-            </a:custGeom>
-            <a:noFill/>
-            <a:ln w="12175" cap="rnd" cmpd="sng">
-              <a:solidFill>
-                <a:schemeClr val="accent1"/>
-              </a:solidFill>
-              <a:prstDash val="solid"/>
-              <a:round/>
-              <a:headEnd type="none" w="sm" len="sm"/>
-              <a:tailEnd type="none" w="sm" len="sm"/>
-            </a:ln>
-          </p:spPr>
-          <p:txBody>
-            <a:bodyPr spcFirstLastPara="1" wrap="square" lIns="91425" tIns="91425" rIns="91425" bIns="91425" anchor="ctr" anchorCtr="0">
-              <a:noAutofit/>
-            </a:bodyPr>
-            <a:lstStyle/>
-            <a:p>
-              <a:pPr marL="0" lvl="0" indent="0" algn="l" rtl="0">
-                <a:spcBef>
-                  <a:spcPts val="0"/>
-                </a:spcBef>
-                <a:spcAft>
-                  <a:spcPts val="0"/>
-                </a:spcAft>
-                <a:buNone/>
-              </a:pPr>
-              <a:endParaRPr/>
-            </a:p>
-          </p:txBody>
-        </p:sp>
-        <p:sp>
-          <p:nvSpPr>
-            <p:cNvPr id="13" name="Google Shape;381;p37">
-              <a:extLst>
-                <a:ext uri="{FF2B5EF4-FFF2-40B4-BE49-F238E27FC236}">
-                  <a16:creationId xmlns:a16="http://schemas.microsoft.com/office/drawing/2014/main" id="{4066391E-F8B1-544B-9DC8-D48769E98CCD}"/>
-                </a:ext>
-              </a:extLst>
-            </p:cNvPr>
-            <p:cNvSpPr/>
-            <p:nvPr/>
-          </p:nvSpPr>
-          <p:spPr>
-            <a:xfrm>
-              <a:off x="1923675" y="1681150"/>
-              <a:ext cx="388500" cy="388475"/>
-            </a:xfrm>
-            <a:custGeom>
-              <a:avLst/>
-              <a:gdLst/>
-              <a:ahLst/>
-              <a:cxnLst/>
-              <a:rect l="l" t="t" r="r" b="b"/>
-              <a:pathLst>
-                <a:path w="15540" h="15539" fill="none" extrusionOk="0">
-                  <a:moveTo>
-                    <a:pt x="11277" y="0"/>
-                  </a:moveTo>
-                  <a:lnTo>
-                    <a:pt x="756" y="10546"/>
-                  </a:lnTo>
-                  <a:lnTo>
-                    <a:pt x="756" y="10546"/>
-                  </a:lnTo>
-                  <a:lnTo>
-                    <a:pt x="683" y="10619"/>
-                  </a:lnTo>
-                  <a:lnTo>
-                    <a:pt x="634" y="10692"/>
-                  </a:lnTo>
-                  <a:lnTo>
-                    <a:pt x="610" y="10765"/>
-                  </a:lnTo>
-                  <a:lnTo>
-                    <a:pt x="585" y="10863"/>
-                  </a:lnTo>
-                  <a:lnTo>
-                    <a:pt x="1" y="14881"/>
-                  </a:lnTo>
-                  <a:lnTo>
-                    <a:pt x="1" y="14881"/>
-                  </a:lnTo>
-                  <a:lnTo>
-                    <a:pt x="1" y="15003"/>
-                  </a:lnTo>
-                  <a:lnTo>
-                    <a:pt x="25" y="15149"/>
-                  </a:lnTo>
-                  <a:lnTo>
-                    <a:pt x="98" y="15271"/>
-                  </a:lnTo>
-                  <a:lnTo>
-                    <a:pt x="171" y="15368"/>
-                  </a:lnTo>
-                  <a:lnTo>
-                    <a:pt x="171" y="15368"/>
-                  </a:lnTo>
-                  <a:lnTo>
-                    <a:pt x="269" y="15441"/>
-                  </a:lnTo>
-                  <a:lnTo>
-                    <a:pt x="366" y="15490"/>
-                  </a:lnTo>
-                  <a:lnTo>
-                    <a:pt x="464" y="15514"/>
-                  </a:lnTo>
-                  <a:lnTo>
-                    <a:pt x="585" y="15539"/>
-                  </a:lnTo>
-                  <a:lnTo>
-                    <a:pt x="585" y="15539"/>
-                  </a:lnTo>
-                  <a:lnTo>
-                    <a:pt x="659" y="15539"/>
-                  </a:lnTo>
-                  <a:lnTo>
-                    <a:pt x="4677" y="14954"/>
-                  </a:lnTo>
-                  <a:lnTo>
-                    <a:pt x="4677" y="14954"/>
-                  </a:lnTo>
-                  <a:lnTo>
-                    <a:pt x="4848" y="14905"/>
-                  </a:lnTo>
-                  <a:lnTo>
-                    <a:pt x="4921" y="14857"/>
-                  </a:lnTo>
-                  <a:lnTo>
-                    <a:pt x="4994" y="14784"/>
-                  </a:lnTo>
-                  <a:lnTo>
-                    <a:pt x="15539" y="4262"/>
-                  </a:lnTo>
-                </a:path>
-              </a:pathLst>
-            </a:custGeom>
-            <a:noFill/>
-            <a:ln w="12175" cap="rnd" cmpd="sng">
-              <a:solidFill>
-                <a:schemeClr val="accent1"/>
-              </a:solidFill>
-              <a:prstDash val="solid"/>
-              <a:round/>
-              <a:headEnd type="none" w="sm" len="sm"/>
-              <a:tailEnd type="none" w="sm" len="sm"/>
-            </a:ln>
-          </p:spPr>
-          <p:txBody>
-            <a:bodyPr spcFirstLastPara="1" wrap="square" lIns="91425" tIns="91425" rIns="91425" bIns="91425" anchor="ctr" anchorCtr="0">
-              <a:noAutofit/>
-            </a:bodyPr>
-            <a:lstStyle/>
-            <a:p>
-              <a:pPr marL="0" lvl="0" indent="0" algn="l" rtl="0">
-                <a:spcBef>
-                  <a:spcPts val="0"/>
-                </a:spcBef>
-                <a:spcAft>
-                  <a:spcPts val="0"/>
-                </a:spcAft>
-                <a:buNone/>
-              </a:pPr>
-              <a:endParaRPr/>
-            </a:p>
-          </p:txBody>
-        </p:sp>
-        <p:sp>
-          <p:nvSpPr>
-            <p:cNvPr id="14" name="Google Shape;382;p37">
-              <a:extLst>
-                <a:ext uri="{FF2B5EF4-FFF2-40B4-BE49-F238E27FC236}">
-                  <a16:creationId xmlns:a16="http://schemas.microsoft.com/office/drawing/2014/main" id="{50E7A8CA-E64E-5341-8526-F29EA298609D}"/>
-                </a:ext>
-              </a:extLst>
-            </p:cNvPr>
-            <p:cNvSpPr/>
-            <p:nvPr/>
-          </p:nvSpPr>
-          <p:spPr>
-            <a:xfrm>
-              <a:off x="1974225" y="1711575"/>
-              <a:ext cx="261825" cy="261850"/>
-            </a:xfrm>
-            <a:custGeom>
-              <a:avLst/>
-              <a:gdLst/>
-              <a:ahLst/>
-              <a:cxnLst/>
-              <a:rect l="l" t="t" r="r" b="b"/>
-              <a:pathLst>
-                <a:path w="10473" h="10474" fill="none" extrusionOk="0">
-                  <a:moveTo>
-                    <a:pt x="0" y="10474"/>
-                  </a:moveTo>
-                  <a:lnTo>
-                    <a:pt x="10473" y="1"/>
-                  </a:lnTo>
-                </a:path>
-              </a:pathLst>
-            </a:custGeom>
-            <a:noFill/>
-            <a:ln w="12175" cap="rnd" cmpd="sng">
-              <a:solidFill>
-                <a:schemeClr val="accent1"/>
-              </a:solidFill>
-              <a:prstDash val="solid"/>
-              <a:round/>
-              <a:headEnd type="none" w="sm" len="sm"/>
-              <a:tailEnd type="none" w="sm" len="sm"/>
-            </a:ln>
-          </p:spPr>
-          <p:txBody>
-            <a:bodyPr spcFirstLastPara="1" wrap="square" lIns="91425" tIns="91425" rIns="91425" bIns="91425" anchor="ctr" anchorCtr="0">
-              <a:noAutofit/>
-            </a:bodyPr>
-            <a:lstStyle/>
-            <a:p>
-              <a:pPr marL="0" lvl="0" indent="0" algn="l" rtl="0">
-                <a:spcBef>
-                  <a:spcPts val="0"/>
-                </a:spcBef>
-                <a:spcAft>
-                  <a:spcPts val="0"/>
-                </a:spcAft>
-                <a:buNone/>
-              </a:pPr>
-              <a:endParaRPr/>
-            </a:p>
-          </p:txBody>
-        </p:sp>
-        <p:sp>
-          <p:nvSpPr>
-            <p:cNvPr id="15" name="Google Shape;383;p37">
-              <a:extLst>
-                <a:ext uri="{FF2B5EF4-FFF2-40B4-BE49-F238E27FC236}">
-                  <a16:creationId xmlns:a16="http://schemas.microsoft.com/office/drawing/2014/main" id="{1B2C0EE8-AE4A-ED42-9CE4-A0F3F0186893}"/>
-                </a:ext>
-              </a:extLst>
-            </p:cNvPr>
-            <p:cNvSpPr/>
-            <p:nvPr/>
-          </p:nvSpPr>
-          <p:spPr>
-            <a:xfrm>
-              <a:off x="1934650" y="2014200"/>
-              <a:ext cx="44475" cy="44475"/>
-            </a:xfrm>
-            <a:custGeom>
-              <a:avLst/>
-              <a:gdLst/>
-              <a:ahLst/>
-              <a:cxnLst/>
-              <a:rect l="l" t="t" r="r" b="b"/>
-              <a:pathLst>
-                <a:path w="1779" h="1779" fill="none" extrusionOk="0">
-                  <a:moveTo>
-                    <a:pt x="1778" y="1778"/>
-                  </a:moveTo>
-                  <a:lnTo>
-                    <a:pt x="0" y="0"/>
-                  </a:lnTo>
-                </a:path>
-              </a:pathLst>
-            </a:custGeom>
-            <a:noFill/>
-            <a:ln w="12175" cap="rnd" cmpd="sng">
-              <a:solidFill>
-                <a:schemeClr val="accent1"/>
-              </a:solidFill>
-              <a:prstDash val="solid"/>
-              <a:round/>
-              <a:headEnd type="none" w="sm" len="sm"/>
-              <a:tailEnd type="none" w="sm" len="sm"/>
-            </a:ln>
-          </p:spPr>
-          <p:txBody>
-            <a:bodyPr spcFirstLastPara="1" wrap="square" lIns="91425" tIns="91425" rIns="91425" bIns="91425" anchor="ctr" anchorCtr="0">
-              <a:noAutofit/>
-            </a:bodyPr>
-            <a:lstStyle/>
-            <a:p>
-              <a:pPr marL="0" lvl="0" indent="0" algn="l" rtl="0">
-                <a:spcBef>
-                  <a:spcPts val="0"/>
-                </a:spcBef>
-                <a:spcAft>
-                  <a:spcPts val="0"/>
-                </a:spcAft>
-                <a:buNone/>
-              </a:pPr>
-              <a:endParaRPr/>
-            </a:p>
-          </p:txBody>
-        </p:sp>
-        <p:sp>
-          <p:nvSpPr>
-            <p:cNvPr id="16" name="Google Shape;384;p37">
-              <a:extLst>
-                <a:ext uri="{FF2B5EF4-FFF2-40B4-BE49-F238E27FC236}">
-                  <a16:creationId xmlns:a16="http://schemas.microsoft.com/office/drawing/2014/main" id="{25E0074C-6C1B-1843-BB47-5AD0C85CAE4C}"/>
-                </a:ext>
-              </a:extLst>
-            </p:cNvPr>
-            <p:cNvSpPr/>
-            <p:nvPr/>
-          </p:nvSpPr>
-          <p:spPr>
-            <a:xfrm>
-              <a:off x="1944375" y="1947225"/>
-              <a:ext cx="101725" cy="101700"/>
-            </a:xfrm>
-            <a:custGeom>
-              <a:avLst/>
-              <a:gdLst/>
-              <a:ahLst/>
-              <a:cxnLst/>
-              <a:rect l="l" t="t" r="r" b="b"/>
-              <a:pathLst>
-                <a:path w="4069" h="4068" fill="none" extrusionOk="0">
-                  <a:moveTo>
-                    <a:pt x="1" y="49"/>
-                  </a:moveTo>
-                  <a:lnTo>
-                    <a:pt x="1" y="49"/>
-                  </a:lnTo>
-                  <a:lnTo>
-                    <a:pt x="25" y="0"/>
-                  </a:lnTo>
-                  <a:lnTo>
-                    <a:pt x="25" y="0"/>
-                  </a:lnTo>
-                  <a:lnTo>
-                    <a:pt x="4068" y="4043"/>
-                  </a:lnTo>
-                  <a:lnTo>
-                    <a:pt x="4068" y="4043"/>
-                  </a:lnTo>
-                  <a:lnTo>
-                    <a:pt x="4068" y="4043"/>
-                  </a:lnTo>
-                  <a:lnTo>
-                    <a:pt x="4020" y="4068"/>
-                  </a:lnTo>
-                </a:path>
-              </a:pathLst>
-            </a:custGeom>
-            <a:noFill/>
-            <a:ln w="12175" cap="rnd" cmpd="sng">
-              <a:solidFill>
-                <a:schemeClr val="accent1"/>
-              </a:solidFill>
-              <a:prstDash val="solid"/>
-              <a:round/>
-              <a:headEnd type="none" w="sm" len="sm"/>
-              <a:tailEnd type="none" w="sm" len="sm"/>
-            </a:ln>
-          </p:spPr>
-          <p:txBody>
-            <a:bodyPr spcFirstLastPara="1" wrap="square" lIns="91425" tIns="91425" rIns="91425" bIns="91425" anchor="ctr" anchorCtr="0">
-              <a:noAutofit/>
-            </a:bodyPr>
-            <a:lstStyle/>
-            <a:p>
-              <a:pPr marL="0" lvl="0" indent="0" algn="l" rtl="0">
-                <a:spcBef>
-                  <a:spcPts val="0"/>
-                </a:spcBef>
-                <a:spcAft>
-                  <a:spcPts val="0"/>
-                </a:spcAft>
-                <a:buNone/>
-              </a:pPr>
-              <a:endParaRPr/>
-            </a:p>
-          </p:txBody>
-        </p:sp>
-      </p:grpSp>
-    </p:spTree>
-    <p:extLst>
-      <p:ext uri="{BB962C8B-B14F-4D97-AF65-F5344CB8AC3E}">
-        <p14:creationId xmlns:p14="http://schemas.microsoft.com/office/powerpoint/2010/main" val="734602564"/>
-      </p:ext>
-    </p:extLst>
-  </p:cSld>
-  <p:clrMapOvr>
-    <a:masterClrMapping/>
-  </p:clrMapOvr>
-</p:sld>
-</file>
-
-<file path=ppt/slides/slide4.xml><?xml version="1.0" encoding="utf-8"?>
-<p:sld xmlns:a="http://schemas.openxmlformats.org/drawingml/2006/main" xmlns:r="http://schemas.openxmlformats.org/officeDocument/2006/relationships" xmlns:p="http://schemas.openxmlformats.org/presentationml/2006/main">
-  <p:cSld>
-    <p:spTree>
-      <p:nvGrpSpPr>
-        <p:cNvPr id="1" name="Shape 80"/>
-        <p:cNvGrpSpPr/>
-        <p:nvPr/>
-      </p:nvGrpSpPr>
-      <p:grpSpPr>
-        <a:xfrm>
-          <a:off x="0" y="0"/>
-          <a:ext cx="0" cy="0"/>
-          <a:chOff x="0" y="0"/>
-          <a:chExt cx="0" cy="0"/>
-        </a:xfrm>
-      </p:grpSpPr>
-      <p:sp>
-        <p:nvSpPr>
-          <p:cNvPr id="81" name="Google Shape;81;p16"/>
-          <p:cNvSpPr txBox="1">
-            <a:spLocks noGrp="1"/>
-          </p:cNvSpPr>
-          <p:nvPr>
-            <p:ph type="body" idx="1"/>
-          </p:nvPr>
-        </p:nvSpPr>
-        <p:spPr>
-          <a:xfrm>
-            <a:off x="1659150" y="2161800"/>
-            <a:ext cx="5825700" cy="819900"/>
-          </a:xfrm>
-          <a:prstGeom prst="rect">
-            <a:avLst/>
-          </a:prstGeom>
-        </p:spPr>
-        <p:txBody>
-          <a:bodyPr spcFirstLastPara="1" wrap="square" lIns="91425" tIns="91425" rIns="91425" bIns="91425" anchor="t" anchorCtr="0">
-            <a:noAutofit/>
-          </a:bodyPr>
-          <a:lstStyle/>
-          <a:p>
-            <a:pPr marL="0" lvl="0" indent="0" algn="ctr" rtl="0">
-              <a:spcBef>
-                <a:spcPts val="600"/>
-              </a:spcBef>
-              <a:spcAft>
-                <a:spcPts val="0"/>
-              </a:spcAft>
-              <a:buNone/>
-            </a:pPr>
-            <a:r>
-              <a:rPr lang="en"/>
-              <a:t>Quotations are commonly printed as a means of inspiration and to invoke philosophical thoughts from the reader.</a:t>
-            </a:r>
-            <a:endParaRPr/>
-          </a:p>
-        </p:txBody>
-      </p:sp>
-      <p:sp>
-        <p:nvSpPr>
-          <p:cNvPr id="82" name="Google Shape;82;p16"/>
-          <p:cNvSpPr txBox="1">
-            <a:spLocks noGrp="1"/>
-          </p:cNvSpPr>
-          <p:nvPr>
-            <p:ph type="sldNum" idx="12"/>
-          </p:nvPr>
-        </p:nvSpPr>
-        <p:spPr>
-          <a:xfrm>
-            <a:off x="4297650" y="4419838"/>
-            <a:ext cx="548700" cy="393600"/>
-          </a:xfrm>
-          <a:prstGeom prst="rect">
-            <a:avLst/>
-          </a:prstGeom>
-        </p:spPr>
-        <p:txBody>
-          <a:bodyPr spcFirstLastPara="1" wrap="square" lIns="91425" tIns="91425" rIns="91425" bIns="91425" anchor="b" anchorCtr="0">
-            <a:noAutofit/>
-          </a:bodyPr>
-          <a:lstStyle/>
-          <a:p>
-            <a:pPr marL="0" lvl="0" indent="0" algn="ctr" rtl="0">
-              <a:spcBef>
-                <a:spcPts val="0"/>
-              </a:spcBef>
-              <a:spcAft>
-                <a:spcPts val="0"/>
-              </a:spcAft>
-              <a:buNone/>
-            </a:pPr>
-            <a:fld id="{00000000-1234-1234-1234-123412341234}" type="slidenum">
-              <a:rPr lang="en"/>
-              <a:t>4</a:t>
-            </a:fld>
-            <a:endParaRPr/>
-          </a:p>
-        </p:txBody>
-      </p:sp>
-    </p:spTree>
-    <p:extLst>
-      <p:ext uri="{BB962C8B-B14F-4D97-AF65-F5344CB8AC3E}">
-        <p14:creationId xmlns:p14="http://schemas.microsoft.com/office/powerpoint/2010/main" val="3396184922"/>
-      </p:ext>
-    </p:extLst>
-  </p:cSld>
-  <p:clrMapOvr>
-    <a:masterClrMapping/>
-  </p:clrMapOvr>
-</p:sld>
-</file>
-
-<file path=ppt/slides/slide5.xml><?xml version="1.0" encoding="utf-8"?>
-<p:sld xmlns:a="http://schemas.openxmlformats.org/drawingml/2006/main" xmlns:r="http://schemas.openxmlformats.org/officeDocument/2006/relationships" xmlns:p="http://schemas.openxmlformats.org/presentationml/2006/main">
-  <p:cSld>
-    <p:spTree>
-      <p:nvGrpSpPr>
-        <p:cNvPr id="1" name=""/>
-        <p:cNvGrpSpPr/>
-        <p:nvPr/>
-      </p:nvGrpSpPr>
-      <p:grpSpPr>
-        <a:xfrm>
-          <a:off x="0" y="0"/>
-          <a:ext cx="0" cy="0"/>
-          <a:chOff x="0" y="0"/>
-          <a:chExt cx="0" cy="0"/>
-        </a:xfrm>
-      </p:grpSpPr>
-      <p:sp>
-        <p:nvSpPr>
-          <p:cNvPr id="2" name="Title 1">
-            <a:extLst>
-              <a:ext uri="{FF2B5EF4-FFF2-40B4-BE49-F238E27FC236}">
-                <a16:creationId xmlns:a16="http://schemas.microsoft.com/office/drawing/2014/main" id="{19365887-7EDE-BF42-81E2-5014E71EDE5C}"/>
-              </a:ext>
-            </a:extLst>
-          </p:cNvPr>
-          <p:cNvSpPr>
-            <a:spLocks noGrp="1"/>
-          </p:cNvSpPr>
-          <p:nvPr>
-            <p:ph type="ctrTitle"/>
-          </p:nvPr>
-        </p:nvSpPr>
-        <p:spPr/>
-        <p:txBody>
-          <a:bodyPr/>
-          <a:lstStyle/>
-          <a:p>
-            <a:endParaRPr lang="en-US"/>
-          </a:p>
-        </p:txBody>
-      </p:sp>
-      <p:sp>
-        <p:nvSpPr>
-          <p:cNvPr id="3" name="Subtitle 2">
-            <a:extLst>
-              <a:ext uri="{FF2B5EF4-FFF2-40B4-BE49-F238E27FC236}">
-                <a16:creationId xmlns:a16="http://schemas.microsoft.com/office/drawing/2014/main" id="{4462B44D-FD64-7B45-B51F-433173CCF161}"/>
-              </a:ext>
-            </a:extLst>
-          </p:cNvPr>
-          <p:cNvSpPr>
-            <a:spLocks noGrp="1"/>
-          </p:cNvSpPr>
-          <p:nvPr>
-            <p:ph type="subTitle" idx="1"/>
-          </p:nvPr>
-        </p:nvSpPr>
-        <p:spPr/>
-        <p:txBody>
-          <a:bodyPr/>
-          <a:lstStyle/>
-          <a:p>
-            <a:endParaRPr lang="en-US"/>
-          </a:p>
-        </p:txBody>
-      </p:sp>
-      <p:sp>
-        <p:nvSpPr>
-          <p:cNvPr id="4" name="Slide Number Placeholder 3">
-            <a:extLst>
-              <a:ext uri="{FF2B5EF4-FFF2-40B4-BE49-F238E27FC236}">
-                <a16:creationId xmlns:a16="http://schemas.microsoft.com/office/drawing/2014/main" id="{18B41BA1-CC34-CC4F-8534-0C378614DC61}"/>
-              </a:ext>
-            </a:extLst>
-          </p:cNvPr>
-          <p:cNvSpPr>
-            <a:spLocks noGrp="1"/>
-          </p:cNvSpPr>
-          <p:nvPr>
-            <p:ph type="sldNum" idx="12"/>
-          </p:nvPr>
-        </p:nvSpPr>
-        <p:spPr/>
-        <p:txBody>
-          <a:bodyPr/>
-          <a:lstStyle/>
-          <a:p>
-            <a:pPr marL="0" lvl="0" indent="0" algn="ctr" rtl="0">
-              <a:spcBef>
-                <a:spcPts val="0"/>
-              </a:spcBef>
-              <a:spcAft>
-                <a:spcPts val="0"/>
-              </a:spcAft>
-              <a:buNone/>
-            </a:pPr>
-            <a:fld id="{00000000-1234-1234-1234-123412341234}" type="slidenum">
-              <a:rPr lang="en" smtClean="0"/>
-              <a:t>5</a:t>
-            </a:fld>
-            <a:endParaRPr lang="en"/>
-          </a:p>
-        </p:txBody>
-      </p:sp>
-    </p:spTree>
-    <p:extLst>
-      <p:ext uri="{BB962C8B-B14F-4D97-AF65-F5344CB8AC3E}">
-        <p14:creationId xmlns:p14="http://schemas.microsoft.com/office/powerpoint/2010/main" val="4159804167"/>
-      </p:ext>
-    </p:extLst>
-  </p:cSld>
-  <p:clrMapOvr>
-    <a:masterClrMapping/>
-  </p:clrMapOvr>
-</p:sld>
-</file>
-
-<file path=ppt/slides/slide6.xml><?xml version="1.0" encoding="utf-8"?>
-<p:sld xmlns:a="http://schemas.openxmlformats.org/drawingml/2006/main" xmlns:r="http://schemas.openxmlformats.org/officeDocument/2006/relationships" xmlns:p="http://schemas.openxmlformats.org/presentationml/2006/main">
-  <p:cSld>
-    <p:spTree>
-      <p:nvGrpSpPr>
-        <p:cNvPr id="1" name=""/>
-        <p:cNvGrpSpPr/>
-        <p:nvPr/>
-      </p:nvGrpSpPr>
-      <p:grpSpPr>
-        <a:xfrm>
-          <a:off x="0" y="0"/>
-          <a:ext cx="0" cy="0"/>
-          <a:chOff x="0" y="0"/>
-          <a:chExt cx="0" cy="0"/>
-        </a:xfrm>
-      </p:grpSpPr>
-      <p:pic>
-        <p:nvPicPr>
-          <p:cNvPr id="6" name="Picture 5">
-            <a:extLst>
-              <a:ext uri="{FF2B5EF4-FFF2-40B4-BE49-F238E27FC236}">
-                <a16:creationId xmlns:a16="http://schemas.microsoft.com/office/drawing/2014/main" id="{6A745FB0-6233-4A49-80AE-9C3E66182CAD}"/>
-              </a:ext>
-            </a:extLst>
-          </p:cNvPr>
-          <p:cNvPicPr>
-            <a:picLocks noChangeAspect="1"/>
-          </p:cNvPicPr>
-          <p:nvPr/>
-        </p:nvPicPr>
-        <p:blipFill rotWithShape="1">
-          <a:blip r:embed="rId2"/>
-          <a:srcRect l="8163" t="3338" r="7014" b="9175"/>
-          <a:stretch/>
-        </p:blipFill>
-        <p:spPr>
-          <a:xfrm>
-            <a:off x="6933537" y="381224"/>
-            <a:ext cx="1796995" cy="2398500"/>
-          </a:xfrm>
-          <a:prstGeom prst="rect">
-            <a:avLst/>
-          </a:prstGeom>
-          <a:ln>
-            <a:solidFill>
-              <a:schemeClr val="tx1"/>
-            </a:solidFill>
-          </a:ln>
-          <a:effectLst>
-            <a:outerShdw blurRad="50800" dist="38100" dir="2700000" algn="tl" rotWithShape="0">
-              <a:prstClr val="black">
-                <a:alpha val="40000"/>
-              </a:prstClr>
-            </a:outerShdw>
-          </a:effectLst>
-        </p:spPr>
-      </p:pic>
-      <p:sp>
-        <p:nvSpPr>
-          <p:cNvPr id="2" name="Title 1">
-            <a:extLst>
-              <a:ext uri="{FF2B5EF4-FFF2-40B4-BE49-F238E27FC236}">
-                <a16:creationId xmlns:a16="http://schemas.microsoft.com/office/drawing/2014/main" id="{90B634A8-9F2A-644D-BA1A-47F100949845}"/>
-              </a:ext>
-            </a:extLst>
-          </p:cNvPr>
-          <p:cNvSpPr>
-            <a:spLocks noGrp="1"/>
-          </p:cNvSpPr>
-          <p:nvPr>
-            <p:ph type="ctrTitle"/>
-          </p:nvPr>
-        </p:nvSpPr>
-        <p:spPr/>
-        <p:txBody>
-          <a:bodyPr/>
-          <a:lstStyle/>
-          <a:p>
-            <a:r>
-              <a:rPr lang="en-US" dirty="0"/>
-              <a:t>Home work</a:t>
-            </a:r>
-          </a:p>
-        </p:txBody>
-      </p:sp>
-      <p:sp>
-        <p:nvSpPr>
-          <p:cNvPr id="3" name="Subtitle 2">
-            <a:extLst>
-              <a:ext uri="{FF2B5EF4-FFF2-40B4-BE49-F238E27FC236}">
-                <a16:creationId xmlns:a16="http://schemas.microsoft.com/office/drawing/2014/main" id="{61FDC801-4617-434F-8E0F-C9A072A721AB}"/>
-              </a:ext>
-            </a:extLst>
-          </p:cNvPr>
-          <p:cNvSpPr>
-            <a:spLocks noGrp="1"/>
-          </p:cNvSpPr>
-          <p:nvPr>
-            <p:ph type="subTitle" idx="1"/>
-          </p:nvPr>
-        </p:nvSpPr>
-        <p:spPr/>
-        <p:txBody>
-          <a:bodyPr/>
-          <a:lstStyle/>
-          <a:p>
-            <a:r>
-              <a:rPr lang="en-US" dirty="0"/>
-              <a:t>Draw 6 test scenarios</a:t>
-            </a:r>
-          </a:p>
-        </p:txBody>
-      </p:sp>
-      <p:sp>
-        <p:nvSpPr>
-          <p:cNvPr id="4" name="Slide Number Placeholder 3">
-            <a:extLst>
-              <a:ext uri="{FF2B5EF4-FFF2-40B4-BE49-F238E27FC236}">
-                <a16:creationId xmlns:a16="http://schemas.microsoft.com/office/drawing/2014/main" id="{72003388-39EB-0447-8ECF-6CFF2E10ECFA}"/>
-              </a:ext>
-            </a:extLst>
-          </p:cNvPr>
-          <p:cNvSpPr>
-            <a:spLocks noGrp="1"/>
-          </p:cNvSpPr>
-          <p:nvPr>
-            <p:ph type="sldNum" idx="12"/>
-          </p:nvPr>
-        </p:nvSpPr>
-        <p:spPr/>
-        <p:txBody>
-          <a:bodyPr/>
-          <a:lstStyle/>
-          <a:p>
-            <a:pPr marL="0" lvl="0" indent="0" algn="ctr" rtl="0">
-              <a:spcBef>
-                <a:spcPts val="0"/>
-              </a:spcBef>
-              <a:spcAft>
-                <a:spcPts val="0"/>
-              </a:spcAft>
-              <a:buNone/>
-            </a:pPr>
-            <a:fld id="{00000000-1234-1234-1234-123412341234}" type="slidenum">
-              <a:rPr lang="en" smtClean="0"/>
-              <a:t>6</a:t>
-            </a:fld>
-            <a:endParaRPr lang="en"/>
-          </a:p>
-        </p:txBody>
-      </p:sp>
-    </p:spTree>
-    <p:extLst>
-      <p:ext uri="{BB962C8B-B14F-4D97-AF65-F5344CB8AC3E}">
-        <p14:creationId xmlns:p14="http://schemas.microsoft.com/office/powerpoint/2010/main" val="1158048026"/>
-      </p:ext>
-    </p:extLst>
-  </p:cSld>
-  <p:clrMapOvr>
-    <a:masterClrMapping/>
-  </p:clrMapOvr>
-</p:sld>
-</file>
-
-<file path=ppt/slides/slide7.xml><?xml version="1.0" encoding="utf-8"?>
+<file path=ppt/slides/slide10.xml><?xml version="1.0" encoding="utf-8"?>
 <p:sld xmlns:a="http://schemas.openxmlformats.org/drawingml/2006/main" xmlns:r="http://schemas.openxmlformats.org/officeDocument/2006/relationships" xmlns:p="http://schemas.openxmlformats.org/presentationml/2006/main">
   <p:cSld>
     <p:spTree>
@@ -7647,7 +5351,7 @@
             </a:pPr>
             <a:fld id="{00000000-1234-1234-1234-123412341234}" type="slidenum">
               <a:rPr lang="en"/>
-              <a:t>7</a:t>
+              <a:t>10</a:t>
             </a:fld>
             <a:endParaRPr/>
           </a:p>
@@ -8422,6 +6126,6404 @@
         </p:txBody>
       </p:sp>
     </p:spTree>
+  </p:cSld>
+  <p:clrMapOvr>
+    <a:masterClrMapping/>
+  </p:clrMapOvr>
+</p:sld>
+</file>
+
+<file path=ppt/slides/slide2.xml><?xml version="1.0" encoding="utf-8"?>
+<p:sld xmlns:a="http://schemas.openxmlformats.org/drawingml/2006/main" xmlns:r="http://schemas.openxmlformats.org/officeDocument/2006/relationships" xmlns:p="http://schemas.openxmlformats.org/presentationml/2006/main">
+  <p:cSld>
+    <p:spTree>
+      <p:nvGrpSpPr>
+        <p:cNvPr id="1" name="Shape 93"/>
+        <p:cNvGrpSpPr/>
+        <p:nvPr/>
+      </p:nvGrpSpPr>
+      <p:grpSpPr>
+        <a:xfrm>
+          <a:off x="0" y="0"/>
+          <a:ext cx="0" cy="0"/>
+          <a:chOff x="0" y="0"/>
+          <a:chExt cx="0" cy="0"/>
+        </a:xfrm>
+      </p:grpSpPr>
+      <p:sp>
+        <p:nvSpPr>
+          <p:cNvPr id="94" name="Google Shape;94;p18"/>
+          <p:cNvSpPr txBox="1">
+            <a:spLocks noGrp="1"/>
+          </p:cNvSpPr>
+          <p:nvPr>
+            <p:ph type="ctrTitle" idx="4294967295"/>
+          </p:nvPr>
+        </p:nvSpPr>
+        <p:spPr>
+          <a:xfrm>
+            <a:off x="985962" y="2199075"/>
+            <a:ext cx="7172076" cy="1159800"/>
+          </a:xfrm>
+          <a:prstGeom prst="rect">
+            <a:avLst/>
+          </a:prstGeom>
+        </p:spPr>
+        <p:txBody>
+          <a:bodyPr spcFirstLastPara="1" wrap="square" lIns="91425" tIns="91425" rIns="91425" bIns="91425" anchor="ctr" anchorCtr="0">
+            <a:noAutofit/>
+          </a:bodyPr>
+          <a:lstStyle/>
+          <a:p>
+            <a:pPr marL="0" lvl="0" indent="0" algn="ctr" rtl="0">
+              <a:spcBef>
+                <a:spcPts val="0"/>
+              </a:spcBef>
+              <a:spcAft>
+                <a:spcPts val="0"/>
+              </a:spcAft>
+              <a:buNone/>
+            </a:pPr>
+            <a:r>
+              <a:rPr lang="en" sz="6000" i="1" dirty="0">
+                <a:solidFill>
+                  <a:srgbClr val="FFFFFF"/>
+                </a:solidFill>
+              </a:rPr>
+              <a:t>AnyDesk</a:t>
+            </a:r>
+            <a:endParaRPr sz="6000" i="1" dirty="0">
+              <a:solidFill>
+                <a:srgbClr val="FFFFFF"/>
+              </a:solidFill>
+            </a:endParaRPr>
+          </a:p>
+        </p:txBody>
+      </p:sp>
+      <p:sp>
+        <p:nvSpPr>
+          <p:cNvPr id="96" name="Google Shape;96;p18"/>
+          <p:cNvSpPr/>
+          <p:nvPr/>
+        </p:nvSpPr>
+        <p:spPr>
+          <a:xfrm>
+            <a:off x="3935896" y="922408"/>
+            <a:ext cx="1272208" cy="1273222"/>
+          </a:xfrm>
+          <a:prstGeom prst="ellipse">
+            <a:avLst/>
+          </a:prstGeom>
+          <a:solidFill>
+            <a:srgbClr val="FFFFFF"/>
+          </a:solidFill>
+          <a:ln>
+            <a:noFill/>
+          </a:ln>
+        </p:spPr>
+        <p:txBody>
+          <a:bodyPr spcFirstLastPara="1" wrap="square" lIns="91425" tIns="91425" rIns="91425" bIns="91425" anchor="ctr" anchorCtr="0">
+            <a:noAutofit/>
+          </a:bodyPr>
+          <a:lstStyle/>
+          <a:p>
+            <a:pPr marL="0" lvl="0" indent="0" algn="l" rtl="0">
+              <a:spcBef>
+                <a:spcPts val="0"/>
+              </a:spcBef>
+              <a:spcAft>
+                <a:spcPts val="0"/>
+              </a:spcAft>
+              <a:buNone/>
+            </a:pPr>
+            <a:endParaRPr dirty="0"/>
+          </a:p>
+        </p:txBody>
+      </p:sp>
+      <p:grpSp>
+        <p:nvGrpSpPr>
+          <p:cNvPr id="9" name="Google Shape;465;p37">
+            <a:extLst>
+              <a:ext uri="{FF2B5EF4-FFF2-40B4-BE49-F238E27FC236}">
+                <a16:creationId xmlns:a16="http://schemas.microsoft.com/office/drawing/2014/main" id="{2E127B99-7DA5-E547-82F6-9AF8D84B0080}"/>
+              </a:ext>
+            </a:extLst>
+          </p:cNvPr>
+          <p:cNvGrpSpPr/>
+          <p:nvPr/>
+        </p:nvGrpSpPr>
+        <p:grpSpPr>
+          <a:xfrm>
+            <a:off x="4214190" y="1220088"/>
+            <a:ext cx="715620" cy="677862"/>
+            <a:chOff x="2583100" y="2973775"/>
+            <a:chExt cx="461550" cy="437200"/>
+          </a:xfrm>
+        </p:grpSpPr>
+        <p:sp>
+          <p:nvSpPr>
+            <p:cNvPr id="10" name="Google Shape;466;p37">
+              <a:extLst>
+                <a:ext uri="{FF2B5EF4-FFF2-40B4-BE49-F238E27FC236}">
+                  <a16:creationId xmlns:a16="http://schemas.microsoft.com/office/drawing/2014/main" id="{C9B1C61B-C08A-7447-89C8-E97B6F036D0F}"/>
+                </a:ext>
+              </a:extLst>
+            </p:cNvPr>
+            <p:cNvSpPr/>
+            <p:nvPr/>
+          </p:nvSpPr>
+          <p:spPr>
+            <a:xfrm>
+              <a:off x="2701225" y="3315975"/>
+              <a:ext cx="225300" cy="95000"/>
+            </a:xfrm>
+            <a:custGeom>
+              <a:avLst/>
+              <a:gdLst/>
+              <a:ahLst/>
+              <a:cxnLst/>
+              <a:rect l="l" t="t" r="r" b="b"/>
+              <a:pathLst>
+                <a:path w="9012" h="3800" fill="none" extrusionOk="0">
+                  <a:moveTo>
+                    <a:pt x="2947" y="0"/>
+                  </a:moveTo>
+                  <a:lnTo>
+                    <a:pt x="2947" y="2947"/>
+                  </a:lnTo>
+                  <a:lnTo>
+                    <a:pt x="853" y="2947"/>
+                  </a:lnTo>
+                  <a:lnTo>
+                    <a:pt x="853" y="2947"/>
+                  </a:lnTo>
+                  <a:lnTo>
+                    <a:pt x="682" y="2947"/>
+                  </a:lnTo>
+                  <a:lnTo>
+                    <a:pt x="512" y="2996"/>
+                  </a:lnTo>
+                  <a:lnTo>
+                    <a:pt x="365" y="3093"/>
+                  </a:lnTo>
+                  <a:lnTo>
+                    <a:pt x="244" y="3191"/>
+                  </a:lnTo>
+                  <a:lnTo>
+                    <a:pt x="146" y="3313"/>
+                  </a:lnTo>
+                  <a:lnTo>
+                    <a:pt x="49" y="3459"/>
+                  </a:lnTo>
+                  <a:lnTo>
+                    <a:pt x="0" y="3629"/>
+                  </a:lnTo>
+                  <a:lnTo>
+                    <a:pt x="0" y="3800"/>
+                  </a:lnTo>
+                  <a:lnTo>
+                    <a:pt x="9011" y="3800"/>
+                  </a:lnTo>
+                  <a:lnTo>
+                    <a:pt x="9011" y="3800"/>
+                  </a:lnTo>
+                  <a:lnTo>
+                    <a:pt x="9011" y="3629"/>
+                  </a:lnTo>
+                  <a:lnTo>
+                    <a:pt x="8963" y="3459"/>
+                  </a:lnTo>
+                  <a:lnTo>
+                    <a:pt x="8865" y="3313"/>
+                  </a:lnTo>
+                  <a:lnTo>
+                    <a:pt x="8768" y="3191"/>
+                  </a:lnTo>
+                  <a:lnTo>
+                    <a:pt x="8646" y="3093"/>
+                  </a:lnTo>
+                  <a:lnTo>
+                    <a:pt x="8500" y="2996"/>
+                  </a:lnTo>
+                  <a:lnTo>
+                    <a:pt x="8330" y="2947"/>
+                  </a:lnTo>
+                  <a:lnTo>
+                    <a:pt x="8159" y="2947"/>
+                  </a:lnTo>
+                  <a:lnTo>
+                    <a:pt x="6065" y="2947"/>
+                  </a:lnTo>
+                  <a:lnTo>
+                    <a:pt x="6065" y="0"/>
+                  </a:lnTo>
+                </a:path>
+              </a:pathLst>
+            </a:custGeom>
+            <a:noFill/>
+            <a:ln w="12175" cap="rnd" cmpd="sng">
+              <a:solidFill>
+                <a:schemeClr val="accent1"/>
+              </a:solidFill>
+              <a:prstDash val="solid"/>
+              <a:round/>
+              <a:headEnd type="none" w="sm" len="sm"/>
+              <a:tailEnd type="none" w="sm" len="sm"/>
+            </a:ln>
+          </p:spPr>
+          <p:txBody>
+            <a:bodyPr spcFirstLastPara="1" wrap="square" lIns="91425" tIns="91425" rIns="91425" bIns="91425" anchor="ctr" anchorCtr="0">
+              <a:noAutofit/>
+            </a:bodyPr>
+            <a:lstStyle/>
+            <a:p>
+              <a:pPr marL="0" lvl="0" indent="0" algn="l" rtl="0">
+                <a:spcBef>
+                  <a:spcPts val="0"/>
+                </a:spcBef>
+                <a:spcAft>
+                  <a:spcPts val="0"/>
+                </a:spcAft>
+                <a:buNone/>
+              </a:pPr>
+              <a:endParaRPr/>
+            </a:p>
+          </p:txBody>
+        </p:sp>
+        <p:sp>
+          <p:nvSpPr>
+            <p:cNvPr id="11" name="Google Shape;467;p37">
+              <a:extLst>
+                <a:ext uri="{FF2B5EF4-FFF2-40B4-BE49-F238E27FC236}">
+                  <a16:creationId xmlns:a16="http://schemas.microsoft.com/office/drawing/2014/main" id="{BE51549D-1888-2E4B-995F-1ECDAB7C7399}"/>
+                </a:ext>
+              </a:extLst>
+            </p:cNvPr>
+            <p:cNvSpPr/>
+            <p:nvPr/>
+          </p:nvSpPr>
+          <p:spPr>
+            <a:xfrm>
+              <a:off x="2583100" y="2973775"/>
+              <a:ext cx="461550" cy="336125"/>
+            </a:xfrm>
+            <a:custGeom>
+              <a:avLst/>
+              <a:gdLst/>
+              <a:ahLst/>
+              <a:cxnLst/>
+              <a:rect l="l" t="t" r="r" b="b"/>
+              <a:pathLst>
+                <a:path w="18462" h="13445" fill="none" extrusionOk="0">
+                  <a:moveTo>
+                    <a:pt x="17974" y="1"/>
+                  </a:moveTo>
+                  <a:lnTo>
+                    <a:pt x="487" y="1"/>
+                  </a:lnTo>
+                  <a:lnTo>
+                    <a:pt x="487" y="1"/>
+                  </a:lnTo>
+                  <a:lnTo>
+                    <a:pt x="390" y="1"/>
+                  </a:lnTo>
+                  <a:lnTo>
+                    <a:pt x="317" y="50"/>
+                  </a:lnTo>
+                  <a:lnTo>
+                    <a:pt x="220" y="74"/>
+                  </a:lnTo>
+                  <a:lnTo>
+                    <a:pt x="146" y="147"/>
+                  </a:lnTo>
+                  <a:lnTo>
+                    <a:pt x="98" y="220"/>
+                  </a:lnTo>
+                  <a:lnTo>
+                    <a:pt x="49" y="293"/>
+                  </a:lnTo>
+                  <a:lnTo>
+                    <a:pt x="25" y="390"/>
+                  </a:lnTo>
+                  <a:lnTo>
+                    <a:pt x="0" y="488"/>
+                  </a:lnTo>
+                  <a:lnTo>
+                    <a:pt x="0" y="12958"/>
+                  </a:lnTo>
+                  <a:lnTo>
+                    <a:pt x="0" y="12958"/>
+                  </a:lnTo>
+                  <a:lnTo>
+                    <a:pt x="25" y="13055"/>
+                  </a:lnTo>
+                  <a:lnTo>
+                    <a:pt x="49" y="13152"/>
+                  </a:lnTo>
+                  <a:lnTo>
+                    <a:pt x="98" y="13226"/>
+                  </a:lnTo>
+                  <a:lnTo>
+                    <a:pt x="146" y="13299"/>
+                  </a:lnTo>
+                  <a:lnTo>
+                    <a:pt x="220" y="13372"/>
+                  </a:lnTo>
+                  <a:lnTo>
+                    <a:pt x="317" y="13396"/>
+                  </a:lnTo>
+                  <a:lnTo>
+                    <a:pt x="390" y="13445"/>
+                  </a:lnTo>
+                  <a:lnTo>
+                    <a:pt x="487" y="13445"/>
+                  </a:lnTo>
+                  <a:lnTo>
+                    <a:pt x="17974" y="13445"/>
+                  </a:lnTo>
+                  <a:lnTo>
+                    <a:pt x="17974" y="13445"/>
+                  </a:lnTo>
+                  <a:lnTo>
+                    <a:pt x="18072" y="13445"/>
+                  </a:lnTo>
+                  <a:lnTo>
+                    <a:pt x="18145" y="13396"/>
+                  </a:lnTo>
+                  <a:lnTo>
+                    <a:pt x="18242" y="13372"/>
+                  </a:lnTo>
+                  <a:lnTo>
+                    <a:pt x="18315" y="13299"/>
+                  </a:lnTo>
+                  <a:lnTo>
+                    <a:pt x="18364" y="13226"/>
+                  </a:lnTo>
+                  <a:lnTo>
+                    <a:pt x="18413" y="13152"/>
+                  </a:lnTo>
+                  <a:lnTo>
+                    <a:pt x="18437" y="13055"/>
+                  </a:lnTo>
+                  <a:lnTo>
+                    <a:pt x="18461" y="12958"/>
+                  </a:lnTo>
+                  <a:lnTo>
+                    <a:pt x="18461" y="488"/>
+                  </a:lnTo>
+                  <a:lnTo>
+                    <a:pt x="18461" y="488"/>
+                  </a:lnTo>
+                  <a:lnTo>
+                    <a:pt x="18437" y="390"/>
+                  </a:lnTo>
+                  <a:lnTo>
+                    <a:pt x="18413" y="293"/>
+                  </a:lnTo>
+                  <a:lnTo>
+                    <a:pt x="18364" y="220"/>
+                  </a:lnTo>
+                  <a:lnTo>
+                    <a:pt x="18315" y="147"/>
+                  </a:lnTo>
+                  <a:lnTo>
+                    <a:pt x="18242" y="74"/>
+                  </a:lnTo>
+                  <a:lnTo>
+                    <a:pt x="18145" y="50"/>
+                  </a:lnTo>
+                  <a:lnTo>
+                    <a:pt x="18072" y="1"/>
+                  </a:lnTo>
+                  <a:lnTo>
+                    <a:pt x="17974" y="1"/>
+                  </a:lnTo>
+                  <a:lnTo>
+                    <a:pt x="17974" y="1"/>
+                  </a:lnTo>
+                  <a:close/>
+                  <a:moveTo>
+                    <a:pt x="17000" y="11983"/>
+                  </a:moveTo>
+                  <a:lnTo>
+                    <a:pt x="1462" y="11983"/>
+                  </a:lnTo>
+                  <a:lnTo>
+                    <a:pt x="1462" y="1462"/>
+                  </a:lnTo>
+                  <a:lnTo>
+                    <a:pt x="17000" y="1462"/>
+                  </a:lnTo>
+                  <a:lnTo>
+                    <a:pt x="17000" y="11983"/>
+                  </a:lnTo>
+                  <a:close/>
+                </a:path>
+              </a:pathLst>
+            </a:custGeom>
+            <a:noFill/>
+            <a:ln w="12175" cap="rnd" cmpd="sng">
+              <a:solidFill>
+                <a:schemeClr val="accent1"/>
+              </a:solidFill>
+              <a:prstDash val="solid"/>
+              <a:round/>
+              <a:headEnd type="none" w="sm" len="sm"/>
+              <a:tailEnd type="none" w="sm" len="sm"/>
+            </a:ln>
+          </p:spPr>
+          <p:txBody>
+            <a:bodyPr spcFirstLastPara="1" wrap="square" lIns="91425" tIns="91425" rIns="91425" bIns="91425" anchor="ctr" anchorCtr="0">
+              <a:noAutofit/>
+            </a:bodyPr>
+            <a:lstStyle/>
+            <a:p>
+              <a:pPr marL="0" lvl="0" indent="0" algn="l" rtl="0">
+                <a:spcBef>
+                  <a:spcPts val="0"/>
+                </a:spcBef>
+                <a:spcAft>
+                  <a:spcPts val="0"/>
+                </a:spcAft>
+                <a:buNone/>
+              </a:pPr>
+              <a:endParaRPr/>
+            </a:p>
+          </p:txBody>
+        </p:sp>
+      </p:grpSp>
+    </p:spTree>
+    <p:extLst>
+      <p:ext uri="{BB962C8B-B14F-4D97-AF65-F5344CB8AC3E}">
+        <p14:creationId xmlns:p14="http://schemas.microsoft.com/office/powerpoint/2010/main" val="3728994075"/>
+      </p:ext>
+    </p:extLst>
+  </p:cSld>
+  <p:clrMapOvr>
+    <a:masterClrMapping/>
+  </p:clrMapOvr>
+</p:sld>
+</file>
+
+<file path=ppt/slides/slide3.xml><?xml version="1.0" encoding="utf-8"?>
+<p:sld xmlns:a="http://schemas.openxmlformats.org/drawingml/2006/main" xmlns:r="http://schemas.openxmlformats.org/officeDocument/2006/relationships" xmlns:p="http://schemas.openxmlformats.org/presentationml/2006/main">
+  <p:cSld>
+    <p:spTree>
+      <p:nvGrpSpPr>
+        <p:cNvPr id="1" name="Shape 93"/>
+        <p:cNvGrpSpPr/>
+        <p:nvPr/>
+      </p:nvGrpSpPr>
+      <p:grpSpPr>
+        <a:xfrm>
+          <a:off x="0" y="0"/>
+          <a:ext cx="0" cy="0"/>
+          <a:chOff x="0" y="0"/>
+          <a:chExt cx="0" cy="0"/>
+        </a:xfrm>
+      </p:grpSpPr>
+      <p:sp>
+        <p:nvSpPr>
+          <p:cNvPr id="94" name="Google Shape;94;p18"/>
+          <p:cNvSpPr txBox="1">
+            <a:spLocks noGrp="1"/>
+          </p:cNvSpPr>
+          <p:nvPr>
+            <p:ph type="ctrTitle" idx="4294967295"/>
+          </p:nvPr>
+        </p:nvSpPr>
+        <p:spPr>
+          <a:xfrm>
+            <a:off x="1620900" y="2199075"/>
+            <a:ext cx="5902200" cy="1159800"/>
+          </a:xfrm>
+          <a:prstGeom prst="rect">
+            <a:avLst/>
+          </a:prstGeom>
+        </p:spPr>
+        <p:txBody>
+          <a:bodyPr spcFirstLastPara="1" wrap="square" lIns="91425" tIns="91425" rIns="91425" bIns="91425" anchor="ctr" anchorCtr="0">
+            <a:noAutofit/>
+          </a:bodyPr>
+          <a:lstStyle/>
+          <a:p>
+            <a:pPr marL="0" lvl="0" indent="0" algn="ctr" rtl="0">
+              <a:spcBef>
+                <a:spcPts val="0"/>
+              </a:spcBef>
+              <a:spcAft>
+                <a:spcPts val="0"/>
+              </a:spcAft>
+              <a:buNone/>
+            </a:pPr>
+            <a:r>
+              <a:rPr lang="en" sz="6000" i="1" dirty="0">
+                <a:solidFill>
+                  <a:srgbClr val="FFFFFF"/>
+                </a:solidFill>
+              </a:rPr>
+              <a:t>Zoom</a:t>
+            </a:r>
+            <a:endParaRPr sz="6000" i="1" dirty="0">
+              <a:solidFill>
+                <a:srgbClr val="FFFFFF"/>
+              </a:solidFill>
+            </a:endParaRPr>
+          </a:p>
+        </p:txBody>
+      </p:sp>
+      <p:sp>
+        <p:nvSpPr>
+          <p:cNvPr id="95" name="Google Shape;95;p18"/>
+          <p:cNvSpPr txBox="1">
+            <a:spLocks noGrp="1"/>
+          </p:cNvSpPr>
+          <p:nvPr>
+            <p:ph type="subTitle" idx="4294967295"/>
+          </p:nvPr>
+        </p:nvSpPr>
+        <p:spPr>
+          <a:xfrm>
+            <a:off x="1620900" y="3284339"/>
+            <a:ext cx="5902200" cy="1279709"/>
+          </a:xfrm>
+          <a:prstGeom prst="rect">
+            <a:avLst/>
+          </a:prstGeom>
+        </p:spPr>
+        <p:txBody>
+          <a:bodyPr spcFirstLastPara="1" wrap="square" lIns="91425" tIns="91425" rIns="91425" bIns="91425" anchor="t" anchorCtr="0">
+            <a:noAutofit/>
+          </a:bodyPr>
+          <a:lstStyle/>
+          <a:p>
+            <a:pPr marL="0" lvl="0" indent="0" algn="ctr">
+              <a:buNone/>
+            </a:pPr>
+            <a:r>
+              <a:rPr lang="en-US" dirty="0">
+                <a:solidFill>
+                  <a:srgbClr val="FFFFFF"/>
+                </a:solidFill>
+              </a:rPr>
+              <a:t>Camera On = I am present</a:t>
+            </a:r>
+          </a:p>
+          <a:p>
+            <a:pPr marL="0" lvl="0" indent="0" algn="ctr">
+              <a:buNone/>
+            </a:pPr>
+            <a:r>
+              <a:rPr lang="en-US" dirty="0">
+                <a:solidFill>
+                  <a:srgbClr val="FFFFFF"/>
+                </a:solidFill>
+              </a:rPr>
+              <a:t>Camera Off = I’ve stepped out of the room</a:t>
+            </a:r>
+            <a:endParaRPr dirty="0">
+              <a:solidFill>
+                <a:srgbClr val="FFFFFF"/>
+              </a:solidFill>
+            </a:endParaRPr>
+          </a:p>
+        </p:txBody>
+      </p:sp>
+      <p:sp>
+        <p:nvSpPr>
+          <p:cNvPr id="96" name="Google Shape;96;p18"/>
+          <p:cNvSpPr/>
+          <p:nvPr/>
+        </p:nvSpPr>
+        <p:spPr>
+          <a:xfrm>
+            <a:off x="3935896" y="922408"/>
+            <a:ext cx="1272208" cy="1273222"/>
+          </a:xfrm>
+          <a:prstGeom prst="ellipse">
+            <a:avLst/>
+          </a:prstGeom>
+          <a:solidFill>
+            <a:srgbClr val="FFFFFF"/>
+          </a:solidFill>
+          <a:ln>
+            <a:noFill/>
+          </a:ln>
+        </p:spPr>
+        <p:txBody>
+          <a:bodyPr spcFirstLastPara="1" wrap="square" lIns="91425" tIns="91425" rIns="91425" bIns="91425" anchor="ctr" anchorCtr="0">
+            <a:noAutofit/>
+          </a:bodyPr>
+          <a:lstStyle/>
+          <a:p>
+            <a:pPr marL="0" lvl="0" indent="0" algn="l" rtl="0">
+              <a:spcBef>
+                <a:spcPts val="0"/>
+              </a:spcBef>
+              <a:spcAft>
+                <a:spcPts val="0"/>
+              </a:spcAft>
+              <a:buNone/>
+            </a:pPr>
+            <a:endParaRPr dirty="0"/>
+          </a:p>
+        </p:txBody>
+      </p:sp>
+      <p:grpSp>
+        <p:nvGrpSpPr>
+          <p:cNvPr id="6" name="Google Shape;323;p37">
+            <a:extLst>
+              <a:ext uri="{FF2B5EF4-FFF2-40B4-BE49-F238E27FC236}">
+                <a16:creationId xmlns:a16="http://schemas.microsoft.com/office/drawing/2014/main" id="{AB52346E-6C89-A347-8385-9AB802D1AFBD}"/>
+              </a:ext>
+            </a:extLst>
+          </p:cNvPr>
+          <p:cNvGrpSpPr/>
+          <p:nvPr/>
+        </p:nvGrpSpPr>
+        <p:grpSpPr>
+          <a:xfrm>
+            <a:off x="4225813" y="1264255"/>
+            <a:ext cx="692374" cy="576326"/>
+            <a:chOff x="1247825" y="322750"/>
+            <a:chExt cx="443300" cy="369000"/>
+          </a:xfrm>
+        </p:grpSpPr>
+        <p:sp>
+          <p:nvSpPr>
+            <p:cNvPr id="7" name="Google Shape;324;p37">
+              <a:extLst>
+                <a:ext uri="{FF2B5EF4-FFF2-40B4-BE49-F238E27FC236}">
+                  <a16:creationId xmlns:a16="http://schemas.microsoft.com/office/drawing/2014/main" id="{6CC951C5-67AB-1941-9ABA-047D03699FB8}"/>
+                </a:ext>
+              </a:extLst>
+            </p:cNvPr>
+            <p:cNvSpPr/>
+            <p:nvPr/>
+          </p:nvSpPr>
+          <p:spPr>
+            <a:xfrm>
+              <a:off x="1247825" y="322750"/>
+              <a:ext cx="443300" cy="369000"/>
+            </a:xfrm>
+            <a:custGeom>
+              <a:avLst/>
+              <a:gdLst/>
+              <a:ahLst/>
+              <a:cxnLst/>
+              <a:rect l="l" t="t" r="r" b="b"/>
+              <a:pathLst>
+                <a:path w="17732" h="14760" fill="none" extrusionOk="0">
+                  <a:moveTo>
+                    <a:pt x="16952" y="2558"/>
+                  </a:moveTo>
+                  <a:lnTo>
+                    <a:pt x="13664" y="2558"/>
+                  </a:lnTo>
+                  <a:lnTo>
+                    <a:pt x="13226" y="755"/>
+                  </a:lnTo>
+                  <a:lnTo>
+                    <a:pt x="13226" y="755"/>
+                  </a:lnTo>
+                  <a:lnTo>
+                    <a:pt x="13177" y="609"/>
+                  </a:lnTo>
+                  <a:lnTo>
+                    <a:pt x="13104" y="463"/>
+                  </a:lnTo>
+                  <a:lnTo>
+                    <a:pt x="13006" y="317"/>
+                  </a:lnTo>
+                  <a:lnTo>
+                    <a:pt x="12885" y="220"/>
+                  </a:lnTo>
+                  <a:lnTo>
+                    <a:pt x="12739" y="122"/>
+                  </a:lnTo>
+                  <a:lnTo>
+                    <a:pt x="12592" y="49"/>
+                  </a:lnTo>
+                  <a:lnTo>
+                    <a:pt x="12446" y="0"/>
+                  </a:lnTo>
+                  <a:lnTo>
+                    <a:pt x="12276" y="0"/>
+                  </a:lnTo>
+                  <a:lnTo>
+                    <a:pt x="5456" y="0"/>
+                  </a:lnTo>
+                  <a:lnTo>
+                    <a:pt x="5456" y="0"/>
+                  </a:lnTo>
+                  <a:lnTo>
+                    <a:pt x="5286" y="0"/>
+                  </a:lnTo>
+                  <a:lnTo>
+                    <a:pt x="5140" y="49"/>
+                  </a:lnTo>
+                  <a:lnTo>
+                    <a:pt x="4994" y="122"/>
+                  </a:lnTo>
+                  <a:lnTo>
+                    <a:pt x="4848" y="220"/>
+                  </a:lnTo>
+                  <a:lnTo>
+                    <a:pt x="4726" y="317"/>
+                  </a:lnTo>
+                  <a:lnTo>
+                    <a:pt x="4628" y="463"/>
+                  </a:lnTo>
+                  <a:lnTo>
+                    <a:pt x="4555" y="609"/>
+                  </a:lnTo>
+                  <a:lnTo>
+                    <a:pt x="4507" y="755"/>
+                  </a:lnTo>
+                  <a:lnTo>
+                    <a:pt x="4068" y="2558"/>
+                  </a:lnTo>
+                  <a:lnTo>
+                    <a:pt x="3240" y="2558"/>
+                  </a:lnTo>
+                  <a:lnTo>
+                    <a:pt x="3240" y="2558"/>
+                  </a:lnTo>
+                  <a:lnTo>
+                    <a:pt x="3240" y="2558"/>
+                  </a:lnTo>
+                  <a:lnTo>
+                    <a:pt x="3240" y="2460"/>
+                  </a:lnTo>
+                  <a:lnTo>
+                    <a:pt x="3216" y="2363"/>
+                  </a:lnTo>
+                  <a:lnTo>
+                    <a:pt x="3167" y="2290"/>
+                  </a:lnTo>
+                  <a:lnTo>
+                    <a:pt x="3094" y="2217"/>
+                  </a:lnTo>
+                  <a:lnTo>
+                    <a:pt x="3045" y="2144"/>
+                  </a:lnTo>
+                  <a:lnTo>
+                    <a:pt x="2948" y="2119"/>
+                  </a:lnTo>
+                  <a:lnTo>
+                    <a:pt x="2850" y="2071"/>
+                  </a:lnTo>
+                  <a:lnTo>
+                    <a:pt x="2753" y="2071"/>
+                  </a:lnTo>
+                  <a:lnTo>
+                    <a:pt x="2047" y="2071"/>
+                  </a:lnTo>
+                  <a:lnTo>
+                    <a:pt x="2047" y="2071"/>
+                  </a:lnTo>
+                  <a:lnTo>
+                    <a:pt x="1949" y="2071"/>
+                  </a:lnTo>
+                  <a:lnTo>
+                    <a:pt x="1852" y="2119"/>
+                  </a:lnTo>
+                  <a:lnTo>
+                    <a:pt x="1779" y="2144"/>
+                  </a:lnTo>
+                  <a:lnTo>
+                    <a:pt x="1706" y="2217"/>
+                  </a:lnTo>
+                  <a:lnTo>
+                    <a:pt x="1633" y="2290"/>
+                  </a:lnTo>
+                  <a:lnTo>
+                    <a:pt x="1608" y="2363"/>
+                  </a:lnTo>
+                  <a:lnTo>
+                    <a:pt x="1560" y="2460"/>
+                  </a:lnTo>
+                  <a:lnTo>
+                    <a:pt x="1560" y="2558"/>
+                  </a:lnTo>
+                  <a:lnTo>
+                    <a:pt x="1560" y="2558"/>
+                  </a:lnTo>
+                  <a:lnTo>
+                    <a:pt x="780" y="2558"/>
+                  </a:lnTo>
+                  <a:lnTo>
+                    <a:pt x="780" y="2558"/>
+                  </a:lnTo>
+                  <a:lnTo>
+                    <a:pt x="634" y="2582"/>
+                  </a:lnTo>
+                  <a:lnTo>
+                    <a:pt x="488" y="2631"/>
+                  </a:lnTo>
+                  <a:lnTo>
+                    <a:pt x="342" y="2679"/>
+                  </a:lnTo>
+                  <a:lnTo>
+                    <a:pt x="220" y="2777"/>
+                  </a:lnTo>
+                  <a:lnTo>
+                    <a:pt x="123" y="2899"/>
+                  </a:lnTo>
+                  <a:lnTo>
+                    <a:pt x="74" y="3045"/>
+                  </a:lnTo>
+                  <a:lnTo>
+                    <a:pt x="25" y="3191"/>
+                  </a:lnTo>
+                  <a:lnTo>
+                    <a:pt x="1" y="3337"/>
+                  </a:lnTo>
+                  <a:lnTo>
+                    <a:pt x="1" y="13980"/>
+                  </a:lnTo>
+                  <a:lnTo>
+                    <a:pt x="1" y="13980"/>
+                  </a:lnTo>
+                  <a:lnTo>
+                    <a:pt x="25" y="14151"/>
+                  </a:lnTo>
+                  <a:lnTo>
+                    <a:pt x="74" y="14297"/>
+                  </a:lnTo>
+                  <a:lnTo>
+                    <a:pt x="123" y="14418"/>
+                  </a:lnTo>
+                  <a:lnTo>
+                    <a:pt x="220" y="14540"/>
+                  </a:lnTo>
+                  <a:lnTo>
+                    <a:pt x="342" y="14638"/>
+                  </a:lnTo>
+                  <a:lnTo>
+                    <a:pt x="488" y="14711"/>
+                  </a:lnTo>
+                  <a:lnTo>
+                    <a:pt x="634" y="14759"/>
+                  </a:lnTo>
+                  <a:lnTo>
+                    <a:pt x="780" y="14759"/>
+                  </a:lnTo>
+                  <a:lnTo>
+                    <a:pt x="16952" y="14759"/>
+                  </a:lnTo>
+                  <a:lnTo>
+                    <a:pt x="16952" y="14759"/>
+                  </a:lnTo>
+                  <a:lnTo>
+                    <a:pt x="17098" y="14759"/>
+                  </a:lnTo>
+                  <a:lnTo>
+                    <a:pt x="17244" y="14711"/>
+                  </a:lnTo>
+                  <a:lnTo>
+                    <a:pt x="17390" y="14638"/>
+                  </a:lnTo>
+                  <a:lnTo>
+                    <a:pt x="17512" y="14540"/>
+                  </a:lnTo>
+                  <a:lnTo>
+                    <a:pt x="17610" y="14418"/>
+                  </a:lnTo>
+                  <a:lnTo>
+                    <a:pt x="17658" y="14297"/>
+                  </a:lnTo>
+                  <a:lnTo>
+                    <a:pt x="17707" y="14151"/>
+                  </a:lnTo>
+                  <a:lnTo>
+                    <a:pt x="17731" y="13980"/>
+                  </a:lnTo>
+                  <a:lnTo>
+                    <a:pt x="17731" y="3337"/>
+                  </a:lnTo>
+                  <a:lnTo>
+                    <a:pt x="17731" y="3337"/>
+                  </a:lnTo>
+                  <a:lnTo>
+                    <a:pt x="17707" y="3191"/>
+                  </a:lnTo>
+                  <a:lnTo>
+                    <a:pt x="17658" y="3045"/>
+                  </a:lnTo>
+                  <a:lnTo>
+                    <a:pt x="17610" y="2899"/>
+                  </a:lnTo>
+                  <a:lnTo>
+                    <a:pt x="17512" y="2777"/>
+                  </a:lnTo>
+                  <a:lnTo>
+                    <a:pt x="17390" y="2679"/>
+                  </a:lnTo>
+                  <a:lnTo>
+                    <a:pt x="17244" y="2631"/>
+                  </a:lnTo>
+                  <a:lnTo>
+                    <a:pt x="17098" y="2582"/>
+                  </a:lnTo>
+                  <a:lnTo>
+                    <a:pt x="16952" y="2558"/>
+                  </a:lnTo>
+                  <a:lnTo>
+                    <a:pt x="16952" y="2558"/>
+                  </a:lnTo>
+                  <a:close/>
+                </a:path>
+              </a:pathLst>
+            </a:custGeom>
+            <a:noFill/>
+            <a:ln w="12175" cap="rnd" cmpd="sng">
+              <a:solidFill>
+                <a:schemeClr val="accent1"/>
+              </a:solidFill>
+              <a:prstDash val="solid"/>
+              <a:round/>
+              <a:headEnd type="none" w="sm" len="sm"/>
+              <a:tailEnd type="none" w="sm" len="sm"/>
+            </a:ln>
+          </p:spPr>
+          <p:txBody>
+            <a:bodyPr spcFirstLastPara="1" wrap="square" lIns="91425" tIns="91425" rIns="91425" bIns="91425" anchor="ctr" anchorCtr="0">
+              <a:noAutofit/>
+            </a:bodyPr>
+            <a:lstStyle/>
+            <a:p>
+              <a:pPr marL="0" lvl="0" indent="0" algn="l" rtl="0">
+                <a:spcBef>
+                  <a:spcPts val="0"/>
+                </a:spcBef>
+                <a:spcAft>
+                  <a:spcPts val="0"/>
+                </a:spcAft>
+                <a:buNone/>
+              </a:pPr>
+              <a:endParaRPr/>
+            </a:p>
+          </p:txBody>
+        </p:sp>
+        <p:sp>
+          <p:nvSpPr>
+            <p:cNvPr id="8" name="Google Shape;325;p37">
+              <a:extLst>
+                <a:ext uri="{FF2B5EF4-FFF2-40B4-BE49-F238E27FC236}">
+                  <a16:creationId xmlns:a16="http://schemas.microsoft.com/office/drawing/2014/main" id="{CE37D17B-9E3E-134F-99D2-CE9E3C82DC10}"/>
+                </a:ext>
+              </a:extLst>
+            </p:cNvPr>
+            <p:cNvSpPr/>
+            <p:nvPr/>
+          </p:nvSpPr>
+          <p:spPr>
+            <a:xfrm>
+              <a:off x="1398225" y="386675"/>
+              <a:ext cx="142500" cy="25"/>
+            </a:xfrm>
+            <a:custGeom>
+              <a:avLst/>
+              <a:gdLst/>
+              <a:ahLst/>
+              <a:cxnLst/>
+              <a:rect l="l" t="t" r="r" b="b"/>
+              <a:pathLst>
+                <a:path w="5700" h="1" fill="none" extrusionOk="0">
+                  <a:moveTo>
+                    <a:pt x="5700" y="1"/>
+                  </a:moveTo>
+                  <a:lnTo>
+                    <a:pt x="1" y="1"/>
+                  </a:lnTo>
+                </a:path>
+              </a:pathLst>
+            </a:custGeom>
+            <a:noFill/>
+            <a:ln w="12175" cap="rnd" cmpd="sng">
+              <a:solidFill>
+                <a:schemeClr val="accent1"/>
+              </a:solidFill>
+              <a:prstDash val="solid"/>
+              <a:round/>
+              <a:headEnd type="none" w="sm" len="sm"/>
+              <a:tailEnd type="none" w="sm" len="sm"/>
+            </a:ln>
+          </p:spPr>
+          <p:txBody>
+            <a:bodyPr spcFirstLastPara="1" wrap="square" lIns="91425" tIns="91425" rIns="91425" bIns="91425" anchor="ctr" anchorCtr="0">
+              <a:noAutofit/>
+            </a:bodyPr>
+            <a:lstStyle/>
+            <a:p>
+              <a:pPr marL="0" lvl="0" indent="0" algn="l" rtl="0">
+                <a:spcBef>
+                  <a:spcPts val="0"/>
+                </a:spcBef>
+                <a:spcAft>
+                  <a:spcPts val="0"/>
+                </a:spcAft>
+                <a:buNone/>
+              </a:pPr>
+              <a:endParaRPr/>
+            </a:p>
+          </p:txBody>
+        </p:sp>
+        <p:sp>
+          <p:nvSpPr>
+            <p:cNvPr id="9" name="Google Shape;326;p37">
+              <a:extLst>
+                <a:ext uri="{FF2B5EF4-FFF2-40B4-BE49-F238E27FC236}">
+                  <a16:creationId xmlns:a16="http://schemas.microsoft.com/office/drawing/2014/main" id="{AA69E026-7882-9142-AFCC-86DA46ADCB85}"/>
+                </a:ext>
+              </a:extLst>
+            </p:cNvPr>
+            <p:cNvSpPr/>
+            <p:nvPr/>
+          </p:nvSpPr>
+          <p:spPr>
+            <a:xfrm>
+              <a:off x="1370225" y="450000"/>
+              <a:ext cx="198500" cy="197900"/>
+            </a:xfrm>
+            <a:custGeom>
+              <a:avLst/>
+              <a:gdLst/>
+              <a:ahLst/>
+              <a:cxnLst/>
+              <a:rect l="l" t="t" r="r" b="b"/>
+              <a:pathLst>
+                <a:path w="7940" h="7916" fill="none" extrusionOk="0">
+                  <a:moveTo>
+                    <a:pt x="3970" y="7916"/>
+                  </a:moveTo>
+                  <a:lnTo>
+                    <a:pt x="3970" y="7916"/>
+                  </a:lnTo>
+                  <a:lnTo>
+                    <a:pt x="3556" y="7892"/>
+                  </a:lnTo>
+                  <a:lnTo>
+                    <a:pt x="3166" y="7843"/>
+                  </a:lnTo>
+                  <a:lnTo>
+                    <a:pt x="2801" y="7745"/>
+                  </a:lnTo>
+                  <a:lnTo>
+                    <a:pt x="2436" y="7624"/>
+                  </a:lnTo>
+                  <a:lnTo>
+                    <a:pt x="2070" y="7453"/>
+                  </a:lnTo>
+                  <a:lnTo>
+                    <a:pt x="1754" y="7258"/>
+                  </a:lnTo>
+                  <a:lnTo>
+                    <a:pt x="1462" y="7015"/>
+                  </a:lnTo>
+                  <a:lnTo>
+                    <a:pt x="1169" y="6771"/>
+                  </a:lnTo>
+                  <a:lnTo>
+                    <a:pt x="901" y="6479"/>
+                  </a:lnTo>
+                  <a:lnTo>
+                    <a:pt x="682" y="6187"/>
+                  </a:lnTo>
+                  <a:lnTo>
+                    <a:pt x="487" y="5846"/>
+                  </a:lnTo>
+                  <a:lnTo>
+                    <a:pt x="317" y="5505"/>
+                  </a:lnTo>
+                  <a:lnTo>
+                    <a:pt x="195" y="5139"/>
+                  </a:lnTo>
+                  <a:lnTo>
+                    <a:pt x="98" y="4750"/>
+                  </a:lnTo>
+                  <a:lnTo>
+                    <a:pt x="25" y="4360"/>
+                  </a:lnTo>
+                  <a:lnTo>
+                    <a:pt x="0" y="3970"/>
+                  </a:lnTo>
+                  <a:lnTo>
+                    <a:pt x="0" y="3970"/>
+                  </a:lnTo>
+                  <a:lnTo>
+                    <a:pt x="25" y="3556"/>
+                  </a:lnTo>
+                  <a:lnTo>
+                    <a:pt x="98" y="3167"/>
+                  </a:lnTo>
+                  <a:lnTo>
+                    <a:pt x="195" y="2777"/>
+                  </a:lnTo>
+                  <a:lnTo>
+                    <a:pt x="317" y="2412"/>
+                  </a:lnTo>
+                  <a:lnTo>
+                    <a:pt x="487" y="2071"/>
+                  </a:lnTo>
+                  <a:lnTo>
+                    <a:pt x="682" y="1754"/>
+                  </a:lnTo>
+                  <a:lnTo>
+                    <a:pt x="901" y="1437"/>
+                  </a:lnTo>
+                  <a:lnTo>
+                    <a:pt x="1169" y="1170"/>
+                  </a:lnTo>
+                  <a:lnTo>
+                    <a:pt x="1462" y="902"/>
+                  </a:lnTo>
+                  <a:lnTo>
+                    <a:pt x="1754" y="682"/>
+                  </a:lnTo>
+                  <a:lnTo>
+                    <a:pt x="2070" y="488"/>
+                  </a:lnTo>
+                  <a:lnTo>
+                    <a:pt x="2436" y="317"/>
+                  </a:lnTo>
+                  <a:lnTo>
+                    <a:pt x="2801" y="171"/>
+                  </a:lnTo>
+                  <a:lnTo>
+                    <a:pt x="3166" y="74"/>
+                  </a:lnTo>
+                  <a:lnTo>
+                    <a:pt x="3556" y="25"/>
+                  </a:lnTo>
+                  <a:lnTo>
+                    <a:pt x="3970" y="1"/>
+                  </a:lnTo>
+                  <a:lnTo>
+                    <a:pt x="3970" y="1"/>
+                  </a:lnTo>
+                  <a:lnTo>
+                    <a:pt x="4384" y="25"/>
+                  </a:lnTo>
+                  <a:lnTo>
+                    <a:pt x="4774" y="74"/>
+                  </a:lnTo>
+                  <a:lnTo>
+                    <a:pt x="5139" y="171"/>
+                  </a:lnTo>
+                  <a:lnTo>
+                    <a:pt x="5505" y="317"/>
+                  </a:lnTo>
+                  <a:lnTo>
+                    <a:pt x="5870" y="488"/>
+                  </a:lnTo>
+                  <a:lnTo>
+                    <a:pt x="6186" y="682"/>
+                  </a:lnTo>
+                  <a:lnTo>
+                    <a:pt x="6479" y="902"/>
+                  </a:lnTo>
+                  <a:lnTo>
+                    <a:pt x="6771" y="1170"/>
+                  </a:lnTo>
+                  <a:lnTo>
+                    <a:pt x="7039" y="1437"/>
+                  </a:lnTo>
+                  <a:lnTo>
+                    <a:pt x="7258" y="1754"/>
+                  </a:lnTo>
+                  <a:lnTo>
+                    <a:pt x="7453" y="2071"/>
+                  </a:lnTo>
+                  <a:lnTo>
+                    <a:pt x="7623" y="2412"/>
+                  </a:lnTo>
+                  <a:lnTo>
+                    <a:pt x="7745" y="2777"/>
+                  </a:lnTo>
+                  <a:lnTo>
+                    <a:pt x="7843" y="3167"/>
+                  </a:lnTo>
+                  <a:lnTo>
+                    <a:pt x="7916" y="3556"/>
+                  </a:lnTo>
+                  <a:lnTo>
+                    <a:pt x="7940" y="3970"/>
+                  </a:lnTo>
+                  <a:lnTo>
+                    <a:pt x="7940" y="3970"/>
+                  </a:lnTo>
+                  <a:lnTo>
+                    <a:pt x="7916" y="4360"/>
+                  </a:lnTo>
+                  <a:lnTo>
+                    <a:pt x="7843" y="4750"/>
+                  </a:lnTo>
+                  <a:lnTo>
+                    <a:pt x="7745" y="5139"/>
+                  </a:lnTo>
+                  <a:lnTo>
+                    <a:pt x="7623" y="5505"/>
+                  </a:lnTo>
+                  <a:lnTo>
+                    <a:pt x="7453" y="5846"/>
+                  </a:lnTo>
+                  <a:lnTo>
+                    <a:pt x="7258" y="6187"/>
+                  </a:lnTo>
+                  <a:lnTo>
+                    <a:pt x="7039" y="6479"/>
+                  </a:lnTo>
+                  <a:lnTo>
+                    <a:pt x="6771" y="6771"/>
+                  </a:lnTo>
+                  <a:lnTo>
+                    <a:pt x="6479" y="7015"/>
+                  </a:lnTo>
+                  <a:lnTo>
+                    <a:pt x="6186" y="7258"/>
+                  </a:lnTo>
+                  <a:lnTo>
+                    <a:pt x="5870" y="7453"/>
+                  </a:lnTo>
+                  <a:lnTo>
+                    <a:pt x="5505" y="7624"/>
+                  </a:lnTo>
+                  <a:lnTo>
+                    <a:pt x="5139" y="7745"/>
+                  </a:lnTo>
+                  <a:lnTo>
+                    <a:pt x="4774" y="7843"/>
+                  </a:lnTo>
+                  <a:lnTo>
+                    <a:pt x="4384" y="7892"/>
+                  </a:lnTo>
+                  <a:lnTo>
+                    <a:pt x="3970" y="7916"/>
+                  </a:lnTo>
+                  <a:lnTo>
+                    <a:pt x="3970" y="7916"/>
+                  </a:lnTo>
+                  <a:close/>
+                </a:path>
+              </a:pathLst>
+            </a:custGeom>
+            <a:noFill/>
+            <a:ln w="12175" cap="rnd" cmpd="sng">
+              <a:solidFill>
+                <a:schemeClr val="accent1"/>
+              </a:solidFill>
+              <a:prstDash val="solid"/>
+              <a:round/>
+              <a:headEnd type="none" w="sm" len="sm"/>
+              <a:tailEnd type="none" w="sm" len="sm"/>
+            </a:ln>
+          </p:spPr>
+          <p:txBody>
+            <a:bodyPr spcFirstLastPara="1" wrap="square" lIns="91425" tIns="91425" rIns="91425" bIns="91425" anchor="ctr" anchorCtr="0">
+              <a:noAutofit/>
+            </a:bodyPr>
+            <a:lstStyle/>
+            <a:p>
+              <a:pPr marL="0" lvl="0" indent="0" algn="l" rtl="0">
+                <a:spcBef>
+                  <a:spcPts val="0"/>
+                </a:spcBef>
+                <a:spcAft>
+                  <a:spcPts val="0"/>
+                </a:spcAft>
+                <a:buNone/>
+              </a:pPr>
+              <a:endParaRPr/>
+            </a:p>
+          </p:txBody>
+        </p:sp>
+        <p:sp>
+          <p:nvSpPr>
+            <p:cNvPr id="10" name="Google Shape;327;p37">
+              <a:extLst>
+                <a:ext uri="{FF2B5EF4-FFF2-40B4-BE49-F238E27FC236}">
+                  <a16:creationId xmlns:a16="http://schemas.microsoft.com/office/drawing/2014/main" id="{DAAE654E-28AF-D145-ABEB-77FC1EEC7C1E}"/>
+                </a:ext>
+              </a:extLst>
+            </p:cNvPr>
+            <p:cNvSpPr/>
+            <p:nvPr/>
+          </p:nvSpPr>
+          <p:spPr>
+            <a:xfrm>
+              <a:off x="1403100" y="482875"/>
+              <a:ext cx="132750" cy="132150"/>
+            </a:xfrm>
+            <a:custGeom>
+              <a:avLst/>
+              <a:gdLst/>
+              <a:ahLst/>
+              <a:cxnLst/>
+              <a:rect l="l" t="t" r="r" b="b"/>
+              <a:pathLst>
+                <a:path w="5310" h="5286" fill="none" extrusionOk="0">
+                  <a:moveTo>
+                    <a:pt x="2655" y="5286"/>
+                  </a:moveTo>
+                  <a:lnTo>
+                    <a:pt x="2655" y="5286"/>
+                  </a:lnTo>
+                  <a:lnTo>
+                    <a:pt x="2387" y="5286"/>
+                  </a:lnTo>
+                  <a:lnTo>
+                    <a:pt x="2119" y="5237"/>
+                  </a:lnTo>
+                  <a:lnTo>
+                    <a:pt x="1876" y="5164"/>
+                  </a:lnTo>
+                  <a:lnTo>
+                    <a:pt x="1632" y="5091"/>
+                  </a:lnTo>
+                  <a:lnTo>
+                    <a:pt x="1389" y="4969"/>
+                  </a:lnTo>
+                  <a:lnTo>
+                    <a:pt x="1169" y="4847"/>
+                  </a:lnTo>
+                  <a:lnTo>
+                    <a:pt x="975" y="4677"/>
+                  </a:lnTo>
+                  <a:lnTo>
+                    <a:pt x="780" y="4506"/>
+                  </a:lnTo>
+                  <a:lnTo>
+                    <a:pt x="609" y="4336"/>
+                  </a:lnTo>
+                  <a:lnTo>
+                    <a:pt x="463" y="4117"/>
+                  </a:lnTo>
+                  <a:lnTo>
+                    <a:pt x="317" y="3897"/>
+                  </a:lnTo>
+                  <a:lnTo>
+                    <a:pt x="220" y="3678"/>
+                  </a:lnTo>
+                  <a:lnTo>
+                    <a:pt x="122" y="3435"/>
+                  </a:lnTo>
+                  <a:lnTo>
+                    <a:pt x="74" y="3191"/>
+                  </a:lnTo>
+                  <a:lnTo>
+                    <a:pt x="25" y="2923"/>
+                  </a:lnTo>
+                  <a:lnTo>
+                    <a:pt x="0" y="2655"/>
+                  </a:lnTo>
+                  <a:lnTo>
+                    <a:pt x="0" y="2655"/>
+                  </a:lnTo>
+                  <a:lnTo>
+                    <a:pt x="25" y="2387"/>
+                  </a:lnTo>
+                  <a:lnTo>
+                    <a:pt x="74" y="2120"/>
+                  </a:lnTo>
+                  <a:lnTo>
+                    <a:pt x="122" y="1852"/>
+                  </a:lnTo>
+                  <a:lnTo>
+                    <a:pt x="220" y="1608"/>
+                  </a:lnTo>
+                  <a:lnTo>
+                    <a:pt x="317" y="1389"/>
+                  </a:lnTo>
+                  <a:lnTo>
+                    <a:pt x="463" y="1170"/>
+                  </a:lnTo>
+                  <a:lnTo>
+                    <a:pt x="609" y="975"/>
+                  </a:lnTo>
+                  <a:lnTo>
+                    <a:pt x="780" y="780"/>
+                  </a:lnTo>
+                  <a:lnTo>
+                    <a:pt x="975" y="610"/>
+                  </a:lnTo>
+                  <a:lnTo>
+                    <a:pt x="1169" y="463"/>
+                  </a:lnTo>
+                  <a:lnTo>
+                    <a:pt x="1389" y="317"/>
+                  </a:lnTo>
+                  <a:lnTo>
+                    <a:pt x="1632" y="220"/>
+                  </a:lnTo>
+                  <a:lnTo>
+                    <a:pt x="1876" y="122"/>
+                  </a:lnTo>
+                  <a:lnTo>
+                    <a:pt x="2119" y="49"/>
+                  </a:lnTo>
+                  <a:lnTo>
+                    <a:pt x="2387" y="25"/>
+                  </a:lnTo>
+                  <a:lnTo>
+                    <a:pt x="2655" y="1"/>
+                  </a:lnTo>
+                  <a:lnTo>
+                    <a:pt x="2655" y="1"/>
+                  </a:lnTo>
+                  <a:lnTo>
+                    <a:pt x="2923" y="25"/>
+                  </a:lnTo>
+                  <a:lnTo>
+                    <a:pt x="3191" y="49"/>
+                  </a:lnTo>
+                  <a:lnTo>
+                    <a:pt x="3435" y="122"/>
+                  </a:lnTo>
+                  <a:lnTo>
+                    <a:pt x="3678" y="220"/>
+                  </a:lnTo>
+                  <a:lnTo>
+                    <a:pt x="3922" y="317"/>
+                  </a:lnTo>
+                  <a:lnTo>
+                    <a:pt x="4141" y="463"/>
+                  </a:lnTo>
+                  <a:lnTo>
+                    <a:pt x="4336" y="610"/>
+                  </a:lnTo>
+                  <a:lnTo>
+                    <a:pt x="4530" y="780"/>
+                  </a:lnTo>
+                  <a:lnTo>
+                    <a:pt x="4701" y="975"/>
+                  </a:lnTo>
+                  <a:lnTo>
+                    <a:pt x="4847" y="1170"/>
+                  </a:lnTo>
+                  <a:lnTo>
+                    <a:pt x="4993" y="1389"/>
+                  </a:lnTo>
+                  <a:lnTo>
+                    <a:pt x="5091" y="1608"/>
+                  </a:lnTo>
+                  <a:lnTo>
+                    <a:pt x="5188" y="1852"/>
+                  </a:lnTo>
+                  <a:lnTo>
+                    <a:pt x="5237" y="2120"/>
+                  </a:lnTo>
+                  <a:lnTo>
+                    <a:pt x="5285" y="2387"/>
+                  </a:lnTo>
+                  <a:lnTo>
+                    <a:pt x="5310" y="2655"/>
+                  </a:lnTo>
+                  <a:lnTo>
+                    <a:pt x="5310" y="2655"/>
+                  </a:lnTo>
+                  <a:lnTo>
+                    <a:pt x="5285" y="2923"/>
+                  </a:lnTo>
+                  <a:lnTo>
+                    <a:pt x="5237" y="3191"/>
+                  </a:lnTo>
+                  <a:lnTo>
+                    <a:pt x="5188" y="3435"/>
+                  </a:lnTo>
+                  <a:lnTo>
+                    <a:pt x="5091" y="3678"/>
+                  </a:lnTo>
+                  <a:lnTo>
+                    <a:pt x="4993" y="3897"/>
+                  </a:lnTo>
+                  <a:lnTo>
+                    <a:pt x="4847" y="4117"/>
+                  </a:lnTo>
+                  <a:lnTo>
+                    <a:pt x="4701" y="4336"/>
+                  </a:lnTo>
+                  <a:lnTo>
+                    <a:pt x="4530" y="4506"/>
+                  </a:lnTo>
+                  <a:lnTo>
+                    <a:pt x="4336" y="4677"/>
+                  </a:lnTo>
+                  <a:lnTo>
+                    <a:pt x="4141" y="4847"/>
+                  </a:lnTo>
+                  <a:lnTo>
+                    <a:pt x="3922" y="4969"/>
+                  </a:lnTo>
+                  <a:lnTo>
+                    <a:pt x="3678" y="5091"/>
+                  </a:lnTo>
+                  <a:lnTo>
+                    <a:pt x="3435" y="5164"/>
+                  </a:lnTo>
+                  <a:lnTo>
+                    <a:pt x="3191" y="5237"/>
+                  </a:lnTo>
+                  <a:lnTo>
+                    <a:pt x="2923" y="5286"/>
+                  </a:lnTo>
+                  <a:lnTo>
+                    <a:pt x="2655" y="5286"/>
+                  </a:lnTo>
+                  <a:lnTo>
+                    <a:pt x="2655" y="5286"/>
+                  </a:lnTo>
+                  <a:close/>
+                </a:path>
+              </a:pathLst>
+            </a:custGeom>
+            <a:noFill/>
+            <a:ln w="12175" cap="rnd" cmpd="sng">
+              <a:solidFill>
+                <a:schemeClr val="accent1"/>
+              </a:solidFill>
+              <a:prstDash val="solid"/>
+              <a:round/>
+              <a:headEnd type="none" w="sm" len="sm"/>
+              <a:tailEnd type="none" w="sm" len="sm"/>
+            </a:ln>
+          </p:spPr>
+          <p:txBody>
+            <a:bodyPr spcFirstLastPara="1" wrap="square" lIns="91425" tIns="91425" rIns="91425" bIns="91425" anchor="ctr" anchorCtr="0">
+              <a:noAutofit/>
+            </a:bodyPr>
+            <a:lstStyle/>
+            <a:p>
+              <a:pPr marL="0" lvl="0" indent="0" algn="l" rtl="0">
+                <a:spcBef>
+                  <a:spcPts val="0"/>
+                </a:spcBef>
+                <a:spcAft>
+                  <a:spcPts val="0"/>
+                </a:spcAft>
+                <a:buNone/>
+              </a:pPr>
+              <a:endParaRPr/>
+            </a:p>
+          </p:txBody>
+        </p:sp>
+        <p:sp>
+          <p:nvSpPr>
+            <p:cNvPr id="11" name="Google Shape;328;p37">
+              <a:extLst>
+                <a:ext uri="{FF2B5EF4-FFF2-40B4-BE49-F238E27FC236}">
+                  <a16:creationId xmlns:a16="http://schemas.microsoft.com/office/drawing/2014/main" id="{B9814E8D-8EB2-2C48-B663-005AADDE0FDD}"/>
+                </a:ext>
+              </a:extLst>
+            </p:cNvPr>
+            <p:cNvSpPr/>
+            <p:nvPr/>
+          </p:nvSpPr>
+          <p:spPr>
+            <a:xfrm>
+              <a:off x="1588800" y="435400"/>
+              <a:ext cx="66400" cy="43850"/>
+            </a:xfrm>
+            <a:custGeom>
+              <a:avLst/>
+              <a:gdLst/>
+              <a:ahLst/>
+              <a:cxnLst/>
+              <a:rect l="l" t="t" r="r" b="b"/>
+              <a:pathLst>
+                <a:path w="2656" h="1754" fill="none" extrusionOk="0">
+                  <a:moveTo>
+                    <a:pt x="2655" y="1266"/>
+                  </a:moveTo>
+                  <a:lnTo>
+                    <a:pt x="2655" y="1266"/>
+                  </a:lnTo>
+                  <a:lnTo>
+                    <a:pt x="2655" y="1364"/>
+                  </a:lnTo>
+                  <a:lnTo>
+                    <a:pt x="2631" y="1461"/>
+                  </a:lnTo>
+                  <a:lnTo>
+                    <a:pt x="2582" y="1534"/>
+                  </a:lnTo>
+                  <a:lnTo>
+                    <a:pt x="2509" y="1607"/>
+                  </a:lnTo>
+                  <a:lnTo>
+                    <a:pt x="2461" y="1680"/>
+                  </a:lnTo>
+                  <a:lnTo>
+                    <a:pt x="2363" y="1705"/>
+                  </a:lnTo>
+                  <a:lnTo>
+                    <a:pt x="2266" y="1754"/>
+                  </a:lnTo>
+                  <a:lnTo>
+                    <a:pt x="2168" y="1754"/>
+                  </a:lnTo>
+                  <a:lnTo>
+                    <a:pt x="488" y="1754"/>
+                  </a:lnTo>
+                  <a:lnTo>
+                    <a:pt x="488" y="1754"/>
+                  </a:lnTo>
+                  <a:lnTo>
+                    <a:pt x="390" y="1754"/>
+                  </a:lnTo>
+                  <a:lnTo>
+                    <a:pt x="293" y="1705"/>
+                  </a:lnTo>
+                  <a:lnTo>
+                    <a:pt x="220" y="1680"/>
+                  </a:lnTo>
+                  <a:lnTo>
+                    <a:pt x="147" y="1607"/>
+                  </a:lnTo>
+                  <a:lnTo>
+                    <a:pt x="74" y="1534"/>
+                  </a:lnTo>
+                  <a:lnTo>
+                    <a:pt x="49" y="1461"/>
+                  </a:lnTo>
+                  <a:lnTo>
+                    <a:pt x="1" y="1364"/>
+                  </a:lnTo>
+                  <a:lnTo>
+                    <a:pt x="1" y="1266"/>
+                  </a:lnTo>
+                  <a:lnTo>
+                    <a:pt x="1" y="487"/>
+                  </a:lnTo>
+                  <a:lnTo>
+                    <a:pt x="1" y="487"/>
+                  </a:lnTo>
+                  <a:lnTo>
+                    <a:pt x="1" y="390"/>
+                  </a:lnTo>
+                  <a:lnTo>
+                    <a:pt x="49" y="292"/>
+                  </a:lnTo>
+                  <a:lnTo>
+                    <a:pt x="74" y="219"/>
+                  </a:lnTo>
+                  <a:lnTo>
+                    <a:pt x="147" y="146"/>
+                  </a:lnTo>
+                  <a:lnTo>
+                    <a:pt x="220" y="73"/>
+                  </a:lnTo>
+                  <a:lnTo>
+                    <a:pt x="293" y="49"/>
+                  </a:lnTo>
+                  <a:lnTo>
+                    <a:pt x="390" y="0"/>
+                  </a:lnTo>
+                  <a:lnTo>
+                    <a:pt x="488" y="0"/>
+                  </a:lnTo>
+                  <a:lnTo>
+                    <a:pt x="2168" y="0"/>
+                  </a:lnTo>
+                  <a:lnTo>
+                    <a:pt x="2168" y="0"/>
+                  </a:lnTo>
+                  <a:lnTo>
+                    <a:pt x="2266" y="0"/>
+                  </a:lnTo>
+                  <a:lnTo>
+                    <a:pt x="2363" y="49"/>
+                  </a:lnTo>
+                  <a:lnTo>
+                    <a:pt x="2461" y="73"/>
+                  </a:lnTo>
+                  <a:lnTo>
+                    <a:pt x="2509" y="146"/>
+                  </a:lnTo>
+                  <a:lnTo>
+                    <a:pt x="2582" y="219"/>
+                  </a:lnTo>
+                  <a:lnTo>
+                    <a:pt x="2631" y="292"/>
+                  </a:lnTo>
+                  <a:lnTo>
+                    <a:pt x="2655" y="390"/>
+                  </a:lnTo>
+                  <a:lnTo>
+                    <a:pt x="2655" y="487"/>
+                  </a:lnTo>
+                  <a:lnTo>
+                    <a:pt x="2655" y="1266"/>
+                  </a:lnTo>
+                  <a:close/>
+                </a:path>
+              </a:pathLst>
+            </a:custGeom>
+            <a:noFill/>
+            <a:ln w="12175" cap="rnd" cmpd="sng">
+              <a:solidFill>
+                <a:schemeClr val="accent1"/>
+              </a:solidFill>
+              <a:prstDash val="solid"/>
+              <a:round/>
+              <a:headEnd type="none" w="sm" len="sm"/>
+              <a:tailEnd type="none" w="sm" len="sm"/>
+            </a:ln>
+          </p:spPr>
+          <p:txBody>
+            <a:bodyPr spcFirstLastPara="1" wrap="square" lIns="91425" tIns="91425" rIns="91425" bIns="91425" anchor="ctr" anchorCtr="0">
+              <a:noAutofit/>
+            </a:bodyPr>
+            <a:lstStyle/>
+            <a:p>
+              <a:pPr marL="0" lvl="0" indent="0" algn="l" rtl="0">
+                <a:spcBef>
+                  <a:spcPts val="0"/>
+                </a:spcBef>
+                <a:spcAft>
+                  <a:spcPts val="0"/>
+                </a:spcAft>
+                <a:buNone/>
+              </a:pPr>
+              <a:endParaRPr/>
+            </a:p>
+          </p:txBody>
+        </p:sp>
+      </p:grpSp>
+    </p:spTree>
+    <p:extLst>
+      <p:ext uri="{BB962C8B-B14F-4D97-AF65-F5344CB8AC3E}">
+        <p14:creationId xmlns:p14="http://schemas.microsoft.com/office/powerpoint/2010/main" val="4180931394"/>
+      </p:ext>
+    </p:extLst>
+  </p:cSld>
+  <p:clrMapOvr>
+    <a:masterClrMapping/>
+  </p:clrMapOvr>
+</p:sld>
+</file>
+
+<file path=ppt/slides/slide4.xml><?xml version="1.0" encoding="utf-8"?>
+<p:sld xmlns:a="http://schemas.openxmlformats.org/drawingml/2006/main" xmlns:r="http://schemas.openxmlformats.org/officeDocument/2006/relationships" xmlns:p="http://schemas.openxmlformats.org/presentationml/2006/main">
+  <p:cSld>
+    <p:spTree>
+      <p:nvGrpSpPr>
+        <p:cNvPr id="1" name="Shape 93"/>
+        <p:cNvGrpSpPr/>
+        <p:nvPr/>
+      </p:nvGrpSpPr>
+      <p:grpSpPr>
+        <a:xfrm>
+          <a:off x="0" y="0"/>
+          <a:ext cx="0" cy="0"/>
+          <a:chOff x="0" y="0"/>
+          <a:chExt cx="0" cy="0"/>
+        </a:xfrm>
+      </p:grpSpPr>
+      <p:sp>
+        <p:nvSpPr>
+          <p:cNvPr id="94" name="Google Shape;94;p18"/>
+          <p:cNvSpPr txBox="1">
+            <a:spLocks noGrp="1"/>
+          </p:cNvSpPr>
+          <p:nvPr>
+            <p:ph type="ctrTitle" idx="4294967295"/>
+          </p:nvPr>
+        </p:nvSpPr>
+        <p:spPr>
+          <a:xfrm>
+            <a:off x="985962" y="2199075"/>
+            <a:ext cx="7172076" cy="1159800"/>
+          </a:xfrm>
+          <a:prstGeom prst="rect">
+            <a:avLst/>
+          </a:prstGeom>
+        </p:spPr>
+        <p:txBody>
+          <a:bodyPr spcFirstLastPara="1" wrap="square" lIns="91425" tIns="91425" rIns="91425" bIns="91425" anchor="ctr" anchorCtr="0">
+            <a:noAutofit/>
+          </a:bodyPr>
+          <a:lstStyle/>
+          <a:p>
+            <a:pPr marL="0" lvl="0" indent="0" algn="ctr" rtl="0">
+              <a:spcBef>
+                <a:spcPts val="0"/>
+              </a:spcBef>
+              <a:spcAft>
+                <a:spcPts val="0"/>
+              </a:spcAft>
+              <a:buNone/>
+            </a:pPr>
+            <a:r>
+              <a:rPr lang="en" sz="6000" i="1" dirty="0">
+                <a:solidFill>
+                  <a:srgbClr val="FFFFFF"/>
+                </a:solidFill>
+              </a:rPr>
+              <a:t>Mob Programming</a:t>
+            </a:r>
+            <a:endParaRPr sz="6000" i="1" dirty="0">
+              <a:solidFill>
+                <a:srgbClr val="FFFFFF"/>
+              </a:solidFill>
+            </a:endParaRPr>
+          </a:p>
+        </p:txBody>
+      </p:sp>
+      <p:sp>
+        <p:nvSpPr>
+          <p:cNvPr id="95" name="Google Shape;95;p18"/>
+          <p:cNvSpPr txBox="1">
+            <a:spLocks noGrp="1"/>
+          </p:cNvSpPr>
+          <p:nvPr>
+            <p:ph type="subTitle" idx="4294967295"/>
+          </p:nvPr>
+        </p:nvSpPr>
+        <p:spPr>
+          <a:xfrm>
+            <a:off x="1620900" y="3284339"/>
+            <a:ext cx="5902200" cy="1279709"/>
+          </a:xfrm>
+          <a:prstGeom prst="rect">
+            <a:avLst/>
+          </a:prstGeom>
+        </p:spPr>
+        <p:txBody>
+          <a:bodyPr spcFirstLastPara="1" wrap="square" lIns="91425" tIns="91425" rIns="91425" bIns="91425" anchor="t" anchorCtr="0">
+            <a:noAutofit/>
+          </a:bodyPr>
+          <a:lstStyle/>
+          <a:p>
+            <a:pPr marL="0" lvl="0" indent="0" algn="ctr">
+              <a:buNone/>
+            </a:pPr>
+            <a:endParaRPr dirty="0">
+              <a:solidFill>
+                <a:srgbClr val="FFFFFF"/>
+              </a:solidFill>
+            </a:endParaRPr>
+          </a:p>
+        </p:txBody>
+      </p:sp>
+      <p:sp>
+        <p:nvSpPr>
+          <p:cNvPr id="96" name="Google Shape;96;p18"/>
+          <p:cNvSpPr/>
+          <p:nvPr/>
+        </p:nvSpPr>
+        <p:spPr>
+          <a:xfrm>
+            <a:off x="3935896" y="922408"/>
+            <a:ext cx="1272208" cy="1273222"/>
+          </a:xfrm>
+          <a:prstGeom prst="ellipse">
+            <a:avLst/>
+          </a:prstGeom>
+          <a:solidFill>
+            <a:srgbClr val="FFFFFF"/>
+          </a:solidFill>
+          <a:ln>
+            <a:noFill/>
+          </a:ln>
+        </p:spPr>
+        <p:txBody>
+          <a:bodyPr spcFirstLastPara="1" wrap="square" lIns="91425" tIns="91425" rIns="91425" bIns="91425" anchor="ctr" anchorCtr="0">
+            <a:noAutofit/>
+          </a:bodyPr>
+          <a:lstStyle/>
+          <a:p>
+            <a:pPr marL="0" lvl="0" indent="0" algn="l" rtl="0">
+              <a:spcBef>
+                <a:spcPts val="0"/>
+              </a:spcBef>
+              <a:spcAft>
+                <a:spcPts val="0"/>
+              </a:spcAft>
+              <a:buNone/>
+            </a:pPr>
+            <a:endParaRPr dirty="0"/>
+          </a:p>
+        </p:txBody>
+      </p:sp>
+      <p:grpSp>
+        <p:nvGrpSpPr>
+          <p:cNvPr id="2" name="Group 1">
+            <a:extLst>
+              <a:ext uri="{FF2B5EF4-FFF2-40B4-BE49-F238E27FC236}">
+                <a16:creationId xmlns:a16="http://schemas.microsoft.com/office/drawing/2014/main" id="{58404129-7993-F442-9A7D-017DC54EE109}"/>
+              </a:ext>
+            </a:extLst>
+          </p:cNvPr>
+          <p:cNvGrpSpPr/>
+          <p:nvPr/>
+        </p:nvGrpSpPr>
+        <p:grpSpPr>
+          <a:xfrm>
+            <a:off x="4154610" y="1328355"/>
+            <a:ext cx="813362" cy="461327"/>
+            <a:chOff x="5617648" y="1859577"/>
+            <a:chExt cx="813362" cy="461327"/>
+          </a:xfrm>
+        </p:grpSpPr>
+        <p:sp>
+          <p:nvSpPr>
+            <p:cNvPr id="12" name="Google Shape;450;p37">
+              <a:extLst>
+                <a:ext uri="{FF2B5EF4-FFF2-40B4-BE49-F238E27FC236}">
+                  <a16:creationId xmlns:a16="http://schemas.microsoft.com/office/drawing/2014/main" id="{FADB611F-0CC5-F64C-A20D-55E51DF28ED1}"/>
+                </a:ext>
+              </a:extLst>
+            </p:cNvPr>
+            <p:cNvSpPr/>
+            <p:nvPr/>
+          </p:nvSpPr>
+          <p:spPr>
+            <a:xfrm>
+              <a:off x="6110632" y="1983128"/>
+              <a:ext cx="320378" cy="337776"/>
+            </a:xfrm>
+            <a:custGeom>
+              <a:avLst/>
+              <a:gdLst/>
+              <a:ahLst/>
+              <a:cxnLst/>
+              <a:rect l="l" t="t" r="r" b="b"/>
+              <a:pathLst>
+                <a:path w="15247" h="16075" fill="none" extrusionOk="0">
+                  <a:moveTo>
+                    <a:pt x="9401" y="10717"/>
+                  </a:moveTo>
+                  <a:lnTo>
+                    <a:pt x="9401" y="10717"/>
+                  </a:lnTo>
+                  <a:lnTo>
+                    <a:pt x="9085" y="10692"/>
+                  </a:lnTo>
+                  <a:lnTo>
+                    <a:pt x="9085" y="9596"/>
+                  </a:lnTo>
+                  <a:lnTo>
+                    <a:pt x="9085" y="9596"/>
+                  </a:lnTo>
+                  <a:lnTo>
+                    <a:pt x="9401" y="9377"/>
+                  </a:lnTo>
+                  <a:lnTo>
+                    <a:pt x="9718" y="9133"/>
+                  </a:lnTo>
+                  <a:lnTo>
+                    <a:pt x="10010" y="8866"/>
+                  </a:lnTo>
+                  <a:lnTo>
+                    <a:pt x="10302" y="8573"/>
+                  </a:lnTo>
+                  <a:lnTo>
+                    <a:pt x="10546" y="8232"/>
+                  </a:lnTo>
+                  <a:lnTo>
+                    <a:pt x="10765" y="7867"/>
+                  </a:lnTo>
+                  <a:lnTo>
+                    <a:pt x="10984" y="7502"/>
+                  </a:lnTo>
+                  <a:lnTo>
+                    <a:pt x="11155" y="7088"/>
+                  </a:lnTo>
+                  <a:lnTo>
+                    <a:pt x="11155" y="7088"/>
+                  </a:lnTo>
+                  <a:lnTo>
+                    <a:pt x="11228" y="7112"/>
+                  </a:lnTo>
+                  <a:lnTo>
+                    <a:pt x="11228" y="7112"/>
+                  </a:lnTo>
+                  <a:lnTo>
+                    <a:pt x="11374" y="7112"/>
+                  </a:lnTo>
+                  <a:lnTo>
+                    <a:pt x="11496" y="7039"/>
+                  </a:lnTo>
+                  <a:lnTo>
+                    <a:pt x="11617" y="6942"/>
+                  </a:lnTo>
+                  <a:lnTo>
+                    <a:pt x="11715" y="6771"/>
+                  </a:lnTo>
+                  <a:lnTo>
+                    <a:pt x="11812" y="6601"/>
+                  </a:lnTo>
+                  <a:lnTo>
+                    <a:pt x="11910" y="6381"/>
+                  </a:lnTo>
+                  <a:lnTo>
+                    <a:pt x="11958" y="6138"/>
+                  </a:lnTo>
+                  <a:lnTo>
+                    <a:pt x="12007" y="5870"/>
+                  </a:lnTo>
+                  <a:lnTo>
+                    <a:pt x="12007" y="5870"/>
+                  </a:lnTo>
+                  <a:lnTo>
+                    <a:pt x="12031" y="5626"/>
+                  </a:lnTo>
+                  <a:lnTo>
+                    <a:pt x="12007" y="5383"/>
+                  </a:lnTo>
+                  <a:lnTo>
+                    <a:pt x="11983" y="5188"/>
+                  </a:lnTo>
+                  <a:lnTo>
+                    <a:pt x="11934" y="4993"/>
+                  </a:lnTo>
+                  <a:lnTo>
+                    <a:pt x="11885" y="4823"/>
+                  </a:lnTo>
+                  <a:lnTo>
+                    <a:pt x="11812" y="4677"/>
+                  </a:lnTo>
+                  <a:lnTo>
+                    <a:pt x="11715" y="4579"/>
+                  </a:lnTo>
+                  <a:lnTo>
+                    <a:pt x="11593" y="4506"/>
+                  </a:lnTo>
+                  <a:lnTo>
+                    <a:pt x="11593" y="4506"/>
+                  </a:lnTo>
+                  <a:lnTo>
+                    <a:pt x="11666" y="4141"/>
+                  </a:lnTo>
+                  <a:lnTo>
+                    <a:pt x="11690" y="3800"/>
+                  </a:lnTo>
+                  <a:lnTo>
+                    <a:pt x="11690" y="3483"/>
+                  </a:lnTo>
+                  <a:lnTo>
+                    <a:pt x="11690" y="3191"/>
+                  </a:lnTo>
+                  <a:lnTo>
+                    <a:pt x="11666" y="2899"/>
+                  </a:lnTo>
+                  <a:lnTo>
+                    <a:pt x="11617" y="2631"/>
+                  </a:lnTo>
+                  <a:lnTo>
+                    <a:pt x="11544" y="2387"/>
+                  </a:lnTo>
+                  <a:lnTo>
+                    <a:pt x="11471" y="2144"/>
+                  </a:lnTo>
+                  <a:lnTo>
+                    <a:pt x="11374" y="1924"/>
+                  </a:lnTo>
+                  <a:lnTo>
+                    <a:pt x="11276" y="1705"/>
+                  </a:lnTo>
+                  <a:lnTo>
+                    <a:pt x="11155" y="1510"/>
+                  </a:lnTo>
+                  <a:lnTo>
+                    <a:pt x="11009" y="1340"/>
+                  </a:lnTo>
+                  <a:lnTo>
+                    <a:pt x="10862" y="1169"/>
+                  </a:lnTo>
+                  <a:lnTo>
+                    <a:pt x="10716" y="1023"/>
+                  </a:lnTo>
+                  <a:lnTo>
+                    <a:pt x="10400" y="755"/>
+                  </a:lnTo>
+                  <a:lnTo>
+                    <a:pt x="10034" y="561"/>
+                  </a:lnTo>
+                  <a:lnTo>
+                    <a:pt x="9669" y="366"/>
+                  </a:lnTo>
+                  <a:lnTo>
+                    <a:pt x="9304" y="244"/>
+                  </a:lnTo>
+                  <a:lnTo>
+                    <a:pt x="8938" y="146"/>
+                  </a:lnTo>
+                  <a:lnTo>
+                    <a:pt x="8573" y="73"/>
+                  </a:lnTo>
+                  <a:lnTo>
+                    <a:pt x="8232" y="25"/>
+                  </a:lnTo>
+                  <a:lnTo>
+                    <a:pt x="7915" y="0"/>
+                  </a:lnTo>
+                  <a:lnTo>
+                    <a:pt x="7623" y="0"/>
+                  </a:lnTo>
+                  <a:lnTo>
+                    <a:pt x="7623" y="0"/>
+                  </a:lnTo>
+                  <a:lnTo>
+                    <a:pt x="7282" y="25"/>
+                  </a:lnTo>
+                  <a:lnTo>
+                    <a:pt x="6990" y="98"/>
+                  </a:lnTo>
+                  <a:lnTo>
+                    <a:pt x="6746" y="171"/>
+                  </a:lnTo>
+                  <a:lnTo>
+                    <a:pt x="6527" y="293"/>
+                  </a:lnTo>
+                  <a:lnTo>
+                    <a:pt x="6332" y="390"/>
+                  </a:lnTo>
+                  <a:lnTo>
+                    <a:pt x="6186" y="536"/>
+                  </a:lnTo>
+                  <a:lnTo>
+                    <a:pt x="6040" y="658"/>
+                  </a:lnTo>
+                  <a:lnTo>
+                    <a:pt x="5943" y="780"/>
+                  </a:lnTo>
+                  <a:lnTo>
+                    <a:pt x="5943" y="780"/>
+                  </a:lnTo>
+                  <a:lnTo>
+                    <a:pt x="5943" y="780"/>
+                  </a:lnTo>
+                  <a:lnTo>
+                    <a:pt x="5943" y="780"/>
+                  </a:lnTo>
+                  <a:lnTo>
+                    <a:pt x="5553" y="853"/>
+                  </a:lnTo>
+                  <a:lnTo>
+                    <a:pt x="5188" y="975"/>
+                  </a:lnTo>
+                  <a:lnTo>
+                    <a:pt x="4871" y="1145"/>
+                  </a:lnTo>
+                  <a:lnTo>
+                    <a:pt x="4603" y="1316"/>
+                  </a:lnTo>
+                  <a:lnTo>
+                    <a:pt x="4360" y="1535"/>
+                  </a:lnTo>
+                  <a:lnTo>
+                    <a:pt x="4165" y="1754"/>
+                  </a:lnTo>
+                  <a:lnTo>
+                    <a:pt x="4019" y="2022"/>
+                  </a:lnTo>
+                  <a:lnTo>
+                    <a:pt x="3897" y="2290"/>
+                  </a:lnTo>
+                  <a:lnTo>
+                    <a:pt x="3799" y="2558"/>
+                  </a:lnTo>
+                  <a:lnTo>
+                    <a:pt x="3726" y="2826"/>
+                  </a:lnTo>
+                  <a:lnTo>
+                    <a:pt x="3678" y="3118"/>
+                  </a:lnTo>
+                  <a:lnTo>
+                    <a:pt x="3629" y="3410"/>
+                  </a:lnTo>
+                  <a:lnTo>
+                    <a:pt x="3629" y="3702"/>
+                  </a:lnTo>
+                  <a:lnTo>
+                    <a:pt x="3629" y="3970"/>
+                  </a:lnTo>
+                  <a:lnTo>
+                    <a:pt x="3678" y="4482"/>
+                  </a:lnTo>
+                  <a:lnTo>
+                    <a:pt x="3678" y="4482"/>
+                  </a:lnTo>
+                  <a:lnTo>
+                    <a:pt x="3678" y="4506"/>
+                  </a:lnTo>
+                  <a:lnTo>
+                    <a:pt x="3678" y="4506"/>
+                  </a:lnTo>
+                  <a:lnTo>
+                    <a:pt x="3556" y="4555"/>
+                  </a:lnTo>
+                  <a:lnTo>
+                    <a:pt x="3459" y="4652"/>
+                  </a:lnTo>
+                  <a:lnTo>
+                    <a:pt x="3385" y="4798"/>
+                  </a:lnTo>
+                  <a:lnTo>
+                    <a:pt x="3312" y="4969"/>
+                  </a:lnTo>
+                  <a:lnTo>
+                    <a:pt x="3264" y="5164"/>
+                  </a:lnTo>
+                  <a:lnTo>
+                    <a:pt x="3239" y="5383"/>
+                  </a:lnTo>
+                  <a:lnTo>
+                    <a:pt x="3215" y="5626"/>
+                  </a:lnTo>
+                  <a:lnTo>
+                    <a:pt x="3239" y="5870"/>
+                  </a:lnTo>
+                  <a:lnTo>
+                    <a:pt x="3239" y="5870"/>
+                  </a:lnTo>
+                  <a:lnTo>
+                    <a:pt x="3288" y="6138"/>
+                  </a:lnTo>
+                  <a:lnTo>
+                    <a:pt x="3337" y="6381"/>
+                  </a:lnTo>
+                  <a:lnTo>
+                    <a:pt x="3434" y="6601"/>
+                  </a:lnTo>
+                  <a:lnTo>
+                    <a:pt x="3532" y="6771"/>
+                  </a:lnTo>
+                  <a:lnTo>
+                    <a:pt x="3629" y="6942"/>
+                  </a:lnTo>
+                  <a:lnTo>
+                    <a:pt x="3751" y="7039"/>
+                  </a:lnTo>
+                  <a:lnTo>
+                    <a:pt x="3873" y="7112"/>
+                  </a:lnTo>
+                  <a:lnTo>
+                    <a:pt x="4019" y="7112"/>
+                  </a:lnTo>
+                  <a:lnTo>
+                    <a:pt x="4019" y="7112"/>
+                  </a:lnTo>
+                  <a:lnTo>
+                    <a:pt x="4092" y="7088"/>
+                  </a:lnTo>
+                  <a:lnTo>
+                    <a:pt x="4092" y="7088"/>
+                  </a:lnTo>
+                  <a:lnTo>
+                    <a:pt x="4262" y="7502"/>
+                  </a:lnTo>
+                  <a:lnTo>
+                    <a:pt x="4481" y="7867"/>
+                  </a:lnTo>
+                  <a:lnTo>
+                    <a:pt x="4701" y="8232"/>
+                  </a:lnTo>
+                  <a:lnTo>
+                    <a:pt x="4969" y="8573"/>
+                  </a:lnTo>
+                  <a:lnTo>
+                    <a:pt x="5236" y="8866"/>
+                  </a:lnTo>
+                  <a:lnTo>
+                    <a:pt x="5529" y="9133"/>
+                  </a:lnTo>
+                  <a:lnTo>
+                    <a:pt x="5845" y="9377"/>
+                  </a:lnTo>
+                  <a:lnTo>
+                    <a:pt x="6162" y="9596"/>
+                  </a:lnTo>
+                  <a:lnTo>
+                    <a:pt x="6162" y="10668"/>
+                  </a:lnTo>
+                  <a:lnTo>
+                    <a:pt x="6162" y="10668"/>
+                  </a:lnTo>
+                  <a:lnTo>
+                    <a:pt x="5650" y="10717"/>
+                  </a:lnTo>
+                  <a:lnTo>
+                    <a:pt x="5650" y="10717"/>
+                  </a:lnTo>
+                  <a:lnTo>
+                    <a:pt x="5066" y="10814"/>
+                  </a:lnTo>
+                  <a:lnTo>
+                    <a:pt x="4506" y="10936"/>
+                  </a:lnTo>
+                  <a:lnTo>
+                    <a:pt x="3946" y="11058"/>
+                  </a:lnTo>
+                  <a:lnTo>
+                    <a:pt x="3410" y="11228"/>
+                  </a:lnTo>
+                  <a:lnTo>
+                    <a:pt x="2923" y="11423"/>
+                  </a:lnTo>
+                  <a:lnTo>
+                    <a:pt x="2460" y="11642"/>
+                  </a:lnTo>
+                  <a:lnTo>
+                    <a:pt x="2022" y="11886"/>
+                  </a:lnTo>
+                  <a:lnTo>
+                    <a:pt x="1632" y="12153"/>
+                  </a:lnTo>
+                  <a:lnTo>
+                    <a:pt x="1267" y="12421"/>
+                  </a:lnTo>
+                  <a:lnTo>
+                    <a:pt x="950" y="12738"/>
+                  </a:lnTo>
+                  <a:lnTo>
+                    <a:pt x="682" y="13079"/>
+                  </a:lnTo>
+                  <a:lnTo>
+                    <a:pt x="439" y="13420"/>
+                  </a:lnTo>
+                  <a:lnTo>
+                    <a:pt x="268" y="13810"/>
+                  </a:lnTo>
+                  <a:lnTo>
+                    <a:pt x="122" y="14199"/>
+                  </a:lnTo>
+                  <a:lnTo>
+                    <a:pt x="49" y="14638"/>
+                  </a:lnTo>
+                  <a:lnTo>
+                    <a:pt x="0" y="15076"/>
+                  </a:lnTo>
+                  <a:lnTo>
+                    <a:pt x="0" y="15076"/>
+                  </a:lnTo>
+                  <a:lnTo>
+                    <a:pt x="49" y="15125"/>
+                  </a:lnTo>
+                  <a:lnTo>
+                    <a:pt x="244" y="15222"/>
+                  </a:lnTo>
+                  <a:lnTo>
+                    <a:pt x="414" y="15295"/>
+                  </a:lnTo>
+                  <a:lnTo>
+                    <a:pt x="633" y="15393"/>
+                  </a:lnTo>
+                  <a:lnTo>
+                    <a:pt x="901" y="15490"/>
+                  </a:lnTo>
+                  <a:lnTo>
+                    <a:pt x="1267" y="15563"/>
+                  </a:lnTo>
+                  <a:lnTo>
+                    <a:pt x="1705" y="15661"/>
+                  </a:lnTo>
+                  <a:lnTo>
+                    <a:pt x="2216" y="15758"/>
+                  </a:lnTo>
+                  <a:lnTo>
+                    <a:pt x="2825" y="15831"/>
+                  </a:lnTo>
+                  <a:lnTo>
+                    <a:pt x="3556" y="15928"/>
+                  </a:lnTo>
+                  <a:lnTo>
+                    <a:pt x="4384" y="15977"/>
+                  </a:lnTo>
+                  <a:lnTo>
+                    <a:pt x="5309" y="16026"/>
+                  </a:lnTo>
+                  <a:lnTo>
+                    <a:pt x="6381" y="16050"/>
+                  </a:lnTo>
+                  <a:lnTo>
+                    <a:pt x="7599" y="16075"/>
+                  </a:lnTo>
+                  <a:lnTo>
+                    <a:pt x="7599" y="16075"/>
+                  </a:lnTo>
+                  <a:lnTo>
+                    <a:pt x="8792" y="16050"/>
+                  </a:lnTo>
+                  <a:lnTo>
+                    <a:pt x="9864" y="16026"/>
+                  </a:lnTo>
+                  <a:lnTo>
+                    <a:pt x="10814" y="15977"/>
+                  </a:lnTo>
+                  <a:lnTo>
+                    <a:pt x="11642" y="15928"/>
+                  </a:lnTo>
+                  <a:lnTo>
+                    <a:pt x="12372" y="15831"/>
+                  </a:lnTo>
+                  <a:lnTo>
+                    <a:pt x="12981" y="15758"/>
+                  </a:lnTo>
+                  <a:lnTo>
+                    <a:pt x="13517" y="15661"/>
+                  </a:lnTo>
+                  <a:lnTo>
+                    <a:pt x="13955" y="15563"/>
+                  </a:lnTo>
+                  <a:lnTo>
+                    <a:pt x="14321" y="15490"/>
+                  </a:lnTo>
+                  <a:lnTo>
+                    <a:pt x="14613" y="15393"/>
+                  </a:lnTo>
+                  <a:lnTo>
+                    <a:pt x="14832" y="15295"/>
+                  </a:lnTo>
+                  <a:lnTo>
+                    <a:pt x="15003" y="15222"/>
+                  </a:lnTo>
+                  <a:lnTo>
+                    <a:pt x="15173" y="15125"/>
+                  </a:lnTo>
+                  <a:lnTo>
+                    <a:pt x="15246" y="15076"/>
+                  </a:lnTo>
+                  <a:lnTo>
+                    <a:pt x="15246" y="15076"/>
+                  </a:lnTo>
+                  <a:lnTo>
+                    <a:pt x="15198" y="14613"/>
+                  </a:lnTo>
+                  <a:lnTo>
+                    <a:pt x="15125" y="14175"/>
+                  </a:lnTo>
+                  <a:lnTo>
+                    <a:pt x="15003" y="13761"/>
+                  </a:lnTo>
+                  <a:lnTo>
+                    <a:pt x="14832" y="13371"/>
+                  </a:lnTo>
+                  <a:lnTo>
+                    <a:pt x="14589" y="13006"/>
+                  </a:lnTo>
+                  <a:lnTo>
+                    <a:pt x="14321" y="12665"/>
+                  </a:lnTo>
+                  <a:lnTo>
+                    <a:pt x="14004" y="12373"/>
+                  </a:lnTo>
+                  <a:lnTo>
+                    <a:pt x="13639" y="12080"/>
+                  </a:lnTo>
+                  <a:lnTo>
+                    <a:pt x="13249" y="11813"/>
+                  </a:lnTo>
+                  <a:lnTo>
+                    <a:pt x="12811" y="11593"/>
+                  </a:lnTo>
+                  <a:lnTo>
+                    <a:pt x="12324" y="11374"/>
+                  </a:lnTo>
+                  <a:lnTo>
+                    <a:pt x="11812" y="11204"/>
+                  </a:lnTo>
+                  <a:lnTo>
+                    <a:pt x="11252" y="11033"/>
+                  </a:lnTo>
+                  <a:lnTo>
+                    <a:pt x="10668" y="10911"/>
+                  </a:lnTo>
+                  <a:lnTo>
+                    <a:pt x="10034" y="10790"/>
+                  </a:lnTo>
+                  <a:lnTo>
+                    <a:pt x="9401" y="10717"/>
+                  </a:lnTo>
+                  <a:lnTo>
+                    <a:pt x="9401" y="10717"/>
+                  </a:lnTo>
+                  <a:close/>
+                </a:path>
+              </a:pathLst>
+            </a:custGeom>
+            <a:noFill/>
+            <a:ln w="12175" cap="rnd" cmpd="sng">
+              <a:solidFill>
+                <a:schemeClr val="accent1"/>
+              </a:solidFill>
+              <a:prstDash val="solid"/>
+              <a:round/>
+              <a:headEnd type="none" w="sm" len="sm"/>
+              <a:tailEnd type="none" w="sm" len="sm"/>
+            </a:ln>
+          </p:spPr>
+          <p:txBody>
+            <a:bodyPr spcFirstLastPara="1" wrap="square" lIns="91425" tIns="91425" rIns="91425" bIns="91425" anchor="ctr" anchorCtr="0">
+              <a:noAutofit/>
+            </a:bodyPr>
+            <a:lstStyle/>
+            <a:p>
+              <a:pPr marL="0" lvl="0" indent="0" algn="l" rtl="0">
+                <a:spcBef>
+                  <a:spcPts val="0"/>
+                </a:spcBef>
+                <a:spcAft>
+                  <a:spcPts val="0"/>
+                </a:spcAft>
+                <a:buNone/>
+              </a:pPr>
+              <a:endParaRPr/>
+            </a:p>
+          </p:txBody>
+        </p:sp>
+        <p:sp>
+          <p:nvSpPr>
+            <p:cNvPr id="13" name="Google Shape;450;p37">
+              <a:extLst>
+                <a:ext uri="{FF2B5EF4-FFF2-40B4-BE49-F238E27FC236}">
+                  <a16:creationId xmlns:a16="http://schemas.microsoft.com/office/drawing/2014/main" id="{0AA4774B-428D-5740-9B46-CC3A05320F9B}"/>
+                </a:ext>
+              </a:extLst>
+            </p:cNvPr>
+            <p:cNvSpPr/>
+            <p:nvPr/>
+          </p:nvSpPr>
+          <p:spPr>
+            <a:xfrm>
+              <a:off x="5617648" y="1983128"/>
+              <a:ext cx="320378" cy="337776"/>
+            </a:xfrm>
+            <a:custGeom>
+              <a:avLst/>
+              <a:gdLst/>
+              <a:ahLst/>
+              <a:cxnLst/>
+              <a:rect l="l" t="t" r="r" b="b"/>
+              <a:pathLst>
+                <a:path w="15247" h="16075" fill="none" extrusionOk="0">
+                  <a:moveTo>
+                    <a:pt x="9401" y="10717"/>
+                  </a:moveTo>
+                  <a:lnTo>
+                    <a:pt x="9401" y="10717"/>
+                  </a:lnTo>
+                  <a:lnTo>
+                    <a:pt x="9085" y="10692"/>
+                  </a:lnTo>
+                  <a:lnTo>
+                    <a:pt x="9085" y="9596"/>
+                  </a:lnTo>
+                  <a:lnTo>
+                    <a:pt x="9085" y="9596"/>
+                  </a:lnTo>
+                  <a:lnTo>
+                    <a:pt x="9401" y="9377"/>
+                  </a:lnTo>
+                  <a:lnTo>
+                    <a:pt x="9718" y="9133"/>
+                  </a:lnTo>
+                  <a:lnTo>
+                    <a:pt x="10010" y="8866"/>
+                  </a:lnTo>
+                  <a:lnTo>
+                    <a:pt x="10302" y="8573"/>
+                  </a:lnTo>
+                  <a:lnTo>
+                    <a:pt x="10546" y="8232"/>
+                  </a:lnTo>
+                  <a:lnTo>
+                    <a:pt x="10765" y="7867"/>
+                  </a:lnTo>
+                  <a:lnTo>
+                    <a:pt x="10984" y="7502"/>
+                  </a:lnTo>
+                  <a:lnTo>
+                    <a:pt x="11155" y="7088"/>
+                  </a:lnTo>
+                  <a:lnTo>
+                    <a:pt x="11155" y="7088"/>
+                  </a:lnTo>
+                  <a:lnTo>
+                    <a:pt x="11228" y="7112"/>
+                  </a:lnTo>
+                  <a:lnTo>
+                    <a:pt x="11228" y="7112"/>
+                  </a:lnTo>
+                  <a:lnTo>
+                    <a:pt x="11374" y="7112"/>
+                  </a:lnTo>
+                  <a:lnTo>
+                    <a:pt x="11496" y="7039"/>
+                  </a:lnTo>
+                  <a:lnTo>
+                    <a:pt x="11617" y="6942"/>
+                  </a:lnTo>
+                  <a:lnTo>
+                    <a:pt x="11715" y="6771"/>
+                  </a:lnTo>
+                  <a:lnTo>
+                    <a:pt x="11812" y="6601"/>
+                  </a:lnTo>
+                  <a:lnTo>
+                    <a:pt x="11910" y="6381"/>
+                  </a:lnTo>
+                  <a:lnTo>
+                    <a:pt x="11958" y="6138"/>
+                  </a:lnTo>
+                  <a:lnTo>
+                    <a:pt x="12007" y="5870"/>
+                  </a:lnTo>
+                  <a:lnTo>
+                    <a:pt x="12007" y="5870"/>
+                  </a:lnTo>
+                  <a:lnTo>
+                    <a:pt x="12031" y="5626"/>
+                  </a:lnTo>
+                  <a:lnTo>
+                    <a:pt x="12007" y="5383"/>
+                  </a:lnTo>
+                  <a:lnTo>
+                    <a:pt x="11983" y="5188"/>
+                  </a:lnTo>
+                  <a:lnTo>
+                    <a:pt x="11934" y="4993"/>
+                  </a:lnTo>
+                  <a:lnTo>
+                    <a:pt x="11885" y="4823"/>
+                  </a:lnTo>
+                  <a:lnTo>
+                    <a:pt x="11812" y="4677"/>
+                  </a:lnTo>
+                  <a:lnTo>
+                    <a:pt x="11715" y="4579"/>
+                  </a:lnTo>
+                  <a:lnTo>
+                    <a:pt x="11593" y="4506"/>
+                  </a:lnTo>
+                  <a:lnTo>
+                    <a:pt x="11593" y="4506"/>
+                  </a:lnTo>
+                  <a:lnTo>
+                    <a:pt x="11666" y="4141"/>
+                  </a:lnTo>
+                  <a:lnTo>
+                    <a:pt x="11690" y="3800"/>
+                  </a:lnTo>
+                  <a:lnTo>
+                    <a:pt x="11690" y="3483"/>
+                  </a:lnTo>
+                  <a:lnTo>
+                    <a:pt x="11690" y="3191"/>
+                  </a:lnTo>
+                  <a:lnTo>
+                    <a:pt x="11666" y="2899"/>
+                  </a:lnTo>
+                  <a:lnTo>
+                    <a:pt x="11617" y="2631"/>
+                  </a:lnTo>
+                  <a:lnTo>
+                    <a:pt x="11544" y="2387"/>
+                  </a:lnTo>
+                  <a:lnTo>
+                    <a:pt x="11471" y="2144"/>
+                  </a:lnTo>
+                  <a:lnTo>
+                    <a:pt x="11374" y="1924"/>
+                  </a:lnTo>
+                  <a:lnTo>
+                    <a:pt x="11276" y="1705"/>
+                  </a:lnTo>
+                  <a:lnTo>
+                    <a:pt x="11155" y="1510"/>
+                  </a:lnTo>
+                  <a:lnTo>
+                    <a:pt x="11009" y="1340"/>
+                  </a:lnTo>
+                  <a:lnTo>
+                    <a:pt x="10862" y="1169"/>
+                  </a:lnTo>
+                  <a:lnTo>
+                    <a:pt x="10716" y="1023"/>
+                  </a:lnTo>
+                  <a:lnTo>
+                    <a:pt x="10400" y="755"/>
+                  </a:lnTo>
+                  <a:lnTo>
+                    <a:pt x="10034" y="561"/>
+                  </a:lnTo>
+                  <a:lnTo>
+                    <a:pt x="9669" y="366"/>
+                  </a:lnTo>
+                  <a:lnTo>
+                    <a:pt x="9304" y="244"/>
+                  </a:lnTo>
+                  <a:lnTo>
+                    <a:pt x="8938" y="146"/>
+                  </a:lnTo>
+                  <a:lnTo>
+                    <a:pt x="8573" y="73"/>
+                  </a:lnTo>
+                  <a:lnTo>
+                    <a:pt x="8232" y="25"/>
+                  </a:lnTo>
+                  <a:lnTo>
+                    <a:pt x="7915" y="0"/>
+                  </a:lnTo>
+                  <a:lnTo>
+                    <a:pt x="7623" y="0"/>
+                  </a:lnTo>
+                  <a:lnTo>
+                    <a:pt x="7623" y="0"/>
+                  </a:lnTo>
+                  <a:lnTo>
+                    <a:pt x="7282" y="25"/>
+                  </a:lnTo>
+                  <a:lnTo>
+                    <a:pt x="6990" y="98"/>
+                  </a:lnTo>
+                  <a:lnTo>
+                    <a:pt x="6746" y="171"/>
+                  </a:lnTo>
+                  <a:lnTo>
+                    <a:pt x="6527" y="293"/>
+                  </a:lnTo>
+                  <a:lnTo>
+                    <a:pt x="6332" y="390"/>
+                  </a:lnTo>
+                  <a:lnTo>
+                    <a:pt x="6186" y="536"/>
+                  </a:lnTo>
+                  <a:lnTo>
+                    <a:pt x="6040" y="658"/>
+                  </a:lnTo>
+                  <a:lnTo>
+                    <a:pt x="5943" y="780"/>
+                  </a:lnTo>
+                  <a:lnTo>
+                    <a:pt x="5943" y="780"/>
+                  </a:lnTo>
+                  <a:lnTo>
+                    <a:pt x="5943" y="780"/>
+                  </a:lnTo>
+                  <a:lnTo>
+                    <a:pt x="5943" y="780"/>
+                  </a:lnTo>
+                  <a:lnTo>
+                    <a:pt x="5553" y="853"/>
+                  </a:lnTo>
+                  <a:lnTo>
+                    <a:pt x="5188" y="975"/>
+                  </a:lnTo>
+                  <a:lnTo>
+                    <a:pt x="4871" y="1145"/>
+                  </a:lnTo>
+                  <a:lnTo>
+                    <a:pt x="4603" y="1316"/>
+                  </a:lnTo>
+                  <a:lnTo>
+                    <a:pt x="4360" y="1535"/>
+                  </a:lnTo>
+                  <a:lnTo>
+                    <a:pt x="4165" y="1754"/>
+                  </a:lnTo>
+                  <a:lnTo>
+                    <a:pt x="4019" y="2022"/>
+                  </a:lnTo>
+                  <a:lnTo>
+                    <a:pt x="3897" y="2290"/>
+                  </a:lnTo>
+                  <a:lnTo>
+                    <a:pt x="3799" y="2558"/>
+                  </a:lnTo>
+                  <a:lnTo>
+                    <a:pt x="3726" y="2826"/>
+                  </a:lnTo>
+                  <a:lnTo>
+                    <a:pt x="3678" y="3118"/>
+                  </a:lnTo>
+                  <a:lnTo>
+                    <a:pt x="3629" y="3410"/>
+                  </a:lnTo>
+                  <a:lnTo>
+                    <a:pt x="3629" y="3702"/>
+                  </a:lnTo>
+                  <a:lnTo>
+                    <a:pt x="3629" y="3970"/>
+                  </a:lnTo>
+                  <a:lnTo>
+                    <a:pt x="3678" y="4482"/>
+                  </a:lnTo>
+                  <a:lnTo>
+                    <a:pt x="3678" y="4482"/>
+                  </a:lnTo>
+                  <a:lnTo>
+                    <a:pt x="3678" y="4506"/>
+                  </a:lnTo>
+                  <a:lnTo>
+                    <a:pt x="3678" y="4506"/>
+                  </a:lnTo>
+                  <a:lnTo>
+                    <a:pt x="3556" y="4555"/>
+                  </a:lnTo>
+                  <a:lnTo>
+                    <a:pt x="3459" y="4652"/>
+                  </a:lnTo>
+                  <a:lnTo>
+                    <a:pt x="3385" y="4798"/>
+                  </a:lnTo>
+                  <a:lnTo>
+                    <a:pt x="3312" y="4969"/>
+                  </a:lnTo>
+                  <a:lnTo>
+                    <a:pt x="3264" y="5164"/>
+                  </a:lnTo>
+                  <a:lnTo>
+                    <a:pt x="3239" y="5383"/>
+                  </a:lnTo>
+                  <a:lnTo>
+                    <a:pt x="3215" y="5626"/>
+                  </a:lnTo>
+                  <a:lnTo>
+                    <a:pt x="3239" y="5870"/>
+                  </a:lnTo>
+                  <a:lnTo>
+                    <a:pt x="3239" y="5870"/>
+                  </a:lnTo>
+                  <a:lnTo>
+                    <a:pt x="3288" y="6138"/>
+                  </a:lnTo>
+                  <a:lnTo>
+                    <a:pt x="3337" y="6381"/>
+                  </a:lnTo>
+                  <a:lnTo>
+                    <a:pt x="3434" y="6601"/>
+                  </a:lnTo>
+                  <a:lnTo>
+                    <a:pt x="3532" y="6771"/>
+                  </a:lnTo>
+                  <a:lnTo>
+                    <a:pt x="3629" y="6942"/>
+                  </a:lnTo>
+                  <a:lnTo>
+                    <a:pt x="3751" y="7039"/>
+                  </a:lnTo>
+                  <a:lnTo>
+                    <a:pt x="3873" y="7112"/>
+                  </a:lnTo>
+                  <a:lnTo>
+                    <a:pt x="4019" y="7112"/>
+                  </a:lnTo>
+                  <a:lnTo>
+                    <a:pt x="4019" y="7112"/>
+                  </a:lnTo>
+                  <a:lnTo>
+                    <a:pt x="4092" y="7088"/>
+                  </a:lnTo>
+                  <a:lnTo>
+                    <a:pt x="4092" y="7088"/>
+                  </a:lnTo>
+                  <a:lnTo>
+                    <a:pt x="4262" y="7502"/>
+                  </a:lnTo>
+                  <a:lnTo>
+                    <a:pt x="4481" y="7867"/>
+                  </a:lnTo>
+                  <a:lnTo>
+                    <a:pt x="4701" y="8232"/>
+                  </a:lnTo>
+                  <a:lnTo>
+                    <a:pt x="4969" y="8573"/>
+                  </a:lnTo>
+                  <a:lnTo>
+                    <a:pt x="5236" y="8866"/>
+                  </a:lnTo>
+                  <a:lnTo>
+                    <a:pt x="5529" y="9133"/>
+                  </a:lnTo>
+                  <a:lnTo>
+                    <a:pt x="5845" y="9377"/>
+                  </a:lnTo>
+                  <a:lnTo>
+                    <a:pt x="6162" y="9596"/>
+                  </a:lnTo>
+                  <a:lnTo>
+                    <a:pt x="6162" y="10668"/>
+                  </a:lnTo>
+                  <a:lnTo>
+                    <a:pt x="6162" y="10668"/>
+                  </a:lnTo>
+                  <a:lnTo>
+                    <a:pt x="5650" y="10717"/>
+                  </a:lnTo>
+                  <a:lnTo>
+                    <a:pt x="5650" y="10717"/>
+                  </a:lnTo>
+                  <a:lnTo>
+                    <a:pt x="5066" y="10814"/>
+                  </a:lnTo>
+                  <a:lnTo>
+                    <a:pt x="4506" y="10936"/>
+                  </a:lnTo>
+                  <a:lnTo>
+                    <a:pt x="3946" y="11058"/>
+                  </a:lnTo>
+                  <a:lnTo>
+                    <a:pt x="3410" y="11228"/>
+                  </a:lnTo>
+                  <a:lnTo>
+                    <a:pt x="2923" y="11423"/>
+                  </a:lnTo>
+                  <a:lnTo>
+                    <a:pt x="2460" y="11642"/>
+                  </a:lnTo>
+                  <a:lnTo>
+                    <a:pt x="2022" y="11886"/>
+                  </a:lnTo>
+                  <a:lnTo>
+                    <a:pt x="1632" y="12153"/>
+                  </a:lnTo>
+                  <a:lnTo>
+                    <a:pt x="1267" y="12421"/>
+                  </a:lnTo>
+                  <a:lnTo>
+                    <a:pt x="950" y="12738"/>
+                  </a:lnTo>
+                  <a:lnTo>
+                    <a:pt x="682" y="13079"/>
+                  </a:lnTo>
+                  <a:lnTo>
+                    <a:pt x="439" y="13420"/>
+                  </a:lnTo>
+                  <a:lnTo>
+                    <a:pt x="268" y="13810"/>
+                  </a:lnTo>
+                  <a:lnTo>
+                    <a:pt x="122" y="14199"/>
+                  </a:lnTo>
+                  <a:lnTo>
+                    <a:pt x="49" y="14638"/>
+                  </a:lnTo>
+                  <a:lnTo>
+                    <a:pt x="0" y="15076"/>
+                  </a:lnTo>
+                  <a:lnTo>
+                    <a:pt x="0" y="15076"/>
+                  </a:lnTo>
+                  <a:lnTo>
+                    <a:pt x="49" y="15125"/>
+                  </a:lnTo>
+                  <a:lnTo>
+                    <a:pt x="244" y="15222"/>
+                  </a:lnTo>
+                  <a:lnTo>
+                    <a:pt x="414" y="15295"/>
+                  </a:lnTo>
+                  <a:lnTo>
+                    <a:pt x="633" y="15393"/>
+                  </a:lnTo>
+                  <a:lnTo>
+                    <a:pt x="901" y="15490"/>
+                  </a:lnTo>
+                  <a:lnTo>
+                    <a:pt x="1267" y="15563"/>
+                  </a:lnTo>
+                  <a:lnTo>
+                    <a:pt x="1705" y="15661"/>
+                  </a:lnTo>
+                  <a:lnTo>
+                    <a:pt x="2216" y="15758"/>
+                  </a:lnTo>
+                  <a:lnTo>
+                    <a:pt x="2825" y="15831"/>
+                  </a:lnTo>
+                  <a:lnTo>
+                    <a:pt x="3556" y="15928"/>
+                  </a:lnTo>
+                  <a:lnTo>
+                    <a:pt x="4384" y="15977"/>
+                  </a:lnTo>
+                  <a:lnTo>
+                    <a:pt x="5309" y="16026"/>
+                  </a:lnTo>
+                  <a:lnTo>
+                    <a:pt x="6381" y="16050"/>
+                  </a:lnTo>
+                  <a:lnTo>
+                    <a:pt x="7599" y="16075"/>
+                  </a:lnTo>
+                  <a:lnTo>
+                    <a:pt x="7599" y="16075"/>
+                  </a:lnTo>
+                  <a:lnTo>
+                    <a:pt x="8792" y="16050"/>
+                  </a:lnTo>
+                  <a:lnTo>
+                    <a:pt x="9864" y="16026"/>
+                  </a:lnTo>
+                  <a:lnTo>
+                    <a:pt x="10814" y="15977"/>
+                  </a:lnTo>
+                  <a:lnTo>
+                    <a:pt x="11642" y="15928"/>
+                  </a:lnTo>
+                  <a:lnTo>
+                    <a:pt x="12372" y="15831"/>
+                  </a:lnTo>
+                  <a:lnTo>
+                    <a:pt x="12981" y="15758"/>
+                  </a:lnTo>
+                  <a:lnTo>
+                    <a:pt x="13517" y="15661"/>
+                  </a:lnTo>
+                  <a:lnTo>
+                    <a:pt x="13955" y="15563"/>
+                  </a:lnTo>
+                  <a:lnTo>
+                    <a:pt x="14321" y="15490"/>
+                  </a:lnTo>
+                  <a:lnTo>
+                    <a:pt x="14613" y="15393"/>
+                  </a:lnTo>
+                  <a:lnTo>
+                    <a:pt x="14832" y="15295"/>
+                  </a:lnTo>
+                  <a:lnTo>
+                    <a:pt x="15003" y="15222"/>
+                  </a:lnTo>
+                  <a:lnTo>
+                    <a:pt x="15173" y="15125"/>
+                  </a:lnTo>
+                  <a:lnTo>
+                    <a:pt x="15246" y="15076"/>
+                  </a:lnTo>
+                  <a:lnTo>
+                    <a:pt x="15246" y="15076"/>
+                  </a:lnTo>
+                  <a:lnTo>
+                    <a:pt x="15198" y="14613"/>
+                  </a:lnTo>
+                  <a:lnTo>
+                    <a:pt x="15125" y="14175"/>
+                  </a:lnTo>
+                  <a:lnTo>
+                    <a:pt x="15003" y="13761"/>
+                  </a:lnTo>
+                  <a:lnTo>
+                    <a:pt x="14832" y="13371"/>
+                  </a:lnTo>
+                  <a:lnTo>
+                    <a:pt x="14589" y="13006"/>
+                  </a:lnTo>
+                  <a:lnTo>
+                    <a:pt x="14321" y="12665"/>
+                  </a:lnTo>
+                  <a:lnTo>
+                    <a:pt x="14004" y="12373"/>
+                  </a:lnTo>
+                  <a:lnTo>
+                    <a:pt x="13639" y="12080"/>
+                  </a:lnTo>
+                  <a:lnTo>
+                    <a:pt x="13249" y="11813"/>
+                  </a:lnTo>
+                  <a:lnTo>
+                    <a:pt x="12811" y="11593"/>
+                  </a:lnTo>
+                  <a:lnTo>
+                    <a:pt x="12324" y="11374"/>
+                  </a:lnTo>
+                  <a:lnTo>
+                    <a:pt x="11812" y="11204"/>
+                  </a:lnTo>
+                  <a:lnTo>
+                    <a:pt x="11252" y="11033"/>
+                  </a:lnTo>
+                  <a:lnTo>
+                    <a:pt x="10668" y="10911"/>
+                  </a:lnTo>
+                  <a:lnTo>
+                    <a:pt x="10034" y="10790"/>
+                  </a:lnTo>
+                  <a:lnTo>
+                    <a:pt x="9401" y="10717"/>
+                  </a:lnTo>
+                  <a:lnTo>
+                    <a:pt x="9401" y="10717"/>
+                  </a:lnTo>
+                  <a:close/>
+                </a:path>
+              </a:pathLst>
+            </a:custGeom>
+            <a:noFill/>
+            <a:ln w="12175" cap="rnd" cmpd="sng">
+              <a:solidFill>
+                <a:schemeClr val="accent1"/>
+              </a:solidFill>
+              <a:prstDash val="solid"/>
+              <a:round/>
+              <a:headEnd type="none" w="sm" len="sm"/>
+              <a:tailEnd type="none" w="sm" len="sm"/>
+            </a:ln>
+          </p:spPr>
+          <p:txBody>
+            <a:bodyPr spcFirstLastPara="1" wrap="square" lIns="91425" tIns="91425" rIns="91425" bIns="91425" anchor="ctr" anchorCtr="0">
+              <a:noAutofit/>
+            </a:bodyPr>
+            <a:lstStyle/>
+            <a:p>
+              <a:pPr marL="0" lvl="0" indent="0" algn="l" rtl="0">
+                <a:spcBef>
+                  <a:spcPts val="0"/>
+                </a:spcBef>
+                <a:spcAft>
+                  <a:spcPts val="0"/>
+                </a:spcAft>
+                <a:buNone/>
+              </a:pPr>
+              <a:endParaRPr/>
+            </a:p>
+          </p:txBody>
+        </p:sp>
+        <p:sp>
+          <p:nvSpPr>
+            <p:cNvPr id="14" name="Google Shape;450;p37">
+              <a:extLst>
+                <a:ext uri="{FF2B5EF4-FFF2-40B4-BE49-F238E27FC236}">
+                  <a16:creationId xmlns:a16="http://schemas.microsoft.com/office/drawing/2014/main" id="{C28E7F25-702B-D145-AFE7-B5A34B4BD6C1}"/>
+                </a:ext>
+              </a:extLst>
+            </p:cNvPr>
+            <p:cNvSpPr/>
+            <p:nvPr/>
+          </p:nvSpPr>
+          <p:spPr>
+            <a:xfrm>
+              <a:off x="5864140" y="1859577"/>
+              <a:ext cx="320378" cy="337776"/>
+            </a:xfrm>
+            <a:custGeom>
+              <a:avLst/>
+              <a:gdLst/>
+              <a:ahLst/>
+              <a:cxnLst/>
+              <a:rect l="l" t="t" r="r" b="b"/>
+              <a:pathLst>
+                <a:path w="15247" h="16075" fill="none" extrusionOk="0">
+                  <a:moveTo>
+                    <a:pt x="9401" y="10717"/>
+                  </a:moveTo>
+                  <a:lnTo>
+                    <a:pt x="9401" y="10717"/>
+                  </a:lnTo>
+                  <a:lnTo>
+                    <a:pt x="9085" y="10692"/>
+                  </a:lnTo>
+                  <a:lnTo>
+                    <a:pt x="9085" y="9596"/>
+                  </a:lnTo>
+                  <a:lnTo>
+                    <a:pt x="9085" y="9596"/>
+                  </a:lnTo>
+                  <a:lnTo>
+                    <a:pt x="9401" y="9377"/>
+                  </a:lnTo>
+                  <a:lnTo>
+                    <a:pt x="9718" y="9133"/>
+                  </a:lnTo>
+                  <a:lnTo>
+                    <a:pt x="10010" y="8866"/>
+                  </a:lnTo>
+                  <a:lnTo>
+                    <a:pt x="10302" y="8573"/>
+                  </a:lnTo>
+                  <a:lnTo>
+                    <a:pt x="10546" y="8232"/>
+                  </a:lnTo>
+                  <a:lnTo>
+                    <a:pt x="10765" y="7867"/>
+                  </a:lnTo>
+                  <a:lnTo>
+                    <a:pt x="10984" y="7502"/>
+                  </a:lnTo>
+                  <a:lnTo>
+                    <a:pt x="11155" y="7088"/>
+                  </a:lnTo>
+                  <a:lnTo>
+                    <a:pt x="11155" y="7088"/>
+                  </a:lnTo>
+                  <a:lnTo>
+                    <a:pt x="11228" y="7112"/>
+                  </a:lnTo>
+                  <a:lnTo>
+                    <a:pt x="11228" y="7112"/>
+                  </a:lnTo>
+                  <a:lnTo>
+                    <a:pt x="11374" y="7112"/>
+                  </a:lnTo>
+                  <a:lnTo>
+                    <a:pt x="11496" y="7039"/>
+                  </a:lnTo>
+                  <a:lnTo>
+                    <a:pt x="11617" y="6942"/>
+                  </a:lnTo>
+                  <a:lnTo>
+                    <a:pt x="11715" y="6771"/>
+                  </a:lnTo>
+                  <a:lnTo>
+                    <a:pt x="11812" y="6601"/>
+                  </a:lnTo>
+                  <a:lnTo>
+                    <a:pt x="11910" y="6381"/>
+                  </a:lnTo>
+                  <a:lnTo>
+                    <a:pt x="11958" y="6138"/>
+                  </a:lnTo>
+                  <a:lnTo>
+                    <a:pt x="12007" y="5870"/>
+                  </a:lnTo>
+                  <a:lnTo>
+                    <a:pt x="12007" y="5870"/>
+                  </a:lnTo>
+                  <a:lnTo>
+                    <a:pt x="12031" y="5626"/>
+                  </a:lnTo>
+                  <a:lnTo>
+                    <a:pt x="12007" y="5383"/>
+                  </a:lnTo>
+                  <a:lnTo>
+                    <a:pt x="11983" y="5188"/>
+                  </a:lnTo>
+                  <a:lnTo>
+                    <a:pt x="11934" y="4993"/>
+                  </a:lnTo>
+                  <a:lnTo>
+                    <a:pt x="11885" y="4823"/>
+                  </a:lnTo>
+                  <a:lnTo>
+                    <a:pt x="11812" y="4677"/>
+                  </a:lnTo>
+                  <a:lnTo>
+                    <a:pt x="11715" y="4579"/>
+                  </a:lnTo>
+                  <a:lnTo>
+                    <a:pt x="11593" y="4506"/>
+                  </a:lnTo>
+                  <a:lnTo>
+                    <a:pt x="11593" y="4506"/>
+                  </a:lnTo>
+                  <a:lnTo>
+                    <a:pt x="11666" y="4141"/>
+                  </a:lnTo>
+                  <a:lnTo>
+                    <a:pt x="11690" y="3800"/>
+                  </a:lnTo>
+                  <a:lnTo>
+                    <a:pt x="11690" y="3483"/>
+                  </a:lnTo>
+                  <a:lnTo>
+                    <a:pt x="11690" y="3191"/>
+                  </a:lnTo>
+                  <a:lnTo>
+                    <a:pt x="11666" y="2899"/>
+                  </a:lnTo>
+                  <a:lnTo>
+                    <a:pt x="11617" y="2631"/>
+                  </a:lnTo>
+                  <a:lnTo>
+                    <a:pt x="11544" y="2387"/>
+                  </a:lnTo>
+                  <a:lnTo>
+                    <a:pt x="11471" y="2144"/>
+                  </a:lnTo>
+                  <a:lnTo>
+                    <a:pt x="11374" y="1924"/>
+                  </a:lnTo>
+                  <a:lnTo>
+                    <a:pt x="11276" y="1705"/>
+                  </a:lnTo>
+                  <a:lnTo>
+                    <a:pt x="11155" y="1510"/>
+                  </a:lnTo>
+                  <a:lnTo>
+                    <a:pt x="11009" y="1340"/>
+                  </a:lnTo>
+                  <a:lnTo>
+                    <a:pt x="10862" y="1169"/>
+                  </a:lnTo>
+                  <a:lnTo>
+                    <a:pt x="10716" y="1023"/>
+                  </a:lnTo>
+                  <a:lnTo>
+                    <a:pt x="10400" y="755"/>
+                  </a:lnTo>
+                  <a:lnTo>
+                    <a:pt x="10034" y="561"/>
+                  </a:lnTo>
+                  <a:lnTo>
+                    <a:pt x="9669" y="366"/>
+                  </a:lnTo>
+                  <a:lnTo>
+                    <a:pt x="9304" y="244"/>
+                  </a:lnTo>
+                  <a:lnTo>
+                    <a:pt x="8938" y="146"/>
+                  </a:lnTo>
+                  <a:lnTo>
+                    <a:pt x="8573" y="73"/>
+                  </a:lnTo>
+                  <a:lnTo>
+                    <a:pt x="8232" y="25"/>
+                  </a:lnTo>
+                  <a:lnTo>
+                    <a:pt x="7915" y="0"/>
+                  </a:lnTo>
+                  <a:lnTo>
+                    <a:pt x="7623" y="0"/>
+                  </a:lnTo>
+                  <a:lnTo>
+                    <a:pt x="7623" y="0"/>
+                  </a:lnTo>
+                  <a:lnTo>
+                    <a:pt x="7282" y="25"/>
+                  </a:lnTo>
+                  <a:lnTo>
+                    <a:pt x="6990" y="98"/>
+                  </a:lnTo>
+                  <a:lnTo>
+                    <a:pt x="6746" y="171"/>
+                  </a:lnTo>
+                  <a:lnTo>
+                    <a:pt x="6527" y="293"/>
+                  </a:lnTo>
+                  <a:lnTo>
+                    <a:pt x="6332" y="390"/>
+                  </a:lnTo>
+                  <a:lnTo>
+                    <a:pt x="6186" y="536"/>
+                  </a:lnTo>
+                  <a:lnTo>
+                    <a:pt x="6040" y="658"/>
+                  </a:lnTo>
+                  <a:lnTo>
+                    <a:pt x="5943" y="780"/>
+                  </a:lnTo>
+                  <a:lnTo>
+                    <a:pt x="5943" y="780"/>
+                  </a:lnTo>
+                  <a:lnTo>
+                    <a:pt x="5943" y="780"/>
+                  </a:lnTo>
+                  <a:lnTo>
+                    <a:pt x="5943" y="780"/>
+                  </a:lnTo>
+                  <a:lnTo>
+                    <a:pt x="5553" y="853"/>
+                  </a:lnTo>
+                  <a:lnTo>
+                    <a:pt x="5188" y="975"/>
+                  </a:lnTo>
+                  <a:lnTo>
+                    <a:pt x="4871" y="1145"/>
+                  </a:lnTo>
+                  <a:lnTo>
+                    <a:pt x="4603" y="1316"/>
+                  </a:lnTo>
+                  <a:lnTo>
+                    <a:pt x="4360" y="1535"/>
+                  </a:lnTo>
+                  <a:lnTo>
+                    <a:pt x="4165" y="1754"/>
+                  </a:lnTo>
+                  <a:lnTo>
+                    <a:pt x="4019" y="2022"/>
+                  </a:lnTo>
+                  <a:lnTo>
+                    <a:pt x="3897" y="2290"/>
+                  </a:lnTo>
+                  <a:lnTo>
+                    <a:pt x="3799" y="2558"/>
+                  </a:lnTo>
+                  <a:lnTo>
+                    <a:pt x="3726" y="2826"/>
+                  </a:lnTo>
+                  <a:lnTo>
+                    <a:pt x="3678" y="3118"/>
+                  </a:lnTo>
+                  <a:lnTo>
+                    <a:pt x="3629" y="3410"/>
+                  </a:lnTo>
+                  <a:lnTo>
+                    <a:pt x="3629" y="3702"/>
+                  </a:lnTo>
+                  <a:lnTo>
+                    <a:pt x="3629" y="3970"/>
+                  </a:lnTo>
+                  <a:lnTo>
+                    <a:pt x="3678" y="4482"/>
+                  </a:lnTo>
+                  <a:lnTo>
+                    <a:pt x="3678" y="4482"/>
+                  </a:lnTo>
+                  <a:lnTo>
+                    <a:pt x="3678" y="4506"/>
+                  </a:lnTo>
+                  <a:lnTo>
+                    <a:pt x="3678" y="4506"/>
+                  </a:lnTo>
+                  <a:lnTo>
+                    <a:pt x="3556" y="4555"/>
+                  </a:lnTo>
+                  <a:lnTo>
+                    <a:pt x="3459" y="4652"/>
+                  </a:lnTo>
+                  <a:lnTo>
+                    <a:pt x="3385" y="4798"/>
+                  </a:lnTo>
+                  <a:lnTo>
+                    <a:pt x="3312" y="4969"/>
+                  </a:lnTo>
+                  <a:lnTo>
+                    <a:pt x="3264" y="5164"/>
+                  </a:lnTo>
+                  <a:lnTo>
+                    <a:pt x="3239" y="5383"/>
+                  </a:lnTo>
+                  <a:lnTo>
+                    <a:pt x="3215" y="5626"/>
+                  </a:lnTo>
+                  <a:lnTo>
+                    <a:pt x="3239" y="5870"/>
+                  </a:lnTo>
+                  <a:lnTo>
+                    <a:pt x="3239" y="5870"/>
+                  </a:lnTo>
+                  <a:lnTo>
+                    <a:pt x="3288" y="6138"/>
+                  </a:lnTo>
+                  <a:lnTo>
+                    <a:pt x="3337" y="6381"/>
+                  </a:lnTo>
+                  <a:lnTo>
+                    <a:pt x="3434" y="6601"/>
+                  </a:lnTo>
+                  <a:lnTo>
+                    <a:pt x="3532" y="6771"/>
+                  </a:lnTo>
+                  <a:lnTo>
+                    <a:pt x="3629" y="6942"/>
+                  </a:lnTo>
+                  <a:lnTo>
+                    <a:pt x="3751" y="7039"/>
+                  </a:lnTo>
+                  <a:lnTo>
+                    <a:pt x="3873" y="7112"/>
+                  </a:lnTo>
+                  <a:lnTo>
+                    <a:pt x="4019" y="7112"/>
+                  </a:lnTo>
+                  <a:lnTo>
+                    <a:pt x="4019" y="7112"/>
+                  </a:lnTo>
+                  <a:lnTo>
+                    <a:pt x="4092" y="7088"/>
+                  </a:lnTo>
+                  <a:lnTo>
+                    <a:pt x="4092" y="7088"/>
+                  </a:lnTo>
+                  <a:lnTo>
+                    <a:pt x="4262" y="7502"/>
+                  </a:lnTo>
+                  <a:lnTo>
+                    <a:pt x="4481" y="7867"/>
+                  </a:lnTo>
+                  <a:lnTo>
+                    <a:pt x="4701" y="8232"/>
+                  </a:lnTo>
+                  <a:lnTo>
+                    <a:pt x="4969" y="8573"/>
+                  </a:lnTo>
+                  <a:lnTo>
+                    <a:pt x="5236" y="8866"/>
+                  </a:lnTo>
+                  <a:lnTo>
+                    <a:pt x="5529" y="9133"/>
+                  </a:lnTo>
+                  <a:lnTo>
+                    <a:pt x="5845" y="9377"/>
+                  </a:lnTo>
+                  <a:lnTo>
+                    <a:pt x="6162" y="9596"/>
+                  </a:lnTo>
+                  <a:lnTo>
+                    <a:pt x="6162" y="10668"/>
+                  </a:lnTo>
+                  <a:lnTo>
+                    <a:pt x="6162" y="10668"/>
+                  </a:lnTo>
+                  <a:lnTo>
+                    <a:pt x="5650" y="10717"/>
+                  </a:lnTo>
+                  <a:lnTo>
+                    <a:pt x="5650" y="10717"/>
+                  </a:lnTo>
+                  <a:lnTo>
+                    <a:pt x="5066" y="10814"/>
+                  </a:lnTo>
+                  <a:lnTo>
+                    <a:pt x="4506" y="10936"/>
+                  </a:lnTo>
+                  <a:lnTo>
+                    <a:pt x="3946" y="11058"/>
+                  </a:lnTo>
+                  <a:lnTo>
+                    <a:pt x="3410" y="11228"/>
+                  </a:lnTo>
+                  <a:lnTo>
+                    <a:pt x="2923" y="11423"/>
+                  </a:lnTo>
+                  <a:lnTo>
+                    <a:pt x="2460" y="11642"/>
+                  </a:lnTo>
+                  <a:lnTo>
+                    <a:pt x="2022" y="11886"/>
+                  </a:lnTo>
+                  <a:lnTo>
+                    <a:pt x="1632" y="12153"/>
+                  </a:lnTo>
+                  <a:lnTo>
+                    <a:pt x="1267" y="12421"/>
+                  </a:lnTo>
+                  <a:lnTo>
+                    <a:pt x="950" y="12738"/>
+                  </a:lnTo>
+                  <a:lnTo>
+                    <a:pt x="682" y="13079"/>
+                  </a:lnTo>
+                  <a:lnTo>
+                    <a:pt x="439" y="13420"/>
+                  </a:lnTo>
+                  <a:lnTo>
+                    <a:pt x="268" y="13810"/>
+                  </a:lnTo>
+                  <a:lnTo>
+                    <a:pt x="122" y="14199"/>
+                  </a:lnTo>
+                  <a:lnTo>
+                    <a:pt x="49" y="14638"/>
+                  </a:lnTo>
+                  <a:lnTo>
+                    <a:pt x="0" y="15076"/>
+                  </a:lnTo>
+                  <a:lnTo>
+                    <a:pt x="0" y="15076"/>
+                  </a:lnTo>
+                  <a:lnTo>
+                    <a:pt x="49" y="15125"/>
+                  </a:lnTo>
+                  <a:lnTo>
+                    <a:pt x="244" y="15222"/>
+                  </a:lnTo>
+                  <a:lnTo>
+                    <a:pt x="414" y="15295"/>
+                  </a:lnTo>
+                  <a:lnTo>
+                    <a:pt x="633" y="15393"/>
+                  </a:lnTo>
+                  <a:lnTo>
+                    <a:pt x="901" y="15490"/>
+                  </a:lnTo>
+                  <a:lnTo>
+                    <a:pt x="1267" y="15563"/>
+                  </a:lnTo>
+                  <a:lnTo>
+                    <a:pt x="1705" y="15661"/>
+                  </a:lnTo>
+                  <a:lnTo>
+                    <a:pt x="2216" y="15758"/>
+                  </a:lnTo>
+                  <a:lnTo>
+                    <a:pt x="2825" y="15831"/>
+                  </a:lnTo>
+                  <a:lnTo>
+                    <a:pt x="3556" y="15928"/>
+                  </a:lnTo>
+                  <a:lnTo>
+                    <a:pt x="4384" y="15977"/>
+                  </a:lnTo>
+                  <a:lnTo>
+                    <a:pt x="5309" y="16026"/>
+                  </a:lnTo>
+                  <a:lnTo>
+                    <a:pt x="6381" y="16050"/>
+                  </a:lnTo>
+                  <a:lnTo>
+                    <a:pt x="7599" y="16075"/>
+                  </a:lnTo>
+                  <a:lnTo>
+                    <a:pt x="7599" y="16075"/>
+                  </a:lnTo>
+                  <a:lnTo>
+                    <a:pt x="8792" y="16050"/>
+                  </a:lnTo>
+                  <a:lnTo>
+                    <a:pt x="9864" y="16026"/>
+                  </a:lnTo>
+                  <a:lnTo>
+                    <a:pt x="10814" y="15977"/>
+                  </a:lnTo>
+                  <a:lnTo>
+                    <a:pt x="11642" y="15928"/>
+                  </a:lnTo>
+                  <a:lnTo>
+                    <a:pt x="12372" y="15831"/>
+                  </a:lnTo>
+                  <a:lnTo>
+                    <a:pt x="12981" y="15758"/>
+                  </a:lnTo>
+                  <a:lnTo>
+                    <a:pt x="13517" y="15661"/>
+                  </a:lnTo>
+                  <a:lnTo>
+                    <a:pt x="13955" y="15563"/>
+                  </a:lnTo>
+                  <a:lnTo>
+                    <a:pt x="14321" y="15490"/>
+                  </a:lnTo>
+                  <a:lnTo>
+                    <a:pt x="14613" y="15393"/>
+                  </a:lnTo>
+                  <a:lnTo>
+                    <a:pt x="14832" y="15295"/>
+                  </a:lnTo>
+                  <a:lnTo>
+                    <a:pt x="15003" y="15222"/>
+                  </a:lnTo>
+                  <a:lnTo>
+                    <a:pt x="15173" y="15125"/>
+                  </a:lnTo>
+                  <a:lnTo>
+                    <a:pt x="15246" y="15076"/>
+                  </a:lnTo>
+                  <a:lnTo>
+                    <a:pt x="15246" y="15076"/>
+                  </a:lnTo>
+                  <a:lnTo>
+                    <a:pt x="15198" y="14613"/>
+                  </a:lnTo>
+                  <a:lnTo>
+                    <a:pt x="15125" y="14175"/>
+                  </a:lnTo>
+                  <a:lnTo>
+                    <a:pt x="15003" y="13761"/>
+                  </a:lnTo>
+                  <a:lnTo>
+                    <a:pt x="14832" y="13371"/>
+                  </a:lnTo>
+                  <a:lnTo>
+                    <a:pt x="14589" y="13006"/>
+                  </a:lnTo>
+                  <a:lnTo>
+                    <a:pt x="14321" y="12665"/>
+                  </a:lnTo>
+                  <a:lnTo>
+                    <a:pt x="14004" y="12373"/>
+                  </a:lnTo>
+                  <a:lnTo>
+                    <a:pt x="13639" y="12080"/>
+                  </a:lnTo>
+                  <a:lnTo>
+                    <a:pt x="13249" y="11813"/>
+                  </a:lnTo>
+                  <a:lnTo>
+                    <a:pt x="12811" y="11593"/>
+                  </a:lnTo>
+                  <a:lnTo>
+                    <a:pt x="12324" y="11374"/>
+                  </a:lnTo>
+                  <a:lnTo>
+                    <a:pt x="11812" y="11204"/>
+                  </a:lnTo>
+                  <a:lnTo>
+                    <a:pt x="11252" y="11033"/>
+                  </a:lnTo>
+                  <a:lnTo>
+                    <a:pt x="10668" y="10911"/>
+                  </a:lnTo>
+                  <a:lnTo>
+                    <a:pt x="10034" y="10790"/>
+                  </a:lnTo>
+                  <a:lnTo>
+                    <a:pt x="9401" y="10717"/>
+                  </a:lnTo>
+                  <a:lnTo>
+                    <a:pt x="9401" y="10717"/>
+                  </a:lnTo>
+                  <a:close/>
+                </a:path>
+              </a:pathLst>
+            </a:custGeom>
+            <a:noFill/>
+            <a:ln w="12175" cap="rnd" cmpd="sng">
+              <a:solidFill>
+                <a:schemeClr val="accent1"/>
+              </a:solidFill>
+              <a:prstDash val="solid"/>
+              <a:round/>
+              <a:headEnd type="none" w="sm" len="sm"/>
+              <a:tailEnd type="none" w="sm" len="sm"/>
+            </a:ln>
+          </p:spPr>
+          <p:txBody>
+            <a:bodyPr spcFirstLastPara="1" wrap="square" lIns="91425" tIns="91425" rIns="91425" bIns="91425" anchor="ctr" anchorCtr="0">
+              <a:noAutofit/>
+            </a:bodyPr>
+            <a:lstStyle/>
+            <a:p>
+              <a:pPr marL="0" lvl="0" indent="0" algn="l" rtl="0">
+                <a:spcBef>
+                  <a:spcPts val="0"/>
+                </a:spcBef>
+                <a:spcAft>
+                  <a:spcPts val="0"/>
+                </a:spcAft>
+                <a:buNone/>
+              </a:pPr>
+              <a:endParaRPr/>
+            </a:p>
+          </p:txBody>
+        </p:sp>
+      </p:grpSp>
+    </p:spTree>
+    <p:extLst>
+      <p:ext uri="{BB962C8B-B14F-4D97-AF65-F5344CB8AC3E}">
+        <p14:creationId xmlns:p14="http://schemas.microsoft.com/office/powerpoint/2010/main" val="47403704"/>
+      </p:ext>
+    </p:extLst>
+  </p:cSld>
+  <p:clrMapOvr>
+    <a:masterClrMapping/>
+  </p:clrMapOvr>
+</p:sld>
+</file>
+
+<file path=ppt/slides/slide5.xml><?xml version="1.0" encoding="utf-8"?>
+<p:sld xmlns:a="http://schemas.openxmlformats.org/drawingml/2006/main" xmlns:r="http://schemas.openxmlformats.org/officeDocument/2006/relationships" xmlns:p="http://schemas.openxmlformats.org/presentationml/2006/main">
+  <p:cSld>
+    <p:spTree>
+      <p:nvGrpSpPr>
+        <p:cNvPr id="1" name="Shape 93"/>
+        <p:cNvGrpSpPr/>
+        <p:nvPr/>
+      </p:nvGrpSpPr>
+      <p:grpSpPr>
+        <a:xfrm>
+          <a:off x="0" y="0"/>
+          <a:ext cx="0" cy="0"/>
+          <a:chOff x="0" y="0"/>
+          <a:chExt cx="0" cy="0"/>
+        </a:xfrm>
+      </p:grpSpPr>
+      <p:sp>
+        <p:nvSpPr>
+          <p:cNvPr id="94" name="Google Shape;94;p18"/>
+          <p:cNvSpPr txBox="1">
+            <a:spLocks noGrp="1"/>
+          </p:cNvSpPr>
+          <p:nvPr>
+            <p:ph type="ctrTitle" idx="4294967295"/>
+          </p:nvPr>
+        </p:nvSpPr>
+        <p:spPr>
+          <a:xfrm>
+            <a:off x="1620900" y="2199075"/>
+            <a:ext cx="5902200" cy="1159800"/>
+          </a:xfrm>
+          <a:prstGeom prst="rect">
+            <a:avLst/>
+          </a:prstGeom>
+        </p:spPr>
+        <p:txBody>
+          <a:bodyPr spcFirstLastPara="1" wrap="square" lIns="91425" tIns="91425" rIns="91425" bIns="91425" anchor="ctr" anchorCtr="0">
+            <a:noAutofit/>
+          </a:bodyPr>
+          <a:lstStyle/>
+          <a:p>
+            <a:pPr marL="0" lvl="0" indent="0" algn="ctr" rtl="0">
+              <a:spcBef>
+                <a:spcPts val="0"/>
+              </a:spcBef>
+              <a:spcAft>
+                <a:spcPts val="0"/>
+              </a:spcAft>
+              <a:buNone/>
+            </a:pPr>
+            <a:r>
+              <a:rPr lang="en" sz="6000" i="1" dirty="0">
+                <a:solidFill>
+                  <a:srgbClr val="FFFFFF"/>
+                </a:solidFill>
+              </a:rPr>
+              <a:t>Better Games</a:t>
+            </a:r>
+            <a:endParaRPr sz="6000" i="1" dirty="0">
+              <a:solidFill>
+                <a:srgbClr val="FFFFFF"/>
+              </a:solidFill>
+            </a:endParaRPr>
+          </a:p>
+        </p:txBody>
+      </p:sp>
+      <p:sp>
+        <p:nvSpPr>
+          <p:cNvPr id="95" name="Google Shape;95;p18"/>
+          <p:cNvSpPr txBox="1">
+            <a:spLocks noGrp="1"/>
+          </p:cNvSpPr>
+          <p:nvPr>
+            <p:ph type="subTitle" idx="4294967295"/>
+          </p:nvPr>
+        </p:nvSpPr>
+        <p:spPr>
+          <a:xfrm>
+            <a:off x="1620900" y="3284340"/>
+            <a:ext cx="5902200" cy="784800"/>
+          </a:xfrm>
+          <a:prstGeom prst="rect">
+            <a:avLst/>
+          </a:prstGeom>
+        </p:spPr>
+        <p:txBody>
+          <a:bodyPr spcFirstLastPara="1" wrap="square" lIns="91425" tIns="91425" rIns="91425" bIns="91425" anchor="t" anchorCtr="0">
+            <a:noAutofit/>
+          </a:bodyPr>
+          <a:lstStyle/>
+          <a:p>
+            <a:pPr marL="0" lvl="0" indent="0" algn="ctr">
+              <a:buNone/>
+            </a:pPr>
+            <a:r>
+              <a:rPr lang="en" dirty="0">
+                <a:solidFill>
+                  <a:srgbClr val="FFFFFF"/>
+                </a:solidFill>
+              </a:rPr>
+              <a:t>We work at an online game company that wants to improve the </a:t>
+            </a:r>
+            <a:r>
+              <a:rPr lang="en-US" dirty="0">
+                <a:solidFill>
+                  <a:srgbClr val="FFFFFF"/>
+                </a:solidFill>
+              </a:rPr>
+              <a:t>yatzy experience.</a:t>
+            </a:r>
+          </a:p>
+          <a:p>
+            <a:pPr marL="0" lvl="0" indent="0" algn="ctr">
+              <a:buNone/>
+            </a:pPr>
+            <a:r>
+              <a:rPr lang="en-US" dirty="0">
+                <a:solidFill>
+                  <a:srgbClr val="FFFFFF"/>
+                </a:solidFill>
+              </a:rPr>
+              <a:t>Our product owner </a:t>
+            </a:r>
+            <a:r>
+              <a:rPr lang="en-US" b="1" dirty="0">
+                <a:solidFill>
+                  <a:srgbClr val="FFFFFF"/>
+                </a:solidFill>
+              </a:rPr>
+              <a:t>‘has a few ideas’ </a:t>
+            </a:r>
+            <a:r>
+              <a:rPr lang="en-US" dirty="0">
+                <a:solidFill>
+                  <a:srgbClr val="FFFFFF"/>
+                </a:solidFill>
+              </a:rPr>
+              <a:t>and we want to make the code flexible to try things out</a:t>
+            </a:r>
+          </a:p>
+          <a:p>
+            <a:pPr marL="0" lvl="0" indent="0" algn="ctr">
+              <a:buNone/>
+            </a:pPr>
+            <a:endParaRPr dirty="0">
+              <a:solidFill>
+                <a:srgbClr val="FFFFFF"/>
+              </a:solidFill>
+            </a:endParaRPr>
+          </a:p>
+        </p:txBody>
+      </p:sp>
+      <p:sp>
+        <p:nvSpPr>
+          <p:cNvPr id="96" name="Google Shape;96;p18"/>
+          <p:cNvSpPr/>
+          <p:nvPr/>
+        </p:nvSpPr>
+        <p:spPr>
+          <a:xfrm>
+            <a:off x="3935896" y="922408"/>
+            <a:ext cx="1272208" cy="1273222"/>
+          </a:xfrm>
+          <a:prstGeom prst="ellipse">
+            <a:avLst/>
+          </a:prstGeom>
+          <a:solidFill>
+            <a:srgbClr val="FFFFFF"/>
+          </a:solidFill>
+          <a:ln>
+            <a:noFill/>
+          </a:ln>
+        </p:spPr>
+        <p:txBody>
+          <a:bodyPr spcFirstLastPara="1" wrap="square" lIns="91425" tIns="91425" rIns="91425" bIns="91425" anchor="ctr" anchorCtr="0">
+            <a:noAutofit/>
+          </a:bodyPr>
+          <a:lstStyle/>
+          <a:p>
+            <a:pPr marL="0" lvl="0" indent="0" algn="l" rtl="0">
+              <a:spcBef>
+                <a:spcPts val="0"/>
+              </a:spcBef>
+              <a:spcAft>
+                <a:spcPts val="0"/>
+              </a:spcAft>
+              <a:buNone/>
+            </a:pPr>
+            <a:endParaRPr/>
+          </a:p>
+        </p:txBody>
+      </p:sp>
+      <p:sp>
+        <p:nvSpPr>
+          <p:cNvPr id="13" name="Google Shape;390;p37">
+            <a:extLst>
+              <a:ext uri="{FF2B5EF4-FFF2-40B4-BE49-F238E27FC236}">
+                <a16:creationId xmlns:a16="http://schemas.microsoft.com/office/drawing/2014/main" id="{BF657C25-24DB-D44A-9D1C-8CD51D24D7D6}"/>
+              </a:ext>
+            </a:extLst>
+          </p:cNvPr>
+          <p:cNvSpPr/>
+          <p:nvPr/>
+        </p:nvSpPr>
+        <p:spPr>
+          <a:xfrm>
+            <a:off x="4112094" y="1099113"/>
+            <a:ext cx="919812" cy="919812"/>
+          </a:xfrm>
+          <a:custGeom>
+            <a:avLst/>
+            <a:gdLst/>
+            <a:ahLst/>
+            <a:cxnLst/>
+            <a:rect l="l" t="t" r="r" b="b"/>
+            <a:pathLst>
+              <a:path w="16027" h="16027" fill="none" extrusionOk="0">
+                <a:moveTo>
+                  <a:pt x="14029" y="4019"/>
+                </a:moveTo>
+                <a:lnTo>
+                  <a:pt x="14029" y="4019"/>
+                </a:lnTo>
+                <a:lnTo>
+                  <a:pt x="14200" y="3849"/>
+                </a:lnTo>
+                <a:lnTo>
+                  <a:pt x="14395" y="3752"/>
+                </a:lnTo>
+                <a:lnTo>
+                  <a:pt x="14614" y="3678"/>
+                </a:lnTo>
+                <a:lnTo>
+                  <a:pt x="14809" y="3630"/>
+                </a:lnTo>
+                <a:lnTo>
+                  <a:pt x="15028" y="3581"/>
+                </a:lnTo>
+                <a:lnTo>
+                  <a:pt x="15247" y="3484"/>
+                </a:lnTo>
+                <a:lnTo>
+                  <a:pt x="15442" y="3362"/>
+                </a:lnTo>
+                <a:lnTo>
+                  <a:pt x="15661" y="3191"/>
+                </a:lnTo>
+                <a:lnTo>
+                  <a:pt x="15661" y="3191"/>
+                </a:lnTo>
+                <a:lnTo>
+                  <a:pt x="15832" y="2997"/>
+                </a:lnTo>
+                <a:lnTo>
+                  <a:pt x="15929" y="2777"/>
+                </a:lnTo>
+                <a:lnTo>
+                  <a:pt x="16002" y="2534"/>
+                </a:lnTo>
+                <a:lnTo>
+                  <a:pt x="16026" y="2266"/>
+                </a:lnTo>
+                <a:lnTo>
+                  <a:pt x="16026" y="2266"/>
+                </a:lnTo>
+                <a:lnTo>
+                  <a:pt x="16002" y="2047"/>
+                </a:lnTo>
+                <a:lnTo>
+                  <a:pt x="15978" y="1827"/>
+                </a:lnTo>
+                <a:lnTo>
+                  <a:pt x="15905" y="1633"/>
+                </a:lnTo>
+                <a:lnTo>
+                  <a:pt x="15807" y="1413"/>
+                </a:lnTo>
+                <a:lnTo>
+                  <a:pt x="15710" y="1243"/>
+                </a:lnTo>
+                <a:lnTo>
+                  <a:pt x="15588" y="1048"/>
+                </a:lnTo>
+                <a:lnTo>
+                  <a:pt x="15466" y="878"/>
+                </a:lnTo>
+                <a:lnTo>
+                  <a:pt x="15320" y="707"/>
+                </a:lnTo>
+                <a:lnTo>
+                  <a:pt x="15320" y="707"/>
+                </a:lnTo>
+                <a:lnTo>
+                  <a:pt x="15150" y="561"/>
+                </a:lnTo>
+                <a:lnTo>
+                  <a:pt x="14979" y="439"/>
+                </a:lnTo>
+                <a:lnTo>
+                  <a:pt x="14784" y="317"/>
+                </a:lnTo>
+                <a:lnTo>
+                  <a:pt x="14590" y="196"/>
+                </a:lnTo>
+                <a:lnTo>
+                  <a:pt x="14395" y="123"/>
+                </a:lnTo>
+                <a:lnTo>
+                  <a:pt x="14175" y="50"/>
+                </a:lnTo>
+                <a:lnTo>
+                  <a:pt x="13981" y="25"/>
+                </a:lnTo>
+                <a:lnTo>
+                  <a:pt x="13761" y="1"/>
+                </a:lnTo>
+                <a:lnTo>
+                  <a:pt x="13761" y="1"/>
+                </a:lnTo>
+                <a:lnTo>
+                  <a:pt x="13494" y="25"/>
+                </a:lnTo>
+                <a:lnTo>
+                  <a:pt x="13250" y="98"/>
+                </a:lnTo>
+                <a:lnTo>
+                  <a:pt x="13031" y="196"/>
+                </a:lnTo>
+                <a:lnTo>
+                  <a:pt x="12836" y="366"/>
+                </a:lnTo>
+                <a:lnTo>
+                  <a:pt x="12836" y="366"/>
+                </a:lnTo>
+                <a:lnTo>
+                  <a:pt x="12665" y="561"/>
+                </a:lnTo>
+                <a:lnTo>
+                  <a:pt x="12544" y="780"/>
+                </a:lnTo>
+                <a:lnTo>
+                  <a:pt x="12471" y="975"/>
+                </a:lnTo>
+                <a:lnTo>
+                  <a:pt x="12422" y="1194"/>
+                </a:lnTo>
+                <a:lnTo>
+                  <a:pt x="12349" y="1413"/>
+                </a:lnTo>
+                <a:lnTo>
+                  <a:pt x="12276" y="1608"/>
+                </a:lnTo>
+                <a:lnTo>
+                  <a:pt x="12178" y="1827"/>
+                </a:lnTo>
+                <a:lnTo>
+                  <a:pt x="12008" y="1998"/>
+                </a:lnTo>
+                <a:lnTo>
+                  <a:pt x="12008" y="1998"/>
+                </a:lnTo>
+                <a:lnTo>
+                  <a:pt x="11740" y="2266"/>
+                </a:lnTo>
+                <a:lnTo>
+                  <a:pt x="11496" y="2436"/>
+                </a:lnTo>
+                <a:lnTo>
+                  <a:pt x="11277" y="2534"/>
+                </a:lnTo>
+                <a:lnTo>
+                  <a:pt x="11082" y="2582"/>
+                </a:lnTo>
+                <a:lnTo>
+                  <a:pt x="10888" y="2582"/>
+                </a:lnTo>
+                <a:lnTo>
+                  <a:pt x="10717" y="2534"/>
+                </a:lnTo>
+                <a:lnTo>
+                  <a:pt x="10547" y="2412"/>
+                </a:lnTo>
+                <a:lnTo>
+                  <a:pt x="10376" y="2290"/>
+                </a:lnTo>
+                <a:lnTo>
+                  <a:pt x="10206" y="2095"/>
+                </a:lnTo>
+                <a:lnTo>
+                  <a:pt x="10035" y="1901"/>
+                </a:lnTo>
+                <a:lnTo>
+                  <a:pt x="9670" y="1413"/>
+                </a:lnTo>
+                <a:lnTo>
+                  <a:pt x="9231" y="878"/>
+                </a:lnTo>
+                <a:lnTo>
+                  <a:pt x="8988" y="585"/>
+                </a:lnTo>
+                <a:lnTo>
+                  <a:pt x="8720" y="293"/>
+                </a:lnTo>
+                <a:lnTo>
+                  <a:pt x="8720" y="293"/>
+                </a:lnTo>
+                <a:lnTo>
+                  <a:pt x="8574" y="171"/>
+                </a:lnTo>
+                <a:lnTo>
+                  <a:pt x="8379" y="74"/>
+                </a:lnTo>
+                <a:lnTo>
+                  <a:pt x="8209" y="25"/>
+                </a:lnTo>
+                <a:lnTo>
+                  <a:pt x="8014" y="1"/>
+                </a:lnTo>
+                <a:lnTo>
+                  <a:pt x="8014" y="1"/>
+                </a:lnTo>
+                <a:lnTo>
+                  <a:pt x="7916" y="25"/>
+                </a:lnTo>
+                <a:lnTo>
+                  <a:pt x="7770" y="98"/>
+                </a:lnTo>
+                <a:lnTo>
+                  <a:pt x="7307" y="366"/>
+                </a:lnTo>
+                <a:lnTo>
+                  <a:pt x="7039" y="537"/>
+                </a:lnTo>
+                <a:lnTo>
+                  <a:pt x="6747" y="756"/>
+                </a:lnTo>
+                <a:lnTo>
+                  <a:pt x="6431" y="975"/>
+                </a:lnTo>
+                <a:lnTo>
+                  <a:pt x="6138" y="1243"/>
+                </a:lnTo>
+                <a:lnTo>
+                  <a:pt x="5870" y="1511"/>
+                </a:lnTo>
+                <a:lnTo>
+                  <a:pt x="5627" y="1803"/>
+                </a:lnTo>
+                <a:lnTo>
+                  <a:pt x="5432" y="2095"/>
+                </a:lnTo>
+                <a:lnTo>
+                  <a:pt x="5359" y="2242"/>
+                </a:lnTo>
+                <a:lnTo>
+                  <a:pt x="5310" y="2412"/>
+                </a:lnTo>
+                <a:lnTo>
+                  <a:pt x="5262" y="2558"/>
+                </a:lnTo>
+                <a:lnTo>
+                  <a:pt x="5237" y="2704"/>
+                </a:lnTo>
+                <a:lnTo>
+                  <a:pt x="5237" y="2850"/>
+                </a:lnTo>
+                <a:lnTo>
+                  <a:pt x="5262" y="3021"/>
+                </a:lnTo>
+                <a:lnTo>
+                  <a:pt x="5310" y="3167"/>
+                </a:lnTo>
+                <a:lnTo>
+                  <a:pt x="5383" y="3313"/>
+                </a:lnTo>
+                <a:lnTo>
+                  <a:pt x="5481" y="3459"/>
+                </a:lnTo>
+                <a:lnTo>
+                  <a:pt x="5603" y="3605"/>
+                </a:lnTo>
+                <a:lnTo>
+                  <a:pt x="5603" y="3605"/>
+                </a:lnTo>
+                <a:lnTo>
+                  <a:pt x="5797" y="3752"/>
+                </a:lnTo>
+                <a:lnTo>
+                  <a:pt x="5992" y="3849"/>
+                </a:lnTo>
+                <a:lnTo>
+                  <a:pt x="6187" y="3946"/>
+                </a:lnTo>
+                <a:lnTo>
+                  <a:pt x="6406" y="3995"/>
+                </a:lnTo>
+                <a:lnTo>
+                  <a:pt x="6625" y="4044"/>
+                </a:lnTo>
+                <a:lnTo>
+                  <a:pt x="6845" y="4141"/>
+                </a:lnTo>
+                <a:lnTo>
+                  <a:pt x="7039" y="4239"/>
+                </a:lnTo>
+                <a:lnTo>
+                  <a:pt x="7234" y="4409"/>
+                </a:lnTo>
+                <a:lnTo>
+                  <a:pt x="7234" y="4409"/>
+                </a:lnTo>
+                <a:lnTo>
+                  <a:pt x="7405" y="4604"/>
+                </a:lnTo>
+                <a:lnTo>
+                  <a:pt x="7502" y="4823"/>
+                </a:lnTo>
+                <a:lnTo>
+                  <a:pt x="7575" y="5067"/>
+                </a:lnTo>
+                <a:lnTo>
+                  <a:pt x="7600" y="5359"/>
+                </a:lnTo>
+                <a:lnTo>
+                  <a:pt x="7600" y="5359"/>
+                </a:lnTo>
+                <a:lnTo>
+                  <a:pt x="7575" y="5554"/>
+                </a:lnTo>
+                <a:lnTo>
+                  <a:pt x="7551" y="5773"/>
+                </a:lnTo>
+                <a:lnTo>
+                  <a:pt x="7478" y="5968"/>
+                </a:lnTo>
+                <a:lnTo>
+                  <a:pt x="7405" y="6163"/>
+                </a:lnTo>
+                <a:lnTo>
+                  <a:pt x="7307" y="6357"/>
+                </a:lnTo>
+                <a:lnTo>
+                  <a:pt x="7186" y="6552"/>
+                </a:lnTo>
+                <a:lnTo>
+                  <a:pt x="7039" y="6723"/>
+                </a:lnTo>
+                <a:lnTo>
+                  <a:pt x="6893" y="6893"/>
+                </a:lnTo>
+                <a:lnTo>
+                  <a:pt x="6893" y="6893"/>
+                </a:lnTo>
+                <a:lnTo>
+                  <a:pt x="6723" y="7039"/>
+                </a:lnTo>
+                <a:lnTo>
+                  <a:pt x="6552" y="7186"/>
+                </a:lnTo>
+                <a:lnTo>
+                  <a:pt x="6382" y="7283"/>
+                </a:lnTo>
+                <a:lnTo>
+                  <a:pt x="6187" y="7405"/>
+                </a:lnTo>
+                <a:lnTo>
+                  <a:pt x="5992" y="7478"/>
+                </a:lnTo>
+                <a:lnTo>
+                  <a:pt x="5773" y="7551"/>
+                </a:lnTo>
+                <a:lnTo>
+                  <a:pt x="5554" y="7575"/>
+                </a:lnTo>
+                <a:lnTo>
+                  <a:pt x="5359" y="7600"/>
+                </a:lnTo>
+                <a:lnTo>
+                  <a:pt x="5359" y="7600"/>
+                </a:lnTo>
+                <a:lnTo>
+                  <a:pt x="5091" y="7575"/>
+                </a:lnTo>
+                <a:lnTo>
+                  <a:pt x="4848" y="7502"/>
+                </a:lnTo>
+                <a:lnTo>
+                  <a:pt x="4604" y="7405"/>
+                </a:lnTo>
+                <a:lnTo>
+                  <a:pt x="4409" y="7234"/>
+                </a:lnTo>
+                <a:lnTo>
+                  <a:pt x="4409" y="7234"/>
+                </a:lnTo>
+                <a:lnTo>
+                  <a:pt x="4239" y="7039"/>
+                </a:lnTo>
+                <a:lnTo>
+                  <a:pt x="4117" y="6820"/>
+                </a:lnTo>
+                <a:lnTo>
+                  <a:pt x="4044" y="6601"/>
+                </a:lnTo>
+                <a:lnTo>
+                  <a:pt x="3971" y="6382"/>
+                </a:lnTo>
+                <a:lnTo>
+                  <a:pt x="3922" y="6187"/>
+                </a:lnTo>
+                <a:lnTo>
+                  <a:pt x="3849" y="5992"/>
+                </a:lnTo>
+                <a:lnTo>
+                  <a:pt x="3752" y="5797"/>
+                </a:lnTo>
+                <a:lnTo>
+                  <a:pt x="3605" y="5602"/>
+                </a:lnTo>
+                <a:lnTo>
+                  <a:pt x="3605" y="5602"/>
+                </a:lnTo>
+                <a:lnTo>
+                  <a:pt x="3459" y="5481"/>
+                </a:lnTo>
+                <a:lnTo>
+                  <a:pt x="3313" y="5383"/>
+                </a:lnTo>
+                <a:lnTo>
+                  <a:pt x="3167" y="5310"/>
+                </a:lnTo>
+                <a:lnTo>
+                  <a:pt x="3021" y="5262"/>
+                </a:lnTo>
+                <a:lnTo>
+                  <a:pt x="2850" y="5237"/>
+                </a:lnTo>
+                <a:lnTo>
+                  <a:pt x="2704" y="5237"/>
+                </a:lnTo>
+                <a:lnTo>
+                  <a:pt x="2558" y="5262"/>
+                </a:lnTo>
+                <a:lnTo>
+                  <a:pt x="2412" y="5310"/>
+                </a:lnTo>
+                <a:lnTo>
+                  <a:pt x="2242" y="5359"/>
+                </a:lnTo>
+                <a:lnTo>
+                  <a:pt x="2095" y="5432"/>
+                </a:lnTo>
+                <a:lnTo>
+                  <a:pt x="1803" y="5627"/>
+                </a:lnTo>
+                <a:lnTo>
+                  <a:pt x="1511" y="5870"/>
+                </a:lnTo>
+                <a:lnTo>
+                  <a:pt x="1243" y="6138"/>
+                </a:lnTo>
+                <a:lnTo>
+                  <a:pt x="975" y="6431"/>
+                </a:lnTo>
+                <a:lnTo>
+                  <a:pt x="756" y="6747"/>
+                </a:lnTo>
+                <a:lnTo>
+                  <a:pt x="537" y="7039"/>
+                </a:lnTo>
+                <a:lnTo>
+                  <a:pt x="366" y="7307"/>
+                </a:lnTo>
+                <a:lnTo>
+                  <a:pt x="98" y="7770"/>
+                </a:lnTo>
+                <a:lnTo>
+                  <a:pt x="25" y="7916"/>
+                </a:lnTo>
+                <a:lnTo>
+                  <a:pt x="1" y="8014"/>
+                </a:lnTo>
+                <a:lnTo>
+                  <a:pt x="1" y="8014"/>
+                </a:lnTo>
+                <a:lnTo>
+                  <a:pt x="25" y="8208"/>
+                </a:lnTo>
+                <a:lnTo>
+                  <a:pt x="74" y="8379"/>
+                </a:lnTo>
+                <a:lnTo>
+                  <a:pt x="171" y="8574"/>
+                </a:lnTo>
+                <a:lnTo>
+                  <a:pt x="293" y="8720"/>
+                </a:lnTo>
+                <a:lnTo>
+                  <a:pt x="293" y="8720"/>
+                </a:lnTo>
+                <a:lnTo>
+                  <a:pt x="585" y="8988"/>
+                </a:lnTo>
+                <a:lnTo>
+                  <a:pt x="878" y="9231"/>
+                </a:lnTo>
+                <a:lnTo>
+                  <a:pt x="1413" y="9670"/>
+                </a:lnTo>
+                <a:lnTo>
+                  <a:pt x="1901" y="10035"/>
+                </a:lnTo>
+                <a:lnTo>
+                  <a:pt x="2095" y="10206"/>
+                </a:lnTo>
+                <a:lnTo>
+                  <a:pt x="2290" y="10376"/>
+                </a:lnTo>
+                <a:lnTo>
+                  <a:pt x="2412" y="10547"/>
+                </a:lnTo>
+                <a:lnTo>
+                  <a:pt x="2534" y="10717"/>
+                </a:lnTo>
+                <a:lnTo>
+                  <a:pt x="2583" y="10888"/>
+                </a:lnTo>
+                <a:lnTo>
+                  <a:pt x="2583" y="11082"/>
+                </a:lnTo>
+                <a:lnTo>
+                  <a:pt x="2534" y="11277"/>
+                </a:lnTo>
+                <a:lnTo>
+                  <a:pt x="2436" y="11496"/>
+                </a:lnTo>
+                <a:lnTo>
+                  <a:pt x="2266" y="11740"/>
+                </a:lnTo>
+                <a:lnTo>
+                  <a:pt x="1998" y="12008"/>
+                </a:lnTo>
+                <a:lnTo>
+                  <a:pt x="1998" y="12008"/>
+                </a:lnTo>
+                <a:lnTo>
+                  <a:pt x="1828" y="12178"/>
+                </a:lnTo>
+                <a:lnTo>
+                  <a:pt x="1633" y="12276"/>
+                </a:lnTo>
+                <a:lnTo>
+                  <a:pt x="1413" y="12349"/>
+                </a:lnTo>
+                <a:lnTo>
+                  <a:pt x="1219" y="12398"/>
+                </a:lnTo>
+                <a:lnTo>
+                  <a:pt x="999" y="12446"/>
+                </a:lnTo>
+                <a:lnTo>
+                  <a:pt x="780" y="12544"/>
+                </a:lnTo>
+                <a:lnTo>
+                  <a:pt x="585" y="12665"/>
+                </a:lnTo>
+                <a:lnTo>
+                  <a:pt x="366" y="12836"/>
+                </a:lnTo>
+                <a:lnTo>
+                  <a:pt x="366" y="12836"/>
+                </a:lnTo>
+                <a:lnTo>
+                  <a:pt x="196" y="13031"/>
+                </a:lnTo>
+                <a:lnTo>
+                  <a:pt x="98" y="13250"/>
+                </a:lnTo>
+                <a:lnTo>
+                  <a:pt x="25" y="13493"/>
+                </a:lnTo>
+                <a:lnTo>
+                  <a:pt x="1" y="13761"/>
+                </a:lnTo>
+                <a:lnTo>
+                  <a:pt x="1" y="13761"/>
+                </a:lnTo>
+                <a:lnTo>
+                  <a:pt x="25" y="13981"/>
+                </a:lnTo>
+                <a:lnTo>
+                  <a:pt x="50" y="14200"/>
+                </a:lnTo>
+                <a:lnTo>
+                  <a:pt x="123" y="14395"/>
+                </a:lnTo>
+                <a:lnTo>
+                  <a:pt x="220" y="14614"/>
+                </a:lnTo>
+                <a:lnTo>
+                  <a:pt x="318" y="14784"/>
+                </a:lnTo>
+                <a:lnTo>
+                  <a:pt x="439" y="14979"/>
+                </a:lnTo>
+                <a:lnTo>
+                  <a:pt x="561" y="15150"/>
+                </a:lnTo>
+                <a:lnTo>
+                  <a:pt x="707" y="15320"/>
+                </a:lnTo>
+                <a:lnTo>
+                  <a:pt x="707" y="15320"/>
+                </a:lnTo>
+                <a:lnTo>
+                  <a:pt x="878" y="15466"/>
+                </a:lnTo>
+                <a:lnTo>
+                  <a:pt x="1048" y="15588"/>
+                </a:lnTo>
+                <a:lnTo>
+                  <a:pt x="1243" y="15710"/>
+                </a:lnTo>
+                <a:lnTo>
+                  <a:pt x="1438" y="15832"/>
+                </a:lnTo>
+                <a:lnTo>
+                  <a:pt x="1633" y="15905"/>
+                </a:lnTo>
+                <a:lnTo>
+                  <a:pt x="1852" y="15978"/>
+                </a:lnTo>
+                <a:lnTo>
+                  <a:pt x="2047" y="16002"/>
+                </a:lnTo>
+                <a:lnTo>
+                  <a:pt x="2266" y="16026"/>
+                </a:lnTo>
+                <a:lnTo>
+                  <a:pt x="2266" y="16026"/>
+                </a:lnTo>
+                <a:lnTo>
+                  <a:pt x="2534" y="16002"/>
+                </a:lnTo>
+                <a:lnTo>
+                  <a:pt x="2777" y="15929"/>
+                </a:lnTo>
+                <a:lnTo>
+                  <a:pt x="2997" y="15832"/>
+                </a:lnTo>
+                <a:lnTo>
+                  <a:pt x="3191" y="15661"/>
+                </a:lnTo>
+                <a:lnTo>
+                  <a:pt x="3191" y="15661"/>
+                </a:lnTo>
+                <a:lnTo>
+                  <a:pt x="3362" y="15466"/>
+                </a:lnTo>
+                <a:lnTo>
+                  <a:pt x="3484" y="15247"/>
+                </a:lnTo>
+                <a:lnTo>
+                  <a:pt x="3557" y="15052"/>
+                </a:lnTo>
+                <a:lnTo>
+                  <a:pt x="3605" y="14833"/>
+                </a:lnTo>
+                <a:lnTo>
+                  <a:pt x="3679" y="14614"/>
+                </a:lnTo>
+                <a:lnTo>
+                  <a:pt x="3752" y="14419"/>
+                </a:lnTo>
+                <a:lnTo>
+                  <a:pt x="3849" y="14200"/>
+                </a:lnTo>
+                <a:lnTo>
+                  <a:pt x="4019" y="14029"/>
+                </a:lnTo>
+                <a:lnTo>
+                  <a:pt x="4019" y="14029"/>
+                </a:lnTo>
+                <a:lnTo>
+                  <a:pt x="4287" y="13786"/>
+                </a:lnTo>
+                <a:lnTo>
+                  <a:pt x="4531" y="13591"/>
+                </a:lnTo>
+                <a:lnTo>
+                  <a:pt x="4750" y="13493"/>
+                </a:lnTo>
+                <a:lnTo>
+                  <a:pt x="4945" y="13445"/>
+                </a:lnTo>
+                <a:lnTo>
+                  <a:pt x="5140" y="13445"/>
+                </a:lnTo>
+                <a:lnTo>
+                  <a:pt x="5310" y="13493"/>
+                </a:lnTo>
+                <a:lnTo>
+                  <a:pt x="5481" y="13615"/>
+                </a:lnTo>
+                <a:lnTo>
+                  <a:pt x="5651" y="13737"/>
+                </a:lnTo>
+                <a:lnTo>
+                  <a:pt x="5822" y="13932"/>
+                </a:lnTo>
+                <a:lnTo>
+                  <a:pt x="5992" y="14127"/>
+                </a:lnTo>
+                <a:lnTo>
+                  <a:pt x="6358" y="14614"/>
+                </a:lnTo>
+                <a:lnTo>
+                  <a:pt x="6796" y="15150"/>
+                </a:lnTo>
+                <a:lnTo>
+                  <a:pt x="7039" y="15442"/>
+                </a:lnTo>
+                <a:lnTo>
+                  <a:pt x="7307" y="15734"/>
+                </a:lnTo>
+                <a:lnTo>
+                  <a:pt x="7307" y="15734"/>
+                </a:lnTo>
+                <a:lnTo>
+                  <a:pt x="7454" y="15856"/>
+                </a:lnTo>
+                <a:lnTo>
+                  <a:pt x="7648" y="15953"/>
+                </a:lnTo>
+                <a:lnTo>
+                  <a:pt x="7819" y="16002"/>
+                </a:lnTo>
+                <a:lnTo>
+                  <a:pt x="8014" y="16026"/>
+                </a:lnTo>
+                <a:lnTo>
+                  <a:pt x="8014" y="16026"/>
+                </a:lnTo>
+                <a:lnTo>
+                  <a:pt x="8111" y="16002"/>
+                </a:lnTo>
+                <a:lnTo>
+                  <a:pt x="8257" y="15929"/>
+                </a:lnTo>
+                <a:lnTo>
+                  <a:pt x="8720" y="15661"/>
+                </a:lnTo>
+                <a:lnTo>
+                  <a:pt x="8988" y="15491"/>
+                </a:lnTo>
+                <a:lnTo>
+                  <a:pt x="9280" y="15271"/>
+                </a:lnTo>
+                <a:lnTo>
+                  <a:pt x="9597" y="15052"/>
+                </a:lnTo>
+                <a:lnTo>
+                  <a:pt x="9889" y="14784"/>
+                </a:lnTo>
+                <a:lnTo>
+                  <a:pt x="10157" y="14516"/>
+                </a:lnTo>
+                <a:lnTo>
+                  <a:pt x="10400" y="14224"/>
+                </a:lnTo>
+                <a:lnTo>
+                  <a:pt x="10595" y="13932"/>
+                </a:lnTo>
+                <a:lnTo>
+                  <a:pt x="10668" y="13786"/>
+                </a:lnTo>
+                <a:lnTo>
+                  <a:pt x="10717" y="13615"/>
+                </a:lnTo>
+                <a:lnTo>
+                  <a:pt x="10766" y="13469"/>
+                </a:lnTo>
+                <a:lnTo>
+                  <a:pt x="10790" y="13323"/>
+                </a:lnTo>
+                <a:lnTo>
+                  <a:pt x="10790" y="13177"/>
+                </a:lnTo>
+                <a:lnTo>
+                  <a:pt x="10766" y="13006"/>
+                </a:lnTo>
+                <a:lnTo>
+                  <a:pt x="10717" y="12860"/>
+                </a:lnTo>
+                <a:lnTo>
+                  <a:pt x="10644" y="12714"/>
+                </a:lnTo>
+                <a:lnTo>
+                  <a:pt x="10547" y="12568"/>
+                </a:lnTo>
+                <a:lnTo>
+                  <a:pt x="10425" y="12422"/>
+                </a:lnTo>
+                <a:lnTo>
+                  <a:pt x="10425" y="12422"/>
+                </a:lnTo>
+                <a:lnTo>
+                  <a:pt x="10230" y="12276"/>
+                </a:lnTo>
+                <a:lnTo>
+                  <a:pt x="10035" y="12178"/>
+                </a:lnTo>
+                <a:lnTo>
+                  <a:pt x="9840" y="12105"/>
+                </a:lnTo>
+                <a:lnTo>
+                  <a:pt x="9621" y="12032"/>
+                </a:lnTo>
+                <a:lnTo>
+                  <a:pt x="9402" y="11983"/>
+                </a:lnTo>
+                <a:lnTo>
+                  <a:pt x="9183" y="11886"/>
+                </a:lnTo>
+                <a:lnTo>
+                  <a:pt x="8988" y="11789"/>
+                </a:lnTo>
+                <a:lnTo>
+                  <a:pt x="8793" y="11618"/>
+                </a:lnTo>
+                <a:lnTo>
+                  <a:pt x="8793" y="11618"/>
+                </a:lnTo>
+                <a:lnTo>
+                  <a:pt x="8623" y="11423"/>
+                </a:lnTo>
+                <a:lnTo>
+                  <a:pt x="8525" y="11204"/>
+                </a:lnTo>
+                <a:lnTo>
+                  <a:pt x="8452" y="10961"/>
+                </a:lnTo>
+                <a:lnTo>
+                  <a:pt x="8428" y="10668"/>
+                </a:lnTo>
+                <a:lnTo>
+                  <a:pt x="8428" y="10668"/>
+                </a:lnTo>
+                <a:lnTo>
+                  <a:pt x="8452" y="10473"/>
+                </a:lnTo>
+                <a:lnTo>
+                  <a:pt x="8476" y="10254"/>
+                </a:lnTo>
+                <a:lnTo>
+                  <a:pt x="8549" y="10059"/>
+                </a:lnTo>
+                <a:lnTo>
+                  <a:pt x="8623" y="9865"/>
+                </a:lnTo>
+                <a:lnTo>
+                  <a:pt x="8720" y="9670"/>
+                </a:lnTo>
+                <a:lnTo>
+                  <a:pt x="8842" y="9475"/>
+                </a:lnTo>
+                <a:lnTo>
+                  <a:pt x="8988" y="9304"/>
+                </a:lnTo>
+                <a:lnTo>
+                  <a:pt x="9134" y="9134"/>
+                </a:lnTo>
+                <a:lnTo>
+                  <a:pt x="9134" y="9134"/>
+                </a:lnTo>
+                <a:lnTo>
+                  <a:pt x="9304" y="8988"/>
+                </a:lnTo>
+                <a:lnTo>
+                  <a:pt x="9475" y="8866"/>
+                </a:lnTo>
+                <a:lnTo>
+                  <a:pt x="9645" y="8744"/>
+                </a:lnTo>
+                <a:lnTo>
+                  <a:pt x="9840" y="8622"/>
+                </a:lnTo>
+                <a:lnTo>
+                  <a:pt x="10035" y="8549"/>
+                </a:lnTo>
+                <a:lnTo>
+                  <a:pt x="10254" y="8476"/>
+                </a:lnTo>
+                <a:lnTo>
+                  <a:pt x="10474" y="8452"/>
+                </a:lnTo>
+                <a:lnTo>
+                  <a:pt x="10668" y="8428"/>
+                </a:lnTo>
+                <a:lnTo>
+                  <a:pt x="10668" y="8428"/>
+                </a:lnTo>
+                <a:lnTo>
+                  <a:pt x="10936" y="8452"/>
+                </a:lnTo>
+                <a:lnTo>
+                  <a:pt x="11180" y="8525"/>
+                </a:lnTo>
+                <a:lnTo>
+                  <a:pt x="11423" y="8622"/>
+                </a:lnTo>
+                <a:lnTo>
+                  <a:pt x="11618" y="8793"/>
+                </a:lnTo>
+                <a:lnTo>
+                  <a:pt x="11618" y="8793"/>
+                </a:lnTo>
+                <a:lnTo>
+                  <a:pt x="11789" y="8988"/>
+                </a:lnTo>
+                <a:lnTo>
+                  <a:pt x="11910" y="9207"/>
+                </a:lnTo>
+                <a:lnTo>
+                  <a:pt x="11984" y="9426"/>
+                </a:lnTo>
+                <a:lnTo>
+                  <a:pt x="12057" y="9645"/>
+                </a:lnTo>
+                <a:lnTo>
+                  <a:pt x="12105" y="9840"/>
+                </a:lnTo>
+                <a:lnTo>
+                  <a:pt x="12178" y="10035"/>
+                </a:lnTo>
+                <a:lnTo>
+                  <a:pt x="12276" y="10230"/>
+                </a:lnTo>
+                <a:lnTo>
+                  <a:pt x="12422" y="10425"/>
+                </a:lnTo>
+                <a:lnTo>
+                  <a:pt x="12422" y="10425"/>
+                </a:lnTo>
+                <a:lnTo>
+                  <a:pt x="12568" y="10547"/>
+                </a:lnTo>
+                <a:lnTo>
+                  <a:pt x="12714" y="10644"/>
+                </a:lnTo>
+                <a:lnTo>
+                  <a:pt x="12860" y="10717"/>
+                </a:lnTo>
+                <a:lnTo>
+                  <a:pt x="13006" y="10766"/>
+                </a:lnTo>
+                <a:lnTo>
+                  <a:pt x="13177" y="10790"/>
+                </a:lnTo>
+                <a:lnTo>
+                  <a:pt x="13323" y="10790"/>
+                </a:lnTo>
+                <a:lnTo>
+                  <a:pt x="13469" y="10766"/>
+                </a:lnTo>
+                <a:lnTo>
+                  <a:pt x="13615" y="10717"/>
+                </a:lnTo>
+                <a:lnTo>
+                  <a:pt x="13786" y="10668"/>
+                </a:lnTo>
+                <a:lnTo>
+                  <a:pt x="13932" y="10595"/>
+                </a:lnTo>
+                <a:lnTo>
+                  <a:pt x="14224" y="10400"/>
+                </a:lnTo>
+                <a:lnTo>
+                  <a:pt x="14516" y="10157"/>
+                </a:lnTo>
+                <a:lnTo>
+                  <a:pt x="14784" y="9889"/>
+                </a:lnTo>
+                <a:lnTo>
+                  <a:pt x="15052" y="9597"/>
+                </a:lnTo>
+                <a:lnTo>
+                  <a:pt x="15271" y="9280"/>
+                </a:lnTo>
+                <a:lnTo>
+                  <a:pt x="15491" y="8988"/>
+                </a:lnTo>
+                <a:lnTo>
+                  <a:pt x="15661" y="8720"/>
+                </a:lnTo>
+                <a:lnTo>
+                  <a:pt x="15929" y="8257"/>
+                </a:lnTo>
+                <a:lnTo>
+                  <a:pt x="16002" y="8111"/>
+                </a:lnTo>
+                <a:lnTo>
+                  <a:pt x="16026" y="8014"/>
+                </a:lnTo>
+                <a:lnTo>
+                  <a:pt x="16026" y="8014"/>
+                </a:lnTo>
+                <a:lnTo>
+                  <a:pt x="16002" y="7819"/>
+                </a:lnTo>
+                <a:lnTo>
+                  <a:pt x="15953" y="7648"/>
+                </a:lnTo>
+                <a:lnTo>
+                  <a:pt x="15856" y="7453"/>
+                </a:lnTo>
+                <a:lnTo>
+                  <a:pt x="15734" y="7307"/>
+                </a:lnTo>
+                <a:lnTo>
+                  <a:pt x="15734" y="7307"/>
+                </a:lnTo>
+                <a:lnTo>
+                  <a:pt x="15442" y="7039"/>
+                </a:lnTo>
+                <a:lnTo>
+                  <a:pt x="15150" y="6796"/>
+                </a:lnTo>
+                <a:lnTo>
+                  <a:pt x="14614" y="6357"/>
+                </a:lnTo>
+                <a:lnTo>
+                  <a:pt x="14127" y="5992"/>
+                </a:lnTo>
+                <a:lnTo>
+                  <a:pt x="13932" y="5822"/>
+                </a:lnTo>
+                <a:lnTo>
+                  <a:pt x="13737" y="5651"/>
+                </a:lnTo>
+                <a:lnTo>
+                  <a:pt x="13615" y="5481"/>
+                </a:lnTo>
+                <a:lnTo>
+                  <a:pt x="13494" y="5310"/>
+                </a:lnTo>
+                <a:lnTo>
+                  <a:pt x="13445" y="5140"/>
+                </a:lnTo>
+                <a:lnTo>
+                  <a:pt x="13445" y="4945"/>
+                </a:lnTo>
+                <a:lnTo>
+                  <a:pt x="13494" y="4750"/>
+                </a:lnTo>
+                <a:lnTo>
+                  <a:pt x="13591" y="4531"/>
+                </a:lnTo>
+                <a:lnTo>
+                  <a:pt x="13761" y="4287"/>
+                </a:lnTo>
+                <a:lnTo>
+                  <a:pt x="14029" y="4019"/>
+                </a:lnTo>
+                <a:lnTo>
+                  <a:pt x="14029" y="4019"/>
+                </a:lnTo>
+                <a:close/>
+              </a:path>
+            </a:pathLst>
+          </a:custGeom>
+          <a:noFill/>
+          <a:ln w="12175" cap="rnd" cmpd="sng">
+            <a:solidFill>
+              <a:schemeClr val="accent1"/>
+            </a:solidFill>
+            <a:prstDash val="solid"/>
+            <a:round/>
+            <a:headEnd type="none" w="sm" len="sm"/>
+            <a:tailEnd type="none" w="sm" len="sm"/>
+          </a:ln>
+        </p:spPr>
+        <p:txBody>
+          <a:bodyPr spcFirstLastPara="1" wrap="square" lIns="91425" tIns="91425" rIns="91425" bIns="91425" anchor="ctr" anchorCtr="0">
+            <a:noAutofit/>
+          </a:bodyPr>
+          <a:lstStyle/>
+          <a:p>
+            <a:pPr marL="0" lvl="0" indent="0" algn="l" rtl="0">
+              <a:spcBef>
+                <a:spcPts val="0"/>
+              </a:spcBef>
+              <a:spcAft>
+                <a:spcPts val="0"/>
+              </a:spcAft>
+              <a:buNone/>
+            </a:pPr>
+            <a:endParaRPr/>
+          </a:p>
+        </p:txBody>
+      </p:sp>
+    </p:spTree>
+    <p:extLst>
+      <p:ext uri="{BB962C8B-B14F-4D97-AF65-F5344CB8AC3E}">
+        <p14:creationId xmlns:p14="http://schemas.microsoft.com/office/powerpoint/2010/main" val="3491490913"/>
+      </p:ext>
+    </p:extLst>
+  </p:cSld>
+  <p:clrMapOvr>
+    <a:masterClrMapping/>
+  </p:clrMapOvr>
+</p:sld>
+</file>
+
+<file path=ppt/slides/slide6.xml><?xml version="1.0" encoding="utf-8"?>
+<p:sld xmlns:a="http://schemas.openxmlformats.org/drawingml/2006/main" xmlns:r="http://schemas.openxmlformats.org/officeDocument/2006/relationships" xmlns:p="http://schemas.openxmlformats.org/presentationml/2006/main">
+  <p:cSld>
+    <p:spTree>
+      <p:nvGrpSpPr>
+        <p:cNvPr id="1" name="Shape 108"/>
+        <p:cNvGrpSpPr/>
+        <p:nvPr/>
+      </p:nvGrpSpPr>
+      <p:grpSpPr>
+        <a:xfrm>
+          <a:off x="0" y="0"/>
+          <a:ext cx="0" cy="0"/>
+          <a:chOff x="0" y="0"/>
+          <a:chExt cx="0" cy="0"/>
+        </a:xfrm>
+      </p:grpSpPr>
+      <p:sp>
+        <p:nvSpPr>
+          <p:cNvPr id="111" name="Google Shape;111;p19"/>
+          <p:cNvSpPr txBox="1">
+            <a:spLocks noGrp="1"/>
+          </p:cNvSpPr>
+          <p:nvPr>
+            <p:ph type="body" idx="2"/>
+          </p:nvPr>
+        </p:nvSpPr>
+        <p:spPr>
+          <a:xfrm>
+            <a:off x="4677289" y="1733383"/>
+            <a:ext cx="3496500" cy="1953000"/>
+          </a:xfrm>
+          <a:prstGeom prst="rect">
+            <a:avLst/>
+          </a:prstGeom>
+        </p:spPr>
+        <p:txBody>
+          <a:bodyPr spcFirstLastPara="1" wrap="square" lIns="91425" tIns="91425" rIns="91425" bIns="91425" anchor="t" anchorCtr="0">
+            <a:noAutofit/>
+          </a:bodyPr>
+          <a:lstStyle/>
+          <a:p>
+            <a:pPr marL="0" lvl="0" indent="0" algn="ctr" rtl="0">
+              <a:spcBef>
+                <a:spcPts val="600"/>
+              </a:spcBef>
+              <a:spcAft>
+                <a:spcPts val="0"/>
+              </a:spcAft>
+              <a:buNone/>
+            </a:pPr>
+            <a:r>
+              <a:rPr lang="en" sz="2400" b="1" i="1" dirty="0">
+                <a:latin typeface="Playfair Display"/>
+                <a:ea typeface="Playfair Display"/>
+                <a:cs typeface="Playfair Display"/>
+                <a:sym typeface="Playfair Display"/>
+              </a:rPr>
+              <a:t>Change</a:t>
+            </a:r>
+            <a:endParaRPr b="1" dirty="0"/>
+          </a:p>
+          <a:p>
+            <a:pPr marL="0" lvl="0" indent="0" algn="ctr" rtl="0">
+              <a:spcBef>
+                <a:spcPts val="600"/>
+              </a:spcBef>
+              <a:spcAft>
+                <a:spcPts val="0"/>
+              </a:spcAft>
+              <a:buNone/>
+            </a:pPr>
+            <a:endParaRPr lang="en" b="1" dirty="0"/>
+          </a:p>
+          <a:p>
+            <a:pPr marL="0" lvl="0" indent="0" algn="ctr" rtl="0">
+              <a:spcBef>
+                <a:spcPts val="600"/>
+              </a:spcBef>
+              <a:spcAft>
+                <a:spcPts val="0"/>
+              </a:spcAft>
+              <a:buNone/>
+            </a:pPr>
+            <a:r>
+              <a:rPr lang="en" dirty="0"/>
+              <a:t>Change how you use code</a:t>
+            </a:r>
+          </a:p>
+          <a:p>
+            <a:pPr marL="0" lvl="0" indent="0" algn="ctr" rtl="0">
+              <a:spcBef>
+                <a:spcPts val="600"/>
+              </a:spcBef>
+              <a:spcAft>
+                <a:spcPts val="0"/>
+              </a:spcAft>
+              <a:buNone/>
+            </a:pPr>
+            <a:endParaRPr lang="en" dirty="0"/>
+          </a:p>
+          <a:p>
+            <a:pPr marL="0" lvl="0" indent="0" algn="ctr" rtl="0">
+              <a:spcBef>
+                <a:spcPts val="600"/>
+              </a:spcBef>
+              <a:spcAft>
+                <a:spcPts val="0"/>
+              </a:spcAft>
+              <a:buNone/>
+            </a:pPr>
+            <a:r>
+              <a:rPr lang="en" dirty="0"/>
+              <a:t>Change what the code does</a:t>
+            </a:r>
+          </a:p>
+        </p:txBody>
+      </p:sp>
+      <p:sp>
+        <p:nvSpPr>
+          <p:cNvPr id="112" name="Google Shape;112;p19"/>
+          <p:cNvSpPr txBox="1">
+            <a:spLocks noGrp="1"/>
+          </p:cNvSpPr>
+          <p:nvPr>
+            <p:ph type="sldNum" idx="12"/>
+          </p:nvPr>
+        </p:nvSpPr>
+        <p:spPr>
+          <a:xfrm>
+            <a:off x="4297650" y="4419838"/>
+            <a:ext cx="548700" cy="393600"/>
+          </a:xfrm>
+          <a:prstGeom prst="rect">
+            <a:avLst/>
+          </a:prstGeom>
+        </p:spPr>
+        <p:txBody>
+          <a:bodyPr spcFirstLastPara="1" wrap="square" lIns="91425" tIns="91425" rIns="91425" bIns="91425" anchor="b" anchorCtr="0">
+            <a:noAutofit/>
+          </a:bodyPr>
+          <a:lstStyle/>
+          <a:p>
+            <a:pPr marL="0" lvl="0" indent="0" algn="ctr" rtl="0">
+              <a:spcBef>
+                <a:spcPts val="0"/>
+              </a:spcBef>
+              <a:spcAft>
+                <a:spcPts val="0"/>
+              </a:spcAft>
+              <a:buNone/>
+            </a:pPr>
+            <a:fld id="{00000000-1234-1234-1234-123412341234}" type="slidenum">
+              <a:rPr lang="en"/>
+              <a:t>6</a:t>
+            </a:fld>
+            <a:endParaRPr/>
+          </a:p>
+        </p:txBody>
+      </p:sp>
+      <p:sp>
+        <p:nvSpPr>
+          <p:cNvPr id="110" name="Google Shape;110;p19"/>
+          <p:cNvSpPr txBox="1">
+            <a:spLocks noGrp="1"/>
+          </p:cNvSpPr>
+          <p:nvPr>
+            <p:ph type="title"/>
+          </p:nvPr>
+        </p:nvSpPr>
+        <p:spPr>
+          <a:xfrm>
+            <a:off x="388955" y="338306"/>
+            <a:ext cx="8366100" cy="762600"/>
+          </a:xfrm>
+          <a:prstGeom prst="rect">
+            <a:avLst/>
+          </a:prstGeom>
+        </p:spPr>
+        <p:txBody>
+          <a:bodyPr spcFirstLastPara="1" wrap="square" lIns="91425" tIns="91425" rIns="91425" bIns="91425" anchor="ctr" anchorCtr="0">
+            <a:noAutofit/>
+          </a:bodyPr>
+          <a:lstStyle/>
+          <a:p>
+            <a:pPr lvl="0"/>
+            <a:r>
+              <a:rPr lang="en" dirty="0"/>
+              <a:t>Why we Refactor?</a:t>
+            </a:r>
+            <a:endParaRPr dirty="0"/>
+          </a:p>
+        </p:txBody>
+      </p:sp>
+      <p:sp>
+        <p:nvSpPr>
+          <p:cNvPr id="109" name="Google Shape;109;p19"/>
+          <p:cNvSpPr txBox="1">
+            <a:spLocks noGrp="1"/>
+          </p:cNvSpPr>
+          <p:nvPr>
+            <p:ph type="body" idx="1"/>
+          </p:nvPr>
+        </p:nvSpPr>
+        <p:spPr>
+          <a:xfrm>
+            <a:off x="801150" y="1733383"/>
+            <a:ext cx="3496500" cy="1953000"/>
+          </a:xfrm>
+          <a:prstGeom prst="rect">
+            <a:avLst/>
+          </a:prstGeom>
+        </p:spPr>
+        <p:txBody>
+          <a:bodyPr spcFirstLastPara="1" wrap="square" lIns="91425" tIns="91425" rIns="91425" bIns="91425" anchor="t" anchorCtr="0">
+            <a:noAutofit/>
+          </a:bodyPr>
+          <a:lstStyle/>
+          <a:p>
+            <a:pPr marL="0" lvl="0" indent="0" algn="ctr" rtl="0">
+              <a:spcBef>
+                <a:spcPts val="600"/>
+              </a:spcBef>
+              <a:spcAft>
+                <a:spcPts val="0"/>
+              </a:spcAft>
+              <a:buNone/>
+            </a:pPr>
+            <a:r>
+              <a:rPr lang="en" sz="2400" b="1" i="1" dirty="0">
+                <a:latin typeface="Playfair Display"/>
+                <a:ea typeface="Playfair Display"/>
+                <a:cs typeface="Playfair Display"/>
+                <a:sym typeface="Playfair Display"/>
+              </a:rPr>
+              <a:t>Insights</a:t>
+            </a:r>
+            <a:endParaRPr sz="2400" b="1" i="1" dirty="0">
+              <a:latin typeface="Playfair Display"/>
+              <a:ea typeface="Playfair Display"/>
+              <a:cs typeface="Playfair Display"/>
+              <a:sym typeface="Playfair Display"/>
+            </a:endParaRPr>
+          </a:p>
+          <a:p>
+            <a:pPr marL="0" lvl="0" indent="0" algn="ctr" rtl="0">
+              <a:spcBef>
+                <a:spcPts val="600"/>
+              </a:spcBef>
+              <a:spcAft>
+                <a:spcPts val="0"/>
+              </a:spcAft>
+              <a:buNone/>
+            </a:pPr>
+            <a:endParaRPr lang="en" dirty="0"/>
+          </a:p>
+          <a:p>
+            <a:pPr marL="0" lvl="0" indent="0" algn="ctr" rtl="0">
+              <a:spcBef>
+                <a:spcPts val="600"/>
+              </a:spcBef>
+              <a:spcAft>
+                <a:spcPts val="0"/>
+              </a:spcAft>
+              <a:buNone/>
+            </a:pPr>
+            <a:r>
+              <a:rPr lang="en" dirty="0"/>
+              <a:t>Gain an insight</a:t>
+            </a:r>
+          </a:p>
+          <a:p>
+            <a:pPr marL="0" lvl="0" indent="0" algn="ctr" rtl="0">
+              <a:spcBef>
+                <a:spcPts val="600"/>
+              </a:spcBef>
+              <a:spcAft>
+                <a:spcPts val="0"/>
+              </a:spcAft>
+              <a:buNone/>
+            </a:pPr>
+            <a:endParaRPr lang="en" dirty="0"/>
+          </a:p>
+          <a:p>
+            <a:pPr marL="0" lvl="0" indent="0" algn="ctr" rtl="0">
+              <a:spcBef>
+                <a:spcPts val="600"/>
+              </a:spcBef>
+              <a:spcAft>
+                <a:spcPts val="0"/>
+              </a:spcAft>
+              <a:buNone/>
+            </a:pPr>
+            <a:r>
+              <a:rPr lang="en" dirty="0"/>
+              <a:t>Record an insight</a:t>
+            </a:r>
+            <a:endParaRPr dirty="0"/>
+          </a:p>
+        </p:txBody>
+      </p:sp>
+      <p:cxnSp>
+        <p:nvCxnSpPr>
+          <p:cNvPr id="3" name="Straight Connector 2">
+            <a:extLst>
+              <a:ext uri="{FF2B5EF4-FFF2-40B4-BE49-F238E27FC236}">
+                <a16:creationId xmlns:a16="http://schemas.microsoft.com/office/drawing/2014/main" id="{75A3AAC8-D2C8-2147-8E05-86D74E562804}"/>
+              </a:ext>
+            </a:extLst>
+          </p:cNvPr>
+          <p:cNvCxnSpPr>
+            <a:cxnSpLocks/>
+          </p:cNvCxnSpPr>
+          <p:nvPr/>
+        </p:nvCxnSpPr>
+        <p:spPr>
+          <a:xfrm>
+            <a:off x="4572000" y="946205"/>
+            <a:ext cx="0" cy="3705308"/>
+          </a:xfrm>
+          <a:prstGeom prst="line">
+            <a:avLst/>
+          </a:prstGeom>
+        </p:spPr>
+        <p:style>
+          <a:lnRef idx="1">
+            <a:schemeClr val="accent1"/>
+          </a:lnRef>
+          <a:fillRef idx="0">
+            <a:schemeClr val="accent1"/>
+          </a:fillRef>
+          <a:effectRef idx="0">
+            <a:schemeClr val="accent1"/>
+          </a:effectRef>
+          <a:fontRef idx="minor">
+            <a:schemeClr val="tx1"/>
+          </a:fontRef>
+        </p:style>
+      </p:cxnSp>
+      <p:grpSp>
+        <p:nvGrpSpPr>
+          <p:cNvPr id="10" name="Google Shape;378;p37">
+            <a:extLst>
+              <a:ext uri="{FF2B5EF4-FFF2-40B4-BE49-F238E27FC236}">
+                <a16:creationId xmlns:a16="http://schemas.microsoft.com/office/drawing/2014/main" id="{F75B2BDF-0577-0047-8271-5962DE0F624C}"/>
+              </a:ext>
+            </a:extLst>
+          </p:cNvPr>
+          <p:cNvGrpSpPr/>
+          <p:nvPr/>
+        </p:nvGrpSpPr>
+        <p:grpSpPr>
+          <a:xfrm rot="1160667">
+            <a:off x="7926046" y="3269596"/>
+            <a:ext cx="366458" cy="366437"/>
+            <a:chOff x="1923675" y="1633650"/>
+            <a:chExt cx="436000" cy="435975"/>
+          </a:xfrm>
+        </p:grpSpPr>
+        <p:sp>
+          <p:nvSpPr>
+            <p:cNvPr id="11" name="Google Shape;379;p37">
+              <a:extLst>
+                <a:ext uri="{FF2B5EF4-FFF2-40B4-BE49-F238E27FC236}">
+                  <a16:creationId xmlns:a16="http://schemas.microsoft.com/office/drawing/2014/main" id="{AA8E83A7-674F-2F43-9BFD-2DA9DB6C4FE3}"/>
+                </a:ext>
+              </a:extLst>
+            </p:cNvPr>
+            <p:cNvSpPr/>
+            <p:nvPr/>
+          </p:nvSpPr>
+          <p:spPr>
+            <a:xfrm>
+              <a:off x="2209250" y="1633650"/>
+              <a:ext cx="150425" cy="150425"/>
+            </a:xfrm>
+            <a:custGeom>
+              <a:avLst/>
+              <a:gdLst/>
+              <a:ahLst/>
+              <a:cxnLst/>
+              <a:rect l="l" t="t" r="r" b="b"/>
+              <a:pathLst>
+                <a:path w="6017" h="6017" fill="none" extrusionOk="0">
+                  <a:moveTo>
+                    <a:pt x="5846" y="3605"/>
+                  </a:moveTo>
+                  <a:lnTo>
+                    <a:pt x="2412" y="171"/>
+                  </a:lnTo>
+                  <a:lnTo>
+                    <a:pt x="2412" y="171"/>
+                  </a:lnTo>
+                  <a:lnTo>
+                    <a:pt x="2314" y="98"/>
+                  </a:lnTo>
+                  <a:lnTo>
+                    <a:pt x="2217" y="49"/>
+                  </a:lnTo>
+                  <a:lnTo>
+                    <a:pt x="2095" y="25"/>
+                  </a:lnTo>
+                  <a:lnTo>
+                    <a:pt x="1997" y="1"/>
+                  </a:lnTo>
+                  <a:lnTo>
+                    <a:pt x="1876" y="25"/>
+                  </a:lnTo>
+                  <a:lnTo>
+                    <a:pt x="1778" y="49"/>
+                  </a:lnTo>
+                  <a:lnTo>
+                    <a:pt x="1681" y="98"/>
+                  </a:lnTo>
+                  <a:lnTo>
+                    <a:pt x="1583" y="171"/>
+                  </a:lnTo>
+                  <a:lnTo>
+                    <a:pt x="0" y="1778"/>
+                  </a:lnTo>
+                  <a:lnTo>
+                    <a:pt x="4238" y="6016"/>
+                  </a:lnTo>
+                  <a:lnTo>
+                    <a:pt x="5846" y="4433"/>
+                  </a:lnTo>
+                  <a:lnTo>
+                    <a:pt x="5846" y="4433"/>
+                  </a:lnTo>
+                  <a:lnTo>
+                    <a:pt x="5919" y="4336"/>
+                  </a:lnTo>
+                  <a:lnTo>
+                    <a:pt x="5967" y="4238"/>
+                  </a:lnTo>
+                  <a:lnTo>
+                    <a:pt x="5992" y="4141"/>
+                  </a:lnTo>
+                  <a:lnTo>
+                    <a:pt x="6016" y="4019"/>
+                  </a:lnTo>
+                  <a:lnTo>
+                    <a:pt x="5992" y="3922"/>
+                  </a:lnTo>
+                  <a:lnTo>
+                    <a:pt x="5967" y="3800"/>
+                  </a:lnTo>
+                  <a:lnTo>
+                    <a:pt x="5919" y="3703"/>
+                  </a:lnTo>
+                  <a:lnTo>
+                    <a:pt x="5846" y="3605"/>
+                  </a:lnTo>
+                  <a:lnTo>
+                    <a:pt x="5846" y="3605"/>
+                  </a:lnTo>
+                  <a:close/>
+                </a:path>
+              </a:pathLst>
+            </a:custGeom>
+            <a:noFill/>
+            <a:ln w="12175" cap="rnd" cmpd="sng">
+              <a:solidFill>
+                <a:schemeClr val="accent1"/>
+              </a:solidFill>
+              <a:prstDash val="solid"/>
+              <a:round/>
+              <a:headEnd type="none" w="sm" len="sm"/>
+              <a:tailEnd type="none" w="sm" len="sm"/>
+            </a:ln>
+          </p:spPr>
+          <p:txBody>
+            <a:bodyPr spcFirstLastPara="1" wrap="square" lIns="91425" tIns="91425" rIns="91425" bIns="91425" anchor="ctr" anchorCtr="0">
+              <a:noAutofit/>
+            </a:bodyPr>
+            <a:lstStyle/>
+            <a:p>
+              <a:pPr marL="0" lvl="0" indent="0" algn="l" rtl="0">
+                <a:spcBef>
+                  <a:spcPts val="0"/>
+                </a:spcBef>
+                <a:spcAft>
+                  <a:spcPts val="0"/>
+                </a:spcAft>
+                <a:buNone/>
+              </a:pPr>
+              <a:endParaRPr/>
+            </a:p>
+          </p:txBody>
+        </p:sp>
+        <p:sp>
+          <p:nvSpPr>
+            <p:cNvPr id="12" name="Google Shape;380;p37">
+              <a:extLst>
+                <a:ext uri="{FF2B5EF4-FFF2-40B4-BE49-F238E27FC236}">
+                  <a16:creationId xmlns:a16="http://schemas.microsoft.com/office/drawing/2014/main" id="{68F6B620-CDD9-0F4D-A5C6-2AD855AE3C4F}"/>
+                </a:ext>
+              </a:extLst>
+            </p:cNvPr>
+            <p:cNvSpPr/>
+            <p:nvPr/>
+          </p:nvSpPr>
+          <p:spPr>
+            <a:xfrm>
+              <a:off x="2019900" y="1757250"/>
+              <a:ext cx="261825" cy="261850"/>
+            </a:xfrm>
+            <a:custGeom>
+              <a:avLst/>
+              <a:gdLst/>
+              <a:ahLst/>
+              <a:cxnLst/>
+              <a:rect l="l" t="t" r="r" b="b"/>
+              <a:pathLst>
+                <a:path w="10473" h="10474" fill="none" extrusionOk="0">
+                  <a:moveTo>
+                    <a:pt x="10473" y="1"/>
+                  </a:moveTo>
+                  <a:lnTo>
+                    <a:pt x="0" y="10473"/>
+                  </a:lnTo>
+                </a:path>
+              </a:pathLst>
+            </a:custGeom>
+            <a:noFill/>
+            <a:ln w="12175" cap="rnd" cmpd="sng">
+              <a:solidFill>
+                <a:schemeClr val="accent1"/>
+              </a:solidFill>
+              <a:prstDash val="solid"/>
+              <a:round/>
+              <a:headEnd type="none" w="sm" len="sm"/>
+              <a:tailEnd type="none" w="sm" len="sm"/>
+            </a:ln>
+          </p:spPr>
+          <p:txBody>
+            <a:bodyPr spcFirstLastPara="1" wrap="square" lIns="91425" tIns="91425" rIns="91425" bIns="91425" anchor="ctr" anchorCtr="0">
+              <a:noAutofit/>
+            </a:bodyPr>
+            <a:lstStyle/>
+            <a:p>
+              <a:pPr marL="0" lvl="0" indent="0" algn="l" rtl="0">
+                <a:spcBef>
+                  <a:spcPts val="0"/>
+                </a:spcBef>
+                <a:spcAft>
+                  <a:spcPts val="0"/>
+                </a:spcAft>
+                <a:buNone/>
+              </a:pPr>
+              <a:endParaRPr/>
+            </a:p>
+          </p:txBody>
+        </p:sp>
+        <p:sp>
+          <p:nvSpPr>
+            <p:cNvPr id="13" name="Google Shape;381;p37">
+              <a:extLst>
+                <a:ext uri="{FF2B5EF4-FFF2-40B4-BE49-F238E27FC236}">
+                  <a16:creationId xmlns:a16="http://schemas.microsoft.com/office/drawing/2014/main" id="{4066391E-F8B1-544B-9DC8-D48769E98CCD}"/>
+                </a:ext>
+              </a:extLst>
+            </p:cNvPr>
+            <p:cNvSpPr/>
+            <p:nvPr/>
+          </p:nvSpPr>
+          <p:spPr>
+            <a:xfrm>
+              <a:off x="1923675" y="1681150"/>
+              <a:ext cx="388500" cy="388475"/>
+            </a:xfrm>
+            <a:custGeom>
+              <a:avLst/>
+              <a:gdLst/>
+              <a:ahLst/>
+              <a:cxnLst/>
+              <a:rect l="l" t="t" r="r" b="b"/>
+              <a:pathLst>
+                <a:path w="15540" h="15539" fill="none" extrusionOk="0">
+                  <a:moveTo>
+                    <a:pt x="11277" y="0"/>
+                  </a:moveTo>
+                  <a:lnTo>
+                    <a:pt x="756" y="10546"/>
+                  </a:lnTo>
+                  <a:lnTo>
+                    <a:pt x="756" y="10546"/>
+                  </a:lnTo>
+                  <a:lnTo>
+                    <a:pt x="683" y="10619"/>
+                  </a:lnTo>
+                  <a:lnTo>
+                    <a:pt x="634" y="10692"/>
+                  </a:lnTo>
+                  <a:lnTo>
+                    <a:pt x="610" y="10765"/>
+                  </a:lnTo>
+                  <a:lnTo>
+                    <a:pt x="585" y="10863"/>
+                  </a:lnTo>
+                  <a:lnTo>
+                    <a:pt x="1" y="14881"/>
+                  </a:lnTo>
+                  <a:lnTo>
+                    <a:pt x="1" y="14881"/>
+                  </a:lnTo>
+                  <a:lnTo>
+                    <a:pt x="1" y="15003"/>
+                  </a:lnTo>
+                  <a:lnTo>
+                    <a:pt x="25" y="15149"/>
+                  </a:lnTo>
+                  <a:lnTo>
+                    <a:pt x="98" y="15271"/>
+                  </a:lnTo>
+                  <a:lnTo>
+                    <a:pt x="171" y="15368"/>
+                  </a:lnTo>
+                  <a:lnTo>
+                    <a:pt x="171" y="15368"/>
+                  </a:lnTo>
+                  <a:lnTo>
+                    <a:pt x="269" y="15441"/>
+                  </a:lnTo>
+                  <a:lnTo>
+                    <a:pt x="366" y="15490"/>
+                  </a:lnTo>
+                  <a:lnTo>
+                    <a:pt x="464" y="15514"/>
+                  </a:lnTo>
+                  <a:lnTo>
+                    <a:pt x="585" y="15539"/>
+                  </a:lnTo>
+                  <a:lnTo>
+                    <a:pt x="585" y="15539"/>
+                  </a:lnTo>
+                  <a:lnTo>
+                    <a:pt x="659" y="15539"/>
+                  </a:lnTo>
+                  <a:lnTo>
+                    <a:pt x="4677" y="14954"/>
+                  </a:lnTo>
+                  <a:lnTo>
+                    <a:pt x="4677" y="14954"/>
+                  </a:lnTo>
+                  <a:lnTo>
+                    <a:pt x="4848" y="14905"/>
+                  </a:lnTo>
+                  <a:lnTo>
+                    <a:pt x="4921" y="14857"/>
+                  </a:lnTo>
+                  <a:lnTo>
+                    <a:pt x="4994" y="14784"/>
+                  </a:lnTo>
+                  <a:lnTo>
+                    <a:pt x="15539" y="4262"/>
+                  </a:lnTo>
+                </a:path>
+              </a:pathLst>
+            </a:custGeom>
+            <a:noFill/>
+            <a:ln w="12175" cap="rnd" cmpd="sng">
+              <a:solidFill>
+                <a:schemeClr val="accent1"/>
+              </a:solidFill>
+              <a:prstDash val="solid"/>
+              <a:round/>
+              <a:headEnd type="none" w="sm" len="sm"/>
+              <a:tailEnd type="none" w="sm" len="sm"/>
+            </a:ln>
+          </p:spPr>
+          <p:txBody>
+            <a:bodyPr spcFirstLastPara="1" wrap="square" lIns="91425" tIns="91425" rIns="91425" bIns="91425" anchor="ctr" anchorCtr="0">
+              <a:noAutofit/>
+            </a:bodyPr>
+            <a:lstStyle/>
+            <a:p>
+              <a:pPr marL="0" lvl="0" indent="0" algn="l" rtl="0">
+                <a:spcBef>
+                  <a:spcPts val="0"/>
+                </a:spcBef>
+                <a:spcAft>
+                  <a:spcPts val="0"/>
+                </a:spcAft>
+                <a:buNone/>
+              </a:pPr>
+              <a:endParaRPr/>
+            </a:p>
+          </p:txBody>
+        </p:sp>
+        <p:sp>
+          <p:nvSpPr>
+            <p:cNvPr id="14" name="Google Shape;382;p37">
+              <a:extLst>
+                <a:ext uri="{FF2B5EF4-FFF2-40B4-BE49-F238E27FC236}">
+                  <a16:creationId xmlns:a16="http://schemas.microsoft.com/office/drawing/2014/main" id="{50E7A8CA-E64E-5341-8526-F29EA298609D}"/>
+                </a:ext>
+              </a:extLst>
+            </p:cNvPr>
+            <p:cNvSpPr/>
+            <p:nvPr/>
+          </p:nvSpPr>
+          <p:spPr>
+            <a:xfrm>
+              <a:off x="1974225" y="1711575"/>
+              <a:ext cx="261825" cy="261850"/>
+            </a:xfrm>
+            <a:custGeom>
+              <a:avLst/>
+              <a:gdLst/>
+              <a:ahLst/>
+              <a:cxnLst/>
+              <a:rect l="l" t="t" r="r" b="b"/>
+              <a:pathLst>
+                <a:path w="10473" h="10474" fill="none" extrusionOk="0">
+                  <a:moveTo>
+                    <a:pt x="0" y="10474"/>
+                  </a:moveTo>
+                  <a:lnTo>
+                    <a:pt x="10473" y="1"/>
+                  </a:lnTo>
+                </a:path>
+              </a:pathLst>
+            </a:custGeom>
+            <a:noFill/>
+            <a:ln w="12175" cap="rnd" cmpd="sng">
+              <a:solidFill>
+                <a:schemeClr val="accent1"/>
+              </a:solidFill>
+              <a:prstDash val="solid"/>
+              <a:round/>
+              <a:headEnd type="none" w="sm" len="sm"/>
+              <a:tailEnd type="none" w="sm" len="sm"/>
+            </a:ln>
+          </p:spPr>
+          <p:txBody>
+            <a:bodyPr spcFirstLastPara="1" wrap="square" lIns="91425" tIns="91425" rIns="91425" bIns="91425" anchor="ctr" anchorCtr="0">
+              <a:noAutofit/>
+            </a:bodyPr>
+            <a:lstStyle/>
+            <a:p>
+              <a:pPr marL="0" lvl="0" indent="0" algn="l" rtl="0">
+                <a:spcBef>
+                  <a:spcPts val="0"/>
+                </a:spcBef>
+                <a:spcAft>
+                  <a:spcPts val="0"/>
+                </a:spcAft>
+                <a:buNone/>
+              </a:pPr>
+              <a:endParaRPr/>
+            </a:p>
+          </p:txBody>
+        </p:sp>
+        <p:sp>
+          <p:nvSpPr>
+            <p:cNvPr id="15" name="Google Shape;383;p37">
+              <a:extLst>
+                <a:ext uri="{FF2B5EF4-FFF2-40B4-BE49-F238E27FC236}">
+                  <a16:creationId xmlns:a16="http://schemas.microsoft.com/office/drawing/2014/main" id="{1B2C0EE8-AE4A-ED42-9CE4-A0F3F0186893}"/>
+                </a:ext>
+              </a:extLst>
+            </p:cNvPr>
+            <p:cNvSpPr/>
+            <p:nvPr/>
+          </p:nvSpPr>
+          <p:spPr>
+            <a:xfrm>
+              <a:off x="1934650" y="2014200"/>
+              <a:ext cx="44475" cy="44475"/>
+            </a:xfrm>
+            <a:custGeom>
+              <a:avLst/>
+              <a:gdLst/>
+              <a:ahLst/>
+              <a:cxnLst/>
+              <a:rect l="l" t="t" r="r" b="b"/>
+              <a:pathLst>
+                <a:path w="1779" h="1779" fill="none" extrusionOk="0">
+                  <a:moveTo>
+                    <a:pt x="1778" y="1778"/>
+                  </a:moveTo>
+                  <a:lnTo>
+                    <a:pt x="0" y="0"/>
+                  </a:lnTo>
+                </a:path>
+              </a:pathLst>
+            </a:custGeom>
+            <a:noFill/>
+            <a:ln w="12175" cap="rnd" cmpd="sng">
+              <a:solidFill>
+                <a:schemeClr val="accent1"/>
+              </a:solidFill>
+              <a:prstDash val="solid"/>
+              <a:round/>
+              <a:headEnd type="none" w="sm" len="sm"/>
+              <a:tailEnd type="none" w="sm" len="sm"/>
+            </a:ln>
+          </p:spPr>
+          <p:txBody>
+            <a:bodyPr spcFirstLastPara="1" wrap="square" lIns="91425" tIns="91425" rIns="91425" bIns="91425" anchor="ctr" anchorCtr="0">
+              <a:noAutofit/>
+            </a:bodyPr>
+            <a:lstStyle/>
+            <a:p>
+              <a:pPr marL="0" lvl="0" indent="0" algn="l" rtl="0">
+                <a:spcBef>
+                  <a:spcPts val="0"/>
+                </a:spcBef>
+                <a:spcAft>
+                  <a:spcPts val="0"/>
+                </a:spcAft>
+                <a:buNone/>
+              </a:pPr>
+              <a:endParaRPr/>
+            </a:p>
+          </p:txBody>
+        </p:sp>
+        <p:sp>
+          <p:nvSpPr>
+            <p:cNvPr id="16" name="Google Shape;384;p37">
+              <a:extLst>
+                <a:ext uri="{FF2B5EF4-FFF2-40B4-BE49-F238E27FC236}">
+                  <a16:creationId xmlns:a16="http://schemas.microsoft.com/office/drawing/2014/main" id="{25E0074C-6C1B-1843-BB47-5AD0C85CAE4C}"/>
+                </a:ext>
+              </a:extLst>
+            </p:cNvPr>
+            <p:cNvSpPr/>
+            <p:nvPr/>
+          </p:nvSpPr>
+          <p:spPr>
+            <a:xfrm>
+              <a:off x="1944375" y="1947225"/>
+              <a:ext cx="101725" cy="101700"/>
+            </a:xfrm>
+            <a:custGeom>
+              <a:avLst/>
+              <a:gdLst/>
+              <a:ahLst/>
+              <a:cxnLst/>
+              <a:rect l="l" t="t" r="r" b="b"/>
+              <a:pathLst>
+                <a:path w="4069" h="4068" fill="none" extrusionOk="0">
+                  <a:moveTo>
+                    <a:pt x="1" y="49"/>
+                  </a:moveTo>
+                  <a:lnTo>
+                    <a:pt x="1" y="49"/>
+                  </a:lnTo>
+                  <a:lnTo>
+                    <a:pt x="25" y="0"/>
+                  </a:lnTo>
+                  <a:lnTo>
+                    <a:pt x="25" y="0"/>
+                  </a:lnTo>
+                  <a:lnTo>
+                    <a:pt x="4068" y="4043"/>
+                  </a:lnTo>
+                  <a:lnTo>
+                    <a:pt x="4068" y="4043"/>
+                  </a:lnTo>
+                  <a:lnTo>
+                    <a:pt x="4068" y="4043"/>
+                  </a:lnTo>
+                  <a:lnTo>
+                    <a:pt x="4020" y="4068"/>
+                  </a:lnTo>
+                </a:path>
+              </a:pathLst>
+            </a:custGeom>
+            <a:noFill/>
+            <a:ln w="12175" cap="rnd" cmpd="sng">
+              <a:solidFill>
+                <a:schemeClr val="accent1"/>
+              </a:solidFill>
+              <a:prstDash val="solid"/>
+              <a:round/>
+              <a:headEnd type="none" w="sm" len="sm"/>
+              <a:tailEnd type="none" w="sm" len="sm"/>
+            </a:ln>
+          </p:spPr>
+          <p:txBody>
+            <a:bodyPr spcFirstLastPara="1" wrap="square" lIns="91425" tIns="91425" rIns="91425" bIns="91425" anchor="ctr" anchorCtr="0">
+              <a:noAutofit/>
+            </a:bodyPr>
+            <a:lstStyle/>
+            <a:p>
+              <a:pPr marL="0" lvl="0" indent="0" algn="l" rtl="0">
+                <a:spcBef>
+                  <a:spcPts val="0"/>
+                </a:spcBef>
+                <a:spcAft>
+                  <a:spcPts val="0"/>
+                </a:spcAft>
+                <a:buNone/>
+              </a:pPr>
+              <a:endParaRPr/>
+            </a:p>
+          </p:txBody>
+        </p:sp>
+      </p:grpSp>
+    </p:spTree>
+    <p:extLst>
+      <p:ext uri="{BB962C8B-B14F-4D97-AF65-F5344CB8AC3E}">
+        <p14:creationId xmlns:p14="http://schemas.microsoft.com/office/powerpoint/2010/main" val="734602564"/>
+      </p:ext>
+    </p:extLst>
+  </p:cSld>
+  <p:clrMapOvr>
+    <a:masterClrMapping/>
+  </p:clrMapOvr>
+</p:sld>
+</file>
+
+<file path=ppt/slides/slide7.xml><?xml version="1.0" encoding="utf-8"?>
+<p:sld xmlns:a="http://schemas.openxmlformats.org/drawingml/2006/main" xmlns:r="http://schemas.openxmlformats.org/officeDocument/2006/relationships" xmlns:p="http://schemas.openxmlformats.org/presentationml/2006/main">
+  <p:cSld>
+    <p:spTree>
+      <p:nvGrpSpPr>
+        <p:cNvPr id="1" name="Shape 80"/>
+        <p:cNvGrpSpPr/>
+        <p:nvPr/>
+      </p:nvGrpSpPr>
+      <p:grpSpPr>
+        <a:xfrm>
+          <a:off x="0" y="0"/>
+          <a:ext cx="0" cy="0"/>
+          <a:chOff x="0" y="0"/>
+          <a:chExt cx="0" cy="0"/>
+        </a:xfrm>
+      </p:grpSpPr>
+      <p:sp>
+        <p:nvSpPr>
+          <p:cNvPr id="81" name="Google Shape;81;p16"/>
+          <p:cNvSpPr txBox="1">
+            <a:spLocks noGrp="1"/>
+          </p:cNvSpPr>
+          <p:nvPr>
+            <p:ph type="body" idx="1"/>
+          </p:nvPr>
+        </p:nvSpPr>
+        <p:spPr>
+          <a:xfrm>
+            <a:off x="1659150" y="2161800"/>
+            <a:ext cx="5825700" cy="819900"/>
+          </a:xfrm>
+          <a:prstGeom prst="rect">
+            <a:avLst/>
+          </a:prstGeom>
+        </p:spPr>
+        <p:txBody>
+          <a:bodyPr spcFirstLastPara="1" wrap="square" lIns="91425" tIns="91425" rIns="91425" bIns="91425" anchor="t" anchorCtr="0">
+            <a:noAutofit/>
+          </a:bodyPr>
+          <a:lstStyle/>
+          <a:p>
+            <a:pPr marL="0" lvl="0" indent="0" algn="ctr" rtl="0">
+              <a:spcBef>
+                <a:spcPts val="600"/>
+              </a:spcBef>
+              <a:spcAft>
+                <a:spcPts val="0"/>
+              </a:spcAft>
+              <a:buNone/>
+            </a:pPr>
+            <a:r>
+              <a:rPr lang="en"/>
+              <a:t>Quotations are commonly printed as a means of inspiration and to invoke philosophical thoughts from the reader.</a:t>
+            </a:r>
+            <a:endParaRPr/>
+          </a:p>
+        </p:txBody>
+      </p:sp>
+      <p:sp>
+        <p:nvSpPr>
+          <p:cNvPr id="82" name="Google Shape;82;p16"/>
+          <p:cNvSpPr txBox="1">
+            <a:spLocks noGrp="1"/>
+          </p:cNvSpPr>
+          <p:nvPr>
+            <p:ph type="sldNum" idx="12"/>
+          </p:nvPr>
+        </p:nvSpPr>
+        <p:spPr>
+          <a:xfrm>
+            <a:off x="4297650" y="4419838"/>
+            <a:ext cx="548700" cy="393600"/>
+          </a:xfrm>
+          <a:prstGeom prst="rect">
+            <a:avLst/>
+          </a:prstGeom>
+        </p:spPr>
+        <p:txBody>
+          <a:bodyPr spcFirstLastPara="1" wrap="square" lIns="91425" tIns="91425" rIns="91425" bIns="91425" anchor="b" anchorCtr="0">
+            <a:noAutofit/>
+          </a:bodyPr>
+          <a:lstStyle/>
+          <a:p>
+            <a:pPr marL="0" lvl="0" indent="0" algn="ctr" rtl="0">
+              <a:spcBef>
+                <a:spcPts val="0"/>
+              </a:spcBef>
+              <a:spcAft>
+                <a:spcPts val="0"/>
+              </a:spcAft>
+              <a:buNone/>
+            </a:pPr>
+            <a:fld id="{00000000-1234-1234-1234-123412341234}" type="slidenum">
+              <a:rPr lang="en"/>
+              <a:t>7</a:t>
+            </a:fld>
+            <a:endParaRPr/>
+          </a:p>
+        </p:txBody>
+      </p:sp>
+    </p:spTree>
+    <p:extLst>
+      <p:ext uri="{BB962C8B-B14F-4D97-AF65-F5344CB8AC3E}">
+        <p14:creationId xmlns:p14="http://schemas.microsoft.com/office/powerpoint/2010/main" val="3396184922"/>
+      </p:ext>
+    </p:extLst>
+  </p:cSld>
+  <p:clrMapOvr>
+    <a:masterClrMapping/>
+  </p:clrMapOvr>
+</p:sld>
+</file>
+
+<file path=ppt/slides/slide8.xml><?xml version="1.0" encoding="utf-8"?>
+<p:sld xmlns:a="http://schemas.openxmlformats.org/drawingml/2006/main" xmlns:r="http://schemas.openxmlformats.org/officeDocument/2006/relationships" xmlns:p="http://schemas.openxmlformats.org/presentationml/2006/main">
+  <p:cSld>
+    <p:spTree>
+      <p:nvGrpSpPr>
+        <p:cNvPr id="1" name=""/>
+        <p:cNvGrpSpPr/>
+        <p:nvPr/>
+      </p:nvGrpSpPr>
+      <p:grpSpPr>
+        <a:xfrm>
+          <a:off x="0" y="0"/>
+          <a:ext cx="0" cy="0"/>
+          <a:chOff x="0" y="0"/>
+          <a:chExt cx="0" cy="0"/>
+        </a:xfrm>
+      </p:grpSpPr>
+      <p:sp>
+        <p:nvSpPr>
+          <p:cNvPr id="2" name="Title 1">
+            <a:extLst>
+              <a:ext uri="{FF2B5EF4-FFF2-40B4-BE49-F238E27FC236}">
+                <a16:creationId xmlns:a16="http://schemas.microsoft.com/office/drawing/2014/main" id="{19365887-7EDE-BF42-81E2-5014E71EDE5C}"/>
+              </a:ext>
+            </a:extLst>
+          </p:cNvPr>
+          <p:cNvSpPr>
+            <a:spLocks noGrp="1"/>
+          </p:cNvSpPr>
+          <p:nvPr>
+            <p:ph type="ctrTitle"/>
+          </p:nvPr>
+        </p:nvSpPr>
+        <p:spPr/>
+        <p:txBody>
+          <a:bodyPr/>
+          <a:lstStyle/>
+          <a:p>
+            <a:endParaRPr lang="en-US"/>
+          </a:p>
+        </p:txBody>
+      </p:sp>
+      <p:sp>
+        <p:nvSpPr>
+          <p:cNvPr id="3" name="Subtitle 2">
+            <a:extLst>
+              <a:ext uri="{FF2B5EF4-FFF2-40B4-BE49-F238E27FC236}">
+                <a16:creationId xmlns:a16="http://schemas.microsoft.com/office/drawing/2014/main" id="{4462B44D-FD64-7B45-B51F-433173CCF161}"/>
+              </a:ext>
+            </a:extLst>
+          </p:cNvPr>
+          <p:cNvSpPr>
+            <a:spLocks noGrp="1"/>
+          </p:cNvSpPr>
+          <p:nvPr>
+            <p:ph type="subTitle" idx="1"/>
+          </p:nvPr>
+        </p:nvSpPr>
+        <p:spPr/>
+        <p:txBody>
+          <a:bodyPr/>
+          <a:lstStyle/>
+          <a:p>
+            <a:endParaRPr lang="en-US"/>
+          </a:p>
+        </p:txBody>
+      </p:sp>
+      <p:sp>
+        <p:nvSpPr>
+          <p:cNvPr id="4" name="Slide Number Placeholder 3">
+            <a:extLst>
+              <a:ext uri="{FF2B5EF4-FFF2-40B4-BE49-F238E27FC236}">
+                <a16:creationId xmlns:a16="http://schemas.microsoft.com/office/drawing/2014/main" id="{18B41BA1-CC34-CC4F-8534-0C378614DC61}"/>
+              </a:ext>
+            </a:extLst>
+          </p:cNvPr>
+          <p:cNvSpPr>
+            <a:spLocks noGrp="1"/>
+          </p:cNvSpPr>
+          <p:nvPr>
+            <p:ph type="sldNum" idx="12"/>
+          </p:nvPr>
+        </p:nvSpPr>
+        <p:spPr/>
+        <p:txBody>
+          <a:bodyPr/>
+          <a:lstStyle/>
+          <a:p>
+            <a:pPr marL="0" lvl="0" indent="0" algn="ctr" rtl="0">
+              <a:spcBef>
+                <a:spcPts val="0"/>
+              </a:spcBef>
+              <a:spcAft>
+                <a:spcPts val="0"/>
+              </a:spcAft>
+              <a:buNone/>
+            </a:pPr>
+            <a:fld id="{00000000-1234-1234-1234-123412341234}" type="slidenum">
+              <a:rPr lang="en" smtClean="0"/>
+              <a:t>8</a:t>
+            </a:fld>
+            <a:endParaRPr lang="en"/>
+          </a:p>
+        </p:txBody>
+      </p:sp>
+    </p:spTree>
+    <p:extLst>
+      <p:ext uri="{BB962C8B-B14F-4D97-AF65-F5344CB8AC3E}">
+        <p14:creationId xmlns:p14="http://schemas.microsoft.com/office/powerpoint/2010/main" val="4159804167"/>
+      </p:ext>
+    </p:extLst>
+  </p:cSld>
+  <p:clrMapOvr>
+    <a:masterClrMapping/>
+  </p:clrMapOvr>
+</p:sld>
+</file>
+
+<file path=ppt/slides/slide9.xml><?xml version="1.0" encoding="utf-8"?>
+<p:sld xmlns:a="http://schemas.openxmlformats.org/drawingml/2006/main" xmlns:r="http://schemas.openxmlformats.org/officeDocument/2006/relationships" xmlns:p="http://schemas.openxmlformats.org/presentationml/2006/main">
+  <p:cSld>
+    <p:spTree>
+      <p:nvGrpSpPr>
+        <p:cNvPr id="1" name=""/>
+        <p:cNvGrpSpPr/>
+        <p:nvPr/>
+      </p:nvGrpSpPr>
+      <p:grpSpPr>
+        <a:xfrm>
+          <a:off x="0" y="0"/>
+          <a:ext cx="0" cy="0"/>
+          <a:chOff x="0" y="0"/>
+          <a:chExt cx="0" cy="0"/>
+        </a:xfrm>
+      </p:grpSpPr>
+      <p:pic>
+        <p:nvPicPr>
+          <p:cNvPr id="6" name="Picture 5">
+            <a:extLst>
+              <a:ext uri="{FF2B5EF4-FFF2-40B4-BE49-F238E27FC236}">
+                <a16:creationId xmlns:a16="http://schemas.microsoft.com/office/drawing/2014/main" id="{6A745FB0-6233-4A49-80AE-9C3E66182CAD}"/>
+              </a:ext>
+            </a:extLst>
+          </p:cNvPr>
+          <p:cNvPicPr>
+            <a:picLocks noChangeAspect="1"/>
+          </p:cNvPicPr>
+          <p:nvPr/>
+        </p:nvPicPr>
+        <p:blipFill rotWithShape="1">
+          <a:blip r:embed="rId2"/>
+          <a:srcRect l="8163" t="3338" r="7014" b="9175"/>
+          <a:stretch/>
+        </p:blipFill>
+        <p:spPr>
+          <a:xfrm>
+            <a:off x="6933537" y="381224"/>
+            <a:ext cx="1796995" cy="2398500"/>
+          </a:xfrm>
+          <a:prstGeom prst="rect">
+            <a:avLst/>
+          </a:prstGeom>
+          <a:ln>
+            <a:solidFill>
+              <a:schemeClr val="tx1"/>
+            </a:solidFill>
+          </a:ln>
+          <a:effectLst>
+            <a:outerShdw blurRad="50800" dist="38100" dir="2700000" algn="tl" rotWithShape="0">
+              <a:prstClr val="black">
+                <a:alpha val="40000"/>
+              </a:prstClr>
+            </a:outerShdw>
+          </a:effectLst>
+        </p:spPr>
+      </p:pic>
+      <p:sp>
+        <p:nvSpPr>
+          <p:cNvPr id="2" name="Title 1">
+            <a:extLst>
+              <a:ext uri="{FF2B5EF4-FFF2-40B4-BE49-F238E27FC236}">
+                <a16:creationId xmlns:a16="http://schemas.microsoft.com/office/drawing/2014/main" id="{90B634A8-9F2A-644D-BA1A-47F100949845}"/>
+              </a:ext>
+            </a:extLst>
+          </p:cNvPr>
+          <p:cNvSpPr>
+            <a:spLocks noGrp="1"/>
+          </p:cNvSpPr>
+          <p:nvPr>
+            <p:ph type="ctrTitle"/>
+          </p:nvPr>
+        </p:nvSpPr>
+        <p:spPr/>
+        <p:txBody>
+          <a:bodyPr/>
+          <a:lstStyle/>
+          <a:p>
+            <a:r>
+              <a:rPr lang="en-US" dirty="0"/>
+              <a:t>Home work</a:t>
+            </a:r>
+          </a:p>
+        </p:txBody>
+      </p:sp>
+      <p:sp>
+        <p:nvSpPr>
+          <p:cNvPr id="3" name="Subtitle 2">
+            <a:extLst>
+              <a:ext uri="{FF2B5EF4-FFF2-40B4-BE49-F238E27FC236}">
+                <a16:creationId xmlns:a16="http://schemas.microsoft.com/office/drawing/2014/main" id="{61FDC801-4617-434F-8E0F-C9A072A721AB}"/>
+              </a:ext>
+            </a:extLst>
+          </p:cNvPr>
+          <p:cNvSpPr>
+            <a:spLocks noGrp="1"/>
+          </p:cNvSpPr>
+          <p:nvPr>
+            <p:ph type="subTitle" idx="1"/>
+          </p:nvPr>
+        </p:nvSpPr>
+        <p:spPr/>
+        <p:txBody>
+          <a:bodyPr/>
+          <a:lstStyle/>
+          <a:p>
+            <a:r>
+              <a:rPr lang="en-US" dirty="0"/>
+              <a:t>Draw 6 test scenarios</a:t>
+            </a:r>
+          </a:p>
+        </p:txBody>
+      </p:sp>
+      <p:sp>
+        <p:nvSpPr>
+          <p:cNvPr id="4" name="Slide Number Placeholder 3">
+            <a:extLst>
+              <a:ext uri="{FF2B5EF4-FFF2-40B4-BE49-F238E27FC236}">
+                <a16:creationId xmlns:a16="http://schemas.microsoft.com/office/drawing/2014/main" id="{72003388-39EB-0447-8ECF-6CFF2E10ECFA}"/>
+              </a:ext>
+            </a:extLst>
+          </p:cNvPr>
+          <p:cNvSpPr>
+            <a:spLocks noGrp="1"/>
+          </p:cNvSpPr>
+          <p:nvPr>
+            <p:ph type="sldNum" idx="12"/>
+          </p:nvPr>
+        </p:nvSpPr>
+        <p:spPr/>
+        <p:txBody>
+          <a:bodyPr/>
+          <a:lstStyle/>
+          <a:p>
+            <a:pPr marL="0" lvl="0" indent="0" algn="ctr" rtl="0">
+              <a:spcBef>
+                <a:spcPts val="0"/>
+              </a:spcBef>
+              <a:spcAft>
+                <a:spcPts val="0"/>
+              </a:spcAft>
+              <a:buNone/>
+            </a:pPr>
+            <a:fld id="{00000000-1234-1234-1234-123412341234}" type="slidenum">
+              <a:rPr lang="en" smtClean="0"/>
+              <a:t>9</a:t>
+            </a:fld>
+            <a:endParaRPr lang="en"/>
+          </a:p>
+        </p:txBody>
+      </p:sp>
+    </p:spTree>
+    <p:extLst>
+      <p:ext uri="{BB962C8B-B14F-4D97-AF65-F5344CB8AC3E}">
+        <p14:creationId xmlns:p14="http://schemas.microsoft.com/office/powerpoint/2010/main" val="1158048026"/>
+      </p:ext>
+    </p:extLst>
   </p:cSld>
   <p:clrMapOvr>
     <a:masterClrMapping/>

--- a/RefactoringToCleanerCode.pptx
+++ b/RefactoringToCleanerCode.pptx
@@ -10867,7 +10867,7 @@
         </p:nvPicPr>
         <p:blipFill rotWithShape="1">
           <a:blip r:embed="rId2"/>
-          <a:srcRect l="8163" t="3338" r="7014" b="9175"/>
+          <a:srcRect t="69" b="69"/>
           <a:stretch/>
         </p:blipFill>
         <p:spPr>

--- a/RefactoringToCleanerCode.pptx
+++ b/RefactoringToCleanerCode.pptx
@@ -8818,568 +8818,6 @@
           </a:fontRef>
         </p:style>
       </p:cxnSp>
-      <p:grpSp>
-        <p:nvGrpSpPr>
-          <p:cNvPr id="10" name="Google Shape;378;p37">
-            <a:extLst>
-              <a:ext uri="{FF2B5EF4-FFF2-40B4-BE49-F238E27FC236}">
-                <a16:creationId xmlns:a16="http://schemas.microsoft.com/office/drawing/2014/main" id="{F75B2BDF-0577-0047-8271-5962DE0F624C}"/>
-              </a:ext>
-            </a:extLst>
-          </p:cNvPr>
-          <p:cNvGrpSpPr/>
-          <p:nvPr/>
-        </p:nvGrpSpPr>
-        <p:grpSpPr>
-          <a:xfrm rot="20439333" flipH="1">
-            <a:off x="381084" y="2208614"/>
-            <a:ext cx="366458" cy="366437"/>
-            <a:chOff x="1923675" y="1633650"/>
-            <a:chExt cx="436000" cy="435975"/>
-          </a:xfrm>
-        </p:grpSpPr>
-        <p:sp>
-          <p:nvSpPr>
-            <p:cNvPr id="11" name="Google Shape;379;p37">
-              <a:extLst>
-                <a:ext uri="{FF2B5EF4-FFF2-40B4-BE49-F238E27FC236}">
-                  <a16:creationId xmlns:a16="http://schemas.microsoft.com/office/drawing/2014/main" id="{AA8E83A7-674F-2F43-9BFD-2DA9DB6C4FE3}"/>
-                </a:ext>
-              </a:extLst>
-            </p:cNvPr>
-            <p:cNvSpPr/>
-            <p:nvPr/>
-          </p:nvSpPr>
-          <p:spPr>
-            <a:xfrm>
-              <a:off x="2209250" y="1633650"/>
-              <a:ext cx="150425" cy="150425"/>
-            </a:xfrm>
-            <a:custGeom>
-              <a:avLst/>
-              <a:gdLst/>
-              <a:ahLst/>
-              <a:cxnLst/>
-              <a:rect l="l" t="t" r="r" b="b"/>
-              <a:pathLst>
-                <a:path w="6017" h="6017" fill="none" extrusionOk="0">
-                  <a:moveTo>
-                    <a:pt x="5846" y="3605"/>
-                  </a:moveTo>
-                  <a:lnTo>
-                    <a:pt x="2412" y="171"/>
-                  </a:lnTo>
-                  <a:lnTo>
-                    <a:pt x="2412" y="171"/>
-                  </a:lnTo>
-                  <a:lnTo>
-                    <a:pt x="2314" y="98"/>
-                  </a:lnTo>
-                  <a:lnTo>
-                    <a:pt x="2217" y="49"/>
-                  </a:lnTo>
-                  <a:lnTo>
-                    <a:pt x="2095" y="25"/>
-                  </a:lnTo>
-                  <a:lnTo>
-                    <a:pt x="1997" y="1"/>
-                  </a:lnTo>
-                  <a:lnTo>
-                    <a:pt x="1876" y="25"/>
-                  </a:lnTo>
-                  <a:lnTo>
-                    <a:pt x="1778" y="49"/>
-                  </a:lnTo>
-                  <a:lnTo>
-                    <a:pt x="1681" y="98"/>
-                  </a:lnTo>
-                  <a:lnTo>
-                    <a:pt x="1583" y="171"/>
-                  </a:lnTo>
-                  <a:lnTo>
-                    <a:pt x="0" y="1778"/>
-                  </a:lnTo>
-                  <a:lnTo>
-                    <a:pt x="4238" y="6016"/>
-                  </a:lnTo>
-                  <a:lnTo>
-                    <a:pt x="5846" y="4433"/>
-                  </a:lnTo>
-                  <a:lnTo>
-                    <a:pt x="5846" y="4433"/>
-                  </a:lnTo>
-                  <a:lnTo>
-                    <a:pt x="5919" y="4336"/>
-                  </a:lnTo>
-                  <a:lnTo>
-                    <a:pt x="5967" y="4238"/>
-                  </a:lnTo>
-                  <a:lnTo>
-                    <a:pt x="5992" y="4141"/>
-                  </a:lnTo>
-                  <a:lnTo>
-                    <a:pt x="6016" y="4019"/>
-                  </a:lnTo>
-                  <a:lnTo>
-                    <a:pt x="5992" y="3922"/>
-                  </a:lnTo>
-                  <a:lnTo>
-                    <a:pt x="5967" y="3800"/>
-                  </a:lnTo>
-                  <a:lnTo>
-                    <a:pt x="5919" y="3703"/>
-                  </a:lnTo>
-                  <a:lnTo>
-                    <a:pt x="5846" y="3605"/>
-                  </a:lnTo>
-                  <a:lnTo>
-                    <a:pt x="5846" y="3605"/>
-                  </a:lnTo>
-                  <a:close/>
-                </a:path>
-              </a:pathLst>
-            </a:custGeom>
-            <a:noFill/>
-            <a:ln w="12175" cap="rnd" cmpd="sng">
-              <a:solidFill>
-                <a:schemeClr val="accent1"/>
-              </a:solidFill>
-              <a:prstDash val="solid"/>
-              <a:round/>
-              <a:headEnd type="none" w="sm" len="sm"/>
-              <a:tailEnd type="none" w="sm" len="sm"/>
-            </a:ln>
-          </p:spPr>
-          <p:txBody>
-            <a:bodyPr spcFirstLastPara="1" wrap="square" lIns="91425" tIns="91425" rIns="91425" bIns="91425" anchor="ctr" anchorCtr="0">
-              <a:noAutofit/>
-            </a:bodyPr>
-            <a:lstStyle/>
-            <a:p>
-              <a:pPr marL="0" lvl="0" indent="0" algn="l" rtl="0">
-                <a:spcBef>
-                  <a:spcPts val="0"/>
-                </a:spcBef>
-                <a:spcAft>
-                  <a:spcPts val="0"/>
-                </a:spcAft>
-                <a:buNone/>
-              </a:pPr>
-              <a:endParaRPr/>
-            </a:p>
-          </p:txBody>
-        </p:sp>
-        <p:sp>
-          <p:nvSpPr>
-            <p:cNvPr id="12" name="Google Shape;380;p37">
-              <a:extLst>
-                <a:ext uri="{FF2B5EF4-FFF2-40B4-BE49-F238E27FC236}">
-                  <a16:creationId xmlns:a16="http://schemas.microsoft.com/office/drawing/2014/main" id="{68F6B620-CDD9-0F4D-A5C6-2AD855AE3C4F}"/>
-                </a:ext>
-              </a:extLst>
-            </p:cNvPr>
-            <p:cNvSpPr/>
-            <p:nvPr/>
-          </p:nvSpPr>
-          <p:spPr>
-            <a:xfrm>
-              <a:off x="2019900" y="1757250"/>
-              <a:ext cx="261825" cy="261850"/>
-            </a:xfrm>
-            <a:custGeom>
-              <a:avLst/>
-              <a:gdLst/>
-              <a:ahLst/>
-              <a:cxnLst/>
-              <a:rect l="l" t="t" r="r" b="b"/>
-              <a:pathLst>
-                <a:path w="10473" h="10474" fill="none" extrusionOk="0">
-                  <a:moveTo>
-                    <a:pt x="10473" y="1"/>
-                  </a:moveTo>
-                  <a:lnTo>
-                    <a:pt x="0" y="10473"/>
-                  </a:lnTo>
-                </a:path>
-              </a:pathLst>
-            </a:custGeom>
-            <a:noFill/>
-            <a:ln w="12175" cap="rnd" cmpd="sng">
-              <a:solidFill>
-                <a:schemeClr val="accent1"/>
-              </a:solidFill>
-              <a:prstDash val="solid"/>
-              <a:round/>
-              <a:headEnd type="none" w="sm" len="sm"/>
-              <a:tailEnd type="none" w="sm" len="sm"/>
-            </a:ln>
-          </p:spPr>
-          <p:txBody>
-            <a:bodyPr spcFirstLastPara="1" wrap="square" lIns="91425" tIns="91425" rIns="91425" bIns="91425" anchor="ctr" anchorCtr="0">
-              <a:noAutofit/>
-            </a:bodyPr>
-            <a:lstStyle/>
-            <a:p>
-              <a:pPr marL="0" lvl="0" indent="0" algn="l" rtl="0">
-                <a:spcBef>
-                  <a:spcPts val="0"/>
-                </a:spcBef>
-                <a:spcAft>
-                  <a:spcPts val="0"/>
-                </a:spcAft>
-                <a:buNone/>
-              </a:pPr>
-              <a:endParaRPr/>
-            </a:p>
-          </p:txBody>
-        </p:sp>
-        <p:sp>
-          <p:nvSpPr>
-            <p:cNvPr id="13" name="Google Shape;381;p37">
-              <a:extLst>
-                <a:ext uri="{FF2B5EF4-FFF2-40B4-BE49-F238E27FC236}">
-                  <a16:creationId xmlns:a16="http://schemas.microsoft.com/office/drawing/2014/main" id="{4066391E-F8B1-544B-9DC8-D48769E98CCD}"/>
-                </a:ext>
-              </a:extLst>
-            </p:cNvPr>
-            <p:cNvSpPr/>
-            <p:nvPr/>
-          </p:nvSpPr>
-          <p:spPr>
-            <a:xfrm>
-              <a:off x="1923675" y="1681150"/>
-              <a:ext cx="388500" cy="388475"/>
-            </a:xfrm>
-            <a:custGeom>
-              <a:avLst/>
-              <a:gdLst/>
-              <a:ahLst/>
-              <a:cxnLst/>
-              <a:rect l="l" t="t" r="r" b="b"/>
-              <a:pathLst>
-                <a:path w="15540" h="15539" fill="none" extrusionOk="0">
-                  <a:moveTo>
-                    <a:pt x="11277" y="0"/>
-                  </a:moveTo>
-                  <a:lnTo>
-                    <a:pt x="756" y="10546"/>
-                  </a:lnTo>
-                  <a:lnTo>
-                    <a:pt x="756" y="10546"/>
-                  </a:lnTo>
-                  <a:lnTo>
-                    <a:pt x="683" y="10619"/>
-                  </a:lnTo>
-                  <a:lnTo>
-                    <a:pt x="634" y="10692"/>
-                  </a:lnTo>
-                  <a:lnTo>
-                    <a:pt x="610" y="10765"/>
-                  </a:lnTo>
-                  <a:lnTo>
-                    <a:pt x="585" y="10863"/>
-                  </a:lnTo>
-                  <a:lnTo>
-                    <a:pt x="1" y="14881"/>
-                  </a:lnTo>
-                  <a:lnTo>
-                    <a:pt x="1" y="14881"/>
-                  </a:lnTo>
-                  <a:lnTo>
-                    <a:pt x="1" y="15003"/>
-                  </a:lnTo>
-                  <a:lnTo>
-                    <a:pt x="25" y="15149"/>
-                  </a:lnTo>
-                  <a:lnTo>
-                    <a:pt x="98" y="15271"/>
-                  </a:lnTo>
-                  <a:lnTo>
-                    <a:pt x="171" y="15368"/>
-                  </a:lnTo>
-                  <a:lnTo>
-                    <a:pt x="171" y="15368"/>
-                  </a:lnTo>
-                  <a:lnTo>
-                    <a:pt x="269" y="15441"/>
-                  </a:lnTo>
-                  <a:lnTo>
-                    <a:pt x="366" y="15490"/>
-                  </a:lnTo>
-                  <a:lnTo>
-                    <a:pt x="464" y="15514"/>
-                  </a:lnTo>
-                  <a:lnTo>
-                    <a:pt x="585" y="15539"/>
-                  </a:lnTo>
-                  <a:lnTo>
-                    <a:pt x="585" y="15539"/>
-                  </a:lnTo>
-                  <a:lnTo>
-                    <a:pt x="659" y="15539"/>
-                  </a:lnTo>
-                  <a:lnTo>
-                    <a:pt x="4677" y="14954"/>
-                  </a:lnTo>
-                  <a:lnTo>
-                    <a:pt x="4677" y="14954"/>
-                  </a:lnTo>
-                  <a:lnTo>
-                    <a:pt x="4848" y="14905"/>
-                  </a:lnTo>
-                  <a:lnTo>
-                    <a:pt x="4921" y="14857"/>
-                  </a:lnTo>
-                  <a:lnTo>
-                    <a:pt x="4994" y="14784"/>
-                  </a:lnTo>
-                  <a:lnTo>
-                    <a:pt x="15539" y="4262"/>
-                  </a:lnTo>
-                </a:path>
-              </a:pathLst>
-            </a:custGeom>
-            <a:noFill/>
-            <a:ln w="12175" cap="rnd" cmpd="sng">
-              <a:solidFill>
-                <a:schemeClr val="accent1"/>
-              </a:solidFill>
-              <a:prstDash val="solid"/>
-              <a:round/>
-              <a:headEnd type="none" w="sm" len="sm"/>
-              <a:tailEnd type="none" w="sm" len="sm"/>
-            </a:ln>
-          </p:spPr>
-          <p:txBody>
-            <a:bodyPr spcFirstLastPara="1" wrap="square" lIns="91425" tIns="91425" rIns="91425" bIns="91425" anchor="ctr" anchorCtr="0">
-              <a:noAutofit/>
-            </a:bodyPr>
-            <a:lstStyle/>
-            <a:p>
-              <a:pPr marL="0" lvl="0" indent="0" algn="l" rtl="0">
-                <a:spcBef>
-                  <a:spcPts val="0"/>
-                </a:spcBef>
-                <a:spcAft>
-                  <a:spcPts val="0"/>
-                </a:spcAft>
-                <a:buNone/>
-              </a:pPr>
-              <a:endParaRPr/>
-            </a:p>
-          </p:txBody>
-        </p:sp>
-        <p:sp>
-          <p:nvSpPr>
-            <p:cNvPr id="14" name="Google Shape;382;p37">
-              <a:extLst>
-                <a:ext uri="{FF2B5EF4-FFF2-40B4-BE49-F238E27FC236}">
-                  <a16:creationId xmlns:a16="http://schemas.microsoft.com/office/drawing/2014/main" id="{50E7A8CA-E64E-5341-8526-F29EA298609D}"/>
-                </a:ext>
-              </a:extLst>
-            </p:cNvPr>
-            <p:cNvSpPr/>
-            <p:nvPr/>
-          </p:nvSpPr>
-          <p:spPr>
-            <a:xfrm>
-              <a:off x="1974225" y="1711575"/>
-              <a:ext cx="261825" cy="261850"/>
-            </a:xfrm>
-            <a:custGeom>
-              <a:avLst/>
-              <a:gdLst/>
-              <a:ahLst/>
-              <a:cxnLst/>
-              <a:rect l="l" t="t" r="r" b="b"/>
-              <a:pathLst>
-                <a:path w="10473" h="10474" fill="none" extrusionOk="0">
-                  <a:moveTo>
-                    <a:pt x="0" y="10474"/>
-                  </a:moveTo>
-                  <a:lnTo>
-                    <a:pt x="10473" y="1"/>
-                  </a:lnTo>
-                </a:path>
-              </a:pathLst>
-            </a:custGeom>
-            <a:noFill/>
-            <a:ln w="12175" cap="rnd" cmpd="sng">
-              <a:solidFill>
-                <a:schemeClr val="accent1"/>
-              </a:solidFill>
-              <a:prstDash val="solid"/>
-              <a:round/>
-              <a:headEnd type="none" w="sm" len="sm"/>
-              <a:tailEnd type="none" w="sm" len="sm"/>
-            </a:ln>
-          </p:spPr>
-          <p:txBody>
-            <a:bodyPr spcFirstLastPara="1" wrap="square" lIns="91425" tIns="91425" rIns="91425" bIns="91425" anchor="ctr" anchorCtr="0">
-              <a:noAutofit/>
-            </a:bodyPr>
-            <a:lstStyle/>
-            <a:p>
-              <a:pPr marL="0" lvl="0" indent="0" algn="l" rtl="0">
-                <a:spcBef>
-                  <a:spcPts val="0"/>
-                </a:spcBef>
-                <a:spcAft>
-                  <a:spcPts val="0"/>
-                </a:spcAft>
-                <a:buNone/>
-              </a:pPr>
-              <a:endParaRPr/>
-            </a:p>
-          </p:txBody>
-        </p:sp>
-        <p:sp>
-          <p:nvSpPr>
-            <p:cNvPr id="15" name="Google Shape;383;p37">
-              <a:extLst>
-                <a:ext uri="{FF2B5EF4-FFF2-40B4-BE49-F238E27FC236}">
-                  <a16:creationId xmlns:a16="http://schemas.microsoft.com/office/drawing/2014/main" id="{1B2C0EE8-AE4A-ED42-9CE4-A0F3F0186893}"/>
-                </a:ext>
-              </a:extLst>
-            </p:cNvPr>
-            <p:cNvSpPr/>
-            <p:nvPr/>
-          </p:nvSpPr>
-          <p:spPr>
-            <a:xfrm>
-              <a:off x="1934650" y="2014200"/>
-              <a:ext cx="44475" cy="44475"/>
-            </a:xfrm>
-            <a:custGeom>
-              <a:avLst/>
-              <a:gdLst/>
-              <a:ahLst/>
-              <a:cxnLst/>
-              <a:rect l="l" t="t" r="r" b="b"/>
-              <a:pathLst>
-                <a:path w="1779" h="1779" fill="none" extrusionOk="0">
-                  <a:moveTo>
-                    <a:pt x="1778" y="1778"/>
-                  </a:moveTo>
-                  <a:lnTo>
-                    <a:pt x="0" y="0"/>
-                  </a:lnTo>
-                </a:path>
-              </a:pathLst>
-            </a:custGeom>
-            <a:noFill/>
-            <a:ln w="12175" cap="rnd" cmpd="sng">
-              <a:solidFill>
-                <a:schemeClr val="accent1"/>
-              </a:solidFill>
-              <a:prstDash val="solid"/>
-              <a:round/>
-              <a:headEnd type="none" w="sm" len="sm"/>
-              <a:tailEnd type="none" w="sm" len="sm"/>
-            </a:ln>
-          </p:spPr>
-          <p:txBody>
-            <a:bodyPr spcFirstLastPara="1" wrap="square" lIns="91425" tIns="91425" rIns="91425" bIns="91425" anchor="ctr" anchorCtr="0">
-              <a:noAutofit/>
-            </a:bodyPr>
-            <a:lstStyle/>
-            <a:p>
-              <a:pPr marL="0" lvl="0" indent="0" algn="l" rtl="0">
-                <a:spcBef>
-                  <a:spcPts val="0"/>
-                </a:spcBef>
-                <a:spcAft>
-                  <a:spcPts val="0"/>
-                </a:spcAft>
-                <a:buNone/>
-              </a:pPr>
-              <a:endParaRPr/>
-            </a:p>
-          </p:txBody>
-        </p:sp>
-        <p:sp>
-          <p:nvSpPr>
-            <p:cNvPr id="16" name="Google Shape;384;p37">
-              <a:extLst>
-                <a:ext uri="{FF2B5EF4-FFF2-40B4-BE49-F238E27FC236}">
-                  <a16:creationId xmlns:a16="http://schemas.microsoft.com/office/drawing/2014/main" id="{25E0074C-6C1B-1843-BB47-5AD0C85CAE4C}"/>
-                </a:ext>
-              </a:extLst>
-            </p:cNvPr>
-            <p:cNvSpPr/>
-            <p:nvPr/>
-          </p:nvSpPr>
-          <p:spPr>
-            <a:xfrm>
-              <a:off x="1944375" y="1947225"/>
-              <a:ext cx="101725" cy="101700"/>
-            </a:xfrm>
-            <a:custGeom>
-              <a:avLst/>
-              <a:gdLst/>
-              <a:ahLst/>
-              <a:cxnLst/>
-              <a:rect l="l" t="t" r="r" b="b"/>
-              <a:pathLst>
-                <a:path w="4069" h="4068" fill="none" extrusionOk="0">
-                  <a:moveTo>
-                    <a:pt x="1" y="49"/>
-                  </a:moveTo>
-                  <a:lnTo>
-                    <a:pt x="1" y="49"/>
-                  </a:lnTo>
-                  <a:lnTo>
-                    <a:pt x="25" y="0"/>
-                  </a:lnTo>
-                  <a:lnTo>
-                    <a:pt x="25" y="0"/>
-                  </a:lnTo>
-                  <a:lnTo>
-                    <a:pt x="4068" y="4043"/>
-                  </a:lnTo>
-                  <a:lnTo>
-                    <a:pt x="4068" y="4043"/>
-                  </a:lnTo>
-                  <a:lnTo>
-                    <a:pt x="4068" y="4043"/>
-                  </a:lnTo>
-                  <a:lnTo>
-                    <a:pt x="4020" y="4068"/>
-                  </a:lnTo>
-                </a:path>
-              </a:pathLst>
-            </a:custGeom>
-            <a:noFill/>
-            <a:ln w="12175" cap="rnd" cmpd="sng">
-              <a:solidFill>
-                <a:schemeClr val="accent1"/>
-              </a:solidFill>
-              <a:prstDash val="solid"/>
-              <a:round/>
-              <a:headEnd type="none" w="sm" len="sm"/>
-              <a:tailEnd type="none" w="sm" len="sm"/>
-            </a:ln>
-          </p:spPr>
-          <p:txBody>
-            <a:bodyPr spcFirstLastPara="1" wrap="square" lIns="91425" tIns="91425" rIns="91425" bIns="91425" anchor="ctr" anchorCtr="0">
-              <a:noAutofit/>
-            </a:bodyPr>
-            <a:lstStyle/>
-            <a:p>
-              <a:pPr marL="0" lvl="0" indent="0" algn="l" rtl="0">
-                <a:spcBef>
-                  <a:spcPts val="0"/>
-                </a:spcBef>
-                <a:spcAft>
-                  <a:spcPts val="0"/>
-                </a:spcAft>
-                <a:buNone/>
-              </a:pPr>
-              <a:endParaRPr/>
-            </a:p>
-          </p:txBody>
-        </p:sp>
-      </p:grpSp>
     </p:spTree>
     <p:extLst>
       <p:ext uri="{BB962C8B-B14F-4D97-AF65-F5344CB8AC3E}">

--- a/RefactoringToCleanerCode.pptx
+++ b/RefactoringToCleanerCode.pptx
@@ -5,7 +5,7 @@
     <p:sldMasterId id="2147483658" r:id="rId1"/>
   </p:sldMasterIdLst>
   <p:notesMasterIdLst>
-    <p:notesMasterId r:id="rId13"/>
+    <p:notesMasterId r:id="rId12"/>
   </p:notesMasterIdLst>
   <p:sldIdLst>
     <p:sldId id="256" r:id="rId2"/>
@@ -15,10 +15,9 @@
     <p:sldId id="263" r:id="rId6"/>
     <p:sldId id="262" r:id="rId7"/>
     <p:sldId id="273" r:id="rId8"/>
-    <p:sldId id="293" r:id="rId9"/>
-    <p:sldId id="289" r:id="rId10"/>
-    <p:sldId id="288" r:id="rId11"/>
-    <p:sldId id="278" r:id="rId12"/>
+    <p:sldId id="294" r:id="rId9"/>
+    <p:sldId id="288" r:id="rId10"/>
+    <p:sldId id="278" r:id="rId11"/>
   </p:sldIdLst>
   <p:sldSz cx="9144000" cy="5143500" type="screen16x9"/>
   <p:notesSz cx="6858000" cy="9144000"/>
@@ -1459,6 +1458,115 @@
 </file>
 
 <file path=ppt/notesSlides/notesSlide8.xml><?xml version="1.0" encoding="utf-8"?>
+<p:notes xmlns:a="http://schemas.openxmlformats.org/drawingml/2006/main" xmlns:r="http://schemas.openxmlformats.org/officeDocument/2006/relationships" xmlns:p="http://schemas.openxmlformats.org/presentationml/2006/main" showMasterSp="0" showMasterPhAnim="0">
+  <p:cSld>
+    <p:spTree>
+      <p:nvGrpSpPr>
+        <p:cNvPr id="1" name="Shape 90"/>
+        <p:cNvGrpSpPr/>
+        <p:nvPr/>
+      </p:nvGrpSpPr>
+      <p:grpSpPr>
+        <a:xfrm>
+          <a:off x="0" y="0"/>
+          <a:ext cx="0" cy="0"/>
+          <a:chOff x="0" y="0"/>
+          <a:chExt cx="0" cy="0"/>
+        </a:xfrm>
+      </p:grpSpPr>
+      <p:sp>
+        <p:nvSpPr>
+          <p:cNvPr id="91" name="Google Shape;91;g35ed75ccf_015:notes"/>
+          <p:cNvSpPr>
+            <a:spLocks noGrp="1" noRot="1" noChangeAspect="1"/>
+          </p:cNvSpPr>
+          <p:nvPr>
+            <p:ph type="sldImg" idx="2"/>
+          </p:nvPr>
+        </p:nvSpPr>
+        <p:spPr>
+          <a:xfrm>
+            <a:off x="381000" y="685800"/>
+            <a:ext cx="6096000" cy="3429000"/>
+          </a:xfrm>
+          <a:custGeom>
+            <a:avLst/>
+            <a:gdLst/>
+            <a:ahLst/>
+            <a:cxnLst/>
+            <a:rect l="l" t="t" r="r" b="b"/>
+            <a:pathLst>
+              <a:path w="120000" h="120000" extrusionOk="0">
+                <a:moveTo>
+                  <a:pt x="0" y="0"/>
+                </a:moveTo>
+                <a:lnTo>
+                  <a:pt x="120000" y="0"/>
+                </a:lnTo>
+                <a:lnTo>
+                  <a:pt x="120000" y="120000"/>
+                </a:lnTo>
+                <a:lnTo>
+                  <a:pt x="0" y="120000"/>
+                </a:lnTo>
+                <a:close/>
+              </a:path>
+            </a:pathLst>
+          </a:custGeom>
+        </p:spPr>
+      </p:sp>
+      <p:sp>
+        <p:nvSpPr>
+          <p:cNvPr id="92" name="Google Shape;92;g35ed75ccf_015:notes"/>
+          <p:cNvSpPr txBox="1">
+            <a:spLocks noGrp="1"/>
+          </p:cNvSpPr>
+          <p:nvPr>
+            <p:ph type="body" idx="1"/>
+          </p:nvPr>
+        </p:nvSpPr>
+        <p:spPr>
+          <a:xfrm>
+            <a:off x="685800" y="4343400"/>
+            <a:ext cx="5486400" cy="4114800"/>
+          </a:xfrm>
+          <a:prstGeom prst="rect">
+            <a:avLst/>
+          </a:prstGeom>
+        </p:spPr>
+        <p:txBody>
+          <a:bodyPr spcFirstLastPara="1" wrap="square" lIns="91425" tIns="91425" rIns="91425" bIns="91425" anchor="t" anchorCtr="0">
+            <a:noAutofit/>
+          </a:bodyPr>
+          <a:lstStyle/>
+          <a:p>
+            <a:pPr marL="0" lvl="0" indent="0" algn="l" rtl="0">
+              <a:spcBef>
+                <a:spcPts val="0"/>
+              </a:spcBef>
+              <a:spcAft>
+                <a:spcPts val="0"/>
+              </a:spcAft>
+              <a:buNone/>
+            </a:pPr>
+            <a:endParaRPr/>
+          </a:p>
+        </p:txBody>
+      </p:sp>
+    </p:spTree>
+    <p:extLst>
+      <p:ext uri="{BB962C8B-B14F-4D97-AF65-F5344CB8AC3E}">
+        <p14:creationId xmlns:p14="http://schemas.microsoft.com/office/powerpoint/2010/main" val="629052292"/>
+      </p:ext>
+    </p:extLst>
+  </p:cSld>
+  <p:clrMapOvr>
+    <a:masterClrMapping/>
+  </p:clrMapOvr>
+</p:notes>
+</file>
+
+<file path=ppt/notesSlides/notesSlide9.xml><?xml version="1.0" encoding="utf-8"?>
 <p:notes xmlns:a="http://schemas.openxmlformats.org/drawingml/2006/main" xmlns:r="http://schemas.openxmlformats.org/officeDocument/2006/relationships" xmlns:p="http://schemas.openxmlformats.org/presentationml/2006/main" showMasterSp="0" showMasterPhAnim="0">
   <p:cSld>
     <p:spTree>
@@ -5446,171 +5554,6 @@
   <p:cSld>
     <p:spTree>
       <p:nvGrpSpPr>
-        <p:cNvPr id="1" name=""/>
-        <p:cNvGrpSpPr/>
-        <p:nvPr/>
-      </p:nvGrpSpPr>
-      <p:grpSpPr>
-        <a:xfrm>
-          <a:off x="0" y="0"/>
-          <a:ext cx="0" cy="0"/>
-          <a:chOff x="0" y="0"/>
-          <a:chExt cx="0" cy="0"/>
-        </a:xfrm>
-      </p:grpSpPr>
-      <p:pic>
-        <p:nvPicPr>
-          <p:cNvPr id="6" name="Picture 5">
-            <a:extLst>
-              <a:ext uri="{FF2B5EF4-FFF2-40B4-BE49-F238E27FC236}">
-                <a16:creationId xmlns:a16="http://schemas.microsoft.com/office/drawing/2014/main" id="{6A745FB0-6233-4A49-80AE-9C3E66182CAD}"/>
-              </a:ext>
-            </a:extLst>
-          </p:cNvPr>
-          <p:cNvPicPr>
-            <a:picLocks noChangeAspect="1"/>
-          </p:cNvPicPr>
-          <p:nvPr/>
-        </p:nvPicPr>
-        <p:blipFill rotWithShape="1">
-          <a:blip r:embed="rId2"/>
-          <a:srcRect t="69" b="69"/>
-          <a:stretch/>
-        </p:blipFill>
-        <p:spPr>
-          <a:xfrm>
-            <a:off x="6933537" y="381224"/>
-            <a:ext cx="1796995" cy="2398500"/>
-          </a:xfrm>
-          <a:prstGeom prst="rect">
-            <a:avLst/>
-          </a:prstGeom>
-          <a:ln>
-            <a:solidFill>
-              <a:schemeClr val="tx1"/>
-            </a:solidFill>
-          </a:ln>
-          <a:effectLst>
-            <a:outerShdw blurRad="50800" dist="38100" dir="2700000" algn="tl" rotWithShape="0">
-              <a:prstClr val="black">
-                <a:alpha val="40000"/>
-              </a:prstClr>
-            </a:outerShdw>
-          </a:effectLst>
-        </p:spPr>
-      </p:pic>
-      <p:sp>
-        <p:nvSpPr>
-          <p:cNvPr id="2" name="Title 1">
-            <a:extLst>
-              <a:ext uri="{FF2B5EF4-FFF2-40B4-BE49-F238E27FC236}">
-                <a16:creationId xmlns:a16="http://schemas.microsoft.com/office/drawing/2014/main" id="{90B634A8-9F2A-644D-BA1A-47F100949845}"/>
-              </a:ext>
-            </a:extLst>
-          </p:cNvPr>
-          <p:cNvSpPr>
-            <a:spLocks noGrp="1"/>
-          </p:cNvSpPr>
-          <p:nvPr>
-            <p:ph type="ctrTitle"/>
-          </p:nvPr>
-        </p:nvSpPr>
-        <p:spPr/>
-        <p:txBody>
-          <a:bodyPr/>
-          <a:lstStyle/>
-          <a:p>
-            <a:r>
-              <a:rPr lang="en-US" dirty="0"/>
-              <a:t>Home work</a:t>
-            </a:r>
-          </a:p>
-        </p:txBody>
-      </p:sp>
-      <p:sp>
-        <p:nvSpPr>
-          <p:cNvPr id="3" name="Subtitle 2">
-            <a:extLst>
-              <a:ext uri="{FF2B5EF4-FFF2-40B4-BE49-F238E27FC236}">
-                <a16:creationId xmlns:a16="http://schemas.microsoft.com/office/drawing/2014/main" id="{61FDC801-4617-434F-8E0F-C9A072A721AB}"/>
-              </a:ext>
-            </a:extLst>
-          </p:cNvPr>
-          <p:cNvSpPr>
-            <a:spLocks noGrp="1"/>
-          </p:cNvSpPr>
-          <p:nvPr>
-            <p:ph type="subTitle" idx="1"/>
-          </p:nvPr>
-        </p:nvSpPr>
-        <p:spPr/>
-        <p:txBody>
-          <a:bodyPr/>
-          <a:lstStyle/>
-          <a:p>
-            <a:r>
-              <a:rPr lang="en-US" dirty="0"/>
-              <a:t>Draw 6 test scenarios</a:t>
-            </a:r>
-          </a:p>
-        </p:txBody>
-      </p:sp>
-      <p:sp>
-        <p:nvSpPr>
-          <p:cNvPr id="4" name="Slide Number Placeholder 3">
-            <a:extLst>
-              <a:ext uri="{FF2B5EF4-FFF2-40B4-BE49-F238E27FC236}">
-                <a16:creationId xmlns:a16="http://schemas.microsoft.com/office/drawing/2014/main" id="{72003388-39EB-0447-8ECF-6CFF2E10ECFA}"/>
-              </a:ext>
-            </a:extLst>
-          </p:cNvPr>
-          <p:cNvSpPr>
-            <a:spLocks noGrp="1"/>
-          </p:cNvSpPr>
-          <p:nvPr>
-            <p:ph type="sldNum" idx="12"/>
-          </p:nvPr>
-        </p:nvSpPr>
-        <p:spPr/>
-        <p:txBody>
-          <a:bodyPr/>
-          <a:lstStyle/>
-          <a:p>
-            <a:pPr marL="0" lvl="0" indent="0" algn="ctr" rtl="0">
-              <a:spcBef>
-                <a:spcPts val="0"/>
-              </a:spcBef>
-              <a:spcAft>
-                <a:spcPts val="0"/>
-              </a:spcAft>
-              <a:buNone/>
-            </a:pPr>
-            <a:fld id="{00000000-1234-1234-1234-123412341234}" type="slidenum">
-              <a:rPr lang="en" smtClean="0"/>
-              <a:t>10</a:t>
-            </a:fld>
-            <a:endParaRPr lang="en"/>
-          </a:p>
-        </p:txBody>
-      </p:sp>
-    </p:spTree>
-    <p:extLst>
-      <p:ext uri="{BB962C8B-B14F-4D97-AF65-F5344CB8AC3E}">
-        <p14:creationId xmlns:p14="http://schemas.microsoft.com/office/powerpoint/2010/main" val="1158048026"/>
-      </p:ext>
-    </p:extLst>
-  </p:cSld>
-  <p:clrMapOvr>
-    <a:masterClrMapping/>
-  </p:clrMapOvr>
-</p:sld>
-</file>
-
-<file path=ppt/slides/slide11.xml><?xml version="1.0" encoding="utf-8"?>
-<p:sld xmlns:a="http://schemas.openxmlformats.org/drawingml/2006/main" xmlns:r="http://schemas.openxmlformats.org/officeDocument/2006/relationships" xmlns:p="http://schemas.openxmlformats.org/presentationml/2006/main">
-  <p:cSld>
-    <p:spTree>
-      <p:nvGrpSpPr>
         <p:cNvPr id="1" name="Shape 277"/>
         <p:cNvGrpSpPr/>
         <p:nvPr/>
@@ -5810,7 +5753,7 @@
             </a:pPr>
             <a:fld id="{00000000-1234-1234-1234-123412341234}" type="slidenum">
               <a:rPr lang="en"/>
-              <a:t>11</a:t>
+              <a:t>10</a:t>
             </a:fld>
             <a:endParaRPr/>
           </a:p>
@@ -14580,7 +14523,7 @@
   <p:cSld>
     <p:spTree>
       <p:nvGrpSpPr>
-        <p:cNvPr id="1" name=""/>
+        <p:cNvPr id="1" name="Shape 93"/>
         <p:cNvGrpSpPr/>
         <p:nvPr/>
       </p:nvGrpSpPr>
@@ -14594,26 +14537,1191 @@
       </p:grpSpPr>
       <p:sp>
         <p:nvSpPr>
-          <p:cNvPr id="2" name="Slide Number Placeholder 1">
+          <p:cNvPr id="94" name="Google Shape;94;p18"/>
+          <p:cNvSpPr txBox="1">
+            <a:spLocks noGrp="1"/>
+          </p:cNvSpPr>
+          <p:nvPr>
+            <p:ph type="ctrTitle" idx="4294967295"/>
+          </p:nvPr>
+        </p:nvSpPr>
+        <p:spPr>
+          <a:xfrm>
+            <a:off x="1620900" y="2199075"/>
+            <a:ext cx="5902200" cy="1159800"/>
+          </a:xfrm>
+          <a:prstGeom prst="rect">
+            <a:avLst/>
+          </a:prstGeom>
+        </p:spPr>
+        <p:txBody>
+          <a:bodyPr spcFirstLastPara="1" wrap="square" lIns="91425" tIns="91425" rIns="91425" bIns="91425" anchor="ctr" anchorCtr="0">
+            <a:noAutofit/>
+          </a:bodyPr>
+          <a:lstStyle/>
+          <a:p>
+            <a:pPr marL="0" lvl="0" indent="0" algn="ctr" rtl="0">
+              <a:spcBef>
+                <a:spcPts val="0"/>
+              </a:spcBef>
+              <a:spcAft>
+                <a:spcPts val="0"/>
+              </a:spcAft>
+              <a:buNone/>
+            </a:pPr>
+            <a:r>
+              <a:rPr lang="en" sz="6000" i="1" dirty="0">
+                <a:solidFill>
+                  <a:srgbClr val="FFFFFF"/>
+                </a:solidFill>
+              </a:rPr>
+              <a:t>Let’s Refactor!</a:t>
+            </a:r>
+            <a:endParaRPr sz="6000" i="1" dirty="0">
+              <a:solidFill>
+                <a:srgbClr val="FFFFFF"/>
+              </a:solidFill>
+            </a:endParaRPr>
+          </a:p>
+        </p:txBody>
+      </p:sp>
+      <p:sp>
+        <p:nvSpPr>
+          <p:cNvPr id="96" name="Google Shape;96;p18"/>
+          <p:cNvSpPr/>
+          <p:nvPr/>
+        </p:nvSpPr>
+        <p:spPr>
+          <a:xfrm>
+            <a:off x="3935896" y="922408"/>
+            <a:ext cx="1272208" cy="1273222"/>
+          </a:xfrm>
+          <a:prstGeom prst="ellipse">
+            <a:avLst/>
+          </a:prstGeom>
+          <a:solidFill>
+            <a:srgbClr val="FFFFFF"/>
+          </a:solidFill>
+          <a:ln>
+            <a:noFill/>
+          </a:ln>
+        </p:spPr>
+        <p:txBody>
+          <a:bodyPr spcFirstLastPara="1" wrap="square" lIns="91425" tIns="91425" rIns="91425" bIns="91425" anchor="ctr" anchorCtr="0">
+            <a:noAutofit/>
+          </a:bodyPr>
+          <a:lstStyle/>
+          <a:p>
+            <a:pPr marL="0" lvl="0" indent="0" algn="l" rtl="0">
+              <a:spcBef>
+                <a:spcPts val="0"/>
+              </a:spcBef>
+              <a:spcAft>
+                <a:spcPts val="0"/>
+              </a:spcAft>
+              <a:buNone/>
+            </a:pPr>
+            <a:endParaRPr/>
+          </a:p>
+        </p:txBody>
+      </p:sp>
+      <p:sp>
+        <p:nvSpPr>
+          <p:cNvPr id="13" name="Google Shape;390;p37">
             <a:extLst>
               <a:ext uri="{FF2B5EF4-FFF2-40B4-BE49-F238E27FC236}">
-                <a16:creationId xmlns:a16="http://schemas.microsoft.com/office/drawing/2014/main" id="{E3F2D4AA-E5C8-3B49-A2A4-B160F2F97DD0}"/>
+                <a16:creationId xmlns:a16="http://schemas.microsoft.com/office/drawing/2014/main" id="{BF657C25-24DB-D44A-9D1C-8CD51D24D7D6}"/>
               </a:ext>
             </a:extLst>
           </p:cNvPr>
-          <p:cNvSpPr>
-            <a:spLocks noGrp="1"/>
-          </p:cNvSpPr>
-          <p:nvPr>
-            <p:ph type="sldNum" idx="12"/>
-          </p:nvPr>
+          <p:cNvSpPr/>
+          <p:nvPr/>
         </p:nvSpPr>
-        <p:spPr/>
+        <p:spPr>
+          <a:xfrm>
+            <a:off x="4112094" y="1099113"/>
+            <a:ext cx="919812" cy="919812"/>
+          </a:xfrm>
+          <a:custGeom>
+            <a:avLst/>
+            <a:gdLst/>
+            <a:ahLst/>
+            <a:cxnLst/>
+            <a:rect l="l" t="t" r="r" b="b"/>
+            <a:pathLst>
+              <a:path w="16027" h="16027" fill="none" extrusionOk="0">
+                <a:moveTo>
+                  <a:pt x="14029" y="4019"/>
+                </a:moveTo>
+                <a:lnTo>
+                  <a:pt x="14029" y="4019"/>
+                </a:lnTo>
+                <a:lnTo>
+                  <a:pt x="14200" y="3849"/>
+                </a:lnTo>
+                <a:lnTo>
+                  <a:pt x="14395" y="3752"/>
+                </a:lnTo>
+                <a:lnTo>
+                  <a:pt x="14614" y="3678"/>
+                </a:lnTo>
+                <a:lnTo>
+                  <a:pt x="14809" y="3630"/>
+                </a:lnTo>
+                <a:lnTo>
+                  <a:pt x="15028" y="3581"/>
+                </a:lnTo>
+                <a:lnTo>
+                  <a:pt x="15247" y="3484"/>
+                </a:lnTo>
+                <a:lnTo>
+                  <a:pt x="15442" y="3362"/>
+                </a:lnTo>
+                <a:lnTo>
+                  <a:pt x="15661" y="3191"/>
+                </a:lnTo>
+                <a:lnTo>
+                  <a:pt x="15661" y="3191"/>
+                </a:lnTo>
+                <a:lnTo>
+                  <a:pt x="15832" y="2997"/>
+                </a:lnTo>
+                <a:lnTo>
+                  <a:pt x="15929" y="2777"/>
+                </a:lnTo>
+                <a:lnTo>
+                  <a:pt x="16002" y="2534"/>
+                </a:lnTo>
+                <a:lnTo>
+                  <a:pt x="16026" y="2266"/>
+                </a:lnTo>
+                <a:lnTo>
+                  <a:pt x="16026" y="2266"/>
+                </a:lnTo>
+                <a:lnTo>
+                  <a:pt x="16002" y="2047"/>
+                </a:lnTo>
+                <a:lnTo>
+                  <a:pt x="15978" y="1827"/>
+                </a:lnTo>
+                <a:lnTo>
+                  <a:pt x="15905" y="1633"/>
+                </a:lnTo>
+                <a:lnTo>
+                  <a:pt x="15807" y="1413"/>
+                </a:lnTo>
+                <a:lnTo>
+                  <a:pt x="15710" y="1243"/>
+                </a:lnTo>
+                <a:lnTo>
+                  <a:pt x="15588" y="1048"/>
+                </a:lnTo>
+                <a:lnTo>
+                  <a:pt x="15466" y="878"/>
+                </a:lnTo>
+                <a:lnTo>
+                  <a:pt x="15320" y="707"/>
+                </a:lnTo>
+                <a:lnTo>
+                  <a:pt x="15320" y="707"/>
+                </a:lnTo>
+                <a:lnTo>
+                  <a:pt x="15150" y="561"/>
+                </a:lnTo>
+                <a:lnTo>
+                  <a:pt x="14979" y="439"/>
+                </a:lnTo>
+                <a:lnTo>
+                  <a:pt x="14784" y="317"/>
+                </a:lnTo>
+                <a:lnTo>
+                  <a:pt x="14590" y="196"/>
+                </a:lnTo>
+                <a:lnTo>
+                  <a:pt x="14395" y="123"/>
+                </a:lnTo>
+                <a:lnTo>
+                  <a:pt x="14175" y="50"/>
+                </a:lnTo>
+                <a:lnTo>
+                  <a:pt x="13981" y="25"/>
+                </a:lnTo>
+                <a:lnTo>
+                  <a:pt x="13761" y="1"/>
+                </a:lnTo>
+                <a:lnTo>
+                  <a:pt x="13761" y="1"/>
+                </a:lnTo>
+                <a:lnTo>
+                  <a:pt x="13494" y="25"/>
+                </a:lnTo>
+                <a:lnTo>
+                  <a:pt x="13250" y="98"/>
+                </a:lnTo>
+                <a:lnTo>
+                  <a:pt x="13031" y="196"/>
+                </a:lnTo>
+                <a:lnTo>
+                  <a:pt x="12836" y="366"/>
+                </a:lnTo>
+                <a:lnTo>
+                  <a:pt x="12836" y="366"/>
+                </a:lnTo>
+                <a:lnTo>
+                  <a:pt x="12665" y="561"/>
+                </a:lnTo>
+                <a:lnTo>
+                  <a:pt x="12544" y="780"/>
+                </a:lnTo>
+                <a:lnTo>
+                  <a:pt x="12471" y="975"/>
+                </a:lnTo>
+                <a:lnTo>
+                  <a:pt x="12422" y="1194"/>
+                </a:lnTo>
+                <a:lnTo>
+                  <a:pt x="12349" y="1413"/>
+                </a:lnTo>
+                <a:lnTo>
+                  <a:pt x="12276" y="1608"/>
+                </a:lnTo>
+                <a:lnTo>
+                  <a:pt x="12178" y="1827"/>
+                </a:lnTo>
+                <a:lnTo>
+                  <a:pt x="12008" y="1998"/>
+                </a:lnTo>
+                <a:lnTo>
+                  <a:pt x="12008" y="1998"/>
+                </a:lnTo>
+                <a:lnTo>
+                  <a:pt x="11740" y="2266"/>
+                </a:lnTo>
+                <a:lnTo>
+                  <a:pt x="11496" y="2436"/>
+                </a:lnTo>
+                <a:lnTo>
+                  <a:pt x="11277" y="2534"/>
+                </a:lnTo>
+                <a:lnTo>
+                  <a:pt x="11082" y="2582"/>
+                </a:lnTo>
+                <a:lnTo>
+                  <a:pt x="10888" y="2582"/>
+                </a:lnTo>
+                <a:lnTo>
+                  <a:pt x="10717" y="2534"/>
+                </a:lnTo>
+                <a:lnTo>
+                  <a:pt x="10547" y="2412"/>
+                </a:lnTo>
+                <a:lnTo>
+                  <a:pt x="10376" y="2290"/>
+                </a:lnTo>
+                <a:lnTo>
+                  <a:pt x="10206" y="2095"/>
+                </a:lnTo>
+                <a:lnTo>
+                  <a:pt x="10035" y="1901"/>
+                </a:lnTo>
+                <a:lnTo>
+                  <a:pt x="9670" y="1413"/>
+                </a:lnTo>
+                <a:lnTo>
+                  <a:pt x="9231" y="878"/>
+                </a:lnTo>
+                <a:lnTo>
+                  <a:pt x="8988" y="585"/>
+                </a:lnTo>
+                <a:lnTo>
+                  <a:pt x="8720" y="293"/>
+                </a:lnTo>
+                <a:lnTo>
+                  <a:pt x="8720" y="293"/>
+                </a:lnTo>
+                <a:lnTo>
+                  <a:pt x="8574" y="171"/>
+                </a:lnTo>
+                <a:lnTo>
+                  <a:pt x="8379" y="74"/>
+                </a:lnTo>
+                <a:lnTo>
+                  <a:pt x="8209" y="25"/>
+                </a:lnTo>
+                <a:lnTo>
+                  <a:pt x="8014" y="1"/>
+                </a:lnTo>
+                <a:lnTo>
+                  <a:pt x="8014" y="1"/>
+                </a:lnTo>
+                <a:lnTo>
+                  <a:pt x="7916" y="25"/>
+                </a:lnTo>
+                <a:lnTo>
+                  <a:pt x="7770" y="98"/>
+                </a:lnTo>
+                <a:lnTo>
+                  <a:pt x="7307" y="366"/>
+                </a:lnTo>
+                <a:lnTo>
+                  <a:pt x="7039" y="537"/>
+                </a:lnTo>
+                <a:lnTo>
+                  <a:pt x="6747" y="756"/>
+                </a:lnTo>
+                <a:lnTo>
+                  <a:pt x="6431" y="975"/>
+                </a:lnTo>
+                <a:lnTo>
+                  <a:pt x="6138" y="1243"/>
+                </a:lnTo>
+                <a:lnTo>
+                  <a:pt x="5870" y="1511"/>
+                </a:lnTo>
+                <a:lnTo>
+                  <a:pt x="5627" y="1803"/>
+                </a:lnTo>
+                <a:lnTo>
+                  <a:pt x="5432" y="2095"/>
+                </a:lnTo>
+                <a:lnTo>
+                  <a:pt x="5359" y="2242"/>
+                </a:lnTo>
+                <a:lnTo>
+                  <a:pt x="5310" y="2412"/>
+                </a:lnTo>
+                <a:lnTo>
+                  <a:pt x="5262" y="2558"/>
+                </a:lnTo>
+                <a:lnTo>
+                  <a:pt x="5237" y="2704"/>
+                </a:lnTo>
+                <a:lnTo>
+                  <a:pt x="5237" y="2850"/>
+                </a:lnTo>
+                <a:lnTo>
+                  <a:pt x="5262" y="3021"/>
+                </a:lnTo>
+                <a:lnTo>
+                  <a:pt x="5310" y="3167"/>
+                </a:lnTo>
+                <a:lnTo>
+                  <a:pt x="5383" y="3313"/>
+                </a:lnTo>
+                <a:lnTo>
+                  <a:pt x="5481" y="3459"/>
+                </a:lnTo>
+                <a:lnTo>
+                  <a:pt x="5603" y="3605"/>
+                </a:lnTo>
+                <a:lnTo>
+                  <a:pt x="5603" y="3605"/>
+                </a:lnTo>
+                <a:lnTo>
+                  <a:pt x="5797" y="3752"/>
+                </a:lnTo>
+                <a:lnTo>
+                  <a:pt x="5992" y="3849"/>
+                </a:lnTo>
+                <a:lnTo>
+                  <a:pt x="6187" y="3946"/>
+                </a:lnTo>
+                <a:lnTo>
+                  <a:pt x="6406" y="3995"/>
+                </a:lnTo>
+                <a:lnTo>
+                  <a:pt x="6625" y="4044"/>
+                </a:lnTo>
+                <a:lnTo>
+                  <a:pt x="6845" y="4141"/>
+                </a:lnTo>
+                <a:lnTo>
+                  <a:pt x="7039" y="4239"/>
+                </a:lnTo>
+                <a:lnTo>
+                  <a:pt x="7234" y="4409"/>
+                </a:lnTo>
+                <a:lnTo>
+                  <a:pt x="7234" y="4409"/>
+                </a:lnTo>
+                <a:lnTo>
+                  <a:pt x="7405" y="4604"/>
+                </a:lnTo>
+                <a:lnTo>
+                  <a:pt x="7502" y="4823"/>
+                </a:lnTo>
+                <a:lnTo>
+                  <a:pt x="7575" y="5067"/>
+                </a:lnTo>
+                <a:lnTo>
+                  <a:pt x="7600" y="5359"/>
+                </a:lnTo>
+                <a:lnTo>
+                  <a:pt x="7600" y="5359"/>
+                </a:lnTo>
+                <a:lnTo>
+                  <a:pt x="7575" y="5554"/>
+                </a:lnTo>
+                <a:lnTo>
+                  <a:pt x="7551" y="5773"/>
+                </a:lnTo>
+                <a:lnTo>
+                  <a:pt x="7478" y="5968"/>
+                </a:lnTo>
+                <a:lnTo>
+                  <a:pt x="7405" y="6163"/>
+                </a:lnTo>
+                <a:lnTo>
+                  <a:pt x="7307" y="6357"/>
+                </a:lnTo>
+                <a:lnTo>
+                  <a:pt x="7186" y="6552"/>
+                </a:lnTo>
+                <a:lnTo>
+                  <a:pt x="7039" y="6723"/>
+                </a:lnTo>
+                <a:lnTo>
+                  <a:pt x="6893" y="6893"/>
+                </a:lnTo>
+                <a:lnTo>
+                  <a:pt x="6893" y="6893"/>
+                </a:lnTo>
+                <a:lnTo>
+                  <a:pt x="6723" y="7039"/>
+                </a:lnTo>
+                <a:lnTo>
+                  <a:pt x="6552" y="7186"/>
+                </a:lnTo>
+                <a:lnTo>
+                  <a:pt x="6382" y="7283"/>
+                </a:lnTo>
+                <a:lnTo>
+                  <a:pt x="6187" y="7405"/>
+                </a:lnTo>
+                <a:lnTo>
+                  <a:pt x="5992" y="7478"/>
+                </a:lnTo>
+                <a:lnTo>
+                  <a:pt x="5773" y="7551"/>
+                </a:lnTo>
+                <a:lnTo>
+                  <a:pt x="5554" y="7575"/>
+                </a:lnTo>
+                <a:lnTo>
+                  <a:pt x="5359" y="7600"/>
+                </a:lnTo>
+                <a:lnTo>
+                  <a:pt x="5359" y="7600"/>
+                </a:lnTo>
+                <a:lnTo>
+                  <a:pt x="5091" y="7575"/>
+                </a:lnTo>
+                <a:lnTo>
+                  <a:pt x="4848" y="7502"/>
+                </a:lnTo>
+                <a:lnTo>
+                  <a:pt x="4604" y="7405"/>
+                </a:lnTo>
+                <a:lnTo>
+                  <a:pt x="4409" y="7234"/>
+                </a:lnTo>
+                <a:lnTo>
+                  <a:pt x="4409" y="7234"/>
+                </a:lnTo>
+                <a:lnTo>
+                  <a:pt x="4239" y="7039"/>
+                </a:lnTo>
+                <a:lnTo>
+                  <a:pt x="4117" y="6820"/>
+                </a:lnTo>
+                <a:lnTo>
+                  <a:pt x="4044" y="6601"/>
+                </a:lnTo>
+                <a:lnTo>
+                  <a:pt x="3971" y="6382"/>
+                </a:lnTo>
+                <a:lnTo>
+                  <a:pt x="3922" y="6187"/>
+                </a:lnTo>
+                <a:lnTo>
+                  <a:pt x="3849" y="5992"/>
+                </a:lnTo>
+                <a:lnTo>
+                  <a:pt x="3752" y="5797"/>
+                </a:lnTo>
+                <a:lnTo>
+                  <a:pt x="3605" y="5602"/>
+                </a:lnTo>
+                <a:lnTo>
+                  <a:pt x="3605" y="5602"/>
+                </a:lnTo>
+                <a:lnTo>
+                  <a:pt x="3459" y="5481"/>
+                </a:lnTo>
+                <a:lnTo>
+                  <a:pt x="3313" y="5383"/>
+                </a:lnTo>
+                <a:lnTo>
+                  <a:pt x="3167" y="5310"/>
+                </a:lnTo>
+                <a:lnTo>
+                  <a:pt x="3021" y="5262"/>
+                </a:lnTo>
+                <a:lnTo>
+                  <a:pt x="2850" y="5237"/>
+                </a:lnTo>
+                <a:lnTo>
+                  <a:pt x="2704" y="5237"/>
+                </a:lnTo>
+                <a:lnTo>
+                  <a:pt x="2558" y="5262"/>
+                </a:lnTo>
+                <a:lnTo>
+                  <a:pt x="2412" y="5310"/>
+                </a:lnTo>
+                <a:lnTo>
+                  <a:pt x="2242" y="5359"/>
+                </a:lnTo>
+                <a:lnTo>
+                  <a:pt x="2095" y="5432"/>
+                </a:lnTo>
+                <a:lnTo>
+                  <a:pt x="1803" y="5627"/>
+                </a:lnTo>
+                <a:lnTo>
+                  <a:pt x="1511" y="5870"/>
+                </a:lnTo>
+                <a:lnTo>
+                  <a:pt x="1243" y="6138"/>
+                </a:lnTo>
+                <a:lnTo>
+                  <a:pt x="975" y="6431"/>
+                </a:lnTo>
+                <a:lnTo>
+                  <a:pt x="756" y="6747"/>
+                </a:lnTo>
+                <a:lnTo>
+                  <a:pt x="537" y="7039"/>
+                </a:lnTo>
+                <a:lnTo>
+                  <a:pt x="366" y="7307"/>
+                </a:lnTo>
+                <a:lnTo>
+                  <a:pt x="98" y="7770"/>
+                </a:lnTo>
+                <a:lnTo>
+                  <a:pt x="25" y="7916"/>
+                </a:lnTo>
+                <a:lnTo>
+                  <a:pt x="1" y="8014"/>
+                </a:lnTo>
+                <a:lnTo>
+                  <a:pt x="1" y="8014"/>
+                </a:lnTo>
+                <a:lnTo>
+                  <a:pt x="25" y="8208"/>
+                </a:lnTo>
+                <a:lnTo>
+                  <a:pt x="74" y="8379"/>
+                </a:lnTo>
+                <a:lnTo>
+                  <a:pt x="171" y="8574"/>
+                </a:lnTo>
+                <a:lnTo>
+                  <a:pt x="293" y="8720"/>
+                </a:lnTo>
+                <a:lnTo>
+                  <a:pt x="293" y="8720"/>
+                </a:lnTo>
+                <a:lnTo>
+                  <a:pt x="585" y="8988"/>
+                </a:lnTo>
+                <a:lnTo>
+                  <a:pt x="878" y="9231"/>
+                </a:lnTo>
+                <a:lnTo>
+                  <a:pt x="1413" y="9670"/>
+                </a:lnTo>
+                <a:lnTo>
+                  <a:pt x="1901" y="10035"/>
+                </a:lnTo>
+                <a:lnTo>
+                  <a:pt x="2095" y="10206"/>
+                </a:lnTo>
+                <a:lnTo>
+                  <a:pt x="2290" y="10376"/>
+                </a:lnTo>
+                <a:lnTo>
+                  <a:pt x="2412" y="10547"/>
+                </a:lnTo>
+                <a:lnTo>
+                  <a:pt x="2534" y="10717"/>
+                </a:lnTo>
+                <a:lnTo>
+                  <a:pt x="2583" y="10888"/>
+                </a:lnTo>
+                <a:lnTo>
+                  <a:pt x="2583" y="11082"/>
+                </a:lnTo>
+                <a:lnTo>
+                  <a:pt x="2534" y="11277"/>
+                </a:lnTo>
+                <a:lnTo>
+                  <a:pt x="2436" y="11496"/>
+                </a:lnTo>
+                <a:lnTo>
+                  <a:pt x="2266" y="11740"/>
+                </a:lnTo>
+                <a:lnTo>
+                  <a:pt x="1998" y="12008"/>
+                </a:lnTo>
+                <a:lnTo>
+                  <a:pt x="1998" y="12008"/>
+                </a:lnTo>
+                <a:lnTo>
+                  <a:pt x="1828" y="12178"/>
+                </a:lnTo>
+                <a:lnTo>
+                  <a:pt x="1633" y="12276"/>
+                </a:lnTo>
+                <a:lnTo>
+                  <a:pt x="1413" y="12349"/>
+                </a:lnTo>
+                <a:lnTo>
+                  <a:pt x="1219" y="12398"/>
+                </a:lnTo>
+                <a:lnTo>
+                  <a:pt x="999" y="12446"/>
+                </a:lnTo>
+                <a:lnTo>
+                  <a:pt x="780" y="12544"/>
+                </a:lnTo>
+                <a:lnTo>
+                  <a:pt x="585" y="12665"/>
+                </a:lnTo>
+                <a:lnTo>
+                  <a:pt x="366" y="12836"/>
+                </a:lnTo>
+                <a:lnTo>
+                  <a:pt x="366" y="12836"/>
+                </a:lnTo>
+                <a:lnTo>
+                  <a:pt x="196" y="13031"/>
+                </a:lnTo>
+                <a:lnTo>
+                  <a:pt x="98" y="13250"/>
+                </a:lnTo>
+                <a:lnTo>
+                  <a:pt x="25" y="13493"/>
+                </a:lnTo>
+                <a:lnTo>
+                  <a:pt x="1" y="13761"/>
+                </a:lnTo>
+                <a:lnTo>
+                  <a:pt x="1" y="13761"/>
+                </a:lnTo>
+                <a:lnTo>
+                  <a:pt x="25" y="13981"/>
+                </a:lnTo>
+                <a:lnTo>
+                  <a:pt x="50" y="14200"/>
+                </a:lnTo>
+                <a:lnTo>
+                  <a:pt x="123" y="14395"/>
+                </a:lnTo>
+                <a:lnTo>
+                  <a:pt x="220" y="14614"/>
+                </a:lnTo>
+                <a:lnTo>
+                  <a:pt x="318" y="14784"/>
+                </a:lnTo>
+                <a:lnTo>
+                  <a:pt x="439" y="14979"/>
+                </a:lnTo>
+                <a:lnTo>
+                  <a:pt x="561" y="15150"/>
+                </a:lnTo>
+                <a:lnTo>
+                  <a:pt x="707" y="15320"/>
+                </a:lnTo>
+                <a:lnTo>
+                  <a:pt x="707" y="15320"/>
+                </a:lnTo>
+                <a:lnTo>
+                  <a:pt x="878" y="15466"/>
+                </a:lnTo>
+                <a:lnTo>
+                  <a:pt x="1048" y="15588"/>
+                </a:lnTo>
+                <a:lnTo>
+                  <a:pt x="1243" y="15710"/>
+                </a:lnTo>
+                <a:lnTo>
+                  <a:pt x="1438" y="15832"/>
+                </a:lnTo>
+                <a:lnTo>
+                  <a:pt x="1633" y="15905"/>
+                </a:lnTo>
+                <a:lnTo>
+                  <a:pt x="1852" y="15978"/>
+                </a:lnTo>
+                <a:lnTo>
+                  <a:pt x="2047" y="16002"/>
+                </a:lnTo>
+                <a:lnTo>
+                  <a:pt x="2266" y="16026"/>
+                </a:lnTo>
+                <a:lnTo>
+                  <a:pt x="2266" y="16026"/>
+                </a:lnTo>
+                <a:lnTo>
+                  <a:pt x="2534" y="16002"/>
+                </a:lnTo>
+                <a:lnTo>
+                  <a:pt x="2777" y="15929"/>
+                </a:lnTo>
+                <a:lnTo>
+                  <a:pt x="2997" y="15832"/>
+                </a:lnTo>
+                <a:lnTo>
+                  <a:pt x="3191" y="15661"/>
+                </a:lnTo>
+                <a:lnTo>
+                  <a:pt x="3191" y="15661"/>
+                </a:lnTo>
+                <a:lnTo>
+                  <a:pt x="3362" y="15466"/>
+                </a:lnTo>
+                <a:lnTo>
+                  <a:pt x="3484" y="15247"/>
+                </a:lnTo>
+                <a:lnTo>
+                  <a:pt x="3557" y="15052"/>
+                </a:lnTo>
+                <a:lnTo>
+                  <a:pt x="3605" y="14833"/>
+                </a:lnTo>
+                <a:lnTo>
+                  <a:pt x="3679" y="14614"/>
+                </a:lnTo>
+                <a:lnTo>
+                  <a:pt x="3752" y="14419"/>
+                </a:lnTo>
+                <a:lnTo>
+                  <a:pt x="3849" y="14200"/>
+                </a:lnTo>
+                <a:lnTo>
+                  <a:pt x="4019" y="14029"/>
+                </a:lnTo>
+                <a:lnTo>
+                  <a:pt x="4019" y="14029"/>
+                </a:lnTo>
+                <a:lnTo>
+                  <a:pt x="4287" y="13786"/>
+                </a:lnTo>
+                <a:lnTo>
+                  <a:pt x="4531" y="13591"/>
+                </a:lnTo>
+                <a:lnTo>
+                  <a:pt x="4750" y="13493"/>
+                </a:lnTo>
+                <a:lnTo>
+                  <a:pt x="4945" y="13445"/>
+                </a:lnTo>
+                <a:lnTo>
+                  <a:pt x="5140" y="13445"/>
+                </a:lnTo>
+                <a:lnTo>
+                  <a:pt x="5310" y="13493"/>
+                </a:lnTo>
+                <a:lnTo>
+                  <a:pt x="5481" y="13615"/>
+                </a:lnTo>
+                <a:lnTo>
+                  <a:pt x="5651" y="13737"/>
+                </a:lnTo>
+                <a:lnTo>
+                  <a:pt x="5822" y="13932"/>
+                </a:lnTo>
+                <a:lnTo>
+                  <a:pt x="5992" y="14127"/>
+                </a:lnTo>
+                <a:lnTo>
+                  <a:pt x="6358" y="14614"/>
+                </a:lnTo>
+                <a:lnTo>
+                  <a:pt x="6796" y="15150"/>
+                </a:lnTo>
+                <a:lnTo>
+                  <a:pt x="7039" y="15442"/>
+                </a:lnTo>
+                <a:lnTo>
+                  <a:pt x="7307" y="15734"/>
+                </a:lnTo>
+                <a:lnTo>
+                  <a:pt x="7307" y="15734"/>
+                </a:lnTo>
+                <a:lnTo>
+                  <a:pt x="7454" y="15856"/>
+                </a:lnTo>
+                <a:lnTo>
+                  <a:pt x="7648" y="15953"/>
+                </a:lnTo>
+                <a:lnTo>
+                  <a:pt x="7819" y="16002"/>
+                </a:lnTo>
+                <a:lnTo>
+                  <a:pt x="8014" y="16026"/>
+                </a:lnTo>
+                <a:lnTo>
+                  <a:pt x="8014" y="16026"/>
+                </a:lnTo>
+                <a:lnTo>
+                  <a:pt x="8111" y="16002"/>
+                </a:lnTo>
+                <a:lnTo>
+                  <a:pt x="8257" y="15929"/>
+                </a:lnTo>
+                <a:lnTo>
+                  <a:pt x="8720" y="15661"/>
+                </a:lnTo>
+                <a:lnTo>
+                  <a:pt x="8988" y="15491"/>
+                </a:lnTo>
+                <a:lnTo>
+                  <a:pt x="9280" y="15271"/>
+                </a:lnTo>
+                <a:lnTo>
+                  <a:pt x="9597" y="15052"/>
+                </a:lnTo>
+                <a:lnTo>
+                  <a:pt x="9889" y="14784"/>
+                </a:lnTo>
+                <a:lnTo>
+                  <a:pt x="10157" y="14516"/>
+                </a:lnTo>
+                <a:lnTo>
+                  <a:pt x="10400" y="14224"/>
+                </a:lnTo>
+                <a:lnTo>
+                  <a:pt x="10595" y="13932"/>
+                </a:lnTo>
+                <a:lnTo>
+                  <a:pt x="10668" y="13786"/>
+                </a:lnTo>
+                <a:lnTo>
+                  <a:pt x="10717" y="13615"/>
+                </a:lnTo>
+                <a:lnTo>
+                  <a:pt x="10766" y="13469"/>
+                </a:lnTo>
+                <a:lnTo>
+                  <a:pt x="10790" y="13323"/>
+                </a:lnTo>
+                <a:lnTo>
+                  <a:pt x="10790" y="13177"/>
+                </a:lnTo>
+                <a:lnTo>
+                  <a:pt x="10766" y="13006"/>
+                </a:lnTo>
+                <a:lnTo>
+                  <a:pt x="10717" y="12860"/>
+                </a:lnTo>
+                <a:lnTo>
+                  <a:pt x="10644" y="12714"/>
+                </a:lnTo>
+                <a:lnTo>
+                  <a:pt x="10547" y="12568"/>
+                </a:lnTo>
+                <a:lnTo>
+                  <a:pt x="10425" y="12422"/>
+                </a:lnTo>
+                <a:lnTo>
+                  <a:pt x="10425" y="12422"/>
+                </a:lnTo>
+                <a:lnTo>
+                  <a:pt x="10230" y="12276"/>
+                </a:lnTo>
+                <a:lnTo>
+                  <a:pt x="10035" y="12178"/>
+                </a:lnTo>
+                <a:lnTo>
+                  <a:pt x="9840" y="12105"/>
+                </a:lnTo>
+                <a:lnTo>
+                  <a:pt x="9621" y="12032"/>
+                </a:lnTo>
+                <a:lnTo>
+                  <a:pt x="9402" y="11983"/>
+                </a:lnTo>
+                <a:lnTo>
+                  <a:pt x="9183" y="11886"/>
+                </a:lnTo>
+                <a:lnTo>
+                  <a:pt x="8988" y="11789"/>
+                </a:lnTo>
+                <a:lnTo>
+                  <a:pt x="8793" y="11618"/>
+                </a:lnTo>
+                <a:lnTo>
+                  <a:pt x="8793" y="11618"/>
+                </a:lnTo>
+                <a:lnTo>
+                  <a:pt x="8623" y="11423"/>
+                </a:lnTo>
+                <a:lnTo>
+                  <a:pt x="8525" y="11204"/>
+                </a:lnTo>
+                <a:lnTo>
+                  <a:pt x="8452" y="10961"/>
+                </a:lnTo>
+                <a:lnTo>
+                  <a:pt x="8428" y="10668"/>
+                </a:lnTo>
+                <a:lnTo>
+                  <a:pt x="8428" y="10668"/>
+                </a:lnTo>
+                <a:lnTo>
+                  <a:pt x="8452" y="10473"/>
+                </a:lnTo>
+                <a:lnTo>
+                  <a:pt x="8476" y="10254"/>
+                </a:lnTo>
+                <a:lnTo>
+                  <a:pt x="8549" y="10059"/>
+                </a:lnTo>
+                <a:lnTo>
+                  <a:pt x="8623" y="9865"/>
+                </a:lnTo>
+                <a:lnTo>
+                  <a:pt x="8720" y="9670"/>
+                </a:lnTo>
+                <a:lnTo>
+                  <a:pt x="8842" y="9475"/>
+                </a:lnTo>
+                <a:lnTo>
+                  <a:pt x="8988" y="9304"/>
+                </a:lnTo>
+                <a:lnTo>
+                  <a:pt x="9134" y="9134"/>
+                </a:lnTo>
+                <a:lnTo>
+                  <a:pt x="9134" y="9134"/>
+                </a:lnTo>
+                <a:lnTo>
+                  <a:pt x="9304" y="8988"/>
+                </a:lnTo>
+                <a:lnTo>
+                  <a:pt x="9475" y="8866"/>
+                </a:lnTo>
+                <a:lnTo>
+                  <a:pt x="9645" y="8744"/>
+                </a:lnTo>
+                <a:lnTo>
+                  <a:pt x="9840" y="8622"/>
+                </a:lnTo>
+                <a:lnTo>
+                  <a:pt x="10035" y="8549"/>
+                </a:lnTo>
+                <a:lnTo>
+                  <a:pt x="10254" y="8476"/>
+                </a:lnTo>
+                <a:lnTo>
+                  <a:pt x="10474" y="8452"/>
+                </a:lnTo>
+                <a:lnTo>
+                  <a:pt x="10668" y="8428"/>
+                </a:lnTo>
+                <a:lnTo>
+                  <a:pt x="10668" y="8428"/>
+                </a:lnTo>
+                <a:lnTo>
+                  <a:pt x="10936" y="8452"/>
+                </a:lnTo>
+                <a:lnTo>
+                  <a:pt x="11180" y="8525"/>
+                </a:lnTo>
+                <a:lnTo>
+                  <a:pt x="11423" y="8622"/>
+                </a:lnTo>
+                <a:lnTo>
+                  <a:pt x="11618" y="8793"/>
+                </a:lnTo>
+                <a:lnTo>
+                  <a:pt x="11618" y="8793"/>
+                </a:lnTo>
+                <a:lnTo>
+                  <a:pt x="11789" y="8988"/>
+                </a:lnTo>
+                <a:lnTo>
+                  <a:pt x="11910" y="9207"/>
+                </a:lnTo>
+                <a:lnTo>
+                  <a:pt x="11984" y="9426"/>
+                </a:lnTo>
+                <a:lnTo>
+                  <a:pt x="12057" y="9645"/>
+                </a:lnTo>
+                <a:lnTo>
+                  <a:pt x="12105" y="9840"/>
+                </a:lnTo>
+                <a:lnTo>
+                  <a:pt x="12178" y="10035"/>
+                </a:lnTo>
+                <a:lnTo>
+                  <a:pt x="12276" y="10230"/>
+                </a:lnTo>
+                <a:lnTo>
+                  <a:pt x="12422" y="10425"/>
+                </a:lnTo>
+                <a:lnTo>
+                  <a:pt x="12422" y="10425"/>
+                </a:lnTo>
+                <a:lnTo>
+                  <a:pt x="12568" y="10547"/>
+                </a:lnTo>
+                <a:lnTo>
+                  <a:pt x="12714" y="10644"/>
+                </a:lnTo>
+                <a:lnTo>
+                  <a:pt x="12860" y="10717"/>
+                </a:lnTo>
+                <a:lnTo>
+                  <a:pt x="13006" y="10766"/>
+                </a:lnTo>
+                <a:lnTo>
+                  <a:pt x="13177" y="10790"/>
+                </a:lnTo>
+                <a:lnTo>
+                  <a:pt x="13323" y="10790"/>
+                </a:lnTo>
+                <a:lnTo>
+                  <a:pt x="13469" y="10766"/>
+                </a:lnTo>
+                <a:lnTo>
+                  <a:pt x="13615" y="10717"/>
+                </a:lnTo>
+                <a:lnTo>
+                  <a:pt x="13786" y="10668"/>
+                </a:lnTo>
+                <a:lnTo>
+                  <a:pt x="13932" y="10595"/>
+                </a:lnTo>
+                <a:lnTo>
+                  <a:pt x="14224" y="10400"/>
+                </a:lnTo>
+                <a:lnTo>
+                  <a:pt x="14516" y="10157"/>
+                </a:lnTo>
+                <a:lnTo>
+                  <a:pt x="14784" y="9889"/>
+                </a:lnTo>
+                <a:lnTo>
+                  <a:pt x="15052" y="9597"/>
+                </a:lnTo>
+                <a:lnTo>
+                  <a:pt x="15271" y="9280"/>
+                </a:lnTo>
+                <a:lnTo>
+                  <a:pt x="15491" y="8988"/>
+                </a:lnTo>
+                <a:lnTo>
+                  <a:pt x="15661" y="8720"/>
+                </a:lnTo>
+                <a:lnTo>
+                  <a:pt x="15929" y="8257"/>
+                </a:lnTo>
+                <a:lnTo>
+                  <a:pt x="16002" y="8111"/>
+                </a:lnTo>
+                <a:lnTo>
+                  <a:pt x="16026" y="8014"/>
+                </a:lnTo>
+                <a:lnTo>
+                  <a:pt x="16026" y="8014"/>
+                </a:lnTo>
+                <a:lnTo>
+                  <a:pt x="16002" y="7819"/>
+                </a:lnTo>
+                <a:lnTo>
+                  <a:pt x="15953" y="7648"/>
+                </a:lnTo>
+                <a:lnTo>
+                  <a:pt x="15856" y="7453"/>
+                </a:lnTo>
+                <a:lnTo>
+                  <a:pt x="15734" y="7307"/>
+                </a:lnTo>
+                <a:lnTo>
+                  <a:pt x="15734" y="7307"/>
+                </a:lnTo>
+                <a:lnTo>
+                  <a:pt x="15442" y="7039"/>
+                </a:lnTo>
+                <a:lnTo>
+                  <a:pt x="15150" y="6796"/>
+                </a:lnTo>
+                <a:lnTo>
+                  <a:pt x="14614" y="6357"/>
+                </a:lnTo>
+                <a:lnTo>
+                  <a:pt x="14127" y="5992"/>
+                </a:lnTo>
+                <a:lnTo>
+                  <a:pt x="13932" y="5822"/>
+                </a:lnTo>
+                <a:lnTo>
+                  <a:pt x="13737" y="5651"/>
+                </a:lnTo>
+                <a:lnTo>
+                  <a:pt x="13615" y="5481"/>
+                </a:lnTo>
+                <a:lnTo>
+                  <a:pt x="13494" y="5310"/>
+                </a:lnTo>
+                <a:lnTo>
+                  <a:pt x="13445" y="5140"/>
+                </a:lnTo>
+                <a:lnTo>
+                  <a:pt x="13445" y="4945"/>
+                </a:lnTo>
+                <a:lnTo>
+                  <a:pt x="13494" y="4750"/>
+                </a:lnTo>
+                <a:lnTo>
+                  <a:pt x="13591" y="4531"/>
+                </a:lnTo>
+                <a:lnTo>
+                  <a:pt x="13761" y="4287"/>
+                </a:lnTo>
+                <a:lnTo>
+                  <a:pt x="14029" y="4019"/>
+                </a:lnTo>
+                <a:lnTo>
+                  <a:pt x="14029" y="4019"/>
+                </a:lnTo>
+                <a:close/>
+              </a:path>
+            </a:pathLst>
+          </a:custGeom>
+          <a:noFill/>
+          <a:ln w="12175" cap="rnd" cmpd="sng">
+            <a:solidFill>
+              <a:schemeClr val="accent1"/>
+            </a:solidFill>
+            <a:prstDash val="solid"/>
+            <a:round/>
+            <a:headEnd type="none" w="sm" len="sm"/>
+            <a:tailEnd type="none" w="sm" len="sm"/>
+          </a:ln>
+        </p:spPr>
         <p:txBody>
-          <a:bodyPr/>
+          <a:bodyPr spcFirstLastPara="1" wrap="square" lIns="91425" tIns="91425" rIns="91425" bIns="91425" anchor="ctr" anchorCtr="0">
+            <a:noAutofit/>
+          </a:bodyPr>
           <a:lstStyle/>
           <a:p>
-            <a:pPr marL="0" lvl="0" indent="0" algn="ctr" rtl="0">
+            <a:pPr marL="0" lvl="0" indent="0" algn="l" rtl="0">
               <a:spcBef>
                 <a:spcPts val="0"/>
               </a:spcBef>
@@ -14622,18 +15730,14 @@
               </a:spcAft>
               <a:buNone/>
             </a:pPr>
-            <a:fld id="{00000000-1234-1234-1234-123412341234}" type="slidenum">
-              <a:rPr lang="en" smtClean="0"/>
-              <a:t>8</a:t>
-            </a:fld>
-            <a:endParaRPr lang="en"/>
+            <a:endParaRPr/>
           </a:p>
         </p:txBody>
       </p:sp>
     </p:spTree>
     <p:extLst>
       <p:ext uri="{BB962C8B-B14F-4D97-AF65-F5344CB8AC3E}">
-        <p14:creationId xmlns:p14="http://schemas.microsoft.com/office/powerpoint/2010/main" val="1434604917"/>
+        <p14:creationId xmlns:p14="http://schemas.microsoft.com/office/powerpoint/2010/main" val="3184965761"/>
       </p:ext>
     </p:extLst>
   </p:cSld>
@@ -14660,12 +15764,53 @@
           <a:chExt cx="0" cy="0"/>
         </a:xfrm>
       </p:grpSpPr>
+      <p:pic>
+        <p:nvPicPr>
+          <p:cNvPr id="6" name="Picture 5">
+            <a:extLst>
+              <a:ext uri="{FF2B5EF4-FFF2-40B4-BE49-F238E27FC236}">
+                <a16:creationId xmlns:a16="http://schemas.microsoft.com/office/drawing/2014/main" id="{6A745FB0-6233-4A49-80AE-9C3E66182CAD}"/>
+              </a:ext>
+            </a:extLst>
+          </p:cNvPr>
+          <p:cNvPicPr>
+            <a:picLocks noChangeAspect="1"/>
+          </p:cNvPicPr>
+          <p:nvPr/>
+        </p:nvPicPr>
+        <p:blipFill rotWithShape="1">
+          <a:blip r:embed="rId2"/>
+          <a:srcRect t="69" b="69"/>
+          <a:stretch/>
+        </p:blipFill>
+        <p:spPr>
+          <a:xfrm>
+            <a:off x="6933537" y="381224"/>
+            <a:ext cx="1796995" cy="2398500"/>
+          </a:xfrm>
+          <a:prstGeom prst="rect">
+            <a:avLst/>
+          </a:prstGeom>
+          <a:ln>
+            <a:solidFill>
+              <a:schemeClr val="tx1"/>
+            </a:solidFill>
+          </a:ln>
+          <a:effectLst>
+            <a:outerShdw blurRad="50800" dist="38100" dir="2700000" algn="tl" rotWithShape="0">
+              <a:prstClr val="black">
+                <a:alpha val="40000"/>
+              </a:prstClr>
+            </a:outerShdw>
+          </a:effectLst>
+        </p:spPr>
+      </p:pic>
       <p:sp>
         <p:nvSpPr>
           <p:cNvPr id="2" name="Title 1">
             <a:extLst>
               <a:ext uri="{FF2B5EF4-FFF2-40B4-BE49-F238E27FC236}">
-                <a16:creationId xmlns:a16="http://schemas.microsoft.com/office/drawing/2014/main" id="{19365887-7EDE-BF42-81E2-5014E71EDE5C}"/>
+                <a16:creationId xmlns:a16="http://schemas.microsoft.com/office/drawing/2014/main" id="{90B634A8-9F2A-644D-BA1A-47F100949845}"/>
               </a:ext>
             </a:extLst>
           </p:cNvPr>
@@ -14681,7 +15826,10 @@
           <a:bodyPr/>
           <a:lstStyle/>
           <a:p>
-            <a:endParaRPr lang="en-US"/>
+            <a:r>
+              <a:rPr lang="en-US" dirty="0"/>
+              <a:t>Home work</a:t>
+            </a:r>
           </a:p>
         </p:txBody>
       </p:sp>
@@ -14690,7 +15838,7 @@
           <p:cNvPr id="3" name="Subtitle 2">
             <a:extLst>
               <a:ext uri="{FF2B5EF4-FFF2-40B4-BE49-F238E27FC236}">
-                <a16:creationId xmlns:a16="http://schemas.microsoft.com/office/drawing/2014/main" id="{4462B44D-FD64-7B45-B51F-433173CCF161}"/>
+                <a16:creationId xmlns:a16="http://schemas.microsoft.com/office/drawing/2014/main" id="{61FDC801-4617-434F-8E0F-C9A072A721AB}"/>
               </a:ext>
             </a:extLst>
           </p:cNvPr>
@@ -14706,7 +15854,10 @@
           <a:bodyPr/>
           <a:lstStyle/>
           <a:p>
-            <a:endParaRPr lang="en-US"/>
+            <a:r>
+              <a:rPr lang="en-US" dirty="0"/>
+              <a:t>Draw 6 test scenarios</a:t>
+            </a:r>
           </a:p>
         </p:txBody>
       </p:sp>
@@ -14715,7 +15866,7 @@
           <p:cNvPr id="4" name="Slide Number Placeholder 3">
             <a:extLst>
               <a:ext uri="{FF2B5EF4-FFF2-40B4-BE49-F238E27FC236}">
-                <a16:creationId xmlns:a16="http://schemas.microsoft.com/office/drawing/2014/main" id="{18B41BA1-CC34-CC4F-8534-0C378614DC61}"/>
+                <a16:creationId xmlns:a16="http://schemas.microsoft.com/office/drawing/2014/main" id="{72003388-39EB-0447-8ECF-6CFF2E10ECFA}"/>
               </a:ext>
             </a:extLst>
           </p:cNvPr>
@@ -14751,7 +15902,7 @@
     </p:spTree>
     <p:extLst>
       <p:ext uri="{BB962C8B-B14F-4D97-AF65-F5344CB8AC3E}">
-        <p14:creationId xmlns:p14="http://schemas.microsoft.com/office/powerpoint/2010/main" val="4159804167"/>
+        <p14:creationId xmlns:p14="http://schemas.microsoft.com/office/powerpoint/2010/main" val="1158048026"/>
       </p:ext>
     </p:extLst>
   </p:cSld>

--- a/RefactoringToCleanerCode.pptx
+++ b/RefactoringToCleanerCode.pptx
@@ -5,7 +5,7 @@
     <p:sldMasterId id="2147483658" r:id="rId1"/>
   </p:sldMasterIdLst>
   <p:notesMasterIdLst>
-    <p:notesMasterId r:id="rId12"/>
+    <p:notesMasterId r:id="rId13"/>
   </p:notesMasterIdLst>
   <p:sldIdLst>
     <p:sldId id="256" r:id="rId2"/>
@@ -16,8 +16,9 @@
     <p:sldId id="262" r:id="rId7"/>
     <p:sldId id="273" r:id="rId8"/>
     <p:sldId id="294" r:id="rId9"/>
-    <p:sldId id="288" r:id="rId10"/>
-    <p:sldId id="278" r:id="rId11"/>
+    <p:sldId id="260" r:id="rId10"/>
+    <p:sldId id="288" r:id="rId11"/>
+    <p:sldId id="278" r:id="rId12"/>
   </p:sldIdLst>
   <p:sldSz cx="9144000" cy="5143500" type="screen16x9"/>
   <p:notesSz cx="6858000" cy="9144000"/>
@@ -803,6 +804,110 @@
 </p:notes>
 </file>
 
+<file path=ppt/notesSlides/notesSlide10.xml><?xml version="1.0" encoding="utf-8"?>
+<p:notes xmlns:a="http://schemas.openxmlformats.org/drawingml/2006/main" xmlns:r="http://schemas.openxmlformats.org/officeDocument/2006/relationships" xmlns:p="http://schemas.openxmlformats.org/presentationml/2006/main" showMasterSp="0" showMasterPhAnim="0">
+  <p:cSld>
+    <p:spTree>
+      <p:nvGrpSpPr>
+        <p:cNvPr id="1" name="Shape 274"/>
+        <p:cNvGrpSpPr/>
+        <p:nvPr/>
+      </p:nvGrpSpPr>
+      <p:grpSpPr>
+        <a:xfrm>
+          <a:off x="0" y="0"/>
+          <a:ext cx="0" cy="0"/>
+          <a:chOff x="0" y="0"/>
+          <a:chExt cx="0" cy="0"/>
+        </a:xfrm>
+      </p:grpSpPr>
+      <p:sp>
+        <p:nvSpPr>
+          <p:cNvPr id="275" name="Google Shape;275;g35ed75ccf_022:notes"/>
+          <p:cNvSpPr>
+            <a:spLocks noGrp="1" noRot="1" noChangeAspect="1"/>
+          </p:cNvSpPr>
+          <p:nvPr>
+            <p:ph type="sldImg" idx="2"/>
+          </p:nvPr>
+        </p:nvSpPr>
+        <p:spPr>
+          <a:xfrm>
+            <a:off x="381000" y="685800"/>
+            <a:ext cx="6096000" cy="3429000"/>
+          </a:xfrm>
+          <a:custGeom>
+            <a:avLst/>
+            <a:gdLst/>
+            <a:ahLst/>
+            <a:cxnLst/>
+            <a:rect l="l" t="t" r="r" b="b"/>
+            <a:pathLst>
+              <a:path w="120000" h="120000" extrusionOk="0">
+                <a:moveTo>
+                  <a:pt x="0" y="0"/>
+                </a:moveTo>
+                <a:lnTo>
+                  <a:pt x="120000" y="0"/>
+                </a:lnTo>
+                <a:lnTo>
+                  <a:pt x="120000" y="120000"/>
+                </a:lnTo>
+                <a:lnTo>
+                  <a:pt x="0" y="120000"/>
+                </a:lnTo>
+                <a:close/>
+              </a:path>
+            </a:pathLst>
+          </a:custGeom>
+        </p:spPr>
+      </p:sp>
+      <p:sp>
+        <p:nvSpPr>
+          <p:cNvPr id="276" name="Google Shape;276;g35ed75ccf_022:notes"/>
+          <p:cNvSpPr txBox="1">
+            <a:spLocks noGrp="1"/>
+          </p:cNvSpPr>
+          <p:nvPr>
+            <p:ph type="body" idx="1"/>
+          </p:nvPr>
+        </p:nvSpPr>
+        <p:spPr>
+          <a:xfrm>
+            <a:off x="685800" y="4343400"/>
+            <a:ext cx="5486400" cy="4114800"/>
+          </a:xfrm>
+          <a:prstGeom prst="rect">
+            <a:avLst/>
+          </a:prstGeom>
+        </p:spPr>
+        <p:txBody>
+          <a:bodyPr spcFirstLastPara="1" wrap="square" lIns="91425" tIns="91425" rIns="91425" bIns="91425" anchor="t" anchorCtr="0">
+            <a:noAutofit/>
+          </a:bodyPr>
+          <a:lstStyle/>
+          <a:p>
+            <a:pPr marL="0" lvl="0" indent="0" algn="l" rtl="0">
+              <a:spcBef>
+                <a:spcPts val="0"/>
+              </a:spcBef>
+              <a:spcAft>
+                <a:spcPts val="0"/>
+              </a:spcAft>
+              <a:buNone/>
+            </a:pPr>
+            <a:endParaRPr/>
+          </a:p>
+        </p:txBody>
+      </p:sp>
+    </p:spTree>
+  </p:cSld>
+  <p:clrMapOvr>
+    <a:masterClrMapping/>
+  </p:clrMapOvr>
+</p:notes>
+</file>
+
 <file path=ppt/notesSlides/notesSlide2.xml><?xml version="1.0" encoding="utf-8"?>
 <p:notes xmlns:a="http://schemas.openxmlformats.org/drawingml/2006/main" xmlns:r="http://schemas.openxmlformats.org/officeDocument/2006/relationships" xmlns:p="http://schemas.openxmlformats.org/presentationml/2006/main" showMasterSp="0" showMasterPhAnim="0">
   <p:cSld>
@@ -1571,7 +1676,7 @@
   <p:cSld>
     <p:spTree>
       <p:nvGrpSpPr>
-        <p:cNvPr id="1" name="Shape 274"/>
+        <p:cNvPr id="1" name="Shape 77"/>
         <p:cNvGrpSpPr/>
         <p:nvPr/>
       </p:nvGrpSpPr>
@@ -1585,7 +1690,7 @@
       </p:grpSpPr>
       <p:sp>
         <p:nvSpPr>
-          <p:cNvPr id="275" name="Google Shape;275;g35ed75ccf_022:notes"/>
+          <p:cNvPr id="78" name="Google Shape;78;g35f391192_09:notes"/>
           <p:cNvSpPr>
             <a:spLocks noGrp="1" noRot="1" noChangeAspect="1"/>
           </p:cNvSpPr>
@@ -1626,7 +1731,7 @@
       </p:sp>
       <p:sp>
         <p:nvSpPr>
-          <p:cNvPr id="276" name="Google Shape;276;g35ed75ccf_022:notes"/>
+          <p:cNvPr id="79" name="Google Shape;79;g35f391192_09:notes"/>
           <p:cNvSpPr txBox="1">
             <a:spLocks noGrp="1"/>
           </p:cNvSpPr>
@@ -1663,6 +1768,11 @@
         </p:txBody>
       </p:sp>
     </p:spTree>
+    <p:extLst>
+      <p:ext uri="{BB962C8B-B14F-4D97-AF65-F5344CB8AC3E}">
+        <p14:creationId xmlns:p14="http://schemas.microsoft.com/office/powerpoint/2010/main" val="2810330859"/>
+      </p:ext>
+    </p:extLst>
   </p:cSld>
   <p:clrMapOvr>
     <a:masterClrMapping/>
@@ -3686,6 +3796,342 @@
 </p:sldLayout>
 </file>
 
+<file path=ppt/slideLayouts/slideLayout7.xml><?xml version="1.0" encoding="utf-8"?>
+<p:sldLayout xmlns:a="http://schemas.openxmlformats.org/drawingml/2006/main" xmlns:r="http://schemas.openxmlformats.org/officeDocument/2006/relationships" xmlns:p="http://schemas.openxmlformats.org/presentationml/2006/main" matchingName="Quote">
+  <p:cSld name="Quote">
+    <p:spTree>
+      <p:nvGrpSpPr>
+        <p:cNvPr id="1" name="Shape 17"/>
+        <p:cNvGrpSpPr/>
+        <p:nvPr/>
+      </p:nvGrpSpPr>
+      <p:grpSpPr>
+        <a:xfrm>
+          <a:off x="0" y="0"/>
+          <a:ext cx="0" cy="0"/>
+          <a:chOff x="0" y="0"/>
+          <a:chExt cx="0" cy="0"/>
+        </a:xfrm>
+      </p:grpSpPr>
+      <p:sp>
+        <p:nvSpPr>
+          <p:cNvPr id="18" name="Google Shape;18;p4"/>
+          <p:cNvSpPr/>
+          <p:nvPr/>
+        </p:nvSpPr>
+        <p:spPr>
+          <a:xfrm>
+            <a:off x="4136250" y="1321393"/>
+            <a:ext cx="871500" cy="868800"/>
+          </a:xfrm>
+          <a:prstGeom prst="ellipse">
+            <a:avLst/>
+          </a:prstGeom>
+          <a:solidFill>
+            <a:srgbClr val="EFEFEF"/>
+          </a:solidFill>
+          <a:ln>
+            <a:noFill/>
+          </a:ln>
+        </p:spPr>
+        <p:txBody>
+          <a:bodyPr spcFirstLastPara="1" wrap="square" lIns="91425" tIns="91425" rIns="91425" bIns="91425" anchor="ctr" anchorCtr="0">
+            <a:noAutofit/>
+          </a:bodyPr>
+          <a:lstStyle/>
+          <a:p>
+            <a:pPr marL="0" lvl="0" indent="0" algn="l" rtl="0">
+              <a:spcBef>
+                <a:spcPts val="0"/>
+              </a:spcBef>
+              <a:spcAft>
+                <a:spcPts val="0"/>
+              </a:spcAft>
+              <a:buNone/>
+            </a:pPr>
+            <a:endParaRPr/>
+          </a:p>
+        </p:txBody>
+      </p:sp>
+      <p:sp>
+        <p:nvSpPr>
+          <p:cNvPr id="19" name="Google Shape;19;p4"/>
+          <p:cNvSpPr txBox="1">
+            <a:spLocks noGrp="1"/>
+          </p:cNvSpPr>
+          <p:nvPr>
+            <p:ph type="body" idx="1"/>
+          </p:nvPr>
+        </p:nvSpPr>
+        <p:spPr>
+          <a:xfrm>
+            <a:off x="1659150" y="2161800"/>
+            <a:ext cx="5825700" cy="819900"/>
+          </a:xfrm>
+          <a:prstGeom prst="rect">
+            <a:avLst/>
+          </a:prstGeom>
+        </p:spPr>
+        <p:txBody>
+          <a:bodyPr spcFirstLastPara="1" wrap="square" lIns="91425" tIns="91425" rIns="91425" bIns="91425" anchor="t" anchorCtr="0">
+            <a:noAutofit/>
+          </a:bodyPr>
+          <a:lstStyle>
+            <a:lvl1pPr marL="457200" lvl="0" indent="-355600" algn="ctr" rtl="0">
+              <a:spcBef>
+                <a:spcPts val="600"/>
+              </a:spcBef>
+              <a:spcAft>
+                <a:spcPts val="0"/>
+              </a:spcAft>
+              <a:buSzPts val="2000"/>
+              <a:buChar char="▣"/>
+              <a:defRPr i="1"/>
+            </a:lvl1pPr>
+            <a:lvl2pPr marL="914400" lvl="1" indent="-355600" algn="ctr" rtl="0">
+              <a:spcBef>
+                <a:spcPts val="0"/>
+              </a:spcBef>
+              <a:spcAft>
+                <a:spcPts val="0"/>
+              </a:spcAft>
+              <a:buSzPts val="2000"/>
+              <a:buChar char="○"/>
+              <a:defRPr i="1"/>
+            </a:lvl2pPr>
+            <a:lvl3pPr marL="1371600" lvl="2" indent="-355600" algn="ctr" rtl="0">
+              <a:spcBef>
+                <a:spcPts val="0"/>
+              </a:spcBef>
+              <a:spcAft>
+                <a:spcPts val="0"/>
+              </a:spcAft>
+              <a:buSzPts val="2000"/>
+              <a:buChar char="■"/>
+              <a:defRPr i="1"/>
+            </a:lvl3pPr>
+            <a:lvl4pPr marL="1828800" lvl="3" indent="-355600" algn="ctr" rtl="0">
+              <a:spcBef>
+                <a:spcPts val="0"/>
+              </a:spcBef>
+              <a:spcAft>
+                <a:spcPts val="0"/>
+              </a:spcAft>
+              <a:buSzPts val="2000"/>
+              <a:buChar char="●"/>
+              <a:defRPr i="1"/>
+            </a:lvl4pPr>
+            <a:lvl5pPr marL="2286000" lvl="4" indent="-355600" algn="ctr" rtl="0">
+              <a:spcBef>
+                <a:spcPts val="0"/>
+              </a:spcBef>
+              <a:spcAft>
+                <a:spcPts val="0"/>
+              </a:spcAft>
+              <a:buSzPts val="2000"/>
+              <a:buChar char="○"/>
+              <a:defRPr i="1"/>
+            </a:lvl5pPr>
+            <a:lvl6pPr marL="2743200" lvl="5" indent="-355600" algn="ctr" rtl="0">
+              <a:spcBef>
+                <a:spcPts val="0"/>
+              </a:spcBef>
+              <a:spcAft>
+                <a:spcPts val="0"/>
+              </a:spcAft>
+              <a:buSzPts val="2000"/>
+              <a:buChar char="■"/>
+              <a:defRPr i="1"/>
+            </a:lvl6pPr>
+            <a:lvl7pPr marL="3200400" lvl="6" indent="-355600" algn="ctr" rtl="0">
+              <a:spcBef>
+                <a:spcPts val="0"/>
+              </a:spcBef>
+              <a:spcAft>
+                <a:spcPts val="0"/>
+              </a:spcAft>
+              <a:buSzPts val="2000"/>
+              <a:buChar char="●"/>
+              <a:defRPr i="1"/>
+            </a:lvl7pPr>
+            <a:lvl8pPr marL="3657600" lvl="7" indent="-355600" algn="ctr" rtl="0">
+              <a:spcBef>
+                <a:spcPts val="0"/>
+              </a:spcBef>
+              <a:spcAft>
+                <a:spcPts val="0"/>
+              </a:spcAft>
+              <a:buSzPts val="2000"/>
+              <a:buChar char="○"/>
+              <a:defRPr i="1"/>
+            </a:lvl8pPr>
+            <a:lvl9pPr marL="4114800" lvl="8" indent="-355600" algn="ctr">
+              <a:spcBef>
+                <a:spcPts val="0"/>
+              </a:spcBef>
+              <a:spcAft>
+                <a:spcPts val="0"/>
+              </a:spcAft>
+              <a:buSzPts val="2000"/>
+              <a:buChar char="■"/>
+              <a:defRPr i="1"/>
+            </a:lvl9pPr>
+          </a:lstStyle>
+          <a:p>
+            <a:endParaRPr/>
+          </a:p>
+        </p:txBody>
+      </p:sp>
+      <p:sp>
+        <p:nvSpPr>
+          <p:cNvPr id="20" name="Google Shape;20;p4"/>
+          <p:cNvSpPr txBox="1"/>
+          <p:nvPr/>
+        </p:nvSpPr>
+        <p:spPr>
+          <a:xfrm>
+            <a:off x="3593400" y="1391925"/>
+            <a:ext cx="1957200" cy="538200"/>
+          </a:xfrm>
+          <a:prstGeom prst="rect">
+            <a:avLst/>
+          </a:prstGeom>
+          <a:noFill/>
+          <a:ln>
+            <a:noFill/>
+          </a:ln>
+        </p:spPr>
+        <p:txBody>
+          <a:bodyPr spcFirstLastPara="1" wrap="square" lIns="91425" tIns="91425" rIns="91425" bIns="91425" anchor="t" anchorCtr="0">
+            <a:noAutofit/>
+          </a:bodyPr>
+          <a:lstStyle/>
+          <a:p>
+            <a:pPr marL="0" lvl="0" indent="0" algn="ctr" rtl="0">
+              <a:spcBef>
+                <a:spcPts val="0"/>
+              </a:spcBef>
+              <a:spcAft>
+                <a:spcPts val="0"/>
+              </a:spcAft>
+              <a:buNone/>
+            </a:pPr>
+            <a:r>
+              <a:rPr lang="en" sz="6000">
+                <a:solidFill>
+                  <a:srgbClr val="B7B7B7"/>
+                </a:solidFill>
+                <a:latin typeface="Playfair Display"/>
+                <a:ea typeface="Playfair Display"/>
+                <a:cs typeface="Playfair Display"/>
+                <a:sym typeface="Playfair Display"/>
+              </a:rPr>
+              <a:t>“</a:t>
+            </a:r>
+            <a:endParaRPr sz="6000">
+              <a:solidFill>
+                <a:srgbClr val="B7B7B7"/>
+              </a:solidFill>
+              <a:latin typeface="Playfair Display"/>
+              <a:ea typeface="Playfair Display"/>
+              <a:cs typeface="Playfair Display"/>
+              <a:sym typeface="Playfair Display"/>
+            </a:endParaRPr>
+          </a:p>
+        </p:txBody>
+      </p:sp>
+      <p:sp>
+        <p:nvSpPr>
+          <p:cNvPr id="21" name="Google Shape;21;p4"/>
+          <p:cNvSpPr txBox="1">
+            <a:spLocks noGrp="1"/>
+          </p:cNvSpPr>
+          <p:nvPr>
+            <p:ph type="sldNum" idx="12"/>
+          </p:nvPr>
+        </p:nvSpPr>
+        <p:spPr>
+          <a:xfrm>
+            <a:off x="4297650" y="4419838"/>
+            <a:ext cx="548700" cy="393600"/>
+          </a:xfrm>
+          <a:prstGeom prst="rect">
+            <a:avLst/>
+          </a:prstGeom>
+        </p:spPr>
+        <p:txBody>
+          <a:bodyPr spcFirstLastPara="1" wrap="square" lIns="91425" tIns="91425" rIns="91425" bIns="91425" anchor="b" anchorCtr="0">
+            <a:noAutofit/>
+          </a:bodyPr>
+          <a:lstStyle>
+            <a:lvl1pPr lvl="0">
+              <a:buNone/>
+              <a:defRPr/>
+            </a:lvl1pPr>
+            <a:lvl2pPr lvl="1">
+              <a:buNone/>
+              <a:defRPr/>
+            </a:lvl2pPr>
+            <a:lvl3pPr lvl="2">
+              <a:buNone/>
+              <a:defRPr/>
+            </a:lvl3pPr>
+            <a:lvl4pPr lvl="3">
+              <a:buNone/>
+              <a:defRPr/>
+            </a:lvl4pPr>
+            <a:lvl5pPr lvl="4">
+              <a:buNone/>
+              <a:defRPr/>
+            </a:lvl5pPr>
+            <a:lvl6pPr lvl="5">
+              <a:buNone/>
+              <a:defRPr/>
+            </a:lvl6pPr>
+            <a:lvl7pPr lvl="6">
+              <a:buNone/>
+              <a:defRPr/>
+            </a:lvl7pPr>
+            <a:lvl8pPr lvl="7">
+              <a:buNone/>
+              <a:defRPr/>
+            </a:lvl8pPr>
+            <a:lvl9pPr lvl="8">
+              <a:buNone/>
+              <a:defRPr/>
+            </a:lvl9pPr>
+          </a:lstStyle>
+          <a:p>
+            <a:pPr marL="0" lvl="0" indent="0" algn="ctr" rtl="0">
+              <a:spcBef>
+                <a:spcPts val="0"/>
+              </a:spcBef>
+              <a:spcAft>
+                <a:spcPts val="0"/>
+              </a:spcAft>
+              <a:buNone/>
+            </a:pPr>
+            <a:fld id="{00000000-1234-1234-1234-123412341234}" type="slidenum">
+              <a:rPr lang="en"/>
+              <a:t>‹#›</a:t>
+            </a:fld>
+            <a:endParaRPr/>
+          </a:p>
+        </p:txBody>
+      </p:sp>
+    </p:spTree>
+    <p:extLst>
+      <p:ext uri="{BB962C8B-B14F-4D97-AF65-F5344CB8AC3E}">
+        <p14:creationId xmlns:p14="http://schemas.microsoft.com/office/powerpoint/2010/main" val="196489175"/>
+      </p:ext>
+    </p:extLst>
+  </p:cSld>
+  <p:clrMapOvr>
+    <a:masterClrMapping/>
+  </p:clrMapOvr>
+</p:sldLayout>
+</file>
+
 <file path=ppt/slideMasters/slideMaster1.xml><?xml version="1.0" encoding="utf-8"?>
 <p:sldMaster xmlns:a="http://schemas.openxmlformats.org/drawingml/2006/main" xmlns:r="http://schemas.openxmlformats.org/officeDocument/2006/relationships" xmlns:p="http://schemas.openxmlformats.org/presentationml/2006/main">
   <p:cSld name="simple-light">
@@ -4446,6 +4892,7 @@
     <p:sldLayoutId id="2147483660" r:id="rId4"/>
     <p:sldLayoutId id="2147483662" r:id="rId5"/>
     <p:sldLayoutId id="2147483663" r:id="rId6"/>
+    <p:sldLayoutId id="2147483664" r:id="rId7"/>
   </p:sldLayoutIdLst>
   <p:hf hdr="0" ftr="0" dt="0"/>
   <p:txStyles>
@@ -5554,6 +6001,171 @@
   <p:cSld>
     <p:spTree>
       <p:nvGrpSpPr>
+        <p:cNvPr id="1" name=""/>
+        <p:cNvGrpSpPr/>
+        <p:nvPr/>
+      </p:nvGrpSpPr>
+      <p:grpSpPr>
+        <a:xfrm>
+          <a:off x="0" y="0"/>
+          <a:ext cx="0" cy="0"/>
+          <a:chOff x="0" y="0"/>
+          <a:chExt cx="0" cy="0"/>
+        </a:xfrm>
+      </p:grpSpPr>
+      <p:pic>
+        <p:nvPicPr>
+          <p:cNvPr id="6" name="Picture 5">
+            <a:extLst>
+              <a:ext uri="{FF2B5EF4-FFF2-40B4-BE49-F238E27FC236}">
+                <a16:creationId xmlns:a16="http://schemas.microsoft.com/office/drawing/2014/main" id="{6A745FB0-6233-4A49-80AE-9C3E66182CAD}"/>
+              </a:ext>
+            </a:extLst>
+          </p:cNvPr>
+          <p:cNvPicPr>
+            <a:picLocks noChangeAspect="1"/>
+          </p:cNvPicPr>
+          <p:nvPr/>
+        </p:nvPicPr>
+        <p:blipFill rotWithShape="1">
+          <a:blip r:embed="rId2"/>
+          <a:srcRect t="69" b="69"/>
+          <a:stretch/>
+        </p:blipFill>
+        <p:spPr>
+          <a:xfrm>
+            <a:off x="6933537" y="381224"/>
+            <a:ext cx="1796995" cy="2398500"/>
+          </a:xfrm>
+          <a:prstGeom prst="rect">
+            <a:avLst/>
+          </a:prstGeom>
+          <a:ln>
+            <a:solidFill>
+              <a:schemeClr val="tx1"/>
+            </a:solidFill>
+          </a:ln>
+          <a:effectLst>
+            <a:outerShdw blurRad="50800" dist="38100" dir="2700000" algn="tl" rotWithShape="0">
+              <a:prstClr val="black">
+                <a:alpha val="40000"/>
+              </a:prstClr>
+            </a:outerShdw>
+          </a:effectLst>
+        </p:spPr>
+      </p:pic>
+      <p:sp>
+        <p:nvSpPr>
+          <p:cNvPr id="2" name="Title 1">
+            <a:extLst>
+              <a:ext uri="{FF2B5EF4-FFF2-40B4-BE49-F238E27FC236}">
+                <a16:creationId xmlns:a16="http://schemas.microsoft.com/office/drawing/2014/main" id="{90B634A8-9F2A-644D-BA1A-47F100949845}"/>
+              </a:ext>
+            </a:extLst>
+          </p:cNvPr>
+          <p:cNvSpPr>
+            <a:spLocks noGrp="1"/>
+          </p:cNvSpPr>
+          <p:nvPr>
+            <p:ph type="ctrTitle"/>
+          </p:nvPr>
+        </p:nvSpPr>
+        <p:spPr/>
+        <p:txBody>
+          <a:bodyPr/>
+          <a:lstStyle/>
+          <a:p>
+            <a:r>
+              <a:rPr lang="en-US" dirty="0"/>
+              <a:t>Home work</a:t>
+            </a:r>
+          </a:p>
+        </p:txBody>
+      </p:sp>
+      <p:sp>
+        <p:nvSpPr>
+          <p:cNvPr id="3" name="Subtitle 2">
+            <a:extLst>
+              <a:ext uri="{FF2B5EF4-FFF2-40B4-BE49-F238E27FC236}">
+                <a16:creationId xmlns:a16="http://schemas.microsoft.com/office/drawing/2014/main" id="{61FDC801-4617-434F-8E0F-C9A072A721AB}"/>
+              </a:ext>
+            </a:extLst>
+          </p:cNvPr>
+          <p:cNvSpPr>
+            <a:spLocks noGrp="1"/>
+          </p:cNvSpPr>
+          <p:nvPr>
+            <p:ph type="subTitle" idx="1"/>
+          </p:nvPr>
+        </p:nvSpPr>
+        <p:spPr/>
+        <p:txBody>
+          <a:bodyPr/>
+          <a:lstStyle/>
+          <a:p>
+            <a:r>
+              <a:rPr lang="en-US" dirty="0"/>
+              <a:t>Draw 6 test scenarios</a:t>
+            </a:r>
+          </a:p>
+        </p:txBody>
+      </p:sp>
+      <p:sp>
+        <p:nvSpPr>
+          <p:cNvPr id="4" name="Slide Number Placeholder 3">
+            <a:extLst>
+              <a:ext uri="{FF2B5EF4-FFF2-40B4-BE49-F238E27FC236}">
+                <a16:creationId xmlns:a16="http://schemas.microsoft.com/office/drawing/2014/main" id="{72003388-39EB-0447-8ECF-6CFF2E10ECFA}"/>
+              </a:ext>
+            </a:extLst>
+          </p:cNvPr>
+          <p:cNvSpPr>
+            <a:spLocks noGrp="1"/>
+          </p:cNvSpPr>
+          <p:nvPr>
+            <p:ph type="sldNum" idx="12"/>
+          </p:nvPr>
+        </p:nvSpPr>
+        <p:spPr/>
+        <p:txBody>
+          <a:bodyPr/>
+          <a:lstStyle/>
+          <a:p>
+            <a:pPr marL="0" lvl="0" indent="0" algn="ctr" rtl="0">
+              <a:spcBef>
+                <a:spcPts val="0"/>
+              </a:spcBef>
+              <a:spcAft>
+                <a:spcPts val="0"/>
+              </a:spcAft>
+              <a:buNone/>
+            </a:pPr>
+            <a:fld id="{00000000-1234-1234-1234-123412341234}" type="slidenum">
+              <a:rPr lang="en" smtClean="0"/>
+              <a:t>10</a:t>
+            </a:fld>
+            <a:endParaRPr lang="en"/>
+          </a:p>
+        </p:txBody>
+      </p:sp>
+    </p:spTree>
+    <p:extLst>
+      <p:ext uri="{BB962C8B-B14F-4D97-AF65-F5344CB8AC3E}">
+        <p14:creationId xmlns:p14="http://schemas.microsoft.com/office/powerpoint/2010/main" val="1158048026"/>
+      </p:ext>
+    </p:extLst>
+  </p:cSld>
+  <p:clrMapOvr>
+    <a:masterClrMapping/>
+  </p:clrMapOvr>
+</p:sld>
+</file>
+
+<file path=ppt/slides/slide11.xml><?xml version="1.0" encoding="utf-8"?>
+<p:sld xmlns:a="http://schemas.openxmlformats.org/drawingml/2006/main" xmlns:r="http://schemas.openxmlformats.org/officeDocument/2006/relationships" xmlns:p="http://schemas.openxmlformats.org/presentationml/2006/main">
+  <p:cSld>
+    <p:spTree>
+      <p:nvGrpSpPr>
         <p:cNvPr id="1" name="Shape 277"/>
         <p:cNvGrpSpPr/>
         <p:nvPr/>
@@ -5753,7 +6365,7 @@
             </a:pPr>
             <a:fld id="{00000000-1234-1234-1234-123412341234}" type="slidenum">
               <a:rPr lang="en"/>
-              <a:t>10</a:t>
+              <a:t>11</a:t>
             </a:fld>
             <a:endParaRPr/>
           </a:p>
@@ -15752,7 +16364,7 @@
   <p:cSld>
     <p:spTree>
       <p:nvGrpSpPr>
-        <p:cNvPr id="1" name=""/>
+        <p:cNvPr id="1" name="Shape 80"/>
         <p:cNvGrpSpPr/>
         <p:nvPr/>
       </p:nvGrpSpPr>
@@ -15764,122 +16376,101 @@
           <a:chExt cx="0" cy="0"/>
         </a:xfrm>
       </p:grpSpPr>
-      <p:pic>
-        <p:nvPicPr>
-          <p:cNvPr id="6" name="Picture 5">
-            <a:extLst>
-              <a:ext uri="{FF2B5EF4-FFF2-40B4-BE49-F238E27FC236}">
-                <a16:creationId xmlns:a16="http://schemas.microsoft.com/office/drawing/2014/main" id="{6A745FB0-6233-4A49-80AE-9C3E66182CAD}"/>
-              </a:ext>
-            </a:extLst>
-          </p:cNvPr>
-          <p:cNvPicPr>
-            <a:picLocks noChangeAspect="1"/>
-          </p:cNvPicPr>
-          <p:nvPr/>
-        </p:nvPicPr>
-        <p:blipFill rotWithShape="1">
-          <a:blip r:embed="rId2"/>
-          <a:srcRect t="69" b="69"/>
-          <a:stretch/>
-        </p:blipFill>
+      <p:sp>
+        <p:nvSpPr>
+          <p:cNvPr id="81" name="Google Shape;81;p16"/>
+          <p:cNvSpPr txBox="1">
+            <a:spLocks noGrp="1"/>
+          </p:cNvSpPr>
+          <p:nvPr>
+            <p:ph type="body" idx="1"/>
+          </p:nvPr>
+        </p:nvSpPr>
         <p:spPr>
           <a:xfrm>
-            <a:off x="6933537" y="381224"/>
-            <a:ext cx="1796995" cy="2398500"/>
+            <a:off x="1659150" y="2161800"/>
+            <a:ext cx="5825700" cy="819900"/>
           </a:xfrm>
           <a:prstGeom prst="rect">
             <a:avLst/>
           </a:prstGeom>
-          <a:ln>
-            <a:solidFill>
-              <a:schemeClr val="tx1"/>
-            </a:solidFill>
-          </a:ln>
-          <a:effectLst>
-            <a:outerShdw blurRad="50800" dist="38100" dir="2700000" algn="tl" rotWithShape="0">
-              <a:prstClr val="black">
-                <a:alpha val="40000"/>
-              </a:prstClr>
-            </a:outerShdw>
-          </a:effectLst>
         </p:spPr>
-      </p:pic>
-      <p:sp>
-        <p:nvSpPr>
-          <p:cNvPr id="2" name="Title 1">
-            <a:extLst>
-              <a:ext uri="{FF2B5EF4-FFF2-40B4-BE49-F238E27FC236}">
-                <a16:creationId xmlns:a16="http://schemas.microsoft.com/office/drawing/2014/main" id="{90B634A8-9F2A-644D-BA1A-47F100949845}"/>
-              </a:ext>
-            </a:extLst>
-          </p:cNvPr>
-          <p:cNvSpPr>
-            <a:spLocks noGrp="1"/>
-          </p:cNvSpPr>
-          <p:nvPr>
-            <p:ph type="ctrTitle"/>
-          </p:nvPr>
-        </p:nvSpPr>
-        <p:spPr/>
         <p:txBody>
-          <a:bodyPr/>
+          <a:bodyPr spcFirstLastPara="1" wrap="square" lIns="91425" tIns="91425" rIns="91425" bIns="91425" anchor="t" anchorCtr="0">
+            <a:noAutofit/>
+          </a:bodyPr>
           <a:lstStyle/>
           <a:p>
+            <a:pPr marL="0" lvl="0" indent="0" algn="ctr" rtl="0">
+              <a:spcBef>
+                <a:spcPts val="600"/>
+              </a:spcBef>
+              <a:spcAft>
+                <a:spcPts val="0"/>
+              </a:spcAft>
+              <a:buNone/>
+            </a:pPr>
             <a:r>
-              <a:rPr lang="en-US" dirty="0"/>
-              <a:t>Home work</a:t>
+              <a:rPr lang="en" dirty="0"/>
+              <a:t>Instead of extending the system to add your feature,</a:t>
             </a:r>
+          </a:p>
+          <a:p>
+            <a:pPr marL="0" lvl="0" indent="0" algn="ctr" rtl="0">
+              <a:spcBef>
+                <a:spcPts val="600"/>
+              </a:spcBef>
+              <a:spcAft>
+                <a:spcPts val="0"/>
+              </a:spcAft>
+              <a:buNone/>
+            </a:pPr>
+            <a:r>
+              <a:rPr lang="en" b="1" dirty="0"/>
+              <a:t>extend it to add extendibility </a:t>
+            </a:r>
+          </a:p>
+          <a:p>
+            <a:pPr marL="0" lvl="0" indent="0" algn="ctr" rtl="0">
+              <a:spcBef>
+                <a:spcPts val="600"/>
+              </a:spcBef>
+              <a:spcAft>
+                <a:spcPts val="0"/>
+              </a:spcAft>
+              <a:buNone/>
+            </a:pPr>
+            <a:r>
+              <a:rPr lang="en" dirty="0"/>
+              <a:t>and then plug in your feature</a:t>
+            </a:r>
+            <a:endParaRPr dirty="0"/>
           </a:p>
         </p:txBody>
       </p:sp>
       <p:sp>
         <p:nvSpPr>
-          <p:cNvPr id="3" name="Subtitle 2">
-            <a:extLst>
-              <a:ext uri="{FF2B5EF4-FFF2-40B4-BE49-F238E27FC236}">
-                <a16:creationId xmlns:a16="http://schemas.microsoft.com/office/drawing/2014/main" id="{61FDC801-4617-434F-8E0F-C9A072A721AB}"/>
-              </a:ext>
-            </a:extLst>
-          </p:cNvPr>
-          <p:cNvSpPr>
-            <a:spLocks noGrp="1"/>
-          </p:cNvSpPr>
-          <p:nvPr>
-            <p:ph type="subTitle" idx="1"/>
-          </p:nvPr>
-        </p:nvSpPr>
-        <p:spPr/>
-        <p:txBody>
-          <a:bodyPr/>
-          <a:lstStyle/>
-          <a:p>
-            <a:r>
-              <a:rPr lang="en-US" dirty="0"/>
-              <a:t>Draw 6 test scenarios</a:t>
-            </a:r>
-          </a:p>
-        </p:txBody>
-      </p:sp>
-      <p:sp>
-        <p:nvSpPr>
-          <p:cNvPr id="4" name="Slide Number Placeholder 3">
-            <a:extLst>
-              <a:ext uri="{FF2B5EF4-FFF2-40B4-BE49-F238E27FC236}">
-                <a16:creationId xmlns:a16="http://schemas.microsoft.com/office/drawing/2014/main" id="{72003388-39EB-0447-8ECF-6CFF2E10ECFA}"/>
-              </a:ext>
-            </a:extLst>
-          </p:cNvPr>
-          <p:cNvSpPr>
+          <p:cNvPr id="82" name="Google Shape;82;p16"/>
+          <p:cNvSpPr txBox="1">
             <a:spLocks noGrp="1"/>
           </p:cNvSpPr>
           <p:nvPr>
             <p:ph type="sldNum" idx="12"/>
           </p:nvPr>
         </p:nvSpPr>
-        <p:spPr/>
+        <p:spPr>
+          <a:xfrm>
+            <a:off x="4297650" y="4419838"/>
+            <a:ext cx="548700" cy="393600"/>
+          </a:xfrm>
+          <a:prstGeom prst="rect">
+            <a:avLst/>
+          </a:prstGeom>
+        </p:spPr>
         <p:txBody>
-          <a:bodyPr/>
+          <a:bodyPr spcFirstLastPara="1" wrap="square" lIns="91425" tIns="91425" rIns="91425" bIns="91425" anchor="b" anchorCtr="0">
+            <a:noAutofit/>
+          </a:bodyPr>
           <a:lstStyle/>
           <a:p>
             <a:pPr marL="0" lvl="0" indent="0" algn="ctr" rtl="0">
@@ -15892,17 +16483,17 @@
               <a:buNone/>
             </a:pPr>
             <a:fld id="{00000000-1234-1234-1234-123412341234}" type="slidenum">
-              <a:rPr lang="en" smtClean="0"/>
+              <a:rPr lang="en"/>
               <a:t>9</a:t>
             </a:fld>
-            <a:endParaRPr lang="en"/>
+            <a:endParaRPr/>
           </a:p>
         </p:txBody>
       </p:sp>
     </p:spTree>
     <p:extLst>
       <p:ext uri="{BB962C8B-B14F-4D97-AF65-F5344CB8AC3E}">
-        <p14:creationId xmlns:p14="http://schemas.microsoft.com/office/powerpoint/2010/main" val="1158048026"/>
+        <p14:creationId xmlns:p14="http://schemas.microsoft.com/office/powerpoint/2010/main" val="1061700413"/>
       </p:ext>
     </p:extLst>
   </p:cSld>

--- a/RefactoringToCleanerCode.pptx
+++ b/RefactoringToCleanerCode.pptx
@@ -5,7 +5,7 @@
     <p:sldMasterId id="2147483658" r:id="rId1"/>
   </p:sldMasterIdLst>
   <p:notesMasterIdLst>
-    <p:notesMasterId r:id="rId13"/>
+    <p:notesMasterId r:id="rId17"/>
   </p:notesMasterIdLst>
   <p:sldIdLst>
     <p:sldId id="256" r:id="rId2"/>
@@ -16,9 +16,13 @@
     <p:sldId id="262" r:id="rId7"/>
     <p:sldId id="273" r:id="rId8"/>
     <p:sldId id="294" r:id="rId9"/>
-    <p:sldId id="260" r:id="rId10"/>
-    <p:sldId id="288" r:id="rId11"/>
-    <p:sldId id="278" r:id="rId12"/>
+    <p:sldId id="267" r:id="rId10"/>
+    <p:sldId id="295" r:id="rId11"/>
+    <p:sldId id="296" r:id="rId12"/>
+    <p:sldId id="298" r:id="rId13"/>
+    <p:sldId id="260" r:id="rId14"/>
+    <p:sldId id="288" r:id="rId15"/>
+    <p:sldId id="278" r:id="rId16"/>
   </p:sldIdLst>
   <p:sldSz cx="9144000" cy="5143500" type="screen16x9"/>
   <p:notesSz cx="6858000" cy="9144000"/>
@@ -809,6 +813,442 @@
   <p:cSld>
     <p:spTree>
       <p:nvGrpSpPr>
+        <p:cNvPr id="1" name="Shape 136"/>
+        <p:cNvGrpSpPr/>
+        <p:nvPr/>
+      </p:nvGrpSpPr>
+      <p:grpSpPr>
+        <a:xfrm>
+          <a:off x="0" y="0"/>
+          <a:ext cx="0" cy="0"/>
+          <a:chOff x="0" y="0"/>
+          <a:chExt cx="0" cy="0"/>
+        </a:xfrm>
+      </p:grpSpPr>
+      <p:sp>
+        <p:nvSpPr>
+          <p:cNvPr id="137" name="Google Shape;137;g35f391192_073:notes"/>
+          <p:cNvSpPr>
+            <a:spLocks noGrp="1" noRot="1" noChangeAspect="1"/>
+          </p:cNvSpPr>
+          <p:nvPr>
+            <p:ph type="sldImg" idx="2"/>
+          </p:nvPr>
+        </p:nvSpPr>
+        <p:spPr>
+          <a:xfrm>
+            <a:off x="381000" y="685800"/>
+            <a:ext cx="6096000" cy="3429000"/>
+          </a:xfrm>
+          <a:custGeom>
+            <a:avLst/>
+            <a:gdLst/>
+            <a:ahLst/>
+            <a:cxnLst/>
+            <a:rect l="l" t="t" r="r" b="b"/>
+            <a:pathLst>
+              <a:path w="120000" h="120000" extrusionOk="0">
+                <a:moveTo>
+                  <a:pt x="0" y="0"/>
+                </a:moveTo>
+                <a:lnTo>
+                  <a:pt x="120000" y="0"/>
+                </a:lnTo>
+                <a:lnTo>
+                  <a:pt x="120000" y="120000"/>
+                </a:lnTo>
+                <a:lnTo>
+                  <a:pt x="0" y="120000"/>
+                </a:lnTo>
+                <a:close/>
+              </a:path>
+            </a:pathLst>
+          </a:custGeom>
+        </p:spPr>
+      </p:sp>
+      <p:sp>
+        <p:nvSpPr>
+          <p:cNvPr id="138" name="Google Shape;138;g35f391192_073:notes"/>
+          <p:cNvSpPr txBox="1">
+            <a:spLocks noGrp="1"/>
+          </p:cNvSpPr>
+          <p:nvPr>
+            <p:ph type="body" idx="1"/>
+          </p:nvPr>
+        </p:nvSpPr>
+        <p:spPr>
+          <a:xfrm>
+            <a:off x="685800" y="4343400"/>
+            <a:ext cx="5486400" cy="4114800"/>
+          </a:xfrm>
+          <a:prstGeom prst="rect">
+            <a:avLst/>
+          </a:prstGeom>
+        </p:spPr>
+        <p:txBody>
+          <a:bodyPr spcFirstLastPara="1" wrap="square" lIns="91425" tIns="91425" rIns="91425" bIns="91425" anchor="t" anchorCtr="0">
+            <a:noAutofit/>
+          </a:bodyPr>
+          <a:lstStyle/>
+          <a:p>
+            <a:pPr marL="0" lvl="0" indent="0" algn="l" rtl="0">
+              <a:spcBef>
+                <a:spcPts val="0"/>
+              </a:spcBef>
+              <a:spcAft>
+                <a:spcPts val="0"/>
+              </a:spcAft>
+              <a:buNone/>
+            </a:pPr>
+            <a:endParaRPr/>
+          </a:p>
+        </p:txBody>
+      </p:sp>
+    </p:spTree>
+    <p:extLst>
+      <p:ext uri="{BB962C8B-B14F-4D97-AF65-F5344CB8AC3E}">
+        <p14:creationId xmlns:p14="http://schemas.microsoft.com/office/powerpoint/2010/main" val="400622496"/>
+      </p:ext>
+    </p:extLst>
+  </p:cSld>
+  <p:clrMapOvr>
+    <a:masterClrMapping/>
+  </p:clrMapOvr>
+</p:notes>
+</file>
+
+<file path=ppt/notesSlides/notesSlide11.xml><?xml version="1.0" encoding="utf-8"?>
+<p:notes xmlns:a="http://schemas.openxmlformats.org/drawingml/2006/main" xmlns:r="http://schemas.openxmlformats.org/officeDocument/2006/relationships" xmlns:p="http://schemas.openxmlformats.org/presentationml/2006/main" showMasterSp="0" showMasterPhAnim="0">
+  <p:cSld>
+    <p:spTree>
+      <p:nvGrpSpPr>
+        <p:cNvPr id="1" name="Shape 136"/>
+        <p:cNvGrpSpPr/>
+        <p:nvPr/>
+      </p:nvGrpSpPr>
+      <p:grpSpPr>
+        <a:xfrm>
+          <a:off x="0" y="0"/>
+          <a:ext cx="0" cy="0"/>
+          <a:chOff x="0" y="0"/>
+          <a:chExt cx="0" cy="0"/>
+        </a:xfrm>
+      </p:grpSpPr>
+      <p:sp>
+        <p:nvSpPr>
+          <p:cNvPr id="137" name="Google Shape;137;g35f391192_073:notes"/>
+          <p:cNvSpPr>
+            <a:spLocks noGrp="1" noRot="1" noChangeAspect="1"/>
+          </p:cNvSpPr>
+          <p:nvPr>
+            <p:ph type="sldImg" idx="2"/>
+          </p:nvPr>
+        </p:nvSpPr>
+        <p:spPr>
+          <a:xfrm>
+            <a:off x="381000" y="685800"/>
+            <a:ext cx="6096000" cy="3429000"/>
+          </a:xfrm>
+          <a:custGeom>
+            <a:avLst/>
+            <a:gdLst/>
+            <a:ahLst/>
+            <a:cxnLst/>
+            <a:rect l="l" t="t" r="r" b="b"/>
+            <a:pathLst>
+              <a:path w="120000" h="120000" extrusionOk="0">
+                <a:moveTo>
+                  <a:pt x="0" y="0"/>
+                </a:moveTo>
+                <a:lnTo>
+                  <a:pt x="120000" y="0"/>
+                </a:lnTo>
+                <a:lnTo>
+                  <a:pt x="120000" y="120000"/>
+                </a:lnTo>
+                <a:lnTo>
+                  <a:pt x="0" y="120000"/>
+                </a:lnTo>
+                <a:close/>
+              </a:path>
+            </a:pathLst>
+          </a:custGeom>
+        </p:spPr>
+      </p:sp>
+      <p:sp>
+        <p:nvSpPr>
+          <p:cNvPr id="138" name="Google Shape;138;g35f391192_073:notes"/>
+          <p:cNvSpPr txBox="1">
+            <a:spLocks noGrp="1"/>
+          </p:cNvSpPr>
+          <p:nvPr>
+            <p:ph type="body" idx="1"/>
+          </p:nvPr>
+        </p:nvSpPr>
+        <p:spPr>
+          <a:xfrm>
+            <a:off x="685800" y="4343400"/>
+            <a:ext cx="5486400" cy="4114800"/>
+          </a:xfrm>
+          <a:prstGeom prst="rect">
+            <a:avLst/>
+          </a:prstGeom>
+        </p:spPr>
+        <p:txBody>
+          <a:bodyPr spcFirstLastPara="1" wrap="square" lIns="91425" tIns="91425" rIns="91425" bIns="91425" anchor="t" anchorCtr="0">
+            <a:noAutofit/>
+          </a:bodyPr>
+          <a:lstStyle/>
+          <a:p>
+            <a:pPr marL="0" lvl="0" indent="0" algn="l" rtl="0">
+              <a:spcBef>
+                <a:spcPts val="0"/>
+              </a:spcBef>
+              <a:spcAft>
+                <a:spcPts val="0"/>
+              </a:spcAft>
+              <a:buNone/>
+            </a:pPr>
+            <a:endParaRPr/>
+          </a:p>
+        </p:txBody>
+      </p:sp>
+    </p:spTree>
+    <p:extLst>
+      <p:ext uri="{BB962C8B-B14F-4D97-AF65-F5344CB8AC3E}">
+        <p14:creationId xmlns:p14="http://schemas.microsoft.com/office/powerpoint/2010/main" val="1013400593"/>
+      </p:ext>
+    </p:extLst>
+  </p:cSld>
+  <p:clrMapOvr>
+    <a:masterClrMapping/>
+  </p:clrMapOvr>
+</p:notes>
+</file>
+
+<file path=ppt/notesSlides/notesSlide12.xml><?xml version="1.0" encoding="utf-8"?>
+<p:notes xmlns:a="http://schemas.openxmlformats.org/drawingml/2006/main" xmlns:r="http://schemas.openxmlformats.org/officeDocument/2006/relationships" xmlns:p="http://schemas.openxmlformats.org/presentationml/2006/main" showMasterSp="0" showMasterPhAnim="0">
+  <p:cSld>
+    <p:spTree>
+      <p:nvGrpSpPr>
+        <p:cNvPr id="1" name="Shape 136"/>
+        <p:cNvGrpSpPr/>
+        <p:nvPr/>
+      </p:nvGrpSpPr>
+      <p:grpSpPr>
+        <a:xfrm>
+          <a:off x="0" y="0"/>
+          <a:ext cx="0" cy="0"/>
+          <a:chOff x="0" y="0"/>
+          <a:chExt cx="0" cy="0"/>
+        </a:xfrm>
+      </p:grpSpPr>
+      <p:sp>
+        <p:nvSpPr>
+          <p:cNvPr id="137" name="Google Shape;137;g35f391192_073:notes"/>
+          <p:cNvSpPr>
+            <a:spLocks noGrp="1" noRot="1" noChangeAspect="1"/>
+          </p:cNvSpPr>
+          <p:nvPr>
+            <p:ph type="sldImg" idx="2"/>
+          </p:nvPr>
+        </p:nvSpPr>
+        <p:spPr>
+          <a:xfrm>
+            <a:off x="381000" y="685800"/>
+            <a:ext cx="6096000" cy="3429000"/>
+          </a:xfrm>
+          <a:custGeom>
+            <a:avLst/>
+            <a:gdLst/>
+            <a:ahLst/>
+            <a:cxnLst/>
+            <a:rect l="l" t="t" r="r" b="b"/>
+            <a:pathLst>
+              <a:path w="120000" h="120000" extrusionOk="0">
+                <a:moveTo>
+                  <a:pt x="0" y="0"/>
+                </a:moveTo>
+                <a:lnTo>
+                  <a:pt x="120000" y="0"/>
+                </a:lnTo>
+                <a:lnTo>
+                  <a:pt x="120000" y="120000"/>
+                </a:lnTo>
+                <a:lnTo>
+                  <a:pt x="0" y="120000"/>
+                </a:lnTo>
+                <a:close/>
+              </a:path>
+            </a:pathLst>
+          </a:custGeom>
+        </p:spPr>
+      </p:sp>
+      <p:sp>
+        <p:nvSpPr>
+          <p:cNvPr id="138" name="Google Shape;138;g35f391192_073:notes"/>
+          <p:cNvSpPr txBox="1">
+            <a:spLocks noGrp="1"/>
+          </p:cNvSpPr>
+          <p:nvPr>
+            <p:ph type="body" idx="1"/>
+          </p:nvPr>
+        </p:nvSpPr>
+        <p:spPr>
+          <a:xfrm>
+            <a:off x="685800" y="4343400"/>
+            <a:ext cx="5486400" cy="4114800"/>
+          </a:xfrm>
+          <a:prstGeom prst="rect">
+            <a:avLst/>
+          </a:prstGeom>
+        </p:spPr>
+        <p:txBody>
+          <a:bodyPr spcFirstLastPara="1" wrap="square" lIns="91425" tIns="91425" rIns="91425" bIns="91425" anchor="t" anchorCtr="0">
+            <a:noAutofit/>
+          </a:bodyPr>
+          <a:lstStyle/>
+          <a:p>
+            <a:pPr marL="0" lvl="0" indent="0" algn="l" rtl="0">
+              <a:spcBef>
+                <a:spcPts val="0"/>
+              </a:spcBef>
+              <a:spcAft>
+                <a:spcPts val="0"/>
+              </a:spcAft>
+              <a:buNone/>
+            </a:pPr>
+            <a:endParaRPr/>
+          </a:p>
+        </p:txBody>
+      </p:sp>
+    </p:spTree>
+    <p:extLst>
+      <p:ext uri="{BB962C8B-B14F-4D97-AF65-F5344CB8AC3E}">
+        <p14:creationId xmlns:p14="http://schemas.microsoft.com/office/powerpoint/2010/main" val="3385966170"/>
+      </p:ext>
+    </p:extLst>
+  </p:cSld>
+  <p:clrMapOvr>
+    <a:masterClrMapping/>
+  </p:clrMapOvr>
+</p:notes>
+</file>
+
+<file path=ppt/notesSlides/notesSlide13.xml><?xml version="1.0" encoding="utf-8"?>
+<p:notes xmlns:a="http://schemas.openxmlformats.org/drawingml/2006/main" xmlns:r="http://schemas.openxmlformats.org/officeDocument/2006/relationships" xmlns:p="http://schemas.openxmlformats.org/presentationml/2006/main" showMasterSp="0" showMasterPhAnim="0">
+  <p:cSld>
+    <p:spTree>
+      <p:nvGrpSpPr>
+        <p:cNvPr id="1" name="Shape 77"/>
+        <p:cNvGrpSpPr/>
+        <p:nvPr/>
+      </p:nvGrpSpPr>
+      <p:grpSpPr>
+        <a:xfrm>
+          <a:off x="0" y="0"/>
+          <a:ext cx="0" cy="0"/>
+          <a:chOff x="0" y="0"/>
+          <a:chExt cx="0" cy="0"/>
+        </a:xfrm>
+      </p:grpSpPr>
+      <p:sp>
+        <p:nvSpPr>
+          <p:cNvPr id="78" name="Google Shape;78;g35f391192_09:notes"/>
+          <p:cNvSpPr>
+            <a:spLocks noGrp="1" noRot="1" noChangeAspect="1"/>
+          </p:cNvSpPr>
+          <p:nvPr>
+            <p:ph type="sldImg" idx="2"/>
+          </p:nvPr>
+        </p:nvSpPr>
+        <p:spPr>
+          <a:xfrm>
+            <a:off x="381000" y="685800"/>
+            <a:ext cx="6096000" cy="3429000"/>
+          </a:xfrm>
+          <a:custGeom>
+            <a:avLst/>
+            <a:gdLst/>
+            <a:ahLst/>
+            <a:cxnLst/>
+            <a:rect l="l" t="t" r="r" b="b"/>
+            <a:pathLst>
+              <a:path w="120000" h="120000" extrusionOk="0">
+                <a:moveTo>
+                  <a:pt x="0" y="0"/>
+                </a:moveTo>
+                <a:lnTo>
+                  <a:pt x="120000" y="0"/>
+                </a:lnTo>
+                <a:lnTo>
+                  <a:pt x="120000" y="120000"/>
+                </a:lnTo>
+                <a:lnTo>
+                  <a:pt x="0" y="120000"/>
+                </a:lnTo>
+                <a:close/>
+              </a:path>
+            </a:pathLst>
+          </a:custGeom>
+        </p:spPr>
+      </p:sp>
+      <p:sp>
+        <p:nvSpPr>
+          <p:cNvPr id="79" name="Google Shape;79;g35f391192_09:notes"/>
+          <p:cNvSpPr txBox="1">
+            <a:spLocks noGrp="1"/>
+          </p:cNvSpPr>
+          <p:nvPr>
+            <p:ph type="body" idx="1"/>
+          </p:nvPr>
+        </p:nvSpPr>
+        <p:spPr>
+          <a:xfrm>
+            <a:off x="685800" y="4343400"/>
+            <a:ext cx="5486400" cy="4114800"/>
+          </a:xfrm>
+          <a:prstGeom prst="rect">
+            <a:avLst/>
+          </a:prstGeom>
+        </p:spPr>
+        <p:txBody>
+          <a:bodyPr spcFirstLastPara="1" wrap="square" lIns="91425" tIns="91425" rIns="91425" bIns="91425" anchor="t" anchorCtr="0">
+            <a:noAutofit/>
+          </a:bodyPr>
+          <a:lstStyle/>
+          <a:p>
+            <a:pPr marL="0" lvl="0" indent="0" algn="l" rtl="0">
+              <a:spcBef>
+                <a:spcPts val="0"/>
+              </a:spcBef>
+              <a:spcAft>
+                <a:spcPts val="0"/>
+              </a:spcAft>
+              <a:buNone/>
+            </a:pPr>
+            <a:endParaRPr/>
+          </a:p>
+        </p:txBody>
+      </p:sp>
+    </p:spTree>
+    <p:extLst>
+      <p:ext uri="{BB962C8B-B14F-4D97-AF65-F5344CB8AC3E}">
+        <p14:creationId xmlns:p14="http://schemas.microsoft.com/office/powerpoint/2010/main" val="2810330859"/>
+      </p:ext>
+    </p:extLst>
+  </p:cSld>
+  <p:clrMapOvr>
+    <a:masterClrMapping/>
+  </p:clrMapOvr>
+</p:notes>
+</file>
+
+<file path=ppt/notesSlides/notesSlide14.xml><?xml version="1.0" encoding="utf-8"?>
+<p:notes xmlns:a="http://schemas.openxmlformats.org/drawingml/2006/main" xmlns:r="http://schemas.openxmlformats.org/officeDocument/2006/relationships" xmlns:p="http://schemas.openxmlformats.org/presentationml/2006/main" showMasterSp="0" showMasterPhAnim="0">
+  <p:cSld>
+    <p:spTree>
+      <p:nvGrpSpPr>
         <p:cNvPr id="1" name="Shape 274"/>
         <p:cNvGrpSpPr/>
         <p:nvPr/>
@@ -1676,7 +2116,7 @@
   <p:cSld>
     <p:spTree>
       <p:nvGrpSpPr>
-        <p:cNvPr id="1" name="Shape 77"/>
+        <p:cNvPr id="1" name="Shape 136"/>
         <p:cNvGrpSpPr/>
         <p:nvPr/>
       </p:nvGrpSpPr>
@@ -1690,7 +2130,7 @@
       </p:grpSpPr>
       <p:sp>
         <p:nvSpPr>
-          <p:cNvPr id="78" name="Google Shape;78;g35f391192_09:notes"/>
+          <p:cNvPr id="137" name="Google Shape;137;g35f391192_073:notes"/>
           <p:cNvSpPr>
             <a:spLocks noGrp="1" noRot="1" noChangeAspect="1"/>
           </p:cNvSpPr>
@@ -1731,7 +2171,7 @@
       </p:sp>
       <p:sp>
         <p:nvSpPr>
-          <p:cNvPr id="79" name="Google Shape;79;g35f391192_09:notes"/>
+          <p:cNvPr id="138" name="Google Shape;138;g35f391192_073:notes"/>
           <p:cNvSpPr txBox="1">
             <a:spLocks noGrp="1"/>
           </p:cNvSpPr>
@@ -1770,7 +2210,7 @@
     </p:spTree>
     <p:extLst>
       <p:ext uri="{BB962C8B-B14F-4D97-AF65-F5344CB8AC3E}">
-        <p14:creationId xmlns:p14="http://schemas.microsoft.com/office/powerpoint/2010/main" val="2810330859"/>
+        <p14:creationId xmlns:p14="http://schemas.microsoft.com/office/powerpoint/2010/main" val="2805659604"/>
       </p:ext>
     </p:extLst>
   </p:cSld>
@@ -4132,6 +4572,248 @@
 </p:sldLayout>
 </file>
 
+<file path=ppt/slideLayouts/slideLayout8.xml><?xml version="1.0" encoding="utf-8"?>
+<p:sldLayout xmlns:a="http://schemas.openxmlformats.org/drawingml/2006/main" xmlns:r="http://schemas.openxmlformats.org/officeDocument/2006/relationships" xmlns:p="http://schemas.openxmlformats.org/presentationml/2006/main" matchingName="Title only" type="titleOnly">
+  <p:cSld name="Title only">
+    <p:spTree>
+      <p:nvGrpSpPr>
+        <p:cNvPr id="1" name="Shape 37"/>
+        <p:cNvGrpSpPr/>
+        <p:nvPr/>
+      </p:nvGrpSpPr>
+      <p:grpSpPr>
+        <a:xfrm>
+          <a:off x="0" y="0"/>
+          <a:ext cx="0" cy="0"/>
+          <a:chOff x="0" y="0"/>
+          <a:chExt cx="0" cy="0"/>
+        </a:xfrm>
+      </p:grpSpPr>
+      <p:sp>
+        <p:nvSpPr>
+          <p:cNvPr id="38" name="Google Shape;38;p8"/>
+          <p:cNvSpPr txBox="1">
+            <a:spLocks noGrp="1"/>
+          </p:cNvSpPr>
+          <p:nvPr>
+            <p:ph type="title"/>
+          </p:nvPr>
+        </p:nvSpPr>
+        <p:spPr>
+          <a:xfrm>
+            <a:off x="388955" y="338306"/>
+            <a:ext cx="8366100" cy="762600"/>
+          </a:xfrm>
+          <a:prstGeom prst="rect">
+            <a:avLst/>
+          </a:prstGeom>
+        </p:spPr>
+        <p:txBody>
+          <a:bodyPr spcFirstLastPara="1" wrap="square" lIns="91425" tIns="91425" rIns="91425" bIns="91425" anchor="ctr" anchorCtr="0">
+            <a:noAutofit/>
+          </a:bodyPr>
+          <a:lstStyle>
+            <a:lvl1pPr lvl="0">
+              <a:spcBef>
+                <a:spcPts val="0"/>
+              </a:spcBef>
+              <a:spcAft>
+                <a:spcPts val="0"/>
+              </a:spcAft>
+              <a:buSzPts val="1600"/>
+              <a:buNone/>
+              <a:defRPr>
+                <a:highlight>
+                  <a:srgbClr val="F3F3F3"/>
+                </a:highlight>
+              </a:defRPr>
+            </a:lvl1pPr>
+            <a:lvl2pPr lvl="1">
+              <a:spcBef>
+                <a:spcPts val="0"/>
+              </a:spcBef>
+              <a:spcAft>
+                <a:spcPts val="0"/>
+              </a:spcAft>
+              <a:buSzPts val="1600"/>
+              <a:buNone/>
+              <a:defRPr/>
+            </a:lvl2pPr>
+            <a:lvl3pPr lvl="2">
+              <a:spcBef>
+                <a:spcPts val="0"/>
+              </a:spcBef>
+              <a:spcAft>
+                <a:spcPts val="0"/>
+              </a:spcAft>
+              <a:buSzPts val="1600"/>
+              <a:buNone/>
+              <a:defRPr/>
+            </a:lvl3pPr>
+            <a:lvl4pPr lvl="3">
+              <a:spcBef>
+                <a:spcPts val="0"/>
+              </a:spcBef>
+              <a:spcAft>
+                <a:spcPts val="0"/>
+              </a:spcAft>
+              <a:buSzPts val="1600"/>
+              <a:buNone/>
+              <a:defRPr/>
+            </a:lvl4pPr>
+            <a:lvl5pPr lvl="4">
+              <a:spcBef>
+                <a:spcPts val="0"/>
+              </a:spcBef>
+              <a:spcAft>
+                <a:spcPts val="0"/>
+              </a:spcAft>
+              <a:buSzPts val="1600"/>
+              <a:buNone/>
+              <a:defRPr/>
+            </a:lvl5pPr>
+            <a:lvl6pPr lvl="5">
+              <a:spcBef>
+                <a:spcPts val="0"/>
+              </a:spcBef>
+              <a:spcAft>
+                <a:spcPts val="0"/>
+              </a:spcAft>
+              <a:buSzPts val="1600"/>
+              <a:buNone/>
+              <a:defRPr/>
+            </a:lvl6pPr>
+            <a:lvl7pPr lvl="6">
+              <a:spcBef>
+                <a:spcPts val="0"/>
+              </a:spcBef>
+              <a:spcAft>
+                <a:spcPts val="0"/>
+              </a:spcAft>
+              <a:buSzPts val="1600"/>
+              <a:buNone/>
+              <a:defRPr/>
+            </a:lvl7pPr>
+            <a:lvl8pPr lvl="7">
+              <a:spcBef>
+                <a:spcPts val="0"/>
+              </a:spcBef>
+              <a:spcAft>
+                <a:spcPts val="0"/>
+              </a:spcAft>
+              <a:buSzPts val="1600"/>
+              <a:buNone/>
+              <a:defRPr/>
+            </a:lvl8pPr>
+            <a:lvl9pPr lvl="8">
+              <a:spcBef>
+                <a:spcPts val="0"/>
+              </a:spcBef>
+              <a:spcAft>
+                <a:spcPts val="0"/>
+              </a:spcAft>
+              <a:buSzPts val="1600"/>
+              <a:buNone/>
+              <a:defRPr/>
+            </a:lvl9pPr>
+          </a:lstStyle>
+          <a:p>
+            <a:endParaRPr/>
+          </a:p>
+        </p:txBody>
+      </p:sp>
+      <p:sp>
+        <p:nvSpPr>
+          <p:cNvPr id="39" name="Google Shape;39;p8"/>
+          <p:cNvSpPr txBox="1">
+            <a:spLocks noGrp="1"/>
+          </p:cNvSpPr>
+          <p:nvPr>
+            <p:ph type="sldNum" idx="12"/>
+          </p:nvPr>
+        </p:nvSpPr>
+        <p:spPr>
+          <a:xfrm>
+            <a:off x="4297650" y="4419838"/>
+            <a:ext cx="548700" cy="393600"/>
+          </a:xfrm>
+          <a:prstGeom prst="rect">
+            <a:avLst/>
+          </a:prstGeom>
+        </p:spPr>
+        <p:txBody>
+          <a:bodyPr spcFirstLastPara="1" wrap="square" lIns="91425" tIns="91425" rIns="91425" bIns="91425" anchor="b" anchorCtr="0">
+            <a:noAutofit/>
+          </a:bodyPr>
+          <a:lstStyle>
+            <a:lvl1pPr lvl="0" rtl="0">
+              <a:buNone/>
+              <a:defRPr/>
+            </a:lvl1pPr>
+            <a:lvl2pPr lvl="1" rtl="0">
+              <a:buNone/>
+              <a:defRPr/>
+            </a:lvl2pPr>
+            <a:lvl3pPr lvl="2" rtl="0">
+              <a:buNone/>
+              <a:defRPr/>
+            </a:lvl3pPr>
+            <a:lvl4pPr lvl="3" rtl="0">
+              <a:buNone/>
+              <a:defRPr/>
+            </a:lvl4pPr>
+            <a:lvl5pPr lvl="4" rtl="0">
+              <a:buNone/>
+              <a:defRPr/>
+            </a:lvl5pPr>
+            <a:lvl6pPr lvl="5" rtl="0">
+              <a:buNone/>
+              <a:defRPr/>
+            </a:lvl6pPr>
+            <a:lvl7pPr lvl="6" rtl="0">
+              <a:buNone/>
+              <a:defRPr/>
+            </a:lvl7pPr>
+            <a:lvl8pPr lvl="7" rtl="0">
+              <a:buNone/>
+              <a:defRPr/>
+            </a:lvl8pPr>
+            <a:lvl9pPr lvl="8" rtl="0">
+              <a:buNone/>
+              <a:defRPr/>
+            </a:lvl9pPr>
+          </a:lstStyle>
+          <a:p>
+            <a:pPr marL="0" lvl="0" indent="0" algn="ctr" rtl="0">
+              <a:spcBef>
+                <a:spcPts val="0"/>
+              </a:spcBef>
+              <a:spcAft>
+                <a:spcPts val="0"/>
+              </a:spcAft>
+              <a:buNone/>
+            </a:pPr>
+            <a:fld id="{00000000-1234-1234-1234-123412341234}" type="slidenum">
+              <a:rPr lang="en"/>
+              <a:t>‹#›</a:t>
+            </a:fld>
+            <a:endParaRPr/>
+          </a:p>
+        </p:txBody>
+      </p:sp>
+    </p:spTree>
+    <p:extLst>
+      <p:ext uri="{BB962C8B-B14F-4D97-AF65-F5344CB8AC3E}">
+        <p14:creationId xmlns:p14="http://schemas.microsoft.com/office/powerpoint/2010/main" val="3110752525"/>
+      </p:ext>
+    </p:extLst>
+  </p:cSld>
+  <p:clrMapOvr>
+    <a:masterClrMapping/>
+  </p:clrMapOvr>
+</p:sldLayout>
+</file>
+
 <file path=ppt/slideMasters/slideMaster1.xml><?xml version="1.0" encoding="utf-8"?>
 <p:sldMaster xmlns:a="http://schemas.openxmlformats.org/drawingml/2006/main" xmlns:r="http://schemas.openxmlformats.org/officeDocument/2006/relationships" xmlns:p="http://schemas.openxmlformats.org/presentationml/2006/main">
   <p:cSld name="simple-light">
@@ -4893,6 +5575,7 @@
     <p:sldLayoutId id="2147483662" r:id="rId5"/>
     <p:sldLayoutId id="2147483663" r:id="rId6"/>
     <p:sldLayoutId id="2147483664" r:id="rId7"/>
+    <p:sldLayoutId id="2147483665" r:id="rId8"/>
   </p:sldLayoutIdLst>
   <p:hf hdr="0" ftr="0" dt="0"/>
   <p:txStyles>
@@ -6001,6 +6684,1886 @@
   <p:cSld>
     <p:spTree>
       <p:nvGrpSpPr>
+        <p:cNvPr id="1" name="Shape 139"/>
+        <p:cNvGrpSpPr/>
+        <p:nvPr/>
+      </p:nvGrpSpPr>
+      <p:grpSpPr>
+        <a:xfrm>
+          <a:off x="0" y="0"/>
+          <a:ext cx="0" cy="0"/>
+          <a:chOff x="0" y="0"/>
+          <a:chExt cx="0" cy="0"/>
+        </a:xfrm>
+      </p:grpSpPr>
+      <p:sp>
+        <p:nvSpPr>
+          <p:cNvPr id="141" name="Google Shape;141;p23"/>
+          <p:cNvSpPr/>
+          <p:nvPr/>
+        </p:nvSpPr>
+        <p:spPr>
+          <a:xfrm>
+            <a:off x="1927550" y="1640700"/>
+            <a:ext cx="1876800" cy="1862100"/>
+          </a:xfrm>
+          <a:prstGeom prst="ellipse">
+            <a:avLst/>
+          </a:prstGeom>
+          <a:solidFill>
+            <a:srgbClr val="F3F3F3"/>
+          </a:solidFill>
+          <a:ln>
+            <a:noFill/>
+          </a:ln>
+        </p:spPr>
+        <p:txBody>
+          <a:bodyPr spcFirstLastPara="1" wrap="square" lIns="91425" tIns="91425" rIns="91425" bIns="91425" anchor="ctr" anchorCtr="0">
+            <a:noAutofit/>
+          </a:bodyPr>
+          <a:lstStyle/>
+          <a:p>
+            <a:pPr marL="0" lvl="0" indent="0" algn="ctr" rtl="0">
+              <a:spcBef>
+                <a:spcPts val="0"/>
+              </a:spcBef>
+              <a:spcAft>
+                <a:spcPts val="0"/>
+              </a:spcAft>
+              <a:buNone/>
+            </a:pPr>
+            <a:r>
+              <a:rPr lang="en" dirty="0">
+                <a:latin typeface="PT Serif"/>
+                <a:ea typeface="PT Serif"/>
+                <a:cs typeface="PT Serif"/>
+                <a:sym typeface="PT Serif"/>
+              </a:rPr>
+              <a:t>Original </a:t>
+            </a:r>
+          </a:p>
+          <a:p>
+            <a:pPr marL="0" lvl="0" indent="0" algn="ctr" rtl="0">
+              <a:spcBef>
+                <a:spcPts val="0"/>
+              </a:spcBef>
+              <a:spcAft>
+                <a:spcPts val="0"/>
+              </a:spcAft>
+              <a:buNone/>
+            </a:pPr>
+            <a:r>
+              <a:rPr lang="en" dirty="0">
+                <a:latin typeface="PT Serif"/>
+                <a:ea typeface="PT Serif"/>
+                <a:cs typeface="PT Serif"/>
+                <a:sym typeface="PT Serif"/>
+              </a:rPr>
+              <a:t>Code</a:t>
+            </a:r>
+            <a:endParaRPr dirty="0">
+              <a:latin typeface="PT Serif"/>
+              <a:ea typeface="PT Serif"/>
+              <a:cs typeface="PT Serif"/>
+              <a:sym typeface="PT Serif"/>
+            </a:endParaRPr>
+          </a:p>
+        </p:txBody>
+      </p:sp>
+      <p:sp>
+        <p:nvSpPr>
+          <p:cNvPr id="142" name="Google Shape;142;p23"/>
+          <p:cNvSpPr/>
+          <p:nvPr/>
+        </p:nvSpPr>
+        <p:spPr>
+          <a:xfrm>
+            <a:off x="5339611" y="1640700"/>
+            <a:ext cx="1876800" cy="1862100"/>
+          </a:xfrm>
+          <a:prstGeom prst="ellipse">
+            <a:avLst/>
+          </a:prstGeom>
+          <a:solidFill>
+            <a:srgbClr val="F3F3F3"/>
+          </a:solidFill>
+          <a:ln>
+            <a:noFill/>
+          </a:ln>
+        </p:spPr>
+        <p:txBody>
+          <a:bodyPr spcFirstLastPara="1" wrap="square" lIns="91425" tIns="91425" rIns="91425" bIns="91425" anchor="ctr" anchorCtr="0">
+            <a:noAutofit/>
+          </a:bodyPr>
+          <a:lstStyle/>
+          <a:p>
+            <a:pPr marL="0" lvl="0" indent="0" algn="ctr" rtl="0">
+              <a:spcBef>
+                <a:spcPts val="0"/>
+              </a:spcBef>
+              <a:spcAft>
+                <a:spcPts val="0"/>
+              </a:spcAft>
+              <a:buNone/>
+            </a:pPr>
+            <a:r>
+              <a:rPr lang="en" dirty="0">
+                <a:latin typeface="PT Serif"/>
+                <a:ea typeface="PT Serif"/>
+                <a:cs typeface="PT Serif"/>
+                <a:sym typeface="PT Serif"/>
+              </a:rPr>
+              <a:t>Refactored </a:t>
+            </a:r>
+          </a:p>
+          <a:p>
+            <a:pPr marL="0" lvl="0" indent="0" algn="ctr" rtl="0">
+              <a:spcBef>
+                <a:spcPts val="0"/>
+              </a:spcBef>
+              <a:spcAft>
+                <a:spcPts val="0"/>
+              </a:spcAft>
+              <a:buNone/>
+            </a:pPr>
+            <a:r>
+              <a:rPr lang="en" dirty="0">
+                <a:latin typeface="PT Serif"/>
+                <a:ea typeface="PT Serif"/>
+                <a:cs typeface="PT Serif"/>
+                <a:sym typeface="PT Serif"/>
+              </a:rPr>
+              <a:t>Code</a:t>
+            </a:r>
+            <a:endParaRPr dirty="0">
+              <a:latin typeface="PT Serif"/>
+              <a:ea typeface="PT Serif"/>
+              <a:cs typeface="PT Serif"/>
+              <a:sym typeface="PT Serif"/>
+            </a:endParaRPr>
+          </a:p>
+        </p:txBody>
+      </p:sp>
+      <p:sp>
+        <p:nvSpPr>
+          <p:cNvPr id="144" name="Google Shape;144;p23"/>
+          <p:cNvSpPr txBox="1">
+            <a:spLocks noGrp="1"/>
+          </p:cNvSpPr>
+          <p:nvPr>
+            <p:ph type="sldNum" idx="12"/>
+          </p:nvPr>
+        </p:nvSpPr>
+        <p:spPr>
+          <a:xfrm>
+            <a:off x="4297650" y="4419838"/>
+            <a:ext cx="548700" cy="393600"/>
+          </a:xfrm>
+          <a:prstGeom prst="rect">
+            <a:avLst/>
+          </a:prstGeom>
+        </p:spPr>
+        <p:txBody>
+          <a:bodyPr spcFirstLastPara="1" wrap="square" lIns="91425" tIns="91425" rIns="91425" bIns="91425" anchor="b" anchorCtr="0">
+            <a:noAutofit/>
+          </a:bodyPr>
+          <a:lstStyle/>
+          <a:p>
+            <a:pPr marL="0" lvl="0" indent="0" algn="ctr" rtl="0">
+              <a:spcBef>
+                <a:spcPts val="0"/>
+              </a:spcBef>
+              <a:spcAft>
+                <a:spcPts val="0"/>
+              </a:spcAft>
+              <a:buNone/>
+            </a:pPr>
+            <a:fld id="{00000000-1234-1234-1234-123412341234}" type="slidenum">
+              <a:rPr lang="en"/>
+              <a:t>10</a:t>
+            </a:fld>
+            <a:endParaRPr/>
+          </a:p>
+        </p:txBody>
+      </p:sp>
+      <p:sp>
+        <p:nvSpPr>
+          <p:cNvPr id="2" name="TextBox 1">
+            <a:extLst>
+              <a:ext uri="{FF2B5EF4-FFF2-40B4-BE49-F238E27FC236}">
+                <a16:creationId xmlns:a16="http://schemas.microsoft.com/office/drawing/2014/main" id="{F958274F-3410-3745-9856-0B137122BBA9}"/>
+              </a:ext>
+            </a:extLst>
+          </p:cNvPr>
+          <p:cNvSpPr txBox="1"/>
+          <p:nvPr/>
+        </p:nvSpPr>
+        <p:spPr>
+          <a:xfrm>
+            <a:off x="4171165" y="2340917"/>
+            <a:ext cx="675185" cy="461665"/>
+          </a:xfrm>
+          <a:prstGeom prst="rect">
+            <a:avLst/>
+          </a:prstGeom>
+          <a:noFill/>
+        </p:spPr>
+        <p:txBody>
+          <a:bodyPr wrap="none" rtlCol="0">
+            <a:spAutoFit/>
+          </a:bodyPr>
+          <a:lstStyle/>
+          <a:p>
+            <a:r>
+              <a:rPr lang="en-US" sz="2400" dirty="0">
+                <a:latin typeface="PT Serif"/>
+              </a:rPr>
+              <a:t>===</a:t>
+            </a:r>
+          </a:p>
+        </p:txBody>
+      </p:sp>
+      <p:cxnSp>
+        <p:nvCxnSpPr>
+          <p:cNvPr id="4" name="Straight Arrow Connector 3">
+            <a:extLst>
+              <a:ext uri="{FF2B5EF4-FFF2-40B4-BE49-F238E27FC236}">
+                <a16:creationId xmlns:a16="http://schemas.microsoft.com/office/drawing/2014/main" id="{EAAF9933-340E-284C-BF32-583805272BFB}"/>
+              </a:ext>
+            </a:extLst>
+          </p:cNvPr>
+          <p:cNvCxnSpPr>
+            <a:cxnSpLocks/>
+          </p:cNvCxnSpPr>
+          <p:nvPr/>
+        </p:nvCxnSpPr>
+        <p:spPr>
+          <a:xfrm>
+            <a:off x="6263668" y="1391478"/>
+            <a:ext cx="0" cy="249222"/>
+          </a:xfrm>
+          <a:prstGeom prst="straightConnector1">
+            <a:avLst/>
+          </a:prstGeom>
+          <a:ln>
+            <a:tailEnd type="triangle"/>
+          </a:ln>
+        </p:spPr>
+        <p:style>
+          <a:lnRef idx="1">
+            <a:schemeClr val="accent1"/>
+          </a:lnRef>
+          <a:fillRef idx="0">
+            <a:schemeClr val="accent1"/>
+          </a:fillRef>
+          <a:effectRef idx="0">
+            <a:schemeClr val="accent1"/>
+          </a:effectRef>
+          <a:fontRef idx="minor">
+            <a:schemeClr val="tx1"/>
+          </a:fontRef>
+        </p:style>
+      </p:cxnSp>
+      <p:sp>
+        <p:nvSpPr>
+          <p:cNvPr id="9" name="Freeform 8">
+            <a:extLst>
+              <a:ext uri="{FF2B5EF4-FFF2-40B4-BE49-F238E27FC236}">
+                <a16:creationId xmlns:a16="http://schemas.microsoft.com/office/drawing/2014/main" id="{B00EDA58-360B-9346-B89E-B9FE9E5C2179}"/>
+              </a:ext>
+            </a:extLst>
+          </p:cNvPr>
+          <p:cNvSpPr/>
+          <p:nvPr/>
+        </p:nvSpPr>
+        <p:spPr>
+          <a:xfrm rot="10800000">
+            <a:off x="3645654" y="2976106"/>
+            <a:ext cx="1852654" cy="366270"/>
+          </a:xfrm>
+          <a:custGeom>
+            <a:avLst/>
+            <a:gdLst>
+              <a:gd name="connsiteX0" fmla="*/ 0 w 1852654"/>
+              <a:gd name="connsiteY0" fmla="*/ 302659 h 366270"/>
+              <a:gd name="connsiteX1" fmla="*/ 842838 w 1852654"/>
+              <a:gd name="connsiteY1" fmla="*/ 510 h 366270"/>
+              <a:gd name="connsiteX2" fmla="*/ 1852654 w 1852654"/>
+              <a:gd name="connsiteY2" fmla="*/ 366270 h 366270"/>
+            </a:gdLst>
+            <a:ahLst/>
+            <a:cxnLst>
+              <a:cxn ang="0">
+                <a:pos x="connsiteX0" y="connsiteY0"/>
+              </a:cxn>
+              <a:cxn ang="0">
+                <a:pos x="connsiteX1" y="connsiteY1"/>
+              </a:cxn>
+              <a:cxn ang="0">
+                <a:pos x="connsiteX2" y="connsiteY2"/>
+              </a:cxn>
+            </a:cxnLst>
+            <a:rect l="l" t="t" r="r" b="b"/>
+            <a:pathLst>
+              <a:path w="1852654" h="366270">
+                <a:moveTo>
+                  <a:pt x="0" y="302659"/>
+                </a:moveTo>
+                <a:cubicBezTo>
+                  <a:pt x="267031" y="146283"/>
+                  <a:pt x="534062" y="-10092"/>
+                  <a:pt x="842838" y="510"/>
+                </a:cubicBezTo>
+                <a:cubicBezTo>
+                  <a:pt x="1151614" y="11112"/>
+                  <a:pt x="1502134" y="188691"/>
+                  <a:pt x="1852654" y="366270"/>
+                </a:cubicBezTo>
+              </a:path>
+            </a:pathLst>
+          </a:custGeom>
+          <a:noFill/>
+          <a:ln>
+            <a:tailEnd type="triangle"/>
+          </a:ln>
+        </p:spPr>
+        <p:style>
+          <a:lnRef idx="2">
+            <a:schemeClr val="accent1">
+              <a:shade val="50000"/>
+            </a:schemeClr>
+          </a:lnRef>
+          <a:fillRef idx="1">
+            <a:schemeClr val="accent1"/>
+          </a:fillRef>
+          <a:effectRef idx="0">
+            <a:schemeClr val="accent1"/>
+          </a:effectRef>
+          <a:fontRef idx="minor">
+            <a:schemeClr val="lt1"/>
+          </a:fontRef>
+        </p:style>
+        <p:txBody>
+          <a:bodyPr rtlCol="0" anchor="ctr"/>
+          <a:lstStyle/>
+          <a:p>
+            <a:pPr algn="ctr"/>
+            <a:endParaRPr lang="en-US"/>
+          </a:p>
+        </p:txBody>
+      </p:sp>
+      <p:sp>
+        <p:nvSpPr>
+          <p:cNvPr id="10" name="TextBox 9">
+            <a:extLst>
+              <a:ext uri="{FF2B5EF4-FFF2-40B4-BE49-F238E27FC236}">
+                <a16:creationId xmlns:a16="http://schemas.microsoft.com/office/drawing/2014/main" id="{F63E6113-C64B-BC42-ABEA-6DB09455D094}"/>
+              </a:ext>
+            </a:extLst>
+          </p:cNvPr>
+          <p:cNvSpPr txBox="1"/>
+          <p:nvPr/>
+        </p:nvSpPr>
+        <p:spPr>
+          <a:xfrm>
+            <a:off x="3500213" y="3342377"/>
+            <a:ext cx="2143536" cy="307777"/>
+          </a:xfrm>
+          <a:prstGeom prst="rect">
+            <a:avLst/>
+          </a:prstGeom>
+          <a:noFill/>
+        </p:spPr>
+        <p:txBody>
+          <a:bodyPr wrap="none" rtlCol="0">
+            <a:spAutoFit/>
+          </a:bodyPr>
+          <a:lstStyle/>
+          <a:p>
+            <a:pPr algn="ctr"/>
+            <a:r>
+              <a:rPr lang="en-US" dirty="0"/>
+              <a:t>Provable Transformation</a:t>
+            </a:r>
+          </a:p>
+        </p:txBody>
+      </p:sp>
+      <p:pic>
+        <p:nvPicPr>
+          <p:cNvPr id="1026" name="Picture 2" descr="Green check mark icon checkmark in circle Vector Image">
+            <a:extLst>
+              <a:ext uri="{FF2B5EF4-FFF2-40B4-BE49-F238E27FC236}">
+                <a16:creationId xmlns:a16="http://schemas.microsoft.com/office/drawing/2014/main" id="{E5A0E872-AB72-3440-A650-58A91E67278D}"/>
+              </a:ext>
+            </a:extLst>
+          </p:cNvPr>
+          <p:cNvPicPr>
+            <a:picLocks noChangeAspect="1" noChangeArrowheads="1"/>
+          </p:cNvPicPr>
+          <p:nvPr/>
+        </p:nvPicPr>
+        <p:blipFill rotWithShape="1">
+          <a:blip r:embed="rId3">
+            <a:extLst>
+              <a:ext uri="{BEBA8EAE-BF5A-486C-A8C5-ECC9F3942E4B}">
+                <a14:imgProps xmlns:a14="http://schemas.microsoft.com/office/drawing/2010/main">
+                  <a14:imgLayer r:embed="rId4">
+                    <a14:imgEffect>
+                      <a14:backgroundRemoval t="8593" b="77337" l="10000" r="90000">
+                        <a14:foregroundMark x1="46200" y1="54630" x2="46200" y2="54630"/>
+                      </a14:backgroundRemoval>
+                    </a14:imgEffect>
+                  </a14:imgLayer>
+                </a14:imgProps>
+              </a:ext>
+              <a:ext uri="{28A0092B-C50C-407E-A947-70E740481C1C}">
+                <a14:useLocalDpi xmlns:a14="http://schemas.microsoft.com/office/drawing/2010/main" val="0"/>
+              </a:ext>
+            </a:extLst>
+          </a:blip>
+          <a:srcRect b="14070"/>
+          <a:stretch/>
+        </p:blipFill>
+        <p:spPr bwMode="auto">
+          <a:xfrm>
+            <a:off x="1888976" y="3014197"/>
+            <a:ext cx="707246" cy="656360"/>
+          </a:xfrm>
+          <a:prstGeom prst="rect">
+            <a:avLst/>
+          </a:prstGeom>
+          <a:noFill/>
+          <a:extLst>
+            <a:ext uri="{909E8E84-426E-40DD-AFC4-6F175D3DCCD1}">
+              <a14:hiddenFill xmlns:a14="http://schemas.microsoft.com/office/drawing/2010/main">
+                <a:solidFill>
+                  <a:srgbClr val="FFFFFF"/>
+                </a:solidFill>
+              </a14:hiddenFill>
+            </a:ext>
+          </a:extLst>
+        </p:spPr>
+      </p:pic>
+      <p:sp>
+        <p:nvSpPr>
+          <p:cNvPr id="13" name="Google Shape;140;p23">
+            <a:extLst>
+              <a:ext uri="{FF2B5EF4-FFF2-40B4-BE49-F238E27FC236}">
+                <a16:creationId xmlns:a16="http://schemas.microsoft.com/office/drawing/2014/main" id="{4F8AF1CE-5BB7-3D49-9E1C-B0C194523DDB}"/>
+              </a:ext>
+            </a:extLst>
+          </p:cNvPr>
+          <p:cNvSpPr txBox="1">
+            <a:spLocks noGrp="1"/>
+          </p:cNvSpPr>
+          <p:nvPr>
+            <p:ph type="title"/>
+          </p:nvPr>
+        </p:nvSpPr>
+        <p:spPr>
+          <a:xfrm>
+            <a:off x="388955" y="338306"/>
+            <a:ext cx="8366100" cy="762600"/>
+          </a:xfrm>
+          <a:prstGeom prst="rect">
+            <a:avLst/>
+          </a:prstGeom>
+        </p:spPr>
+        <p:txBody>
+          <a:bodyPr spcFirstLastPara="1" wrap="square" lIns="91425" tIns="91425" rIns="91425" bIns="91425" anchor="ctr" anchorCtr="0">
+            <a:noAutofit/>
+          </a:bodyPr>
+          <a:lstStyle/>
+          <a:p>
+            <a:pPr marL="0" lvl="0" indent="0" algn="ctr" rtl="0">
+              <a:spcBef>
+                <a:spcPts val="0"/>
+              </a:spcBef>
+              <a:spcAft>
+                <a:spcPts val="0"/>
+              </a:spcAft>
+              <a:buNone/>
+            </a:pPr>
+            <a:r>
+              <a:rPr lang="en" dirty="0"/>
+              <a:t>Checking For Behavior Preservation</a:t>
+            </a:r>
+            <a:endParaRPr dirty="0"/>
+          </a:p>
+        </p:txBody>
+      </p:sp>
+    </p:spTree>
+    <p:extLst>
+      <p:ext uri="{BB962C8B-B14F-4D97-AF65-F5344CB8AC3E}">
+        <p14:creationId xmlns:p14="http://schemas.microsoft.com/office/powerpoint/2010/main" val="647161667"/>
+      </p:ext>
+    </p:extLst>
+  </p:cSld>
+  <p:clrMapOvr>
+    <a:masterClrMapping/>
+  </p:clrMapOvr>
+  <p:timing>
+    <p:tnLst>
+      <p:par>
+        <p:cTn id="1" dur="indefinite" restart="never" nodeType="tmRoot">
+          <p:childTnLst>
+            <p:seq concurrent="1" nextAc="seek">
+              <p:cTn id="2" dur="indefinite" nodeType="mainSeq">
+                <p:childTnLst>
+                  <p:par>
+                    <p:cTn id="3" fill="hold">
+                      <p:stCondLst>
+                        <p:cond delay="indefinite"/>
+                      </p:stCondLst>
+                      <p:childTnLst>
+                        <p:par>
+                          <p:cTn id="4" fill="hold">
+                            <p:stCondLst>
+                              <p:cond delay="0"/>
+                            </p:stCondLst>
+                            <p:childTnLst>
+                              <p:par>
+                                <p:cTn id="5" presetID="1" presetClass="entr" presetSubtype="0" fill="hold" nodeType="clickEffect">
+                                  <p:stCondLst>
+                                    <p:cond delay="0"/>
+                                  </p:stCondLst>
+                                  <p:childTnLst>
+                                    <p:set>
+                                      <p:cBhvr>
+                                        <p:cTn id="6" dur="1" fill="hold">
+                                          <p:stCondLst>
+                                            <p:cond delay="0"/>
+                                          </p:stCondLst>
+                                        </p:cTn>
+                                        <p:tgtEl>
+                                          <p:spTgt spid="4"/>
+                                        </p:tgtEl>
+                                        <p:attrNameLst>
+                                          <p:attrName>style.visibility</p:attrName>
+                                        </p:attrNameLst>
+                                      </p:cBhvr>
+                                      <p:to>
+                                        <p:strVal val="visible"/>
+                                      </p:to>
+                                    </p:set>
+                                  </p:childTnLst>
+                                </p:cTn>
+                              </p:par>
+                            </p:childTnLst>
+                          </p:cTn>
+                        </p:par>
+                      </p:childTnLst>
+                    </p:cTn>
+                  </p:par>
+                  <p:par>
+                    <p:cTn id="7" fill="hold">
+                      <p:stCondLst>
+                        <p:cond delay="indefinite"/>
+                      </p:stCondLst>
+                      <p:childTnLst>
+                        <p:par>
+                          <p:cTn id="8" fill="hold">
+                            <p:stCondLst>
+                              <p:cond delay="0"/>
+                            </p:stCondLst>
+                            <p:childTnLst>
+                              <p:par>
+                                <p:cTn id="9" presetID="1" presetClass="entr" presetSubtype="0" fill="hold" grpId="0" nodeType="clickEffect">
+                                  <p:stCondLst>
+                                    <p:cond delay="0"/>
+                                  </p:stCondLst>
+                                  <p:childTnLst>
+                                    <p:set>
+                                      <p:cBhvr>
+                                        <p:cTn id="10" dur="1" fill="hold">
+                                          <p:stCondLst>
+                                            <p:cond delay="0"/>
+                                          </p:stCondLst>
+                                        </p:cTn>
+                                        <p:tgtEl>
+                                          <p:spTgt spid="10"/>
+                                        </p:tgtEl>
+                                        <p:attrNameLst>
+                                          <p:attrName>style.visibility</p:attrName>
+                                        </p:attrNameLst>
+                                      </p:cBhvr>
+                                      <p:to>
+                                        <p:strVal val="visible"/>
+                                      </p:to>
+                                    </p:set>
+                                  </p:childTnLst>
+                                </p:cTn>
+                              </p:par>
+                              <p:par>
+                                <p:cTn id="11" presetID="1" presetClass="entr" presetSubtype="0" fill="hold" grpId="0" nodeType="withEffect">
+                                  <p:stCondLst>
+                                    <p:cond delay="0"/>
+                                  </p:stCondLst>
+                                  <p:childTnLst>
+                                    <p:set>
+                                      <p:cBhvr>
+                                        <p:cTn id="12" dur="1" fill="hold">
+                                          <p:stCondLst>
+                                            <p:cond delay="0"/>
+                                          </p:stCondLst>
+                                        </p:cTn>
+                                        <p:tgtEl>
+                                          <p:spTgt spid="9"/>
+                                        </p:tgtEl>
+                                        <p:attrNameLst>
+                                          <p:attrName>style.visibility</p:attrName>
+                                        </p:attrNameLst>
+                                      </p:cBhvr>
+                                      <p:to>
+                                        <p:strVal val="visible"/>
+                                      </p:to>
+                                    </p:set>
+                                  </p:childTnLst>
+                                </p:cTn>
+                              </p:par>
+                            </p:childTnLst>
+                          </p:cTn>
+                        </p:par>
+                      </p:childTnLst>
+                    </p:cTn>
+                  </p:par>
+                  <p:par>
+                    <p:cTn id="13" fill="hold">
+                      <p:stCondLst>
+                        <p:cond delay="indefinite"/>
+                      </p:stCondLst>
+                      <p:childTnLst>
+                        <p:par>
+                          <p:cTn id="14" fill="hold">
+                            <p:stCondLst>
+                              <p:cond delay="0"/>
+                            </p:stCondLst>
+                            <p:childTnLst>
+                              <p:par>
+                                <p:cTn id="15" presetID="1" presetClass="entr" presetSubtype="0" fill="hold" nodeType="clickEffect">
+                                  <p:stCondLst>
+                                    <p:cond delay="0"/>
+                                  </p:stCondLst>
+                                  <p:childTnLst>
+                                    <p:set>
+                                      <p:cBhvr>
+                                        <p:cTn id="16" dur="1" fill="hold">
+                                          <p:stCondLst>
+                                            <p:cond delay="0"/>
+                                          </p:stCondLst>
+                                        </p:cTn>
+                                        <p:tgtEl>
+                                          <p:spTgt spid="1026"/>
+                                        </p:tgtEl>
+                                        <p:attrNameLst>
+                                          <p:attrName>style.visibility</p:attrName>
+                                        </p:attrNameLst>
+                                      </p:cBhvr>
+                                      <p:to>
+                                        <p:strVal val="visible"/>
+                                      </p:to>
+                                    </p:set>
+                                  </p:childTnLst>
+                                </p:cTn>
+                              </p:par>
+                            </p:childTnLst>
+                          </p:cTn>
+                        </p:par>
+                      </p:childTnLst>
+                    </p:cTn>
+                  </p:par>
+                </p:childTnLst>
+              </p:cTn>
+              <p:prevCondLst>
+                <p:cond evt="onPrev" delay="0">
+                  <p:tgtEl>
+                    <p:sldTgt/>
+                  </p:tgtEl>
+                </p:cond>
+              </p:prevCondLst>
+              <p:nextCondLst>
+                <p:cond evt="onNext" delay="0">
+                  <p:tgtEl>
+                    <p:sldTgt/>
+                  </p:tgtEl>
+                </p:cond>
+              </p:nextCondLst>
+            </p:seq>
+          </p:childTnLst>
+        </p:cTn>
+      </p:par>
+    </p:tnLst>
+    <p:bldLst>
+      <p:bldP spid="9" grpId="0" animBg="1"/>
+      <p:bldP spid="10" grpId="0"/>
+    </p:bldLst>
+  </p:timing>
+</p:sld>
+</file>
+
+<file path=ppt/slides/slide11.xml><?xml version="1.0" encoding="utf-8"?>
+<p:sld xmlns:a="http://schemas.openxmlformats.org/drawingml/2006/main" xmlns:r="http://schemas.openxmlformats.org/officeDocument/2006/relationships" xmlns:p="http://schemas.openxmlformats.org/presentationml/2006/main">
+  <p:cSld>
+    <p:spTree>
+      <p:nvGrpSpPr>
+        <p:cNvPr id="1" name="Shape 139"/>
+        <p:cNvGrpSpPr/>
+        <p:nvPr/>
+      </p:nvGrpSpPr>
+      <p:grpSpPr>
+        <a:xfrm>
+          <a:off x="0" y="0"/>
+          <a:ext cx="0" cy="0"/>
+          <a:chOff x="0" y="0"/>
+          <a:chExt cx="0" cy="0"/>
+        </a:xfrm>
+      </p:grpSpPr>
+      <p:sp>
+        <p:nvSpPr>
+          <p:cNvPr id="141" name="Google Shape;141;p23"/>
+          <p:cNvSpPr/>
+          <p:nvPr/>
+        </p:nvSpPr>
+        <p:spPr>
+          <a:xfrm>
+            <a:off x="474135" y="389416"/>
+            <a:ext cx="1876800" cy="1862100"/>
+          </a:xfrm>
+          <a:prstGeom prst="ellipse">
+            <a:avLst/>
+          </a:prstGeom>
+          <a:solidFill>
+            <a:srgbClr val="F3F3F3"/>
+          </a:solidFill>
+          <a:ln>
+            <a:noFill/>
+          </a:ln>
+        </p:spPr>
+        <p:txBody>
+          <a:bodyPr spcFirstLastPara="1" wrap="square" lIns="91425" tIns="91425" rIns="91425" bIns="91425" anchor="ctr" anchorCtr="0">
+            <a:noAutofit/>
+          </a:bodyPr>
+          <a:lstStyle/>
+          <a:p>
+            <a:pPr marL="0" lvl="0" indent="0" algn="ctr" rtl="0">
+              <a:spcBef>
+                <a:spcPts val="0"/>
+              </a:spcBef>
+              <a:spcAft>
+                <a:spcPts val="0"/>
+              </a:spcAft>
+              <a:buNone/>
+            </a:pPr>
+            <a:r>
+              <a:rPr lang="en" dirty="0">
+                <a:latin typeface="PT Serif"/>
+                <a:ea typeface="PT Serif"/>
+                <a:cs typeface="PT Serif"/>
+                <a:sym typeface="PT Serif"/>
+              </a:rPr>
+              <a:t>Original </a:t>
+            </a:r>
+          </a:p>
+          <a:p>
+            <a:pPr marL="0" lvl="0" indent="0" algn="ctr" rtl="0">
+              <a:spcBef>
+                <a:spcPts val="0"/>
+              </a:spcBef>
+              <a:spcAft>
+                <a:spcPts val="0"/>
+              </a:spcAft>
+              <a:buNone/>
+            </a:pPr>
+            <a:r>
+              <a:rPr lang="en" dirty="0">
+                <a:latin typeface="PT Serif"/>
+                <a:ea typeface="PT Serif"/>
+                <a:cs typeface="PT Serif"/>
+                <a:sym typeface="PT Serif"/>
+              </a:rPr>
+              <a:t>Code</a:t>
+            </a:r>
+            <a:endParaRPr dirty="0">
+              <a:latin typeface="PT Serif"/>
+              <a:ea typeface="PT Serif"/>
+              <a:cs typeface="PT Serif"/>
+              <a:sym typeface="PT Serif"/>
+            </a:endParaRPr>
+          </a:p>
+        </p:txBody>
+      </p:sp>
+      <p:sp>
+        <p:nvSpPr>
+          <p:cNvPr id="142" name="Google Shape;142;p23"/>
+          <p:cNvSpPr/>
+          <p:nvPr/>
+        </p:nvSpPr>
+        <p:spPr>
+          <a:xfrm>
+            <a:off x="5488485" y="1727327"/>
+            <a:ext cx="1876800" cy="1862100"/>
+          </a:xfrm>
+          <a:prstGeom prst="ellipse">
+            <a:avLst/>
+          </a:prstGeom>
+          <a:solidFill>
+            <a:srgbClr val="F3F3F3"/>
+          </a:solidFill>
+          <a:ln>
+            <a:noFill/>
+          </a:ln>
+        </p:spPr>
+        <p:txBody>
+          <a:bodyPr spcFirstLastPara="1" wrap="square" lIns="91425" tIns="91425" rIns="91425" bIns="91425" anchor="ctr" anchorCtr="0">
+            <a:noAutofit/>
+          </a:bodyPr>
+          <a:lstStyle/>
+          <a:p>
+            <a:pPr marL="0" lvl="0" indent="0" algn="ctr" rtl="0">
+              <a:spcBef>
+                <a:spcPts val="0"/>
+              </a:spcBef>
+              <a:spcAft>
+                <a:spcPts val="0"/>
+              </a:spcAft>
+              <a:buNone/>
+            </a:pPr>
+            <a:r>
+              <a:rPr lang="en" dirty="0">
+                <a:latin typeface="PT Serif"/>
+                <a:ea typeface="PT Serif"/>
+                <a:cs typeface="PT Serif"/>
+                <a:sym typeface="PT Serif"/>
+              </a:rPr>
+              <a:t>Refactored </a:t>
+            </a:r>
+          </a:p>
+          <a:p>
+            <a:pPr marL="0" lvl="0" indent="0" algn="ctr" rtl="0">
+              <a:spcBef>
+                <a:spcPts val="0"/>
+              </a:spcBef>
+              <a:spcAft>
+                <a:spcPts val="0"/>
+              </a:spcAft>
+              <a:buNone/>
+            </a:pPr>
+            <a:r>
+              <a:rPr lang="en" dirty="0">
+                <a:latin typeface="PT Serif"/>
+                <a:ea typeface="PT Serif"/>
+                <a:cs typeface="PT Serif"/>
+                <a:sym typeface="PT Serif"/>
+              </a:rPr>
+              <a:t>Code</a:t>
+            </a:r>
+            <a:endParaRPr dirty="0">
+              <a:latin typeface="PT Serif"/>
+              <a:ea typeface="PT Serif"/>
+              <a:cs typeface="PT Serif"/>
+              <a:sym typeface="PT Serif"/>
+            </a:endParaRPr>
+          </a:p>
+        </p:txBody>
+      </p:sp>
+      <p:sp>
+        <p:nvSpPr>
+          <p:cNvPr id="144" name="Google Shape;144;p23"/>
+          <p:cNvSpPr txBox="1">
+            <a:spLocks noGrp="1"/>
+          </p:cNvSpPr>
+          <p:nvPr>
+            <p:ph type="sldNum" idx="12"/>
+          </p:nvPr>
+        </p:nvSpPr>
+        <p:spPr>
+          <a:xfrm>
+            <a:off x="4297650" y="4419838"/>
+            <a:ext cx="548700" cy="393600"/>
+          </a:xfrm>
+          <a:prstGeom prst="rect">
+            <a:avLst/>
+          </a:prstGeom>
+        </p:spPr>
+        <p:txBody>
+          <a:bodyPr spcFirstLastPara="1" wrap="square" lIns="91425" tIns="91425" rIns="91425" bIns="91425" anchor="b" anchorCtr="0">
+            <a:noAutofit/>
+          </a:bodyPr>
+          <a:lstStyle/>
+          <a:p>
+            <a:pPr marL="0" lvl="0" indent="0" algn="ctr" rtl="0">
+              <a:spcBef>
+                <a:spcPts val="0"/>
+              </a:spcBef>
+              <a:spcAft>
+                <a:spcPts val="0"/>
+              </a:spcAft>
+              <a:buNone/>
+            </a:pPr>
+            <a:fld id="{00000000-1234-1234-1234-123412341234}" type="slidenum">
+              <a:rPr lang="en"/>
+              <a:t>11</a:t>
+            </a:fld>
+            <a:endParaRPr/>
+          </a:p>
+        </p:txBody>
+      </p:sp>
+      <p:sp>
+        <p:nvSpPr>
+          <p:cNvPr id="10" name="TextBox 9">
+            <a:extLst>
+              <a:ext uri="{FF2B5EF4-FFF2-40B4-BE49-F238E27FC236}">
+                <a16:creationId xmlns:a16="http://schemas.microsoft.com/office/drawing/2014/main" id="{F63E6113-C64B-BC42-ABEA-6DB09455D094}"/>
+              </a:ext>
+            </a:extLst>
+          </p:cNvPr>
+          <p:cNvSpPr txBox="1"/>
+          <p:nvPr/>
+        </p:nvSpPr>
+        <p:spPr>
+          <a:xfrm>
+            <a:off x="2956390" y="2504488"/>
+            <a:ext cx="1776448" cy="307777"/>
+          </a:xfrm>
+          <a:prstGeom prst="rect">
+            <a:avLst/>
+          </a:prstGeom>
+          <a:noFill/>
+        </p:spPr>
+        <p:txBody>
+          <a:bodyPr wrap="none" rtlCol="0">
+            <a:spAutoFit/>
+          </a:bodyPr>
+          <a:lstStyle/>
+          <a:p>
+            <a:pPr algn="ctr"/>
+            <a:r>
+              <a:rPr lang="en-US" dirty="0"/>
+              <a:t>Provable Movement</a:t>
+            </a:r>
+          </a:p>
+        </p:txBody>
+      </p:sp>
+      <p:cxnSp>
+        <p:nvCxnSpPr>
+          <p:cNvPr id="5" name="Straight Arrow Connector 4">
+            <a:extLst>
+              <a:ext uri="{FF2B5EF4-FFF2-40B4-BE49-F238E27FC236}">
+                <a16:creationId xmlns:a16="http://schemas.microsoft.com/office/drawing/2014/main" id="{0BB4B109-F0E1-2940-BE38-F40FFA0285C6}"/>
+              </a:ext>
+            </a:extLst>
+          </p:cNvPr>
+          <p:cNvCxnSpPr/>
+          <p:nvPr/>
+        </p:nvCxnSpPr>
+        <p:spPr>
+          <a:xfrm>
+            <a:off x="4846350" y="2658376"/>
+            <a:ext cx="428294" cy="0"/>
+          </a:xfrm>
+          <a:prstGeom prst="straightConnector1">
+            <a:avLst/>
+          </a:prstGeom>
+          <a:ln>
+            <a:tailEnd type="triangle"/>
+          </a:ln>
+        </p:spPr>
+        <p:style>
+          <a:lnRef idx="1">
+            <a:schemeClr val="accent1"/>
+          </a:lnRef>
+          <a:fillRef idx="0">
+            <a:schemeClr val="accent1"/>
+          </a:fillRef>
+          <a:effectRef idx="0">
+            <a:schemeClr val="accent1"/>
+          </a:effectRef>
+          <a:fontRef idx="minor">
+            <a:schemeClr val="tx1"/>
+          </a:fontRef>
+        </p:style>
+      </p:cxnSp>
+      <p:sp>
+        <p:nvSpPr>
+          <p:cNvPr id="11" name="TextBox 10">
+            <a:extLst>
+              <a:ext uri="{FF2B5EF4-FFF2-40B4-BE49-F238E27FC236}">
+                <a16:creationId xmlns:a16="http://schemas.microsoft.com/office/drawing/2014/main" id="{1E9325B4-9939-1543-B763-C3AC5F40BD40}"/>
+              </a:ext>
+            </a:extLst>
+          </p:cNvPr>
+          <p:cNvSpPr txBox="1"/>
+          <p:nvPr/>
+        </p:nvSpPr>
+        <p:spPr>
+          <a:xfrm>
+            <a:off x="3443703" y="4265949"/>
+            <a:ext cx="801823" cy="307777"/>
+          </a:xfrm>
+          <a:prstGeom prst="rect">
+            <a:avLst/>
+          </a:prstGeom>
+          <a:noFill/>
+        </p:spPr>
+        <p:txBody>
+          <a:bodyPr wrap="none" rtlCol="0">
+            <a:spAutoFit/>
+          </a:bodyPr>
+          <a:lstStyle/>
+          <a:p>
+            <a:pPr algn="ctr"/>
+            <a:r>
+              <a:rPr lang="en-US" dirty="0"/>
+              <a:t>Commit</a:t>
+            </a:r>
+          </a:p>
+        </p:txBody>
+      </p:sp>
+    </p:spTree>
+    <p:extLst>
+      <p:ext uri="{BB962C8B-B14F-4D97-AF65-F5344CB8AC3E}">
+        <p14:creationId xmlns:p14="http://schemas.microsoft.com/office/powerpoint/2010/main" val="3519876440"/>
+      </p:ext>
+    </p:extLst>
+  </p:cSld>
+  <p:clrMapOvr>
+    <a:masterClrMapping/>
+  </p:clrMapOvr>
+</p:sld>
+</file>
+
+<file path=ppt/slides/slide12.xml><?xml version="1.0" encoding="utf-8"?>
+<p:sld xmlns:a="http://schemas.openxmlformats.org/drawingml/2006/main" xmlns:r="http://schemas.openxmlformats.org/officeDocument/2006/relationships" xmlns:p="http://schemas.openxmlformats.org/presentationml/2006/main">
+  <p:cSld>
+    <p:spTree>
+      <p:nvGrpSpPr>
+        <p:cNvPr id="1" name="Shape 139"/>
+        <p:cNvGrpSpPr/>
+        <p:nvPr/>
+      </p:nvGrpSpPr>
+      <p:grpSpPr>
+        <a:xfrm>
+          <a:off x="0" y="0"/>
+          <a:ext cx="0" cy="0"/>
+          <a:chOff x="0" y="0"/>
+          <a:chExt cx="0" cy="0"/>
+        </a:xfrm>
+      </p:grpSpPr>
+      <p:sp>
+        <p:nvSpPr>
+          <p:cNvPr id="141" name="Google Shape;141;p23"/>
+          <p:cNvSpPr/>
+          <p:nvPr/>
+        </p:nvSpPr>
+        <p:spPr>
+          <a:xfrm>
+            <a:off x="474135" y="389416"/>
+            <a:ext cx="1480205" cy="1468611"/>
+          </a:xfrm>
+          <a:prstGeom prst="ellipse">
+            <a:avLst/>
+          </a:prstGeom>
+          <a:solidFill>
+            <a:srgbClr val="F3F3F3"/>
+          </a:solidFill>
+          <a:ln>
+            <a:noFill/>
+          </a:ln>
+        </p:spPr>
+        <p:txBody>
+          <a:bodyPr spcFirstLastPara="1" wrap="square" lIns="91425" tIns="91425" rIns="91425" bIns="91425" anchor="ctr" anchorCtr="0">
+            <a:noAutofit/>
+          </a:bodyPr>
+          <a:lstStyle/>
+          <a:p>
+            <a:pPr marL="0" lvl="0" indent="0" algn="ctr" rtl="0">
+              <a:spcBef>
+                <a:spcPts val="0"/>
+              </a:spcBef>
+              <a:spcAft>
+                <a:spcPts val="0"/>
+              </a:spcAft>
+              <a:buNone/>
+            </a:pPr>
+            <a:r>
+              <a:rPr lang="en" dirty="0">
+                <a:latin typeface="PT Serif"/>
+                <a:ea typeface="PT Serif"/>
+                <a:cs typeface="PT Serif"/>
+                <a:sym typeface="PT Serif"/>
+              </a:rPr>
+              <a:t>Original </a:t>
+            </a:r>
+          </a:p>
+          <a:p>
+            <a:pPr marL="0" lvl="0" indent="0" algn="ctr" rtl="0">
+              <a:spcBef>
+                <a:spcPts val="0"/>
+              </a:spcBef>
+              <a:spcAft>
+                <a:spcPts val="0"/>
+              </a:spcAft>
+              <a:buNone/>
+            </a:pPr>
+            <a:r>
+              <a:rPr lang="en" dirty="0">
+                <a:latin typeface="PT Serif"/>
+                <a:ea typeface="PT Serif"/>
+                <a:cs typeface="PT Serif"/>
+                <a:sym typeface="PT Serif"/>
+              </a:rPr>
+              <a:t>Code</a:t>
+            </a:r>
+            <a:endParaRPr dirty="0">
+              <a:latin typeface="PT Serif"/>
+              <a:ea typeface="PT Serif"/>
+              <a:cs typeface="PT Serif"/>
+              <a:sym typeface="PT Serif"/>
+            </a:endParaRPr>
+          </a:p>
+        </p:txBody>
+      </p:sp>
+      <p:sp>
+        <p:nvSpPr>
+          <p:cNvPr id="142" name="Google Shape;142;p23"/>
+          <p:cNvSpPr/>
+          <p:nvPr/>
+        </p:nvSpPr>
+        <p:spPr>
+          <a:xfrm>
+            <a:off x="6238213" y="1103139"/>
+            <a:ext cx="1480205" cy="1468611"/>
+          </a:xfrm>
+          <a:prstGeom prst="ellipse">
+            <a:avLst/>
+          </a:prstGeom>
+          <a:solidFill>
+            <a:srgbClr val="F3F3F3"/>
+          </a:solidFill>
+          <a:ln>
+            <a:noFill/>
+          </a:ln>
+        </p:spPr>
+        <p:txBody>
+          <a:bodyPr spcFirstLastPara="1" wrap="square" lIns="91425" tIns="91425" rIns="91425" bIns="91425" anchor="ctr" anchorCtr="0">
+            <a:noAutofit/>
+          </a:bodyPr>
+          <a:lstStyle/>
+          <a:p>
+            <a:pPr marL="0" lvl="0" indent="0" algn="ctr" rtl="0">
+              <a:spcBef>
+                <a:spcPts val="0"/>
+              </a:spcBef>
+              <a:spcAft>
+                <a:spcPts val="0"/>
+              </a:spcAft>
+              <a:buNone/>
+            </a:pPr>
+            <a:r>
+              <a:rPr lang="en" dirty="0">
+                <a:latin typeface="PT Serif"/>
+                <a:ea typeface="PT Serif"/>
+                <a:cs typeface="PT Serif"/>
+                <a:sym typeface="PT Serif"/>
+              </a:rPr>
+              <a:t>Refactored </a:t>
+            </a:r>
+          </a:p>
+          <a:p>
+            <a:pPr marL="0" lvl="0" indent="0" algn="ctr" rtl="0">
+              <a:spcBef>
+                <a:spcPts val="0"/>
+              </a:spcBef>
+              <a:spcAft>
+                <a:spcPts val="0"/>
+              </a:spcAft>
+              <a:buNone/>
+            </a:pPr>
+            <a:r>
+              <a:rPr lang="en" dirty="0">
+                <a:latin typeface="PT Serif"/>
+                <a:ea typeface="PT Serif"/>
+                <a:cs typeface="PT Serif"/>
+                <a:sym typeface="PT Serif"/>
+              </a:rPr>
+              <a:t>Code</a:t>
+            </a:r>
+            <a:endParaRPr dirty="0">
+              <a:latin typeface="PT Serif"/>
+              <a:ea typeface="PT Serif"/>
+              <a:cs typeface="PT Serif"/>
+              <a:sym typeface="PT Serif"/>
+            </a:endParaRPr>
+          </a:p>
+        </p:txBody>
+      </p:sp>
+      <p:sp>
+        <p:nvSpPr>
+          <p:cNvPr id="144" name="Google Shape;144;p23"/>
+          <p:cNvSpPr txBox="1">
+            <a:spLocks noGrp="1"/>
+          </p:cNvSpPr>
+          <p:nvPr>
+            <p:ph type="sldNum" idx="12"/>
+          </p:nvPr>
+        </p:nvSpPr>
+        <p:spPr>
+          <a:xfrm>
+            <a:off x="4297650" y="4419838"/>
+            <a:ext cx="548700" cy="393600"/>
+          </a:xfrm>
+          <a:prstGeom prst="rect">
+            <a:avLst/>
+          </a:prstGeom>
+        </p:spPr>
+        <p:txBody>
+          <a:bodyPr spcFirstLastPara="1" wrap="square" lIns="91425" tIns="91425" rIns="91425" bIns="91425" anchor="b" anchorCtr="0">
+            <a:noAutofit/>
+          </a:bodyPr>
+          <a:lstStyle/>
+          <a:p>
+            <a:pPr marL="0" lvl="0" indent="0" algn="ctr" rtl="0">
+              <a:spcBef>
+                <a:spcPts val="0"/>
+              </a:spcBef>
+              <a:spcAft>
+                <a:spcPts val="0"/>
+              </a:spcAft>
+              <a:buNone/>
+            </a:pPr>
+            <a:fld id="{00000000-1234-1234-1234-123412341234}" type="slidenum">
+              <a:rPr lang="en"/>
+              <a:t>12</a:t>
+            </a:fld>
+            <a:endParaRPr/>
+          </a:p>
+        </p:txBody>
+      </p:sp>
+      <p:sp>
+        <p:nvSpPr>
+          <p:cNvPr id="10" name="TextBox 9">
+            <a:extLst>
+              <a:ext uri="{FF2B5EF4-FFF2-40B4-BE49-F238E27FC236}">
+                <a16:creationId xmlns:a16="http://schemas.microsoft.com/office/drawing/2014/main" id="{F63E6113-C64B-BC42-ABEA-6DB09455D094}"/>
+              </a:ext>
+            </a:extLst>
+          </p:cNvPr>
+          <p:cNvSpPr txBox="1"/>
+          <p:nvPr/>
+        </p:nvSpPr>
+        <p:spPr>
+          <a:xfrm>
+            <a:off x="3810470" y="1744092"/>
+            <a:ext cx="1338829" cy="307777"/>
+          </a:xfrm>
+          <a:prstGeom prst="rect">
+            <a:avLst/>
+          </a:prstGeom>
+          <a:noFill/>
+        </p:spPr>
+        <p:txBody>
+          <a:bodyPr wrap="none" rtlCol="0">
+            <a:spAutoFit/>
+          </a:bodyPr>
+          <a:lstStyle/>
+          <a:p>
+            <a:pPr algn="ctr"/>
+            <a:r>
+              <a:rPr lang="en-US" dirty="0"/>
+              <a:t>Hand Refactor</a:t>
+            </a:r>
+          </a:p>
+        </p:txBody>
+      </p:sp>
+      <p:cxnSp>
+        <p:nvCxnSpPr>
+          <p:cNvPr id="5" name="Straight Arrow Connector 4">
+            <a:extLst>
+              <a:ext uri="{FF2B5EF4-FFF2-40B4-BE49-F238E27FC236}">
+                <a16:creationId xmlns:a16="http://schemas.microsoft.com/office/drawing/2014/main" id="{0BB4B109-F0E1-2940-BE38-F40FFA0285C6}"/>
+              </a:ext>
+            </a:extLst>
+          </p:cNvPr>
+          <p:cNvCxnSpPr/>
+          <p:nvPr/>
+        </p:nvCxnSpPr>
+        <p:spPr>
+          <a:xfrm>
+            <a:off x="5481619" y="1897980"/>
+            <a:ext cx="428294" cy="0"/>
+          </a:xfrm>
+          <a:prstGeom prst="straightConnector1">
+            <a:avLst/>
+          </a:prstGeom>
+          <a:ln>
+            <a:tailEnd type="triangle"/>
+          </a:ln>
+        </p:spPr>
+        <p:style>
+          <a:lnRef idx="1">
+            <a:schemeClr val="accent1"/>
+          </a:lnRef>
+          <a:fillRef idx="0">
+            <a:schemeClr val="accent1"/>
+          </a:fillRef>
+          <a:effectRef idx="0">
+            <a:schemeClr val="accent1"/>
+          </a:effectRef>
+          <a:fontRef idx="minor">
+            <a:schemeClr val="tx1"/>
+          </a:fontRef>
+        </p:style>
+      </p:cxnSp>
+      <p:sp>
+        <p:nvSpPr>
+          <p:cNvPr id="11" name="TextBox 10">
+            <a:extLst>
+              <a:ext uri="{FF2B5EF4-FFF2-40B4-BE49-F238E27FC236}">
+                <a16:creationId xmlns:a16="http://schemas.microsoft.com/office/drawing/2014/main" id="{1E9325B4-9939-1543-B763-C3AC5F40BD40}"/>
+              </a:ext>
+            </a:extLst>
+          </p:cNvPr>
+          <p:cNvSpPr txBox="1"/>
+          <p:nvPr/>
+        </p:nvSpPr>
+        <p:spPr>
+          <a:xfrm>
+            <a:off x="2939830" y="3111072"/>
+            <a:ext cx="3098926" cy="307777"/>
+          </a:xfrm>
+          <a:prstGeom prst="rect">
+            <a:avLst/>
+          </a:prstGeom>
+          <a:noFill/>
+        </p:spPr>
+        <p:txBody>
+          <a:bodyPr wrap="none" rtlCol="0">
+            <a:spAutoFit/>
+          </a:bodyPr>
+          <a:lstStyle/>
+          <a:p>
+            <a:pPr algn="ctr"/>
+            <a:r>
+              <a:rPr lang="en-US" dirty="0"/>
+              <a:t>Check source control for no changes</a:t>
+            </a:r>
+          </a:p>
+        </p:txBody>
+      </p:sp>
+      <p:sp>
+        <p:nvSpPr>
+          <p:cNvPr id="13" name="TextBox 12">
+            <a:extLst>
+              <a:ext uri="{FF2B5EF4-FFF2-40B4-BE49-F238E27FC236}">
+                <a16:creationId xmlns:a16="http://schemas.microsoft.com/office/drawing/2014/main" id="{CF3B5216-EE4A-2E49-AE01-10A10DF60CAF}"/>
+              </a:ext>
+            </a:extLst>
+          </p:cNvPr>
+          <p:cNvSpPr txBox="1"/>
+          <p:nvPr/>
+        </p:nvSpPr>
+        <p:spPr>
+          <a:xfrm>
+            <a:off x="3680418" y="2417861"/>
+            <a:ext cx="1617751" cy="307777"/>
+          </a:xfrm>
+          <a:prstGeom prst="rect">
+            <a:avLst/>
+          </a:prstGeom>
+          <a:noFill/>
+        </p:spPr>
+        <p:txBody>
+          <a:bodyPr wrap="none" rtlCol="0">
+            <a:spAutoFit/>
+          </a:bodyPr>
+          <a:lstStyle/>
+          <a:p>
+            <a:pPr algn="ctr"/>
+            <a:r>
+              <a:rPr lang="en-US" dirty="0"/>
+              <a:t>Provable Refactor</a:t>
+            </a:r>
+          </a:p>
+        </p:txBody>
+      </p:sp>
+      <p:cxnSp>
+        <p:nvCxnSpPr>
+          <p:cNvPr id="14" name="Straight Arrow Connector 13">
+            <a:extLst>
+              <a:ext uri="{FF2B5EF4-FFF2-40B4-BE49-F238E27FC236}">
+                <a16:creationId xmlns:a16="http://schemas.microsoft.com/office/drawing/2014/main" id="{61AA1025-0DB8-2C4E-B108-907A29E8A2D0}"/>
+              </a:ext>
+            </a:extLst>
+          </p:cNvPr>
+          <p:cNvCxnSpPr>
+            <a:cxnSpLocks/>
+          </p:cNvCxnSpPr>
+          <p:nvPr/>
+        </p:nvCxnSpPr>
+        <p:spPr>
+          <a:xfrm flipH="1">
+            <a:off x="2598821" y="2571750"/>
+            <a:ext cx="416588" cy="0"/>
+          </a:xfrm>
+          <a:prstGeom prst="straightConnector1">
+            <a:avLst/>
+          </a:prstGeom>
+          <a:ln>
+            <a:tailEnd type="triangle"/>
+          </a:ln>
+        </p:spPr>
+        <p:style>
+          <a:lnRef idx="1">
+            <a:schemeClr val="accent1"/>
+          </a:lnRef>
+          <a:fillRef idx="0">
+            <a:schemeClr val="accent1"/>
+          </a:fillRef>
+          <a:effectRef idx="0">
+            <a:schemeClr val="accent1"/>
+          </a:effectRef>
+          <a:fontRef idx="minor">
+            <a:schemeClr val="tx1"/>
+          </a:fontRef>
+        </p:style>
+      </p:cxnSp>
+      <p:sp>
+        <p:nvSpPr>
+          <p:cNvPr id="19" name="Google Shape;141;p23">
+            <a:extLst>
+              <a:ext uri="{FF2B5EF4-FFF2-40B4-BE49-F238E27FC236}">
+                <a16:creationId xmlns:a16="http://schemas.microsoft.com/office/drawing/2014/main" id="{7BE3D730-3D14-4A46-8109-EC8B260B1140}"/>
+              </a:ext>
+            </a:extLst>
+          </p:cNvPr>
+          <p:cNvSpPr/>
+          <p:nvPr/>
+        </p:nvSpPr>
+        <p:spPr>
+          <a:xfrm>
+            <a:off x="474135" y="1897980"/>
+            <a:ext cx="1480205" cy="1468611"/>
+          </a:xfrm>
+          <a:prstGeom prst="ellipse">
+            <a:avLst/>
+          </a:prstGeom>
+          <a:solidFill>
+            <a:srgbClr val="F3F3F3"/>
+          </a:solidFill>
+          <a:ln>
+            <a:noFill/>
+          </a:ln>
+        </p:spPr>
+        <p:txBody>
+          <a:bodyPr spcFirstLastPara="1" wrap="square" lIns="91425" tIns="91425" rIns="91425" bIns="91425" anchor="ctr" anchorCtr="0">
+            <a:noAutofit/>
+          </a:bodyPr>
+          <a:lstStyle/>
+          <a:p>
+            <a:pPr marL="0" lvl="0" indent="0" algn="ctr" rtl="0">
+              <a:spcBef>
+                <a:spcPts val="0"/>
+              </a:spcBef>
+              <a:spcAft>
+                <a:spcPts val="0"/>
+              </a:spcAft>
+              <a:buNone/>
+            </a:pPr>
+            <a:r>
+              <a:rPr lang="en" dirty="0">
+                <a:latin typeface="PT Serif"/>
+                <a:ea typeface="PT Serif"/>
+                <a:cs typeface="PT Serif"/>
+                <a:sym typeface="PT Serif"/>
+              </a:rPr>
+              <a:t>Original </a:t>
+            </a:r>
+          </a:p>
+          <a:p>
+            <a:pPr marL="0" lvl="0" indent="0" algn="ctr" rtl="0">
+              <a:spcBef>
+                <a:spcPts val="0"/>
+              </a:spcBef>
+              <a:spcAft>
+                <a:spcPts val="0"/>
+              </a:spcAft>
+              <a:buNone/>
+            </a:pPr>
+            <a:r>
+              <a:rPr lang="en" dirty="0">
+                <a:latin typeface="PT Serif"/>
+                <a:ea typeface="PT Serif"/>
+                <a:cs typeface="PT Serif"/>
+                <a:sym typeface="PT Serif"/>
+              </a:rPr>
+              <a:t>Code</a:t>
+            </a:r>
+            <a:endParaRPr dirty="0">
+              <a:latin typeface="PT Serif"/>
+              <a:ea typeface="PT Serif"/>
+              <a:cs typeface="PT Serif"/>
+              <a:sym typeface="PT Serif"/>
+            </a:endParaRPr>
+          </a:p>
+        </p:txBody>
+      </p:sp>
+      <p:sp>
+        <p:nvSpPr>
+          <p:cNvPr id="20" name="Google Shape;142;p23">
+            <a:extLst>
+              <a:ext uri="{FF2B5EF4-FFF2-40B4-BE49-F238E27FC236}">
+                <a16:creationId xmlns:a16="http://schemas.microsoft.com/office/drawing/2014/main" id="{F0A21A82-AB26-BE4B-9699-D12BFB717AEE}"/>
+              </a:ext>
+            </a:extLst>
+          </p:cNvPr>
+          <p:cNvSpPr/>
+          <p:nvPr/>
+        </p:nvSpPr>
+        <p:spPr>
+          <a:xfrm>
+            <a:off x="6238213" y="3126440"/>
+            <a:ext cx="1480205" cy="1468611"/>
+          </a:xfrm>
+          <a:prstGeom prst="ellipse">
+            <a:avLst/>
+          </a:prstGeom>
+          <a:solidFill>
+            <a:srgbClr val="F3F3F3"/>
+          </a:solidFill>
+          <a:ln>
+            <a:noFill/>
+          </a:ln>
+        </p:spPr>
+        <p:txBody>
+          <a:bodyPr spcFirstLastPara="1" wrap="square" lIns="91425" tIns="91425" rIns="91425" bIns="91425" anchor="ctr" anchorCtr="0">
+            <a:noAutofit/>
+          </a:bodyPr>
+          <a:lstStyle/>
+          <a:p>
+            <a:pPr marL="0" lvl="0" indent="0" algn="ctr" rtl="0">
+              <a:spcBef>
+                <a:spcPts val="0"/>
+              </a:spcBef>
+              <a:spcAft>
+                <a:spcPts val="0"/>
+              </a:spcAft>
+              <a:buNone/>
+            </a:pPr>
+            <a:r>
+              <a:rPr lang="en" dirty="0">
+                <a:latin typeface="PT Serif"/>
+                <a:ea typeface="PT Serif"/>
+                <a:cs typeface="PT Serif"/>
+                <a:sym typeface="PT Serif"/>
+              </a:rPr>
+              <a:t>Refactored </a:t>
+            </a:r>
+          </a:p>
+          <a:p>
+            <a:pPr marL="0" lvl="0" indent="0" algn="ctr" rtl="0">
+              <a:spcBef>
+                <a:spcPts val="0"/>
+              </a:spcBef>
+              <a:spcAft>
+                <a:spcPts val="0"/>
+              </a:spcAft>
+              <a:buNone/>
+            </a:pPr>
+            <a:r>
+              <a:rPr lang="en" dirty="0">
+                <a:latin typeface="PT Serif"/>
+                <a:ea typeface="PT Serif"/>
+                <a:cs typeface="PT Serif"/>
+                <a:sym typeface="PT Serif"/>
+              </a:rPr>
+              <a:t>Code</a:t>
+            </a:r>
+            <a:endParaRPr dirty="0">
+              <a:latin typeface="PT Serif"/>
+              <a:ea typeface="PT Serif"/>
+              <a:cs typeface="PT Serif"/>
+              <a:sym typeface="PT Serif"/>
+            </a:endParaRPr>
+          </a:p>
+        </p:txBody>
+      </p:sp>
+      <p:sp>
+        <p:nvSpPr>
+          <p:cNvPr id="21" name="TextBox 20">
+            <a:extLst>
+              <a:ext uri="{FF2B5EF4-FFF2-40B4-BE49-F238E27FC236}">
+                <a16:creationId xmlns:a16="http://schemas.microsoft.com/office/drawing/2014/main" id="{E663B288-9EE5-3E48-A3DC-BB225AA42AB5}"/>
+              </a:ext>
+            </a:extLst>
+          </p:cNvPr>
+          <p:cNvSpPr txBox="1"/>
+          <p:nvPr/>
+        </p:nvSpPr>
+        <p:spPr>
+          <a:xfrm>
+            <a:off x="4091798" y="3767393"/>
+            <a:ext cx="776175" cy="307777"/>
+          </a:xfrm>
+          <a:prstGeom prst="rect">
+            <a:avLst/>
+          </a:prstGeom>
+          <a:noFill/>
+        </p:spPr>
+        <p:txBody>
+          <a:bodyPr wrap="none" rtlCol="0">
+            <a:spAutoFit/>
+          </a:bodyPr>
+          <a:lstStyle/>
+          <a:p>
+            <a:pPr algn="ctr"/>
+            <a:r>
+              <a:rPr lang="en-US" dirty="0" err="1"/>
+              <a:t>Ctlr</a:t>
+            </a:r>
+            <a:r>
+              <a:rPr lang="en-US" dirty="0"/>
+              <a:t> + Z</a:t>
+            </a:r>
+          </a:p>
+        </p:txBody>
+      </p:sp>
+      <p:cxnSp>
+        <p:nvCxnSpPr>
+          <p:cNvPr id="22" name="Straight Arrow Connector 21">
+            <a:extLst>
+              <a:ext uri="{FF2B5EF4-FFF2-40B4-BE49-F238E27FC236}">
+                <a16:creationId xmlns:a16="http://schemas.microsoft.com/office/drawing/2014/main" id="{7355A9B6-AC6D-B34A-9590-975059BEF2B1}"/>
+              </a:ext>
+            </a:extLst>
+          </p:cNvPr>
+          <p:cNvCxnSpPr/>
+          <p:nvPr/>
+        </p:nvCxnSpPr>
+        <p:spPr>
+          <a:xfrm>
+            <a:off x="5481619" y="3921281"/>
+            <a:ext cx="428294" cy="0"/>
+          </a:xfrm>
+          <a:prstGeom prst="straightConnector1">
+            <a:avLst/>
+          </a:prstGeom>
+          <a:ln>
+            <a:tailEnd type="triangle"/>
+          </a:ln>
+        </p:spPr>
+        <p:style>
+          <a:lnRef idx="1">
+            <a:schemeClr val="accent1"/>
+          </a:lnRef>
+          <a:fillRef idx="0">
+            <a:schemeClr val="accent1"/>
+          </a:fillRef>
+          <a:effectRef idx="0">
+            <a:schemeClr val="accent1"/>
+          </a:effectRef>
+          <a:fontRef idx="minor">
+            <a:schemeClr val="tx1"/>
+          </a:fontRef>
+        </p:style>
+      </p:cxnSp>
+      <p:sp>
+        <p:nvSpPr>
+          <p:cNvPr id="26" name="TextBox 25">
+            <a:extLst>
+              <a:ext uri="{FF2B5EF4-FFF2-40B4-BE49-F238E27FC236}">
+                <a16:creationId xmlns:a16="http://schemas.microsoft.com/office/drawing/2014/main" id="{11301F18-F376-1244-AAF7-C8D71B7D440C}"/>
+              </a:ext>
+            </a:extLst>
+          </p:cNvPr>
+          <p:cNvSpPr txBox="1"/>
+          <p:nvPr/>
+        </p:nvSpPr>
+        <p:spPr>
+          <a:xfrm>
+            <a:off x="4171088" y="4441162"/>
+            <a:ext cx="801823" cy="307777"/>
+          </a:xfrm>
+          <a:prstGeom prst="rect">
+            <a:avLst/>
+          </a:prstGeom>
+          <a:noFill/>
+        </p:spPr>
+        <p:txBody>
+          <a:bodyPr wrap="none" rtlCol="0">
+            <a:spAutoFit/>
+          </a:bodyPr>
+          <a:lstStyle/>
+          <a:p>
+            <a:pPr algn="ctr"/>
+            <a:r>
+              <a:rPr lang="en-US" dirty="0"/>
+              <a:t>Commit</a:t>
+            </a:r>
+          </a:p>
+        </p:txBody>
+      </p:sp>
+    </p:spTree>
+    <p:extLst>
+      <p:ext uri="{BB962C8B-B14F-4D97-AF65-F5344CB8AC3E}">
+        <p14:creationId xmlns:p14="http://schemas.microsoft.com/office/powerpoint/2010/main" val="914475512"/>
+      </p:ext>
+    </p:extLst>
+  </p:cSld>
+  <p:clrMapOvr>
+    <a:masterClrMapping/>
+  </p:clrMapOvr>
+</p:sld>
+</file>
+
+<file path=ppt/slides/slide13.xml><?xml version="1.0" encoding="utf-8"?>
+<p:sld xmlns:a="http://schemas.openxmlformats.org/drawingml/2006/main" xmlns:r="http://schemas.openxmlformats.org/officeDocument/2006/relationships" xmlns:p="http://schemas.openxmlformats.org/presentationml/2006/main">
+  <p:cSld>
+    <p:spTree>
+      <p:nvGrpSpPr>
+        <p:cNvPr id="1" name="Shape 80"/>
+        <p:cNvGrpSpPr/>
+        <p:nvPr/>
+      </p:nvGrpSpPr>
+      <p:grpSpPr>
+        <a:xfrm>
+          <a:off x="0" y="0"/>
+          <a:ext cx="0" cy="0"/>
+          <a:chOff x="0" y="0"/>
+          <a:chExt cx="0" cy="0"/>
+        </a:xfrm>
+      </p:grpSpPr>
+      <p:sp>
+        <p:nvSpPr>
+          <p:cNvPr id="81" name="Google Shape;81;p16"/>
+          <p:cNvSpPr txBox="1">
+            <a:spLocks noGrp="1"/>
+          </p:cNvSpPr>
+          <p:nvPr>
+            <p:ph type="body" idx="1"/>
+          </p:nvPr>
+        </p:nvSpPr>
+        <p:spPr>
+          <a:xfrm>
+            <a:off x="1659150" y="2161800"/>
+            <a:ext cx="5825700" cy="819900"/>
+          </a:xfrm>
+          <a:prstGeom prst="rect">
+            <a:avLst/>
+          </a:prstGeom>
+        </p:spPr>
+        <p:txBody>
+          <a:bodyPr spcFirstLastPara="1" wrap="square" lIns="91425" tIns="91425" rIns="91425" bIns="91425" anchor="t" anchorCtr="0">
+            <a:noAutofit/>
+          </a:bodyPr>
+          <a:lstStyle/>
+          <a:p>
+            <a:pPr marL="0" lvl="0" indent="0" algn="ctr" rtl="0">
+              <a:spcBef>
+                <a:spcPts val="600"/>
+              </a:spcBef>
+              <a:spcAft>
+                <a:spcPts val="0"/>
+              </a:spcAft>
+              <a:buNone/>
+            </a:pPr>
+            <a:r>
+              <a:rPr lang="en" dirty="0"/>
+              <a:t>Instead of extending the system to add your feature,</a:t>
+            </a:r>
+          </a:p>
+          <a:p>
+            <a:pPr marL="0" lvl="0" indent="0" algn="ctr" rtl="0">
+              <a:spcBef>
+                <a:spcPts val="600"/>
+              </a:spcBef>
+              <a:spcAft>
+                <a:spcPts val="0"/>
+              </a:spcAft>
+              <a:buNone/>
+            </a:pPr>
+            <a:r>
+              <a:rPr lang="en" b="1" dirty="0"/>
+              <a:t>extend it to add extendibility </a:t>
+            </a:r>
+          </a:p>
+          <a:p>
+            <a:pPr marL="0" lvl="0" indent="0" algn="ctr" rtl="0">
+              <a:spcBef>
+                <a:spcPts val="600"/>
+              </a:spcBef>
+              <a:spcAft>
+                <a:spcPts val="0"/>
+              </a:spcAft>
+              <a:buNone/>
+            </a:pPr>
+            <a:r>
+              <a:rPr lang="en" dirty="0"/>
+              <a:t>and then plug in your feature</a:t>
+            </a:r>
+            <a:endParaRPr dirty="0"/>
+          </a:p>
+        </p:txBody>
+      </p:sp>
+      <p:sp>
+        <p:nvSpPr>
+          <p:cNvPr id="82" name="Google Shape;82;p16"/>
+          <p:cNvSpPr txBox="1">
+            <a:spLocks noGrp="1"/>
+          </p:cNvSpPr>
+          <p:nvPr>
+            <p:ph type="sldNum" idx="12"/>
+          </p:nvPr>
+        </p:nvSpPr>
+        <p:spPr>
+          <a:xfrm>
+            <a:off x="4297650" y="4419838"/>
+            <a:ext cx="548700" cy="393600"/>
+          </a:xfrm>
+          <a:prstGeom prst="rect">
+            <a:avLst/>
+          </a:prstGeom>
+        </p:spPr>
+        <p:txBody>
+          <a:bodyPr spcFirstLastPara="1" wrap="square" lIns="91425" tIns="91425" rIns="91425" bIns="91425" anchor="b" anchorCtr="0">
+            <a:noAutofit/>
+          </a:bodyPr>
+          <a:lstStyle/>
+          <a:p>
+            <a:pPr marL="0" lvl="0" indent="0" algn="ctr" rtl="0">
+              <a:spcBef>
+                <a:spcPts val="0"/>
+              </a:spcBef>
+              <a:spcAft>
+                <a:spcPts val="0"/>
+              </a:spcAft>
+              <a:buNone/>
+            </a:pPr>
+            <a:fld id="{00000000-1234-1234-1234-123412341234}" type="slidenum">
+              <a:rPr lang="en"/>
+              <a:t>13</a:t>
+            </a:fld>
+            <a:endParaRPr/>
+          </a:p>
+        </p:txBody>
+      </p:sp>
+    </p:spTree>
+    <p:extLst>
+      <p:ext uri="{BB962C8B-B14F-4D97-AF65-F5344CB8AC3E}">
+        <p14:creationId xmlns:p14="http://schemas.microsoft.com/office/powerpoint/2010/main" val="1061700413"/>
+      </p:ext>
+    </p:extLst>
+  </p:cSld>
+  <p:clrMapOvr>
+    <a:masterClrMapping/>
+  </p:clrMapOvr>
+</p:sld>
+</file>
+
+<file path=ppt/slides/slide14.xml><?xml version="1.0" encoding="utf-8"?>
+<p:sld xmlns:a="http://schemas.openxmlformats.org/drawingml/2006/main" xmlns:r="http://schemas.openxmlformats.org/officeDocument/2006/relationships" xmlns:p="http://schemas.openxmlformats.org/presentationml/2006/main">
+  <p:cSld>
+    <p:spTree>
+      <p:nvGrpSpPr>
         <p:cNvPr id="1" name=""/>
         <p:cNvGrpSpPr/>
         <p:nvPr/>
@@ -6142,7 +8705,7 @@
             </a:pPr>
             <a:fld id="{00000000-1234-1234-1234-123412341234}" type="slidenum">
               <a:rPr lang="en" smtClean="0"/>
-              <a:t>10</a:t>
+              <a:t>14</a:t>
             </a:fld>
             <a:endParaRPr lang="en"/>
           </a:p>
@@ -6161,7 +8724,7 @@
 </p:sld>
 </file>
 
-<file path=ppt/slides/slide11.xml><?xml version="1.0" encoding="utf-8"?>
+<file path=ppt/slides/slide15.xml><?xml version="1.0" encoding="utf-8"?>
 <p:sld xmlns:a="http://schemas.openxmlformats.org/drawingml/2006/main" xmlns:r="http://schemas.openxmlformats.org/officeDocument/2006/relationships" xmlns:p="http://schemas.openxmlformats.org/presentationml/2006/main">
   <p:cSld>
     <p:spTree>
@@ -6365,7 +8928,7 @@
             </a:pPr>
             <a:fld id="{00000000-1234-1234-1234-123412341234}" type="slidenum">
               <a:rPr lang="en"/>
-              <a:t>11</a:t>
+              <a:t>15</a:t>
             </a:fld>
             <a:endParaRPr/>
           </a:p>
@@ -16364,7 +18927,7 @@
   <p:cSld>
     <p:spTree>
       <p:nvGrpSpPr>
-        <p:cNvPr id="1" name="Shape 80"/>
+        <p:cNvPr id="1" name="Shape 139"/>
         <p:cNvGrpSpPr/>
         <p:nvPr/>
       </p:nvGrpSpPr>
@@ -16378,32 +18941,34 @@
       </p:grpSpPr>
       <p:sp>
         <p:nvSpPr>
-          <p:cNvPr id="81" name="Google Shape;81;p16"/>
-          <p:cNvSpPr txBox="1">
-            <a:spLocks noGrp="1"/>
-          </p:cNvSpPr>
-          <p:nvPr>
-            <p:ph type="body" idx="1"/>
-          </p:nvPr>
+          <p:cNvPr id="141" name="Google Shape;141;p23"/>
+          <p:cNvSpPr/>
+          <p:nvPr/>
         </p:nvSpPr>
         <p:spPr>
           <a:xfrm>
-            <a:off x="1659150" y="2161800"/>
-            <a:ext cx="5825700" cy="819900"/>
+            <a:off x="1927550" y="1640700"/>
+            <a:ext cx="1876800" cy="1862100"/>
           </a:xfrm>
-          <a:prstGeom prst="rect">
+          <a:prstGeom prst="ellipse">
             <a:avLst/>
           </a:prstGeom>
+          <a:solidFill>
+            <a:srgbClr val="F3F3F3"/>
+          </a:solidFill>
+          <a:ln>
+            <a:noFill/>
+          </a:ln>
         </p:spPr>
         <p:txBody>
-          <a:bodyPr spcFirstLastPara="1" wrap="square" lIns="91425" tIns="91425" rIns="91425" bIns="91425" anchor="t" anchorCtr="0">
+          <a:bodyPr spcFirstLastPara="1" wrap="square" lIns="91425" tIns="91425" rIns="91425" bIns="91425" anchor="ctr" anchorCtr="0">
             <a:noAutofit/>
           </a:bodyPr>
           <a:lstStyle/>
           <a:p>
             <a:pPr marL="0" lvl="0" indent="0" algn="ctr" rtl="0">
               <a:spcBef>
-                <a:spcPts val="600"/>
+                <a:spcPts val="0"/>
               </a:spcBef>
               <a:spcAft>
                 <a:spcPts val="0"/>
@@ -16411,14 +18976,19 @@
               <a:buNone/>
             </a:pPr>
             <a:r>
-              <a:rPr lang="en" dirty="0"/>
-              <a:t>Instead of extending the system to add your feature,</a:t>
+              <a:rPr lang="en" dirty="0">
+                <a:latin typeface="PT Serif"/>
+                <a:ea typeface="PT Serif"/>
+                <a:cs typeface="PT Serif"/>
+                <a:sym typeface="PT Serif"/>
+              </a:rPr>
+              <a:t>Original </a:t>
             </a:r>
           </a:p>
           <a:p>
             <a:pPr marL="0" lvl="0" indent="0" algn="ctr" rtl="0">
               <a:spcBef>
-                <a:spcPts val="600"/>
+                <a:spcPts val="0"/>
               </a:spcBef>
               <a:spcAft>
                 <a:spcPts val="0"/>
@@ -16426,31 +18996,100 @@
               <a:buNone/>
             </a:pPr>
             <a:r>
-              <a:rPr lang="en" b="1" dirty="0"/>
-              <a:t>extend it to add extendibility </a:t>
+              <a:rPr lang="en" dirty="0">
+                <a:latin typeface="PT Serif"/>
+                <a:ea typeface="PT Serif"/>
+                <a:cs typeface="PT Serif"/>
+                <a:sym typeface="PT Serif"/>
+              </a:rPr>
+              <a:t>Code</a:t>
             </a:r>
-          </a:p>
-          <a:p>
-            <a:pPr marL="0" lvl="0" indent="0" algn="ctr" rtl="0">
-              <a:spcBef>
-                <a:spcPts val="600"/>
-              </a:spcBef>
-              <a:spcAft>
-                <a:spcPts val="0"/>
-              </a:spcAft>
-              <a:buNone/>
-            </a:pPr>
-            <a:r>
-              <a:rPr lang="en" dirty="0"/>
-              <a:t>and then plug in your feature</a:t>
-            </a:r>
-            <a:endParaRPr dirty="0"/>
+            <a:endParaRPr dirty="0">
+              <a:latin typeface="PT Serif"/>
+              <a:ea typeface="PT Serif"/>
+              <a:cs typeface="PT Serif"/>
+              <a:sym typeface="PT Serif"/>
+            </a:endParaRPr>
           </a:p>
         </p:txBody>
       </p:sp>
       <p:sp>
         <p:nvSpPr>
-          <p:cNvPr id="82" name="Google Shape;82;p16"/>
+          <p:cNvPr id="142" name="Google Shape;142;p23"/>
+          <p:cNvSpPr/>
+          <p:nvPr/>
+        </p:nvSpPr>
+        <p:spPr>
+          <a:xfrm>
+            <a:off x="5339611" y="1640700"/>
+            <a:ext cx="1876800" cy="1862100"/>
+          </a:xfrm>
+          <a:prstGeom prst="ellipse">
+            <a:avLst/>
+          </a:prstGeom>
+          <a:solidFill>
+            <a:srgbClr val="F3F3F3"/>
+          </a:solidFill>
+          <a:ln>
+            <a:noFill/>
+          </a:ln>
+        </p:spPr>
+        <p:txBody>
+          <a:bodyPr spcFirstLastPara="1" wrap="square" lIns="91425" tIns="91425" rIns="91425" bIns="91425" anchor="ctr" anchorCtr="0">
+            <a:noAutofit/>
+          </a:bodyPr>
+          <a:lstStyle/>
+          <a:p>
+            <a:pPr marL="0" lvl="0" indent="0" algn="ctr" rtl="0">
+              <a:spcBef>
+                <a:spcPts val="0"/>
+              </a:spcBef>
+              <a:spcAft>
+                <a:spcPts val="0"/>
+              </a:spcAft>
+              <a:buNone/>
+            </a:pPr>
+            <a:r>
+              <a:rPr lang="en" dirty="0">
+                <a:latin typeface="PT Serif"/>
+                <a:ea typeface="PT Serif"/>
+                <a:cs typeface="PT Serif"/>
+                <a:sym typeface="PT Serif"/>
+              </a:rPr>
+              <a:t>Refactored </a:t>
+            </a:r>
+          </a:p>
+          <a:p>
+            <a:pPr marL="0" lvl="0" indent="0" algn="ctr" rtl="0">
+              <a:spcBef>
+                <a:spcPts val="0"/>
+              </a:spcBef>
+              <a:spcAft>
+                <a:spcPts val="0"/>
+              </a:spcAft>
+              <a:buNone/>
+            </a:pPr>
+            <a:r>
+              <a:rPr lang="en" dirty="0">
+                <a:latin typeface="PT Serif"/>
+                <a:ea typeface="PT Serif"/>
+                <a:cs typeface="PT Serif"/>
+                <a:sym typeface="PT Serif"/>
+              </a:rPr>
+              <a:t>Code</a:t>
+            </a:r>
+            <a:endParaRPr dirty="0">
+              <a:latin typeface="PT Serif"/>
+              <a:ea typeface="PT Serif"/>
+              <a:cs typeface="PT Serif"/>
+              <a:sym typeface="PT Serif"/>
+            </a:endParaRPr>
+          </a:p>
+        </p:txBody>
+      </p:sp>
+      <p:sp>
+        <p:nvSpPr>
+          <p:cNvPr id="144" name="Google Shape;144;p23"/>
           <p:cNvSpPr txBox="1">
             <a:spLocks noGrp="1"/>
           </p:cNvSpPr>
@@ -16490,16 +19129,417 @@
           </a:p>
         </p:txBody>
       </p:sp>
+      <p:sp>
+        <p:nvSpPr>
+          <p:cNvPr id="2" name="TextBox 1">
+            <a:extLst>
+              <a:ext uri="{FF2B5EF4-FFF2-40B4-BE49-F238E27FC236}">
+                <a16:creationId xmlns:a16="http://schemas.microsoft.com/office/drawing/2014/main" id="{F958274F-3410-3745-9856-0B137122BBA9}"/>
+              </a:ext>
+            </a:extLst>
+          </p:cNvPr>
+          <p:cNvSpPr txBox="1"/>
+          <p:nvPr/>
+        </p:nvSpPr>
+        <p:spPr>
+          <a:xfrm>
+            <a:off x="4171165" y="2340917"/>
+            <a:ext cx="675185" cy="461665"/>
+          </a:xfrm>
+          <a:prstGeom prst="rect">
+            <a:avLst/>
+          </a:prstGeom>
+          <a:noFill/>
+        </p:spPr>
+        <p:txBody>
+          <a:bodyPr wrap="none" rtlCol="0">
+            <a:spAutoFit/>
+          </a:bodyPr>
+          <a:lstStyle/>
+          <a:p>
+            <a:r>
+              <a:rPr lang="en-US" sz="2400" dirty="0">
+                <a:latin typeface="PT Serif"/>
+              </a:rPr>
+              <a:t>===</a:t>
+            </a:r>
+          </a:p>
+        </p:txBody>
+      </p:sp>
+      <p:cxnSp>
+        <p:nvCxnSpPr>
+          <p:cNvPr id="4" name="Straight Arrow Connector 3">
+            <a:extLst>
+              <a:ext uri="{FF2B5EF4-FFF2-40B4-BE49-F238E27FC236}">
+                <a16:creationId xmlns:a16="http://schemas.microsoft.com/office/drawing/2014/main" id="{EAAF9933-340E-284C-BF32-583805272BFB}"/>
+              </a:ext>
+            </a:extLst>
+          </p:cNvPr>
+          <p:cNvCxnSpPr>
+            <a:endCxn id="141" idx="0"/>
+          </p:cNvCxnSpPr>
+          <p:nvPr/>
+        </p:nvCxnSpPr>
+        <p:spPr>
+          <a:xfrm>
+            <a:off x="2865950" y="1391478"/>
+            <a:ext cx="0" cy="249222"/>
+          </a:xfrm>
+          <a:prstGeom prst="straightConnector1">
+            <a:avLst/>
+          </a:prstGeom>
+          <a:ln>
+            <a:tailEnd type="triangle"/>
+          </a:ln>
+        </p:spPr>
+        <p:style>
+          <a:lnRef idx="1">
+            <a:schemeClr val="accent1"/>
+          </a:lnRef>
+          <a:fillRef idx="0">
+            <a:schemeClr val="accent1"/>
+          </a:fillRef>
+          <a:effectRef idx="0">
+            <a:schemeClr val="accent1"/>
+          </a:effectRef>
+          <a:fontRef idx="minor">
+            <a:schemeClr val="tx1"/>
+          </a:fontRef>
+        </p:style>
+      </p:cxnSp>
+      <p:sp>
+        <p:nvSpPr>
+          <p:cNvPr id="9" name="Freeform 8">
+            <a:extLst>
+              <a:ext uri="{FF2B5EF4-FFF2-40B4-BE49-F238E27FC236}">
+                <a16:creationId xmlns:a16="http://schemas.microsoft.com/office/drawing/2014/main" id="{B00EDA58-360B-9346-B89E-B9FE9E5C2179}"/>
+              </a:ext>
+            </a:extLst>
+          </p:cNvPr>
+          <p:cNvSpPr/>
+          <p:nvPr/>
+        </p:nvSpPr>
+        <p:spPr>
+          <a:xfrm>
+            <a:off x="3625795" y="1716972"/>
+            <a:ext cx="1852654" cy="366270"/>
+          </a:xfrm>
+          <a:custGeom>
+            <a:avLst/>
+            <a:gdLst>
+              <a:gd name="connsiteX0" fmla="*/ 0 w 1852654"/>
+              <a:gd name="connsiteY0" fmla="*/ 302659 h 366270"/>
+              <a:gd name="connsiteX1" fmla="*/ 842838 w 1852654"/>
+              <a:gd name="connsiteY1" fmla="*/ 510 h 366270"/>
+              <a:gd name="connsiteX2" fmla="*/ 1852654 w 1852654"/>
+              <a:gd name="connsiteY2" fmla="*/ 366270 h 366270"/>
+            </a:gdLst>
+            <a:ahLst/>
+            <a:cxnLst>
+              <a:cxn ang="0">
+                <a:pos x="connsiteX0" y="connsiteY0"/>
+              </a:cxn>
+              <a:cxn ang="0">
+                <a:pos x="connsiteX1" y="connsiteY1"/>
+              </a:cxn>
+              <a:cxn ang="0">
+                <a:pos x="connsiteX2" y="connsiteY2"/>
+              </a:cxn>
+            </a:cxnLst>
+            <a:rect l="l" t="t" r="r" b="b"/>
+            <a:pathLst>
+              <a:path w="1852654" h="366270">
+                <a:moveTo>
+                  <a:pt x="0" y="302659"/>
+                </a:moveTo>
+                <a:cubicBezTo>
+                  <a:pt x="267031" y="146283"/>
+                  <a:pt x="534062" y="-10092"/>
+                  <a:pt x="842838" y="510"/>
+                </a:cubicBezTo>
+                <a:cubicBezTo>
+                  <a:pt x="1151614" y="11112"/>
+                  <a:pt x="1502134" y="188691"/>
+                  <a:pt x="1852654" y="366270"/>
+                </a:cubicBezTo>
+              </a:path>
+            </a:pathLst>
+          </a:custGeom>
+          <a:noFill/>
+          <a:ln>
+            <a:tailEnd type="triangle"/>
+          </a:ln>
+        </p:spPr>
+        <p:style>
+          <a:lnRef idx="2">
+            <a:schemeClr val="accent1">
+              <a:shade val="50000"/>
+            </a:schemeClr>
+          </a:lnRef>
+          <a:fillRef idx="1">
+            <a:schemeClr val="accent1"/>
+          </a:fillRef>
+          <a:effectRef idx="0">
+            <a:schemeClr val="accent1"/>
+          </a:effectRef>
+          <a:fontRef idx="minor">
+            <a:schemeClr val="lt1"/>
+          </a:fontRef>
+        </p:style>
+        <p:txBody>
+          <a:bodyPr rtlCol="0" anchor="ctr"/>
+          <a:lstStyle/>
+          <a:p>
+            <a:pPr algn="ctr"/>
+            <a:endParaRPr lang="en-US"/>
+          </a:p>
+        </p:txBody>
+      </p:sp>
+      <p:sp>
+        <p:nvSpPr>
+          <p:cNvPr id="10" name="TextBox 9">
+            <a:extLst>
+              <a:ext uri="{FF2B5EF4-FFF2-40B4-BE49-F238E27FC236}">
+                <a16:creationId xmlns:a16="http://schemas.microsoft.com/office/drawing/2014/main" id="{F63E6113-C64B-BC42-ABEA-6DB09455D094}"/>
+              </a:ext>
+            </a:extLst>
+          </p:cNvPr>
+          <p:cNvSpPr txBox="1"/>
+          <p:nvPr/>
+        </p:nvSpPr>
+        <p:spPr>
+          <a:xfrm>
+            <a:off x="3436989" y="1391478"/>
+            <a:ext cx="2143536" cy="307777"/>
+          </a:xfrm>
+          <a:prstGeom prst="rect">
+            <a:avLst/>
+          </a:prstGeom>
+          <a:noFill/>
+        </p:spPr>
+        <p:txBody>
+          <a:bodyPr wrap="none" rtlCol="0">
+            <a:spAutoFit/>
+          </a:bodyPr>
+          <a:lstStyle/>
+          <a:p>
+            <a:pPr algn="ctr"/>
+            <a:r>
+              <a:rPr lang="en-US" dirty="0"/>
+              <a:t>Provable Transformation</a:t>
+            </a:r>
+          </a:p>
+        </p:txBody>
+      </p:sp>
+      <p:sp>
+        <p:nvSpPr>
+          <p:cNvPr id="18" name="Google Shape;140;p23">
+            <a:extLst>
+              <a:ext uri="{FF2B5EF4-FFF2-40B4-BE49-F238E27FC236}">
+                <a16:creationId xmlns:a16="http://schemas.microsoft.com/office/drawing/2014/main" id="{9B645C56-77AE-D843-9795-3EF0DD3B03FA}"/>
+              </a:ext>
+            </a:extLst>
+          </p:cNvPr>
+          <p:cNvSpPr txBox="1">
+            <a:spLocks noGrp="1"/>
+          </p:cNvSpPr>
+          <p:nvPr>
+            <p:ph type="title"/>
+          </p:nvPr>
+        </p:nvSpPr>
+        <p:spPr>
+          <a:xfrm>
+            <a:off x="388955" y="338306"/>
+            <a:ext cx="8366100" cy="762600"/>
+          </a:xfrm>
+          <a:prstGeom prst="rect">
+            <a:avLst/>
+          </a:prstGeom>
+        </p:spPr>
+        <p:txBody>
+          <a:bodyPr spcFirstLastPara="1" wrap="square" lIns="91425" tIns="91425" rIns="91425" bIns="91425" anchor="ctr" anchorCtr="0">
+            <a:noAutofit/>
+          </a:bodyPr>
+          <a:lstStyle/>
+          <a:p>
+            <a:pPr marL="0" lvl="0" indent="0" algn="ctr" rtl="0">
+              <a:spcBef>
+                <a:spcPts val="0"/>
+              </a:spcBef>
+              <a:spcAft>
+                <a:spcPts val="0"/>
+              </a:spcAft>
+              <a:buNone/>
+            </a:pPr>
+            <a:r>
+              <a:rPr lang="en" dirty="0"/>
+              <a:t>Checking For Behavior Preservation</a:t>
+            </a:r>
+            <a:endParaRPr dirty="0"/>
+          </a:p>
+        </p:txBody>
+      </p:sp>
     </p:spTree>
     <p:extLst>
       <p:ext uri="{BB962C8B-B14F-4D97-AF65-F5344CB8AC3E}">
-        <p14:creationId xmlns:p14="http://schemas.microsoft.com/office/powerpoint/2010/main" val="1061700413"/>
+        <p14:creationId xmlns:p14="http://schemas.microsoft.com/office/powerpoint/2010/main" val="996519027"/>
       </p:ext>
     </p:extLst>
   </p:cSld>
   <p:clrMapOvr>
     <a:masterClrMapping/>
   </p:clrMapOvr>
+  <p:timing>
+    <p:tnLst>
+      <p:par>
+        <p:cTn id="1" dur="indefinite" restart="never" nodeType="tmRoot">
+          <p:childTnLst>
+            <p:seq concurrent="1" nextAc="seek">
+              <p:cTn id="2" dur="indefinite" nodeType="mainSeq">
+                <p:childTnLst>
+                  <p:par>
+                    <p:cTn id="3" fill="hold">
+                      <p:stCondLst>
+                        <p:cond delay="indefinite"/>
+                      </p:stCondLst>
+                      <p:childTnLst>
+                        <p:par>
+                          <p:cTn id="4" fill="hold">
+                            <p:stCondLst>
+                              <p:cond delay="0"/>
+                            </p:stCondLst>
+                            <p:childTnLst>
+                              <p:par>
+                                <p:cTn id="5" presetID="1" presetClass="entr" presetSubtype="0" fill="hold" nodeType="clickEffect">
+                                  <p:stCondLst>
+                                    <p:cond delay="0"/>
+                                  </p:stCondLst>
+                                  <p:childTnLst>
+                                    <p:set>
+                                      <p:cBhvr>
+                                        <p:cTn id="6" dur="1" fill="hold">
+                                          <p:stCondLst>
+                                            <p:cond delay="0"/>
+                                          </p:stCondLst>
+                                        </p:cTn>
+                                        <p:tgtEl>
+                                          <p:spTgt spid="4"/>
+                                        </p:tgtEl>
+                                        <p:attrNameLst>
+                                          <p:attrName>style.visibility</p:attrName>
+                                        </p:attrNameLst>
+                                      </p:cBhvr>
+                                      <p:to>
+                                        <p:strVal val="visible"/>
+                                      </p:to>
+                                    </p:set>
+                                  </p:childTnLst>
+                                </p:cTn>
+                              </p:par>
+                            </p:childTnLst>
+                          </p:cTn>
+                        </p:par>
+                      </p:childTnLst>
+                    </p:cTn>
+                  </p:par>
+                  <p:par>
+                    <p:cTn id="7" fill="hold">
+                      <p:stCondLst>
+                        <p:cond delay="indefinite"/>
+                      </p:stCondLst>
+                      <p:childTnLst>
+                        <p:par>
+                          <p:cTn id="8" fill="hold">
+                            <p:stCondLst>
+                              <p:cond delay="0"/>
+                            </p:stCondLst>
+                            <p:childTnLst>
+                              <p:par>
+                                <p:cTn id="9" presetID="1" presetClass="entr" presetSubtype="0" fill="hold" grpId="0" nodeType="clickEffect">
+                                  <p:stCondLst>
+                                    <p:cond delay="0"/>
+                                  </p:stCondLst>
+                                  <p:childTnLst>
+                                    <p:set>
+                                      <p:cBhvr>
+                                        <p:cTn id="10" dur="1" fill="hold">
+                                          <p:stCondLst>
+                                            <p:cond delay="0"/>
+                                          </p:stCondLst>
+                                        </p:cTn>
+                                        <p:tgtEl>
+                                          <p:spTgt spid="10"/>
+                                        </p:tgtEl>
+                                        <p:attrNameLst>
+                                          <p:attrName>style.visibility</p:attrName>
+                                        </p:attrNameLst>
+                                      </p:cBhvr>
+                                      <p:to>
+                                        <p:strVal val="visible"/>
+                                      </p:to>
+                                    </p:set>
+                                  </p:childTnLst>
+                                </p:cTn>
+                              </p:par>
+                              <p:par>
+                                <p:cTn id="11" presetID="1" presetClass="entr" presetSubtype="0" fill="hold" grpId="0" nodeType="withEffect">
+                                  <p:stCondLst>
+                                    <p:cond delay="0"/>
+                                  </p:stCondLst>
+                                  <p:childTnLst>
+                                    <p:set>
+                                      <p:cBhvr>
+                                        <p:cTn id="12" dur="1" fill="hold">
+                                          <p:stCondLst>
+                                            <p:cond delay="0"/>
+                                          </p:stCondLst>
+                                        </p:cTn>
+                                        <p:tgtEl>
+                                          <p:spTgt spid="9"/>
+                                        </p:tgtEl>
+                                        <p:attrNameLst>
+                                          <p:attrName>style.visibility</p:attrName>
+                                        </p:attrNameLst>
+                                      </p:cBhvr>
+                                      <p:to>
+                                        <p:strVal val="visible"/>
+                                      </p:to>
+                                    </p:set>
+                                  </p:childTnLst>
+                                </p:cTn>
+                              </p:par>
+                            </p:childTnLst>
+                          </p:cTn>
+                        </p:par>
+                      </p:childTnLst>
+                    </p:cTn>
+                  </p:par>
+                </p:childTnLst>
+              </p:cTn>
+              <p:prevCondLst>
+                <p:cond evt="onPrev" delay="0">
+                  <p:tgtEl>
+                    <p:sldTgt/>
+                  </p:tgtEl>
+                </p:cond>
+              </p:prevCondLst>
+              <p:nextCondLst>
+                <p:cond evt="onNext" delay="0">
+                  <p:tgtEl>
+                    <p:sldTgt/>
+                  </p:tgtEl>
+                </p:cond>
+              </p:nextCondLst>
+            </p:seq>
+          </p:childTnLst>
+        </p:cTn>
+      </p:par>
+    </p:tnLst>
+    <p:bldLst>
+      <p:bldP spid="9" grpId="0" animBg="1"/>
+      <p:bldP spid="10" grpId="0"/>
+    </p:bldLst>
+  </p:timing>
 </p:sld>
 </file>
 

--- a/RefactoringToCleanerCode.pptx
+++ b/RefactoringToCleanerCode.pptx
@@ -10169,6 +10169,36 @@
           </p:txBody>
         </p:sp>
       </p:grpSp>
+      <p:pic>
+        <p:nvPicPr>
+          <p:cNvPr id="2" name="Picture 1">
+            <a:extLst>
+              <a:ext uri="{FF2B5EF4-FFF2-40B4-BE49-F238E27FC236}">
+                <a16:creationId xmlns:a16="http://schemas.microsoft.com/office/drawing/2014/main" id="{F48A06ED-828D-2D43-B95C-137BEB1A5C55}"/>
+              </a:ext>
+            </a:extLst>
+          </p:cNvPr>
+          <p:cNvPicPr>
+            <a:picLocks noChangeAspect="1"/>
+          </p:cNvPicPr>
+          <p:nvPr/>
+        </p:nvPicPr>
+        <p:blipFill>
+          <a:blip r:embed="rId3"/>
+          <a:stretch>
+            <a:fillRect/>
+          </a:stretch>
+        </p:blipFill>
+        <p:spPr>
+          <a:xfrm>
+            <a:off x="4144540" y="3543449"/>
+            <a:ext cx="854917" cy="759926"/>
+          </a:xfrm>
+          <a:prstGeom prst="rect">
+            <a:avLst/>
+          </a:prstGeom>
+        </p:spPr>
+      </p:pic>
     </p:spTree>
     <p:extLst>
       <p:ext uri="{BB962C8B-B14F-4D97-AF65-F5344CB8AC3E}">

--- a/RefactoringToCleanerCode.pptx
+++ b/RefactoringToCleanerCode.pptx
@@ -8640,7 +8640,7 @@
           <a:p>
             <a:r>
               <a:rPr lang="en-US" dirty="0"/>
-              <a:t>Home work</a:t>
+              <a:t>Homework</a:t>
             </a:r>
           </a:p>
         </p:txBody>
@@ -8667,9 +8667,18 @@
           <a:lstStyle/>
           <a:p>
             <a:r>
+              <a:rPr lang="en-US"/>
+              <a:t> Making </a:t>
+            </a:r>
+            <a:r>
               <a:rPr lang="en-US" dirty="0"/>
-              <a:t>Draw 6 test scenarios</a:t>
+              <a:t>these </a:t>
             </a:r>
+            <a:r>
+              <a:rPr lang="en-US"/>
+              <a:t>behaviors stick  </a:t>
+            </a:r>
+            <a:endParaRPr lang="en-US" dirty="0"/>
           </a:p>
         </p:txBody>
       </p:sp>
